--- a/presentation/Presentation.pptx
+++ b/presentation/Presentation.pptx
@@ -2,8 +2,11 @@
 <file path=ppt/presentation.xml><?xml version="1.0" encoding="utf-8"?>
 <p:presentation xmlns:a="http://schemas.openxmlformats.org/drawingml/2006/main" xmlns:r="http://schemas.openxmlformats.org/officeDocument/2006/relationships" xmlns:p="http://schemas.openxmlformats.org/presentationml/2006/main" saveSubsetFonts="1">
   <p:sldMasterIdLst>
-    <p:sldMasterId id="2147483648" r:id="rId1"/>
+    <p:sldMasterId id="2147483660" r:id="rId1"/>
   </p:sldMasterIdLst>
+  <p:notesMasterIdLst>
+    <p:notesMasterId r:id="rId9"/>
+  </p:notesMasterIdLst>
   <p:sldIdLst>
     <p:sldId id="256" r:id="rId2"/>
     <p:sldId id="257" r:id="rId3"/>
@@ -19,7 +22,7 @@
     <a:defPPr>
       <a:defRPr lang="en-US"/>
     </a:defPPr>
-    <a:lvl1pPr marL="0" algn="l" defTabSz="914400" rtl="0" eaLnBrk="1" latinLnBrk="0" hangingPunct="1">
+    <a:lvl1pPr marL="0" algn="l" defTabSz="457200" rtl="0" eaLnBrk="1" latinLnBrk="0" hangingPunct="1">
       <a:defRPr sz="1800" kern="1200">
         <a:solidFill>
           <a:schemeClr val="tx1"/>
@@ -29,7 +32,7 @@
         <a:cs typeface="+mn-cs"/>
       </a:defRPr>
     </a:lvl1pPr>
-    <a:lvl2pPr marL="457200" algn="l" defTabSz="914400" rtl="0" eaLnBrk="1" latinLnBrk="0" hangingPunct="1">
+    <a:lvl2pPr marL="457200" algn="l" defTabSz="457200" rtl="0" eaLnBrk="1" latinLnBrk="0" hangingPunct="1">
       <a:defRPr sz="1800" kern="1200">
         <a:solidFill>
           <a:schemeClr val="tx1"/>
@@ -39,7 +42,7 @@
         <a:cs typeface="+mn-cs"/>
       </a:defRPr>
     </a:lvl2pPr>
-    <a:lvl3pPr marL="914400" algn="l" defTabSz="914400" rtl="0" eaLnBrk="1" latinLnBrk="0" hangingPunct="1">
+    <a:lvl3pPr marL="914400" algn="l" defTabSz="457200" rtl="0" eaLnBrk="1" latinLnBrk="0" hangingPunct="1">
       <a:defRPr sz="1800" kern="1200">
         <a:solidFill>
           <a:schemeClr val="tx1"/>
@@ -49,7 +52,7 @@
         <a:cs typeface="+mn-cs"/>
       </a:defRPr>
     </a:lvl3pPr>
-    <a:lvl4pPr marL="1371600" algn="l" defTabSz="914400" rtl="0" eaLnBrk="1" latinLnBrk="0" hangingPunct="1">
+    <a:lvl4pPr marL="1371600" algn="l" defTabSz="457200" rtl="0" eaLnBrk="1" latinLnBrk="0" hangingPunct="1">
       <a:defRPr sz="1800" kern="1200">
         <a:solidFill>
           <a:schemeClr val="tx1"/>
@@ -59,7 +62,7 @@
         <a:cs typeface="+mn-cs"/>
       </a:defRPr>
     </a:lvl4pPr>
-    <a:lvl5pPr marL="1828800" algn="l" defTabSz="914400" rtl="0" eaLnBrk="1" latinLnBrk="0" hangingPunct="1">
+    <a:lvl5pPr marL="1828800" algn="l" defTabSz="457200" rtl="0" eaLnBrk="1" latinLnBrk="0" hangingPunct="1">
       <a:defRPr sz="1800" kern="1200">
         <a:solidFill>
           <a:schemeClr val="tx1"/>
@@ -69,7 +72,7 @@
         <a:cs typeface="+mn-cs"/>
       </a:defRPr>
     </a:lvl5pPr>
-    <a:lvl6pPr marL="2286000" algn="l" defTabSz="914400" rtl="0" eaLnBrk="1" latinLnBrk="0" hangingPunct="1">
+    <a:lvl6pPr marL="2286000" algn="l" defTabSz="457200" rtl="0" eaLnBrk="1" latinLnBrk="0" hangingPunct="1">
       <a:defRPr sz="1800" kern="1200">
         <a:solidFill>
           <a:schemeClr val="tx1"/>
@@ -79,7 +82,7 @@
         <a:cs typeface="+mn-cs"/>
       </a:defRPr>
     </a:lvl6pPr>
-    <a:lvl7pPr marL="2743200" algn="l" defTabSz="914400" rtl="0" eaLnBrk="1" latinLnBrk="0" hangingPunct="1">
+    <a:lvl7pPr marL="2743200" algn="l" defTabSz="457200" rtl="0" eaLnBrk="1" latinLnBrk="0" hangingPunct="1">
       <a:defRPr sz="1800" kern="1200">
         <a:solidFill>
           <a:schemeClr val="tx1"/>
@@ -89,7 +92,7 @@
         <a:cs typeface="+mn-cs"/>
       </a:defRPr>
     </a:lvl7pPr>
-    <a:lvl8pPr marL="3200400" algn="l" defTabSz="914400" rtl="0" eaLnBrk="1" latinLnBrk="0" hangingPunct="1">
+    <a:lvl8pPr marL="3200400" algn="l" defTabSz="457200" rtl="0" eaLnBrk="1" latinLnBrk="0" hangingPunct="1">
       <a:defRPr sz="1800" kern="1200">
         <a:solidFill>
           <a:schemeClr val="tx1"/>
@@ -99,7 +102,7 @@
         <a:cs typeface="+mn-cs"/>
       </a:defRPr>
     </a:lvl8pPr>
-    <a:lvl9pPr marL="3657600" algn="l" defTabSz="914400" rtl="0" eaLnBrk="1" latinLnBrk="0" hangingPunct="1">
+    <a:lvl9pPr marL="3657600" algn="l" defTabSz="457200" rtl="0" eaLnBrk="1" latinLnBrk="0" hangingPunct="1">
       <a:defRPr sz="1800" kern="1200">
         <a:solidFill>
           <a:schemeClr val="tx1"/>
@@ -110,7 +113,1176 @@
       </a:defRPr>
     </a:lvl9pPr>
   </p:defaultTextStyle>
+  <p:extLst>
+    <p:ext uri="{EFAFB233-063F-42B5-8137-9DF3F51BA10A}">
+      <p15:sldGuideLst xmlns:p15="http://schemas.microsoft.com/office/powerpoint/2012/main"/>
+    </p:ext>
+  </p:extLst>
 </p:presentation>
+</file>
+
+<file path=ppt/notesMasters/notesMaster1.xml><?xml version="1.0" encoding="utf-8"?>
+<p:notesMaster xmlns:a="http://schemas.openxmlformats.org/drawingml/2006/main" xmlns:r="http://schemas.openxmlformats.org/officeDocument/2006/relationships" xmlns:p="http://schemas.openxmlformats.org/presentationml/2006/main">
+  <p:cSld>
+    <p:bg>
+      <p:bgRef idx="1001">
+        <a:schemeClr val="bg1"/>
+      </p:bgRef>
+    </p:bg>
+    <p:spTree>
+      <p:nvGrpSpPr>
+        <p:cNvPr id="1" name=""/>
+        <p:cNvGrpSpPr/>
+        <p:nvPr/>
+      </p:nvGrpSpPr>
+      <p:grpSpPr>
+        <a:xfrm>
+          <a:off x="0" y="0"/>
+          <a:ext cx="0" cy="0"/>
+          <a:chOff x="0" y="0"/>
+          <a:chExt cx="0" cy="0"/>
+        </a:xfrm>
+      </p:grpSpPr>
+      <p:sp>
+        <p:nvSpPr>
+          <p:cNvPr id="2" name="Header Placeholder 1"/>
+          <p:cNvSpPr>
+            <a:spLocks noGrp="1"/>
+          </p:cNvSpPr>
+          <p:nvPr>
+            <p:ph type="hdr" sz="quarter"/>
+          </p:nvPr>
+        </p:nvSpPr>
+        <p:spPr>
+          <a:xfrm>
+            <a:off x="0" y="0"/>
+            <a:ext cx="2971800" cy="458788"/>
+          </a:xfrm>
+          <a:prstGeom prst="rect">
+            <a:avLst/>
+          </a:prstGeom>
+        </p:spPr>
+        <p:txBody>
+          <a:bodyPr vert="horz" lIns="91440" tIns="45720" rIns="91440" bIns="45720" rtlCol="0"/>
+          <a:lstStyle>
+            <a:lvl1pPr algn="l">
+              <a:defRPr sz="1200"/>
+            </a:lvl1pPr>
+          </a:lstStyle>
+          <a:p>
+            <a:endParaRPr lang="en-GB"/>
+          </a:p>
+        </p:txBody>
+      </p:sp>
+      <p:sp>
+        <p:nvSpPr>
+          <p:cNvPr id="3" name="Date Placeholder 2"/>
+          <p:cNvSpPr>
+            <a:spLocks noGrp="1"/>
+          </p:cNvSpPr>
+          <p:nvPr>
+            <p:ph type="dt" idx="1"/>
+          </p:nvPr>
+        </p:nvSpPr>
+        <p:spPr>
+          <a:xfrm>
+            <a:off x="3884613" y="0"/>
+            <a:ext cx="2971800" cy="458788"/>
+          </a:xfrm>
+          <a:prstGeom prst="rect">
+            <a:avLst/>
+          </a:prstGeom>
+        </p:spPr>
+        <p:txBody>
+          <a:bodyPr vert="horz" lIns="91440" tIns="45720" rIns="91440" bIns="45720" rtlCol="0"/>
+          <a:lstStyle>
+            <a:lvl1pPr algn="r">
+              <a:defRPr sz="1200"/>
+            </a:lvl1pPr>
+          </a:lstStyle>
+          <a:p>
+            <a:fld id="{8ABB0A2C-8C74-4D5F-8976-A1CA3D252C7B}" type="datetimeFigureOut">
+              <a:rPr lang="en-GB" smtClean="0"/>
+              <a:t>17/02/2017</a:t>
+            </a:fld>
+            <a:endParaRPr lang="en-GB"/>
+          </a:p>
+        </p:txBody>
+      </p:sp>
+      <p:sp>
+        <p:nvSpPr>
+          <p:cNvPr id="4" name="Slide Image Placeholder 3"/>
+          <p:cNvSpPr>
+            <a:spLocks noGrp="1" noRot="1" noChangeAspect="1"/>
+          </p:cNvSpPr>
+          <p:nvPr>
+            <p:ph type="sldImg" idx="2"/>
+          </p:nvPr>
+        </p:nvSpPr>
+        <p:spPr>
+          <a:xfrm>
+            <a:off x="685800" y="1143000"/>
+            <a:ext cx="5486400" cy="3086100"/>
+          </a:xfrm>
+          <a:prstGeom prst="rect">
+            <a:avLst/>
+          </a:prstGeom>
+          <a:noFill/>
+          <a:ln w="12700">
+            <a:solidFill>
+              <a:prstClr val="black"/>
+            </a:solidFill>
+          </a:ln>
+        </p:spPr>
+        <p:txBody>
+          <a:bodyPr vert="horz" lIns="91440" tIns="45720" rIns="91440" bIns="45720" rtlCol="0" anchor="ctr"/>
+          <a:lstStyle/>
+          <a:p>
+            <a:endParaRPr lang="en-GB"/>
+          </a:p>
+        </p:txBody>
+      </p:sp>
+      <p:sp>
+        <p:nvSpPr>
+          <p:cNvPr id="5" name="Notes Placeholder 4"/>
+          <p:cNvSpPr>
+            <a:spLocks noGrp="1"/>
+          </p:cNvSpPr>
+          <p:nvPr>
+            <p:ph type="body" sz="quarter" idx="3"/>
+          </p:nvPr>
+        </p:nvSpPr>
+        <p:spPr>
+          <a:xfrm>
+            <a:off x="685800" y="4400550"/>
+            <a:ext cx="5486400" cy="3600450"/>
+          </a:xfrm>
+          <a:prstGeom prst="rect">
+            <a:avLst/>
+          </a:prstGeom>
+        </p:spPr>
+        <p:txBody>
+          <a:bodyPr vert="horz" lIns="91440" tIns="45720" rIns="91440" bIns="45720" rtlCol="0"/>
+          <a:lstStyle/>
+          <a:p>
+            <a:pPr lvl="0"/>
+            <a:r>
+              <a:rPr lang="en-US" smtClean="0"/>
+              <a:t>Edit Master text styles</a:t>
+            </a:r>
+          </a:p>
+          <a:p>
+            <a:pPr lvl="1"/>
+            <a:r>
+              <a:rPr lang="en-US" smtClean="0"/>
+              <a:t>Second level</a:t>
+            </a:r>
+          </a:p>
+          <a:p>
+            <a:pPr lvl="2"/>
+            <a:r>
+              <a:rPr lang="en-US" smtClean="0"/>
+              <a:t>Third level</a:t>
+            </a:r>
+          </a:p>
+          <a:p>
+            <a:pPr lvl="3"/>
+            <a:r>
+              <a:rPr lang="en-US" smtClean="0"/>
+              <a:t>Fourth level</a:t>
+            </a:r>
+          </a:p>
+          <a:p>
+            <a:pPr lvl="4"/>
+            <a:r>
+              <a:rPr lang="en-US" smtClean="0"/>
+              <a:t>Fifth level</a:t>
+            </a:r>
+            <a:endParaRPr lang="en-GB"/>
+          </a:p>
+        </p:txBody>
+      </p:sp>
+      <p:sp>
+        <p:nvSpPr>
+          <p:cNvPr id="6" name="Footer Placeholder 5"/>
+          <p:cNvSpPr>
+            <a:spLocks noGrp="1"/>
+          </p:cNvSpPr>
+          <p:nvPr>
+            <p:ph type="ftr" sz="quarter" idx="4"/>
+          </p:nvPr>
+        </p:nvSpPr>
+        <p:spPr>
+          <a:xfrm>
+            <a:off x="0" y="8685213"/>
+            <a:ext cx="2971800" cy="458787"/>
+          </a:xfrm>
+          <a:prstGeom prst="rect">
+            <a:avLst/>
+          </a:prstGeom>
+        </p:spPr>
+        <p:txBody>
+          <a:bodyPr vert="horz" lIns="91440" tIns="45720" rIns="91440" bIns="45720" rtlCol="0" anchor="b"/>
+          <a:lstStyle>
+            <a:lvl1pPr algn="l">
+              <a:defRPr sz="1200"/>
+            </a:lvl1pPr>
+          </a:lstStyle>
+          <a:p>
+            <a:endParaRPr lang="en-GB"/>
+          </a:p>
+        </p:txBody>
+      </p:sp>
+      <p:sp>
+        <p:nvSpPr>
+          <p:cNvPr id="7" name="Slide Number Placeholder 6"/>
+          <p:cNvSpPr>
+            <a:spLocks noGrp="1"/>
+          </p:cNvSpPr>
+          <p:nvPr>
+            <p:ph type="sldNum" sz="quarter" idx="5"/>
+          </p:nvPr>
+        </p:nvSpPr>
+        <p:spPr>
+          <a:xfrm>
+            <a:off x="3884613" y="8685213"/>
+            <a:ext cx="2971800" cy="458787"/>
+          </a:xfrm>
+          <a:prstGeom prst="rect">
+            <a:avLst/>
+          </a:prstGeom>
+        </p:spPr>
+        <p:txBody>
+          <a:bodyPr vert="horz" lIns="91440" tIns="45720" rIns="91440" bIns="45720" rtlCol="0" anchor="b"/>
+          <a:lstStyle>
+            <a:lvl1pPr algn="r">
+              <a:defRPr sz="1200"/>
+            </a:lvl1pPr>
+          </a:lstStyle>
+          <a:p>
+            <a:fld id="{CC65F549-3F42-4EE2-BD51-AE44E63D767A}" type="slidenum">
+              <a:rPr lang="en-GB" smtClean="0"/>
+              <a:t>‹#›</a:t>
+            </a:fld>
+            <a:endParaRPr lang="en-GB"/>
+          </a:p>
+        </p:txBody>
+      </p:sp>
+    </p:spTree>
+    <p:extLst>
+      <p:ext uri="{BB962C8B-B14F-4D97-AF65-F5344CB8AC3E}">
+        <p14:creationId xmlns:p14="http://schemas.microsoft.com/office/powerpoint/2010/main" val="2654049067"/>
+      </p:ext>
+    </p:extLst>
+  </p:cSld>
+  <p:clrMap bg1="lt1" tx1="dk1" bg2="lt2" tx2="dk2" accent1="accent1" accent2="accent2" accent3="accent3" accent4="accent4" accent5="accent5" accent6="accent6" hlink="hlink" folHlink="folHlink"/>
+  <p:notesStyle>
+    <a:lvl1pPr marL="0" algn="l" defTabSz="914400" rtl="0" eaLnBrk="1" latinLnBrk="0" hangingPunct="1">
+      <a:defRPr sz="1200" kern="1200">
+        <a:solidFill>
+          <a:schemeClr val="tx1"/>
+        </a:solidFill>
+        <a:latin typeface="+mn-lt"/>
+        <a:ea typeface="+mn-ea"/>
+        <a:cs typeface="+mn-cs"/>
+      </a:defRPr>
+    </a:lvl1pPr>
+    <a:lvl2pPr marL="457200" algn="l" defTabSz="914400" rtl="0" eaLnBrk="1" latinLnBrk="0" hangingPunct="1">
+      <a:defRPr sz="1200" kern="1200">
+        <a:solidFill>
+          <a:schemeClr val="tx1"/>
+        </a:solidFill>
+        <a:latin typeface="+mn-lt"/>
+        <a:ea typeface="+mn-ea"/>
+        <a:cs typeface="+mn-cs"/>
+      </a:defRPr>
+    </a:lvl2pPr>
+    <a:lvl3pPr marL="914400" algn="l" defTabSz="914400" rtl="0" eaLnBrk="1" latinLnBrk="0" hangingPunct="1">
+      <a:defRPr sz="1200" kern="1200">
+        <a:solidFill>
+          <a:schemeClr val="tx1"/>
+        </a:solidFill>
+        <a:latin typeface="+mn-lt"/>
+        <a:ea typeface="+mn-ea"/>
+        <a:cs typeface="+mn-cs"/>
+      </a:defRPr>
+    </a:lvl3pPr>
+    <a:lvl4pPr marL="1371600" algn="l" defTabSz="914400" rtl="0" eaLnBrk="1" latinLnBrk="0" hangingPunct="1">
+      <a:defRPr sz="1200" kern="1200">
+        <a:solidFill>
+          <a:schemeClr val="tx1"/>
+        </a:solidFill>
+        <a:latin typeface="+mn-lt"/>
+        <a:ea typeface="+mn-ea"/>
+        <a:cs typeface="+mn-cs"/>
+      </a:defRPr>
+    </a:lvl4pPr>
+    <a:lvl5pPr marL="1828800" algn="l" defTabSz="914400" rtl="0" eaLnBrk="1" latinLnBrk="0" hangingPunct="1">
+      <a:defRPr sz="1200" kern="1200">
+        <a:solidFill>
+          <a:schemeClr val="tx1"/>
+        </a:solidFill>
+        <a:latin typeface="+mn-lt"/>
+        <a:ea typeface="+mn-ea"/>
+        <a:cs typeface="+mn-cs"/>
+      </a:defRPr>
+    </a:lvl5pPr>
+    <a:lvl6pPr marL="2286000" algn="l" defTabSz="914400" rtl="0" eaLnBrk="1" latinLnBrk="0" hangingPunct="1">
+      <a:defRPr sz="1200" kern="1200">
+        <a:solidFill>
+          <a:schemeClr val="tx1"/>
+        </a:solidFill>
+        <a:latin typeface="+mn-lt"/>
+        <a:ea typeface="+mn-ea"/>
+        <a:cs typeface="+mn-cs"/>
+      </a:defRPr>
+    </a:lvl6pPr>
+    <a:lvl7pPr marL="2743200" algn="l" defTabSz="914400" rtl="0" eaLnBrk="1" latinLnBrk="0" hangingPunct="1">
+      <a:defRPr sz="1200" kern="1200">
+        <a:solidFill>
+          <a:schemeClr val="tx1"/>
+        </a:solidFill>
+        <a:latin typeface="+mn-lt"/>
+        <a:ea typeface="+mn-ea"/>
+        <a:cs typeface="+mn-cs"/>
+      </a:defRPr>
+    </a:lvl7pPr>
+    <a:lvl8pPr marL="3200400" algn="l" defTabSz="914400" rtl="0" eaLnBrk="1" latinLnBrk="0" hangingPunct="1">
+      <a:defRPr sz="1200" kern="1200">
+        <a:solidFill>
+          <a:schemeClr val="tx1"/>
+        </a:solidFill>
+        <a:latin typeface="+mn-lt"/>
+        <a:ea typeface="+mn-ea"/>
+        <a:cs typeface="+mn-cs"/>
+      </a:defRPr>
+    </a:lvl8pPr>
+    <a:lvl9pPr marL="3657600" algn="l" defTabSz="914400" rtl="0" eaLnBrk="1" latinLnBrk="0" hangingPunct="1">
+      <a:defRPr sz="1200" kern="1200">
+        <a:solidFill>
+          <a:schemeClr val="tx1"/>
+        </a:solidFill>
+        <a:latin typeface="+mn-lt"/>
+        <a:ea typeface="+mn-ea"/>
+        <a:cs typeface="+mn-cs"/>
+      </a:defRPr>
+    </a:lvl9pPr>
+  </p:notesStyle>
+</p:notesMaster>
+</file>
+
+<file path=ppt/notesSlides/notesSlide1.xml><?xml version="1.0" encoding="utf-8"?>
+<p:notes xmlns:a="http://schemas.openxmlformats.org/drawingml/2006/main" xmlns:r="http://schemas.openxmlformats.org/officeDocument/2006/relationships" xmlns:p="http://schemas.openxmlformats.org/presentationml/2006/main">
+  <p:cSld>
+    <p:spTree>
+      <p:nvGrpSpPr>
+        <p:cNvPr id="1" name=""/>
+        <p:cNvGrpSpPr/>
+        <p:nvPr/>
+      </p:nvGrpSpPr>
+      <p:grpSpPr>
+        <a:xfrm>
+          <a:off x="0" y="0"/>
+          <a:ext cx="0" cy="0"/>
+          <a:chOff x="0" y="0"/>
+          <a:chExt cx="0" cy="0"/>
+        </a:xfrm>
+      </p:grpSpPr>
+      <p:sp>
+        <p:nvSpPr>
+          <p:cNvPr id="2" name="Slide Image Placeholder 1"/>
+          <p:cNvSpPr>
+            <a:spLocks noGrp="1" noRot="1" noChangeAspect="1"/>
+          </p:cNvSpPr>
+          <p:nvPr>
+            <p:ph type="sldImg"/>
+          </p:nvPr>
+        </p:nvSpPr>
+        <p:spPr/>
+      </p:sp>
+      <p:sp>
+        <p:nvSpPr>
+          <p:cNvPr id="3" name="Notes Placeholder 2"/>
+          <p:cNvSpPr>
+            <a:spLocks noGrp="1"/>
+          </p:cNvSpPr>
+          <p:nvPr>
+            <p:ph type="body" idx="1"/>
+          </p:nvPr>
+        </p:nvSpPr>
+        <p:spPr/>
+        <p:txBody>
+          <a:bodyPr/>
+          <a:lstStyle/>
+          <a:p>
+            <a:r>
+              <a:rPr lang="en-GB" dirty="0" smtClean="0"/>
+              <a:t>BOTH.</a:t>
+            </a:r>
+            <a:r>
+              <a:rPr lang="en-GB" baseline="0" dirty="0" smtClean="0"/>
+              <a:t> Welcome screen, introducing ourselves and the name of our game!</a:t>
+            </a:r>
+            <a:endParaRPr lang="en-GB" dirty="0"/>
+          </a:p>
+        </p:txBody>
+      </p:sp>
+      <p:sp>
+        <p:nvSpPr>
+          <p:cNvPr id="4" name="Slide Number Placeholder 3"/>
+          <p:cNvSpPr>
+            <a:spLocks noGrp="1"/>
+          </p:cNvSpPr>
+          <p:nvPr>
+            <p:ph type="sldNum" sz="quarter" idx="10"/>
+          </p:nvPr>
+        </p:nvSpPr>
+        <p:spPr/>
+        <p:txBody>
+          <a:bodyPr/>
+          <a:lstStyle/>
+          <a:p>
+            <a:fld id="{CC65F549-3F42-4EE2-BD51-AE44E63D767A}" type="slidenum">
+              <a:rPr lang="en-GB" smtClean="0"/>
+              <a:t>1</a:t>
+            </a:fld>
+            <a:endParaRPr lang="en-GB"/>
+          </a:p>
+        </p:txBody>
+      </p:sp>
+    </p:spTree>
+    <p:extLst>
+      <p:ext uri="{BB962C8B-B14F-4D97-AF65-F5344CB8AC3E}">
+        <p14:creationId xmlns:p14="http://schemas.microsoft.com/office/powerpoint/2010/main" val="2459265859"/>
+      </p:ext>
+    </p:extLst>
+  </p:cSld>
+  <p:clrMapOvr>
+    <a:masterClrMapping/>
+  </p:clrMapOvr>
+</p:notes>
+</file>
+
+<file path=ppt/notesSlides/notesSlide2.xml><?xml version="1.0" encoding="utf-8"?>
+<p:notes xmlns:a="http://schemas.openxmlformats.org/drawingml/2006/main" xmlns:r="http://schemas.openxmlformats.org/officeDocument/2006/relationships" xmlns:p="http://schemas.openxmlformats.org/presentationml/2006/main">
+  <p:cSld>
+    <p:spTree>
+      <p:nvGrpSpPr>
+        <p:cNvPr id="1" name=""/>
+        <p:cNvGrpSpPr/>
+        <p:nvPr/>
+      </p:nvGrpSpPr>
+      <p:grpSpPr>
+        <a:xfrm>
+          <a:off x="0" y="0"/>
+          <a:ext cx="0" cy="0"/>
+          <a:chOff x="0" y="0"/>
+          <a:chExt cx="0" cy="0"/>
+        </a:xfrm>
+      </p:grpSpPr>
+      <p:sp>
+        <p:nvSpPr>
+          <p:cNvPr id="2" name="Slide Image Placeholder 1"/>
+          <p:cNvSpPr>
+            <a:spLocks noGrp="1" noRot="1" noChangeAspect="1"/>
+          </p:cNvSpPr>
+          <p:nvPr>
+            <p:ph type="sldImg"/>
+          </p:nvPr>
+        </p:nvSpPr>
+        <p:spPr/>
+      </p:sp>
+      <p:sp>
+        <p:nvSpPr>
+          <p:cNvPr id="3" name="Notes Placeholder 2"/>
+          <p:cNvSpPr>
+            <a:spLocks noGrp="1"/>
+          </p:cNvSpPr>
+          <p:nvPr>
+            <p:ph type="body" idx="1"/>
+          </p:nvPr>
+        </p:nvSpPr>
+        <p:spPr/>
+        <p:txBody>
+          <a:bodyPr/>
+          <a:lstStyle/>
+          <a:p>
+            <a:r>
+              <a:rPr lang="en-GB" dirty="0" smtClean="0"/>
+              <a:t>JOSH. Talk </a:t>
+            </a:r>
+            <a:r>
+              <a:rPr lang="en-GB" dirty="0" smtClean="0"/>
+              <a:t>more about the game itself,</a:t>
+            </a:r>
+            <a:r>
+              <a:rPr lang="en-GB" baseline="0" dirty="0" smtClean="0"/>
+              <a:t> such as it’s aim and end goal. </a:t>
+            </a:r>
+          </a:p>
+          <a:p>
+            <a:endParaRPr lang="en-GB" baseline="0" dirty="0" smtClean="0"/>
+          </a:p>
+          <a:p>
+            <a:r>
+              <a:rPr lang="en-GB" baseline="0" dirty="0" smtClean="0"/>
+              <a:t>Don’t discuss actual gameplay, as this will be discussed on the following slide.</a:t>
+            </a:r>
+            <a:endParaRPr lang="en-GB" dirty="0"/>
+          </a:p>
+        </p:txBody>
+      </p:sp>
+      <p:sp>
+        <p:nvSpPr>
+          <p:cNvPr id="4" name="Slide Number Placeholder 3"/>
+          <p:cNvSpPr>
+            <a:spLocks noGrp="1"/>
+          </p:cNvSpPr>
+          <p:nvPr>
+            <p:ph type="sldNum" sz="quarter" idx="10"/>
+          </p:nvPr>
+        </p:nvSpPr>
+        <p:spPr/>
+        <p:txBody>
+          <a:bodyPr/>
+          <a:lstStyle/>
+          <a:p>
+            <a:fld id="{CC65F549-3F42-4EE2-BD51-AE44E63D767A}" type="slidenum">
+              <a:rPr lang="en-GB" smtClean="0"/>
+              <a:t>2</a:t>
+            </a:fld>
+            <a:endParaRPr lang="en-GB"/>
+          </a:p>
+        </p:txBody>
+      </p:sp>
+    </p:spTree>
+    <p:extLst>
+      <p:ext uri="{BB962C8B-B14F-4D97-AF65-F5344CB8AC3E}">
+        <p14:creationId xmlns:p14="http://schemas.microsoft.com/office/powerpoint/2010/main" val="2909855969"/>
+      </p:ext>
+    </p:extLst>
+  </p:cSld>
+  <p:clrMapOvr>
+    <a:masterClrMapping/>
+  </p:clrMapOvr>
+</p:notes>
+</file>
+
+<file path=ppt/notesSlides/notesSlide3.xml><?xml version="1.0" encoding="utf-8"?>
+<p:notes xmlns:a="http://schemas.openxmlformats.org/drawingml/2006/main" xmlns:r="http://schemas.openxmlformats.org/officeDocument/2006/relationships" xmlns:p="http://schemas.openxmlformats.org/presentationml/2006/main">
+  <p:cSld>
+    <p:spTree>
+      <p:nvGrpSpPr>
+        <p:cNvPr id="1" name=""/>
+        <p:cNvGrpSpPr/>
+        <p:nvPr/>
+      </p:nvGrpSpPr>
+      <p:grpSpPr>
+        <a:xfrm>
+          <a:off x="0" y="0"/>
+          <a:ext cx="0" cy="0"/>
+          <a:chOff x="0" y="0"/>
+          <a:chExt cx="0" cy="0"/>
+        </a:xfrm>
+      </p:grpSpPr>
+      <p:sp>
+        <p:nvSpPr>
+          <p:cNvPr id="2" name="Slide Image Placeholder 1"/>
+          <p:cNvSpPr>
+            <a:spLocks noGrp="1" noRot="1" noChangeAspect="1"/>
+          </p:cNvSpPr>
+          <p:nvPr>
+            <p:ph type="sldImg"/>
+          </p:nvPr>
+        </p:nvSpPr>
+        <p:spPr/>
+      </p:sp>
+      <p:sp>
+        <p:nvSpPr>
+          <p:cNvPr id="3" name="Notes Placeholder 2"/>
+          <p:cNvSpPr>
+            <a:spLocks noGrp="1"/>
+          </p:cNvSpPr>
+          <p:nvPr>
+            <p:ph type="body" idx="1"/>
+          </p:nvPr>
+        </p:nvSpPr>
+        <p:spPr/>
+        <p:txBody>
+          <a:bodyPr/>
+          <a:lstStyle/>
+          <a:p>
+            <a:r>
+              <a:rPr lang="en-GB" dirty="0" smtClean="0"/>
+              <a:t>JOSH. Discuss</a:t>
+            </a:r>
+            <a:r>
+              <a:rPr lang="en-GB" baseline="0" dirty="0" smtClean="0"/>
+              <a:t> </a:t>
+            </a:r>
+            <a:r>
+              <a:rPr lang="en-GB" baseline="0" dirty="0" smtClean="0"/>
+              <a:t>gameplay and the rules regarding it. </a:t>
+            </a:r>
+            <a:endParaRPr lang="en-GB" baseline="0" dirty="0" smtClean="0"/>
+          </a:p>
+          <a:p>
+            <a:endParaRPr lang="en-GB" baseline="0" dirty="0" smtClean="0"/>
+          </a:p>
+          <a:p>
+            <a:r>
+              <a:rPr lang="en-GB" baseline="0" dirty="0" smtClean="0"/>
+              <a:t>Make sure to explain these as it will go a long way towards other people understanding how our game will work.</a:t>
+            </a:r>
+            <a:endParaRPr lang="en-GB" dirty="0"/>
+          </a:p>
+        </p:txBody>
+      </p:sp>
+      <p:sp>
+        <p:nvSpPr>
+          <p:cNvPr id="4" name="Slide Number Placeholder 3"/>
+          <p:cNvSpPr>
+            <a:spLocks noGrp="1"/>
+          </p:cNvSpPr>
+          <p:nvPr>
+            <p:ph type="sldNum" sz="quarter" idx="10"/>
+          </p:nvPr>
+        </p:nvSpPr>
+        <p:spPr/>
+        <p:txBody>
+          <a:bodyPr/>
+          <a:lstStyle/>
+          <a:p>
+            <a:fld id="{CC65F549-3F42-4EE2-BD51-AE44E63D767A}" type="slidenum">
+              <a:rPr lang="en-GB" smtClean="0"/>
+              <a:t>3</a:t>
+            </a:fld>
+            <a:endParaRPr lang="en-GB"/>
+          </a:p>
+        </p:txBody>
+      </p:sp>
+    </p:spTree>
+    <p:extLst>
+      <p:ext uri="{BB962C8B-B14F-4D97-AF65-F5344CB8AC3E}">
+        <p14:creationId xmlns:p14="http://schemas.microsoft.com/office/powerpoint/2010/main" val="1637108588"/>
+      </p:ext>
+    </p:extLst>
+  </p:cSld>
+  <p:clrMapOvr>
+    <a:masterClrMapping/>
+  </p:clrMapOvr>
+</p:notes>
+</file>
+
+<file path=ppt/notesSlides/notesSlide4.xml><?xml version="1.0" encoding="utf-8"?>
+<p:notes xmlns:a="http://schemas.openxmlformats.org/drawingml/2006/main" xmlns:r="http://schemas.openxmlformats.org/officeDocument/2006/relationships" xmlns:p="http://schemas.openxmlformats.org/presentationml/2006/main">
+  <p:cSld>
+    <p:spTree>
+      <p:nvGrpSpPr>
+        <p:cNvPr id="1" name=""/>
+        <p:cNvGrpSpPr/>
+        <p:nvPr/>
+      </p:nvGrpSpPr>
+      <p:grpSpPr>
+        <a:xfrm>
+          <a:off x="0" y="0"/>
+          <a:ext cx="0" cy="0"/>
+          <a:chOff x="0" y="0"/>
+          <a:chExt cx="0" cy="0"/>
+        </a:xfrm>
+      </p:grpSpPr>
+      <p:sp>
+        <p:nvSpPr>
+          <p:cNvPr id="2" name="Slide Image Placeholder 1"/>
+          <p:cNvSpPr>
+            <a:spLocks noGrp="1" noRot="1" noChangeAspect="1"/>
+          </p:cNvSpPr>
+          <p:nvPr>
+            <p:ph type="sldImg"/>
+          </p:nvPr>
+        </p:nvSpPr>
+        <p:spPr/>
+      </p:sp>
+      <p:sp>
+        <p:nvSpPr>
+          <p:cNvPr id="3" name="Notes Placeholder 2"/>
+          <p:cNvSpPr>
+            <a:spLocks noGrp="1"/>
+          </p:cNvSpPr>
+          <p:nvPr>
+            <p:ph type="body" idx="1"/>
+          </p:nvPr>
+        </p:nvSpPr>
+        <p:spPr/>
+        <p:txBody>
+          <a:bodyPr/>
+          <a:lstStyle/>
+          <a:p>
+            <a:r>
+              <a:rPr lang="en-GB" dirty="0" smtClean="0"/>
+              <a:t>KYLE. These</a:t>
+            </a:r>
+            <a:r>
+              <a:rPr lang="en-GB" baseline="0" dirty="0" smtClean="0"/>
+              <a:t> storyboard drafts show different parts of the users gaming experience. </a:t>
+            </a:r>
+          </a:p>
+          <a:p>
+            <a:endParaRPr lang="en-GB" baseline="0" dirty="0" smtClean="0"/>
+          </a:p>
+          <a:p>
+            <a:r>
+              <a:rPr lang="en-GB" baseline="0" dirty="0" smtClean="0"/>
+              <a:t>Discuss how the users will navigate these storyboards to achieve certain stages (Such as connecting to the server or hosting a new session). </a:t>
+            </a:r>
+          </a:p>
+          <a:p>
+            <a:r>
+              <a:rPr lang="en-GB" baseline="0" dirty="0" smtClean="0"/>
+              <a:t>Try to be concise, meaning don’t over explain stuff, as I’m pretty sure we’re on a timer. </a:t>
+            </a:r>
+            <a:endParaRPr lang="en-GB" dirty="0"/>
+          </a:p>
+        </p:txBody>
+      </p:sp>
+      <p:sp>
+        <p:nvSpPr>
+          <p:cNvPr id="4" name="Slide Number Placeholder 3"/>
+          <p:cNvSpPr>
+            <a:spLocks noGrp="1"/>
+          </p:cNvSpPr>
+          <p:nvPr>
+            <p:ph type="sldNum" sz="quarter" idx="10"/>
+          </p:nvPr>
+        </p:nvSpPr>
+        <p:spPr/>
+        <p:txBody>
+          <a:bodyPr/>
+          <a:lstStyle/>
+          <a:p>
+            <a:fld id="{CC65F549-3F42-4EE2-BD51-AE44E63D767A}" type="slidenum">
+              <a:rPr lang="en-GB" smtClean="0"/>
+              <a:t>4</a:t>
+            </a:fld>
+            <a:endParaRPr lang="en-GB"/>
+          </a:p>
+        </p:txBody>
+      </p:sp>
+    </p:spTree>
+    <p:extLst>
+      <p:ext uri="{BB962C8B-B14F-4D97-AF65-F5344CB8AC3E}">
+        <p14:creationId xmlns:p14="http://schemas.microsoft.com/office/powerpoint/2010/main" val="3799319085"/>
+      </p:ext>
+    </p:extLst>
+  </p:cSld>
+  <p:clrMapOvr>
+    <a:masterClrMapping/>
+  </p:clrMapOvr>
+</p:notes>
+</file>
+
+<file path=ppt/notesSlides/notesSlide5.xml><?xml version="1.0" encoding="utf-8"?>
+<p:notes xmlns:a="http://schemas.openxmlformats.org/drawingml/2006/main" xmlns:r="http://schemas.openxmlformats.org/officeDocument/2006/relationships" xmlns:p="http://schemas.openxmlformats.org/presentationml/2006/main">
+  <p:cSld>
+    <p:spTree>
+      <p:nvGrpSpPr>
+        <p:cNvPr id="1" name=""/>
+        <p:cNvGrpSpPr/>
+        <p:nvPr/>
+      </p:nvGrpSpPr>
+      <p:grpSpPr>
+        <a:xfrm>
+          <a:off x="0" y="0"/>
+          <a:ext cx="0" cy="0"/>
+          <a:chOff x="0" y="0"/>
+          <a:chExt cx="0" cy="0"/>
+        </a:xfrm>
+      </p:grpSpPr>
+      <p:sp>
+        <p:nvSpPr>
+          <p:cNvPr id="2" name="Slide Image Placeholder 1"/>
+          <p:cNvSpPr>
+            <a:spLocks noGrp="1" noRot="1" noChangeAspect="1"/>
+          </p:cNvSpPr>
+          <p:nvPr>
+            <p:ph type="sldImg"/>
+          </p:nvPr>
+        </p:nvSpPr>
+        <p:spPr/>
+      </p:sp>
+      <p:sp>
+        <p:nvSpPr>
+          <p:cNvPr id="3" name="Notes Placeholder 2"/>
+          <p:cNvSpPr>
+            <a:spLocks noGrp="1"/>
+          </p:cNvSpPr>
+          <p:nvPr>
+            <p:ph type="body" idx="1"/>
+          </p:nvPr>
+        </p:nvSpPr>
+        <p:spPr/>
+        <p:txBody>
+          <a:bodyPr/>
+          <a:lstStyle/>
+          <a:p>
+            <a:r>
+              <a:rPr lang="en-GB" dirty="0" smtClean="0"/>
+              <a:t>KYLE.</a:t>
+            </a:r>
+            <a:r>
+              <a:rPr lang="en-GB" baseline="0" dirty="0" smtClean="0"/>
+              <a:t> </a:t>
+            </a:r>
+            <a:r>
+              <a:rPr lang="en-GB" dirty="0" smtClean="0"/>
+              <a:t>This</a:t>
+            </a:r>
+            <a:r>
+              <a:rPr lang="en-GB" baseline="0" dirty="0" smtClean="0"/>
+              <a:t> slide will be used to discuss our inspirations, and how they have affected the choices we have made. </a:t>
+            </a:r>
+            <a:endParaRPr lang="en-GB" dirty="0" smtClean="0"/>
+          </a:p>
+          <a:p>
+            <a:endParaRPr lang="en-GB" dirty="0" smtClean="0"/>
+          </a:p>
+          <a:p>
+            <a:r>
+              <a:rPr lang="en-GB" dirty="0" smtClean="0"/>
+              <a:t>All </a:t>
+            </a:r>
+            <a:r>
+              <a:rPr lang="en-GB" dirty="0" smtClean="0"/>
+              <a:t>these</a:t>
+            </a:r>
+            <a:r>
+              <a:rPr lang="en-GB" baseline="0" dirty="0" smtClean="0"/>
+              <a:t> games are licensed to respective owners. No copyrights intended. Their own fault for making such good games.</a:t>
+            </a:r>
+          </a:p>
+          <a:p>
+            <a:endParaRPr lang="en-GB" baseline="0" dirty="0" smtClean="0"/>
+          </a:p>
+          <a:p>
+            <a:r>
+              <a:rPr lang="en-GB" u="sng" baseline="0" dirty="0" smtClean="0"/>
+              <a:t>Title/Developer/Publisher</a:t>
+            </a:r>
+            <a:endParaRPr lang="en-GB" u="sng" baseline="0" dirty="0" smtClean="0"/>
+          </a:p>
+          <a:p>
+            <a:r>
+              <a:rPr lang="en-GB" baseline="0" dirty="0" smtClean="0"/>
+              <a:t>Super Smash Bros: HAL Laboratory, Nintendo</a:t>
+            </a:r>
+          </a:p>
+          <a:p>
+            <a:r>
+              <a:rPr lang="en-GB" baseline="0" dirty="0" smtClean="0"/>
+              <a:t>Tekken: </a:t>
+            </a:r>
+            <a:r>
+              <a:rPr lang="en-GB" baseline="0" dirty="0" smtClean="0"/>
+              <a:t>Bandai Namco Studios, Bandai Namco Studios</a:t>
+            </a:r>
+            <a:endParaRPr lang="en-GB" baseline="0" dirty="0" smtClean="0"/>
+          </a:p>
+          <a:p>
+            <a:r>
+              <a:rPr lang="en-GB" baseline="0" dirty="0" smtClean="0"/>
+              <a:t>Street Fighter 2</a:t>
+            </a:r>
+            <a:r>
+              <a:rPr lang="en-GB" baseline="0" dirty="0" smtClean="0"/>
+              <a:t>: Capcom, Capcom</a:t>
+            </a:r>
+            <a:endParaRPr lang="en-GB" baseline="0" dirty="0" smtClean="0"/>
+          </a:p>
+          <a:p>
+            <a:endParaRPr lang="en-GB" baseline="0" dirty="0" smtClean="0"/>
+          </a:p>
+          <a:p>
+            <a:r>
+              <a:rPr lang="en-GB" u="sng" baseline="0" dirty="0" smtClean="0"/>
+              <a:t>Image URLs</a:t>
+            </a:r>
+            <a:r>
+              <a:rPr lang="en-GB" u="sng" baseline="0" dirty="0" smtClean="0"/>
+              <a:t>:</a:t>
+            </a:r>
+            <a:endParaRPr lang="en-GB" u="sng" baseline="0" dirty="0" smtClean="0"/>
+          </a:p>
+          <a:p>
+            <a:r>
+              <a:rPr lang="en-GB" baseline="0" dirty="0" smtClean="0"/>
+              <a:t>Super Smash Bros: </a:t>
+            </a:r>
+            <a:r>
+              <a:rPr lang="en-GB" baseline="0" dirty="0" smtClean="0"/>
+              <a:t> http</a:t>
+            </a:r>
+            <a:r>
+              <a:rPr lang="en-GB" baseline="0" dirty="0" smtClean="0"/>
+              <a:t>://www.smashbros.com/en-uk/images/index/image/main-wiiu-logo.png</a:t>
+            </a:r>
+          </a:p>
+          <a:p>
+            <a:r>
+              <a:rPr lang="en-GB" baseline="0" dirty="0" smtClean="0"/>
+              <a:t>Tekken: </a:t>
+            </a:r>
+            <a:r>
+              <a:rPr lang="en-GB" baseline="0" dirty="0" smtClean="0"/>
+              <a:t> https</a:t>
+            </a:r>
+            <a:r>
+              <a:rPr lang="en-GB" baseline="0" dirty="0" smtClean="0"/>
+              <a:t>://upload.wikimedia.org/wikipedia/en/e/e1/Tekken_series_logo_as_of_2012.gif</a:t>
+            </a:r>
+          </a:p>
+          <a:p>
+            <a:r>
+              <a:rPr lang="en-GB" baseline="0" dirty="0" smtClean="0"/>
+              <a:t>Street Fighter 2: </a:t>
+            </a:r>
+            <a:r>
+              <a:rPr lang="en-GB" baseline="0" dirty="0" smtClean="0"/>
+              <a:t> http://vignette1.wikia.nocookie.net/capcomdatabase/images/f/f1/SFIILogo.png/revision/latest?cb=20110110173220</a:t>
+            </a:r>
+            <a:endParaRPr lang="en-GB" baseline="0" dirty="0" smtClean="0"/>
+          </a:p>
+          <a:p>
+            <a:endParaRPr lang="en-GB" dirty="0"/>
+          </a:p>
+        </p:txBody>
+      </p:sp>
+      <p:sp>
+        <p:nvSpPr>
+          <p:cNvPr id="4" name="Slide Number Placeholder 3"/>
+          <p:cNvSpPr>
+            <a:spLocks noGrp="1"/>
+          </p:cNvSpPr>
+          <p:nvPr>
+            <p:ph type="sldNum" sz="quarter" idx="10"/>
+          </p:nvPr>
+        </p:nvSpPr>
+        <p:spPr/>
+        <p:txBody>
+          <a:bodyPr/>
+          <a:lstStyle/>
+          <a:p>
+            <a:fld id="{CC65F549-3F42-4EE2-BD51-AE44E63D767A}" type="slidenum">
+              <a:rPr lang="en-GB" smtClean="0"/>
+              <a:t>5</a:t>
+            </a:fld>
+            <a:endParaRPr lang="en-GB"/>
+          </a:p>
+        </p:txBody>
+      </p:sp>
+    </p:spTree>
+    <p:extLst>
+      <p:ext uri="{BB962C8B-B14F-4D97-AF65-F5344CB8AC3E}">
+        <p14:creationId xmlns:p14="http://schemas.microsoft.com/office/powerpoint/2010/main" val="2864222206"/>
+      </p:ext>
+    </p:extLst>
+  </p:cSld>
+  <p:clrMapOvr>
+    <a:masterClrMapping/>
+  </p:clrMapOvr>
+</p:notes>
+</file>
+
+<file path=ppt/notesSlides/notesSlide6.xml><?xml version="1.0" encoding="utf-8"?>
+<p:notes xmlns:a="http://schemas.openxmlformats.org/drawingml/2006/main" xmlns:r="http://schemas.openxmlformats.org/officeDocument/2006/relationships" xmlns:p="http://schemas.openxmlformats.org/presentationml/2006/main">
+  <p:cSld>
+    <p:spTree>
+      <p:nvGrpSpPr>
+        <p:cNvPr id="1" name=""/>
+        <p:cNvGrpSpPr/>
+        <p:nvPr/>
+      </p:nvGrpSpPr>
+      <p:grpSpPr>
+        <a:xfrm>
+          <a:off x="0" y="0"/>
+          <a:ext cx="0" cy="0"/>
+          <a:chOff x="0" y="0"/>
+          <a:chExt cx="0" cy="0"/>
+        </a:xfrm>
+      </p:grpSpPr>
+      <p:sp>
+        <p:nvSpPr>
+          <p:cNvPr id="2" name="Slide Image Placeholder 1"/>
+          <p:cNvSpPr>
+            <a:spLocks noGrp="1" noRot="1" noChangeAspect="1"/>
+          </p:cNvSpPr>
+          <p:nvPr>
+            <p:ph type="sldImg"/>
+          </p:nvPr>
+        </p:nvSpPr>
+        <p:spPr/>
+      </p:sp>
+      <p:sp>
+        <p:nvSpPr>
+          <p:cNvPr id="3" name="Notes Placeholder 2"/>
+          <p:cNvSpPr>
+            <a:spLocks noGrp="1"/>
+          </p:cNvSpPr>
+          <p:nvPr>
+            <p:ph type="body" idx="1"/>
+          </p:nvPr>
+        </p:nvSpPr>
+        <p:spPr/>
+        <p:txBody>
+          <a:bodyPr/>
+          <a:lstStyle/>
+          <a:p>
+            <a:r>
+              <a:rPr lang="en-GB" dirty="0" smtClean="0"/>
+              <a:t>BOTH. KYLE.</a:t>
+            </a:r>
+            <a:r>
+              <a:rPr lang="en-GB" baseline="0" dirty="0" smtClean="0"/>
+              <a:t> Talk about what these goals are and what they mean. Explain (If possible) how they provide a challenge.</a:t>
+            </a:r>
+          </a:p>
+          <a:p>
+            <a:endParaRPr lang="en-GB" baseline="0" dirty="0" smtClean="0"/>
+          </a:p>
+          <a:p>
+            <a:r>
+              <a:rPr lang="en-GB" baseline="0" dirty="0" smtClean="0"/>
+              <a:t>JOSH. Go into detail about these individuals goals, particularly the sessions part. </a:t>
+            </a:r>
+            <a:endParaRPr lang="en-GB" dirty="0"/>
+          </a:p>
+        </p:txBody>
+      </p:sp>
+      <p:sp>
+        <p:nvSpPr>
+          <p:cNvPr id="4" name="Slide Number Placeholder 3"/>
+          <p:cNvSpPr>
+            <a:spLocks noGrp="1"/>
+          </p:cNvSpPr>
+          <p:nvPr>
+            <p:ph type="sldNum" sz="quarter" idx="10"/>
+          </p:nvPr>
+        </p:nvSpPr>
+        <p:spPr/>
+        <p:txBody>
+          <a:bodyPr/>
+          <a:lstStyle/>
+          <a:p>
+            <a:fld id="{CC65F549-3F42-4EE2-BD51-AE44E63D767A}" type="slidenum">
+              <a:rPr lang="en-GB" smtClean="0"/>
+              <a:t>6</a:t>
+            </a:fld>
+            <a:endParaRPr lang="en-GB"/>
+          </a:p>
+        </p:txBody>
+      </p:sp>
+    </p:spTree>
+    <p:extLst>
+      <p:ext uri="{BB962C8B-B14F-4D97-AF65-F5344CB8AC3E}">
+        <p14:creationId xmlns:p14="http://schemas.microsoft.com/office/powerpoint/2010/main" val="2751794066"/>
+      </p:ext>
+    </p:extLst>
+  </p:cSld>
+  <p:clrMapOvr>
+    <a:masterClrMapping/>
+  </p:clrMapOvr>
+</p:notes>
+</file>
+
+<file path=ppt/notesSlides/notesSlide7.xml><?xml version="1.0" encoding="utf-8"?>
+<p:notes xmlns:a="http://schemas.openxmlformats.org/drawingml/2006/main" xmlns:r="http://schemas.openxmlformats.org/officeDocument/2006/relationships" xmlns:p="http://schemas.openxmlformats.org/presentationml/2006/main">
+  <p:cSld>
+    <p:spTree>
+      <p:nvGrpSpPr>
+        <p:cNvPr id="1" name=""/>
+        <p:cNvGrpSpPr/>
+        <p:nvPr/>
+      </p:nvGrpSpPr>
+      <p:grpSpPr>
+        <a:xfrm>
+          <a:off x="0" y="0"/>
+          <a:ext cx="0" cy="0"/>
+          <a:chOff x="0" y="0"/>
+          <a:chExt cx="0" cy="0"/>
+        </a:xfrm>
+      </p:grpSpPr>
+      <p:sp>
+        <p:nvSpPr>
+          <p:cNvPr id="2" name="Slide Image Placeholder 1"/>
+          <p:cNvSpPr>
+            <a:spLocks noGrp="1" noRot="1" noChangeAspect="1"/>
+          </p:cNvSpPr>
+          <p:nvPr>
+            <p:ph type="sldImg"/>
+          </p:nvPr>
+        </p:nvSpPr>
+        <p:spPr/>
+      </p:sp>
+      <p:sp>
+        <p:nvSpPr>
+          <p:cNvPr id="3" name="Notes Placeholder 2"/>
+          <p:cNvSpPr>
+            <a:spLocks noGrp="1"/>
+          </p:cNvSpPr>
+          <p:nvPr>
+            <p:ph type="body" idx="1"/>
+          </p:nvPr>
+        </p:nvSpPr>
+        <p:spPr/>
+        <p:txBody>
+          <a:bodyPr/>
+          <a:lstStyle/>
+          <a:p>
+            <a:r>
+              <a:rPr lang="en-GB" dirty="0" smtClean="0"/>
+              <a:t>Thank you</a:t>
+            </a:r>
+            <a:r>
+              <a:rPr lang="en-GB" baseline="0" dirty="0" smtClean="0"/>
+              <a:t> for reading these notes! Hope you found them, and the presentation slides, useful.</a:t>
+            </a:r>
+            <a:endParaRPr lang="en-GB" dirty="0"/>
+          </a:p>
+        </p:txBody>
+      </p:sp>
+      <p:sp>
+        <p:nvSpPr>
+          <p:cNvPr id="4" name="Slide Number Placeholder 3"/>
+          <p:cNvSpPr>
+            <a:spLocks noGrp="1"/>
+          </p:cNvSpPr>
+          <p:nvPr>
+            <p:ph type="sldNum" sz="quarter" idx="10"/>
+          </p:nvPr>
+        </p:nvSpPr>
+        <p:spPr/>
+        <p:txBody>
+          <a:bodyPr/>
+          <a:lstStyle/>
+          <a:p>
+            <a:fld id="{CC65F549-3F42-4EE2-BD51-AE44E63D767A}" type="slidenum">
+              <a:rPr lang="en-GB" smtClean="0"/>
+              <a:t>7</a:t>
+            </a:fld>
+            <a:endParaRPr lang="en-GB"/>
+          </a:p>
+        </p:txBody>
+      </p:sp>
+    </p:spTree>
+    <p:extLst>
+      <p:ext uri="{BB962C8B-B14F-4D97-AF65-F5344CB8AC3E}">
+        <p14:creationId xmlns:p14="http://schemas.microsoft.com/office/powerpoint/2010/main" val="271569360"/>
+      </p:ext>
+    </p:extLst>
+  </p:cSld>
+  <p:clrMapOvr>
+    <a:masterClrMapping/>
+  </p:clrMapOvr>
+</p:notes>
 </file>
 
 <file path=ppt/slideLayouts/slideLayout1.xml><?xml version="1.0" encoding="utf-8"?>
@@ -142,23 +1314,40 @@
         </p:nvSpPr>
         <p:spPr>
           <a:xfrm>
-            <a:off x="1524000" y="1122363"/>
-            <a:ext cx="9144000" cy="2387600"/>
+            <a:off x="1751012" y="609601"/>
+            <a:ext cx="8676222" cy="3200400"/>
           </a:xfrm>
         </p:spPr>
         <p:txBody>
-          <a:bodyPr anchor="b"/>
+          <a:bodyPr anchor="b">
+            <a:normAutofit/>
+          </a:bodyPr>
           <a:lstStyle>
             <a:lvl1pPr algn="ctr">
-              <a:defRPr sz="6000"/>
+              <a:defRPr sz="4800">
+                <a:effectLst>
+                  <a:glow rad="38100">
+                    <a:schemeClr val="bg1">
+                      <a:lumMod val="65000"/>
+                      <a:lumOff val="35000"/>
+                      <a:alpha val="50000"/>
+                    </a:schemeClr>
+                  </a:glow>
+                  <a:outerShdw blurRad="28575" dist="31750" dir="13200000" algn="tl" rotWithShape="0">
+                    <a:srgbClr val="000000">
+                      <a:alpha val="25000"/>
+                    </a:srgbClr>
+                  </a:outerShdw>
+                </a:effectLst>
+              </a:defRPr>
             </a:lvl1pPr>
           </a:lstStyle>
           <a:p>
             <a:r>
-              <a:rPr lang="en-US"/>
+              <a:rPr lang="en-US" smtClean="0"/>
               <a:t>Click to edit Master title style</a:t>
             </a:r>
-            <a:endParaRPr lang="en-GB"/>
+            <a:endParaRPr lang="en-US" dirty="0"/>
           </a:p>
         </p:txBody>
       </p:sp>
@@ -174,56 +1363,121 @@
         </p:nvSpPr>
         <p:spPr>
           <a:xfrm>
-            <a:off x="1524000" y="3602038"/>
-            <a:ext cx="9144000" cy="1655762"/>
+            <a:off x="1751012" y="3886200"/>
+            <a:ext cx="8676222" cy="1905000"/>
           </a:xfrm>
         </p:spPr>
         <p:txBody>
-          <a:bodyPr/>
+          <a:bodyPr anchor="t">
+            <a:normAutofit/>
+          </a:bodyPr>
           <a:lstStyle>
             <a:lvl1pPr marL="0" indent="0" algn="ctr">
               <a:buNone/>
-              <a:defRPr sz="2400"/>
+              <a:defRPr sz="2100">
+                <a:gradFill flip="none" rotWithShape="1">
+                  <a:gsLst>
+                    <a:gs pos="0">
+                      <a:schemeClr val="tx1"/>
+                    </a:gs>
+                    <a:gs pos="100000">
+                      <a:schemeClr val="tx1">
+                        <a:lumMod val="75000"/>
+                      </a:schemeClr>
+                    </a:gs>
+                  </a:gsLst>
+                  <a:lin ang="5400000" scaled="0"/>
+                  <a:tileRect/>
+                </a:gradFill>
+              </a:defRPr>
             </a:lvl1pPr>
             <a:lvl2pPr marL="457200" indent="0" algn="ctr">
               <a:buNone/>
-              <a:defRPr sz="2000"/>
+              <a:defRPr>
+                <a:solidFill>
+                  <a:schemeClr val="tx1">
+                    <a:tint val="75000"/>
+                  </a:schemeClr>
+                </a:solidFill>
+              </a:defRPr>
             </a:lvl2pPr>
             <a:lvl3pPr marL="914400" indent="0" algn="ctr">
               <a:buNone/>
-              <a:defRPr sz="1800"/>
+              <a:defRPr>
+                <a:solidFill>
+                  <a:schemeClr val="tx1">
+                    <a:tint val="75000"/>
+                  </a:schemeClr>
+                </a:solidFill>
+              </a:defRPr>
             </a:lvl3pPr>
             <a:lvl4pPr marL="1371600" indent="0" algn="ctr">
               <a:buNone/>
-              <a:defRPr sz="1600"/>
+              <a:defRPr>
+                <a:solidFill>
+                  <a:schemeClr val="tx1">
+                    <a:tint val="75000"/>
+                  </a:schemeClr>
+                </a:solidFill>
+              </a:defRPr>
             </a:lvl4pPr>
             <a:lvl5pPr marL="1828800" indent="0" algn="ctr">
               <a:buNone/>
-              <a:defRPr sz="1600"/>
+              <a:defRPr>
+                <a:solidFill>
+                  <a:schemeClr val="tx1">
+                    <a:tint val="75000"/>
+                  </a:schemeClr>
+                </a:solidFill>
+              </a:defRPr>
             </a:lvl5pPr>
             <a:lvl6pPr marL="2286000" indent="0" algn="ctr">
               <a:buNone/>
-              <a:defRPr sz="1600"/>
+              <a:defRPr>
+                <a:solidFill>
+                  <a:schemeClr val="tx1">
+                    <a:tint val="75000"/>
+                  </a:schemeClr>
+                </a:solidFill>
+              </a:defRPr>
             </a:lvl6pPr>
             <a:lvl7pPr marL="2743200" indent="0" algn="ctr">
               <a:buNone/>
-              <a:defRPr sz="1600"/>
+              <a:defRPr>
+                <a:solidFill>
+                  <a:schemeClr val="tx1">
+                    <a:tint val="75000"/>
+                  </a:schemeClr>
+                </a:solidFill>
+              </a:defRPr>
             </a:lvl7pPr>
             <a:lvl8pPr marL="3200400" indent="0" algn="ctr">
               <a:buNone/>
-              <a:defRPr sz="1600"/>
+              <a:defRPr>
+                <a:solidFill>
+                  <a:schemeClr val="tx1">
+                    <a:tint val="75000"/>
+                  </a:schemeClr>
+                </a:solidFill>
+              </a:defRPr>
             </a:lvl8pPr>
             <a:lvl9pPr marL="3657600" indent="0" algn="ctr">
               <a:buNone/>
-              <a:defRPr sz="1600"/>
+              <a:defRPr>
+                <a:solidFill>
+                  <a:schemeClr val="tx1">
+                    <a:tint val="75000"/>
+                  </a:schemeClr>
+                </a:solidFill>
+              </a:defRPr>
             </a:lvl9pPr>
           </a:lstStyle>
           <a:p>
             <a:r>
-              <a:rPr lang="en-US"/>
+              <a:rPr lang="en-US" smtClean="0"/>
               <a:t>Click to edit Master subtitle style</a:t>
             </a:r>
-            <a:endParaRPr lang="en-GB"/>
+            <a:endParaRPr lang="en-US" dirty="0"/>
           </a:p>
         </p:txBody>
       </p:sp>
@@ -244,9 +1498,9 @@
           <a:p>
             <a:fld id="{93A7BB36-BCA3-436D-BFE4-06336677CC91}" type="datetimeFigureOut">
               <a:rPr lang="en-GB" smtClean="0"/>
-              <a:t>07/02/2017</a:t>
+              <a:t>17/02/2017</a:t>
             </a:fld>
-            <a:endParaRPr lang="en-GB"/>
+            <a:endParaRPr lang="en-GB" dirty="0"/>
           </a:p>
         </p:txBody>
       </p:sp>
@@ -265,7 +1519,7 @@
           <a:bodyPr/>
           <a:lstStyle/>
           <a:p>
-            <a:endParaRPr lang="en-GB"/>
+            <a:endParaRPr lang="en-GB" dirty="0"/>
           </a:p>
         </p:txBody>
       </p:sp>
@@ -288,14 +1542,14 @@
               <a:rPr lang="en-GB" smtClean="0"/>
               <a:t>‹#›</a:t>
             </a:fld>
-            <a:endParaRPr lang="en-GB"/>
+            <a:endParaRPr lang="en-GB" dirty="0"/>
           </a:p>
         </p:txBody>
       </p:sp>
     </p:spTree>
     <p:extLst>
       <p:ext uri="{BB962C8B-B14F-4D97-AF65-F5344CB8AC3E}">
-        <p14:creationId xmlns:p14="http://schemas.microsoft.com/office/powerpoint/2010/main" val="2500600978"/>
+        <p14:creationId xmlns:p14="http://schemas.microsoft.com/office/powerpoint/2010/main" val="875061084"/>
       </p:ext>
     </p:extLst>
   </p:cSld>
@@ -306,6 +1560,2113 @@
 </file>
 
 <file path=ppt/slideLayouts/slideLayout10.xml><?xml version="1.0" encoding="utf-8"?>
+<p:sldLayout xmlns:a="http://schemas.openxmlformats.org/drawingml/2006/main" xmlns:r="http://schemas.openxmlformats.org/officeDocument/2006/relationships" xmlns:p="http://schemas.openxmlformats.org/presentationml/2006/main" preserve="1">
+  <p:cSld name="Panoramic Picture with Caption">
+    <p:spTree>
+      <p:nvGrpSpPr>
+        <p:cNvPr id="1" name=""/>
+        <p:cNvGrpSpPr/>
+        <p:nvPr/>
+      </p:nvGrpSpPr>
+      <p:grpSpPr>
+        <a:xfrm>
+          <a:off x="0" y="0"/>
+          <a:ext cx="0" cy="0"/>
+          <a:chOff x="0" y="0"/>
+          <a:chExt cx="0" cy="0"/>
+        </a:xfrm>
+      </p:grpSpPr>
+      <p:sp>
+        <p:nvSpPr>
+          <p:cNvPr id="2" name="Title 1"/>
+          <p:cNvSpPr>
+            <a:spLocks noGrp="1"/>
+          </p:cNvSpPr>
+          <p:nvPr>
+            <p:ph type="title"/>
+          </p:nvPr>
+        </p:nvSpPr>
+        <p:spPr>
+          <a:xfrm>
+            <a:off x="1141413" y="4732865"/>
+            <a:ext cx="9906000" cy="566738"/>
+          </a:xfrm>
+        </p:spPr>
+        <p:txBody>
+          <a:bodyPr anchor="b">
+            <a:normAutofit/>
+          </a:bodyPr>
+          <a:lstStyle>
+            <a:lvl1pPr algn="l">
+              <a:defRPr sz="2400" b="0"/>
+            </a:lvl1pPr>
+          </a:lstStyle>
+          <a:p>
+            <a:r>
+              <a:rPr lang="en-US" smtClean="0"/>
+              <a:t>Click to edit Master title style</a:t>
+            </a:r>
+            <a:endParaRPr lang="en-US" dirty="0"/>
+          </a:p>
+        </p:txBody>
+      </p:sp>
+      <p:sp>
+        <p:nvSpPr>
+          <p:cNvPr id="3" name="Picture Placeholder 2"/>
+          <p:cNvSpPr>
+            <a:spLocks noGrp="1" noChangeAspect="1"/>
+          </p:cNvSpPr>
+          <p:nvPr>
+            <p:ph type="pic" idx="1"/>
+          </p:nvPr>
+        </p:nvSpPr>
+        <p:spPr>
+          <a:xfrm>
+            <a:off x="1979612" y="932112"/>
+            <a:ext cx="8225944" cy="3164976"/>
+          </a:xfrm>
+          <a:prstGeom prst="roundRect">
+            <a:avLst>
+              <a:gd name="adj" fmla="val 4380"/>
+            </a:avLst>
+          </a:prstGeom>
+          <a:ln w="38100">
+            <a:gradFill flip="none" rotWithShape="1">
+              <a:gsLst>
+                <a:gs pos="0">
+                  <a:schemeClr val="bg2"/>
+                </a:gs>
+                <a:gs pos="100000">
+                  <a:schemeClr val="bg2">
+                    <a:lumMod val="75000"/>
+                  </a:schemeClr>
+                </a:gs>
+              </a:gsLst>
+              <a:lin ang="5400000" scaled="0"/>
+              <a:tileRect/>
+            </a:gradFill>
+          </a:ln>
+          <a:effectLst>
+            <a:innerShdw blurRad="57150" dist="38100" dir="14460000">
+              <a:srgbClr val="000000">
+                <a:alpha val="70000"/>
+              </a:srgbClr>
+            </a:innerShdw>
+          </a:effectLst>
+        </p:spPr>
+        <p:txBody>
+          <a:bodyPr anchor="t">
+            <a:normAutofit/>
+          </a:bodyPr>
+          <a:lstStyle>
+            <a:lvl1pPr marL="0" indent="0" algn="ctr">
+              <a:buNone/>
+              <a:defRPr sz="1600"/>
+            </a:lvl1pPr>
+            <a:lvl2pPr marL="457200" indent="0">
+              <a:buNone/>
+              <a:defRPr sz="1600"/>
+            </a:lvl2pPr>
+            <a:lvl3pPr marL="914400" indent="0">
+              <a:buNone/>
+              <a:defRPr sz="1600"/>
+            </a:lvl3pPr>
+            <a:lvl4pPr marL="1371600" indent="0">
+              <a:buNone/>
+              <a:defRPr sz="1600"/>
+            </a:lvl4pPr>
+            <a:lvl5pPr marL="1828800" indent="0">
+              <a:buNone/>
+              <a:defRPr sz="1600"/>
+            </a:lvl5pPr>
+            <a:lvl6pPr marL="2286000" indent="0">
+              <a:buNone/>
+              <a:defRPr sz="1600"/>
+            </a:lvl6pPr>
+            <a:lvl7pPr marL="2743200" indent="0">
+              <a:buNone/>
+              <a:defRPr sz="1600"/>
+            </a:lvl7pPr>
+            <a:lvl8pPr marL="3200400" indent="0">
+              <a:buNone/>
+              <a:defRPr sz="1600"/>
+            </a:lvl8pPr>
+            <a:lvl9pPr marL="3657600" indent="0">
+              <a:buNone/>
+              <a:defRPr sz="1600"/>
+            </a:lvl9pPr>
+          </a:lstStyle>
+          <a:p>
+            <a:r>
+              <a:rPr lang="en-US" dirty="0" smtClean="0"/>
+              <a:t>Click icon to add picture</a:t>
+            </a:r>
+            <a:endParaRPr lang="en-US" dirty="0"/>
+          </a:p>
+        </p:txBody>
+      </p:sp>
+      <p:sp>
+        <p:nvSpPr>
+          <p:cNvPr id="4" name="Text Placeholder 3"/>
+          <p:cNvSpPr>
+            <a:spLocks noGrp="1"/>
+          </p:cNvSpPr>
+          <p:nvPr>
+            <p:ph type="body" sz="half" idx="2"/>
+          </p:nvPr>
+        </p:nvSpPr>
+        <p:spPr>
+          <a:xfrm>
+            <a:off x="1141413" y="5299603"/>
+            <a:ext cx="9906000" cy="493712"/>
+          </a:xfrm>
+        </p:spPr>
+        <p:txBody>
+          <a:bodyPr>
+            <a:normAutofit/>
+          </a:bodyPr>
+          <a:lstStyle>
+            <a:lvl1pPr marL="0" indent="0">
+              <a:buNone/>
+              <a:defRPr sz="1400"/>
+            </a:lvl1pPr>
+            <a:lvl2pPr marL="457200" indent="0">
+              <a:buNone/>
+              <a:defRPr sz="1200"/>
+            </a:lvl2pPr>
+            <a:lvl3pPr marL="914400" indent="0">
+              <a:buNone/>
+              <a:defRPr sz="1000"/>
+            </a:lvl3pPr>
+            <a:lvl4pPr marL="1371600" indent="0">
+              <a:buNone/>
+              <a:defRPr sz="900"/>
+            </a:lvl4pPr>
+            <a:lvl5pPr marL="1828800" indent="0">
+              <a:buNone/>
+              <a:defRPr sz="900"/>
+            </a:lvl5pPr>
+            <a:lvl6pPr marL="2286000" indent="0">
+              <a:buNone/>
+              <a:defRPr sz="900"/>
+            </a:lvl6pPr>
+            <a:lvl7pPr marL="2743200" indent="0">
+              <a:buNone/>
+              <a:defRPr sz="900"/>
+            </a:lvl7pPr>
+            <a:lvl8pPr marL="3200400" indent="0">
+              <a:buNone/>
+              <a:defRPr sz="900"/>
+            </a:lvl8pPr>
+            <a:lvl9pPr marL="3657600" indent="0">
+              <a:buNone/>
+              <a:defRPr sz="900"/>
+            </a:lvl9pPr>
+          </a:lstStyle>
+          <a:p>
+            <a:pPr lvl="0"/>
+            <a:r>
+              <a:rPr lang="en-US" smtClean="0"/>
+              <a:t>Edit Master text styles</a:t>
+            </a:r>
+          </a:p>
+        </p:txBody>
+      </p:sp>
+      <p:sp>
+        <p:nvSpPr>
+          <p:cNvPr id="5" name="Date Placeholder 4"/>
+          <p:cNvSpPr>
+            <a:spLocks noGrp="1"/>
+          </p:cNvSpPr>
+          <p:nvPr>
+            <p:ph type="dt" sz="half" idx="10"/>
+          </p:nvPr>
+        </p:nvSpPr>
+        <p:spPr/>
+        <p:txBody>
+          <a:bodyPr/>
+          <a:lstStyle/>
+          <a:p>
+            <a:fld id="{93A7BB36-BCA3-436D-BFE4-06336677CC91}" type="datetimeFigureOut">
+              <a:rPr lang="en-GB" smtClean="0"/>
+              <a:t>17/02/2017</a:t>
+            </a:fld>
+            <a:endParaRPr lang="en-GB" dirty="0"/>
+          </a:p>
+        </p:txBody>
+      </p:sp>
+      <p:sp>
+        <p:nvSpPr>
+          <p:cNvPr id="6" name="Footer Placeholder 5"/>
+          <p:cNvSpPr>
+            <a:spLocks noGrp="1"/>
+          </p:cNvSpPr>
+          <p:nvPr>
+            <p:ph type="ftr" sz="quarter" idx="11"/>
+          </p:nvPr>
+        </p:nvSpPr>
+        <p:spPr/>
+        <p:txBody>
+          <a:bodyPr/>
+          <a:lstStyle/>
+          <a:p>
+            <a:endParaRPr lang="en-GB" dirty="0"/>
+          </a:p>
+        </p:txBody>
+      </p:sp>
+      <p:sp>
+        <p:nvSpPr>
+          <p:cNvPr id="7" name="Slide Number Placeholder 6"/>
+          <p:cNvSpPr>
+            <a:spLocks noGrp="1"/>
+          </p:cNvSpPr>
+          <p:nvPr>
+            <p:ph type="sldNum" sz="quarter" idx="12"/>
+          </p:nvPr>
+        </p:nvSpPr>
+        <p:spPr/>
+        <p:txBody>
+          <a:bodyPr/>
+          <a:lstStyle/>
+          <a:p>
+            <a:fld id="{6A84D548-395B-41BD-AC72-7CCA6549CB67}" type="slidenum">
+              <a:rPr lang="en-GB" smtClean="0"/>
+              <a:t>‹#›</a:t>
+            </a:fld>
+            <a:endParaRPr lang="en-GB" dirty="0"/>
+          </a:p>
+        </p:txBody>
+      </p:sp>
+    </p:spTree>
+    <p:extLst>
+      <p:ext uri="{BB962C8B-B14F-4D97-AF65-F5344CB8AC3E}">
+        <p14:creationId xmlns:p14="http://schemas.microsoft.com/office/powerpoint/2010/main" val="626180487"/>
+      </p:ext>
+    </p:extLst>
+  </p:cSld>
+  <p:clrMapOvr>
+    <a:masterClrMapping/>
+  </p:clrMapOvr>
+</p:sldLayout>
+</file>
+
+<file path=ppt/slideLayouts/slideLayout11.xml><?xml version="1.0" encoding="utf-8"?>
+<p:sldLayout xmlns:a="http://schemas.openxmlformats.org/drawingml/2006/main" xmlns:r="http://schemas.openxmlformats.org/officeDocument/2006/relationships" xmlns:p="http://schemas.openxmlformats.org/presentationml/2006/main" preserve="1">
+  <p:cSld name="Title and Caption">
+    <p:spTree>
+      <p:nvGrpSpPr>
+        <p:cNvPr id="1" name=""/>
+        <p:cNvGrpSpPr/>
+        <p:nvPr/>
+      </p:nvGrpSpPr>
+      <p:grpSpPr>
+        <a:xfrm>
+          <a:off x="0" y="0"/>
+          <a:ext cx="0" cy="0"/>
+          <a:chOff x="0" y="0"/>
+          <a:chExt cx="0" cy="0"/>
+        </a:xfrm>
+      </p:grpSpPr>
+      <p:sp>
+        <p:nvSpPr>
+          <p:cNvPr id="2" name="Title 1"/>
+          <p:cNvSpPr>
+            <a:spLocks noGrp="1"/>
+          </p:cNvSpPr>
+          <p:nvPr>
+            <p:ph type="title"/>
+          </p:nvPr>
+        </p:nvSpPr>
+        <p:spPr>
+          <a:xfrm>
+            <a:off x="1141412" y="609601"/>
+            <a:ext cx="9905999" cy="3124199"/>
+          </a:xfrm>
+        </p:spPr>
+        <p:txBody>
+          <a:bodyPr anchor="ctr">
+            <a:normAutofit/>
+          </a:bodyPr>
+          <a:lstStyle>
+            <a:lvl1pPr algn="l">
+              <a:defRPr sz="3200" b="0" cap="all"/>
+            </a:lvl1pPr>
+          </a:lstStyle>
+          <a:p>
+            <a:r>
+              <a:rPr lang="en-US" smtClean="0"/>
+              <a:t>Click to edit Master title style</a:t>
+            </a:r>
+            <a:endParaRPr lang="en-US" dirty="0"/>
+          </a:p>
+        </p:txBody>
+      </p:sp>
+      <p:sp>
+        <p:nvSpPr>
+          <p:cNvPr id="3" name="Text Placeholder 2"/>
+          <p:cNvSpPr>
+            <a:spLocks noGrp="1"/>
+          </p:cNvSpPr>
+          <p:nvPr>
+            <p:ph type="body" idx="1"/>
+          </p:nvPr>
+        </p:nvSpPr>
+        <p:spPr>
+          <a:xfrm>
+            <a:off x="1141411" y="4343400"/>
+            <a:ext cx="9906000" cy="1447800"/>
+          </a:xfrm>
+        </p:spPr>
+        <p:txBody>
+          <a:bodyPr anchor="ctr">
+            <a:normAutofit/>
+          </a:bodyPr>
+          <a:lstStyle>
+            <a:lvl1pPr marL="0" indent="0" algn="l">
+              <a:buNone/>
+              <a:defRPr sz="2000">
+                <a:gradFill flip="none" rotWithShape="1">
+                  <a:gsLst>
+                    <a:gs pos="0">
+                      <a:schemeClr val="tx1"/>
+                    </a:gs>
+                    <a:gs pos="100000">
+                      <a:schemeClr val="tx1">
+                        <a:lumMod val="75000"/>
+                      </a:schemeClr>
+                    </a:gs>
+                  </a:gsLst>
+                  <a:lin ang="5400000" scaled="0"/>
+                  <a:tileRect/>
+                </a:gradFill>
+              </a:defRPr>
+            </a:lvl1pPr>
+            <a:lvl2pPr marL="457200" indent="0">
+              <a:buNone/>
+              <a:defRPr sz="1800">
+                <a:solidFill>
+                  <a:schemeClr val="tx1">
+                    <a:tint val="75000"/>
+                  </a:schemeClr>
+                </a:solidFill>
+              </a:defRPr>
+            </a:lvl2pPr>
+            <a:lvl3pPr marL="914400" indent="0">
+              <a:buNone/>
+              <a:defRPr sz="1600">
+                <a:solidFill>
+                  <a:schemeClr val="tx1">
+                    <a:tint val="75000"/>
+                  </a:schemeClr>
+                </a:solidFill>
+              </a:defRPr>
+            </a:lvl3pPr>
+            <a:lvl4pPr marL="1371600" indent="0">
+              <a:buNone/>
+              <a:defRPr sz="1400">
+                <a:solidFill>
+                  <a:schemeClr val="tx1">
+                    <a:tint val="75000"/>
+                  </a:schemeClr>
+                </a:solidFill>
+              </a:defRPr>
+            </a:lvl4pPr>
+            <a:lvl5pPr marL="1828800" indent="0">
+              <a:buNone/>
+              <a:defRPr sz="1400">
+                <a:solidFill>
+                  <a:schemeClr val="tx1">
+                    <a:tint val="75000"/>
+                  </a:schemeClr>
+                </a:solidFill>
+              </a:defRPr>
+            </a:lvl5pPr>
+            <a:lvl6pPr marL="2286000" indent="0">
+              <a:buNone/>
+              <a:defRPr sz="1400">
+                <a:solidFill>
+                  <a:schemeClr val="tx1">
+                    <a:tint val="75000"/>
+                  </a:schemeClr>
+                </a:solidFill>
+              </a:defRPr>
+            </a:lvl6pPr>
+            <a:lvl7pPr marL="2743200" indent="0">
+              <a:buNone/>
+              <a:defRPr sz="1400">
+                <a:solidFill>
+                  <a:schemeClr val="tx1">
+                    <a:tint val="75000"/>
+                  </a:schemeClr>
+                </a:solidFill>
+              </a:defRPr>
+            </a:lvl7pPr>
+            <a:lvl8pPr marL="3200400" indent="0">
+              <a:buNone/>
+              <a:defRPr sz="1400">
+                <a:solidFill>
+                  <a:schemeClr val="tx1">
+                    <a:tint val="75000"/>
+                  </a:schemeClr>
+                </a:solidFill>
+              </a:defRPr>
+            </a:lvl8pPr>
+            <a:lvl9pPr marL="3657600" indent="0">
+              <a:buNone/>
+              <a:defRPr sz="1400">
+                <a:solidFill>
+                  <a:schemeClr val="tx1">
+                    <a:tint val="75000"/>
+                  </a:schemeClr>
+                </a:solidFill>
+              </a:defRPr>
+            </a:lvl9pPr>
+          </a:lstStyle>
+          <a:p>
+            <a:pPr lvl="0"/>
+            <a:r>
+              <a:rPr lang="en-US" smtClean="0"/>
+              <a:t>Edit Master text styles</a:t>
+            </a:r>
+          </a:p>
+        </p:txBody>
+      </p:sp>
+      <p:sp>
+        <p:nvSpPr>
+          <p:cNvPr id="4" name="Date Placeholder 3"/>
+          <p:cNvSpPr>
+            <a:spLocks noGrp="1"/>
+          </p:cNvSpPr>
+          <p:nvPr>
+            <p:ph type="dt" sz="half" idx="10"/>
+          </p:nvPr>
+        </p:nvSpPr>
+        <p:spPr/>
+        <p:txBody>
+          <a:bodyPr/>
+          <a:lstStyle/>
+          <a:p>
+            <a:fld id="{93A7BB36-BCA3-436D-BFE4-06336677CC91}" type="datetimeFigureOut">
+              <a:rPr lang="en-GB" smtClean="0"/>
+              <a:t>17/02/2017</a:t>
+            </a:fld>
+            <a:endParaRPr lang="en-GB" dirty="0"/>
+          </a:p>
+        </p:txBody>
+      </p:sp>
+      <p:sp>
+        <p:nvSpPr>
+          <p:cNvPr id="5" name="Footer Placeholder 4"/>
+          <p:cNvSpPr>
+            <a:spLocks noGrp="1"/>
+          </p:cNvSpPr>
+          <p:nvPr>
+            <p:ph type="ftr" sz="quarter" idx="11"/>
+          </p:nvPr>
+        </p:nvSpPr>
+        <p:spPr/>
+        <p:txBody>
+          <a:bodyPr/>
+          <a:lstStyle/>
+          <a:p>
+            <a:endParaRPr lang="en-GB" dirty="0"/>
+          </a:p>
+        </p:txBody>
+      </p:sp>
+      <p:sp>
+        <p:nvSpPr>
+          <p:cNvPr id="6" name="Slide Number Placeholder 5"/>
+          <p:cNvSpPr>
+            <a:spLocks noGrp="1"/>
+          </p:cNvSpPr>
+          <p:nvPr>
+            <p:ph type="sldNum" sz="quarter" idx="12"/>
+          </p:nvPr>
+        </p:nvSpPr>
+        <p:spPr/>
+        <p:txBody>
+          <a:bodyPr/>
+          <a:lstStyle/>
+          <a:p>
+            <a:fld id="{6A84D548-395B-41BD-AC72-7CCA6549CB67}" type="slidenum">
+              <a:rPr lang="en-GB" smtClean="0"/>
+              <a:t>‹#›</a:t>
+            </a:fld>
+            <a:endParaRPr lang="en-GB" dirty="0"/>
+          </a:p>
+        </p:txBody>
+      </p:sp>
+    </p:spTree>
+    <p:extLst>
+      <p:ext uri="{BB962C8B-B14F-4D97-AF65-F5344CB8AC3E}">
+        <p14:creationId xmlns:p14="http://schemas.microsoft.com/office/powerpoint/2010/main" val="1159067390"/>
+      </p:ext>
+    </p:extLst>
+  </p:cSld>
+  <p:clrMapOvr>
+    <a:masterClrMapping/>
+  </p:clrMapOvr>
+</p:sldLayout>
+</file>
+
+<file path=ppt/slideLayouts/slideLayout12.xml><?xml version="1.0" encoding="utf-8"?>
+<p:sldLayout xmlns:a="http://schemas.openxmlformats.org/drawingml/2006/main" xmlns:r="http://schemas.openxmlformats.org/officeDocument/2006/relationships" xmlns:p="http://schemas.openxmlformats.org/presentationml/2006/main" preserve="1">
+  <p:cSld name="Quote with Caption">
+    <p:spTree>
+      <p:nvGrpSpPr>
+        <p:cNvPr id="1" name=""/>
+        <p:cNvGrpSpPr/>
+        <p:nvPr/>
+      </p:nvGrpSpPr>
+      <p:grpSpPr>
+        <a:xfrm>
+          <a:off x="0" y="0"/>
+          <a:ext cx="0" cy="0"/>
+          <a:chOff x="0" y="0"/>
+          <a:chExt cx="0" cy="0"/>
+        </a:xfrm>
+      </p:grpSpPr>
+      <p:sp>
+        <p:nvSpPr>
+          <p:cNvPr id="14" name="TextBox 13"/>
+          <p:cNvSpPr txBox="1"/>
+          <p:nvPr/>
+        </p:nvSpPr>
+        <p:spPr>
+          <a:xfrm>
+            <a:off x="836612" y="786824"/>
+            <a:ext cx="609600" cy="584776"/>
+          </a:xfrm>
+          <a:prstGeom prst="rect">
+            <a:avLst/>
+          </a:prstGeom>
+        </p:spPr>
+        <p:txBody>
+          <a:bodyPr vert="horz" lIns="91440" tIns="45720" rIns="91440" bIns="45720" rtlCol="0" anchor="ctr">
+            <a:noAutofit/>
+          </a:bodyPr>
+          <a:lstStyle>
+            <a:lvl1pPr>
+              <a:spcBef>
+                <a:spcPct val="0"/>
+              </a:spcBef>
+              <a:buNone/>
+              <a:defRPr sz="3200" b="0" cap="all">
+                <a:ln w="3175" cmpd="sng">
+                  <a:noFill/>
+                </a:ln>
+                <a:effectLst>
+                  <a:glow rad="38100">
+                    <a:schemeClr val="bg1">
+                      <a:lumMod val="65000"/>
+                      <a:lumOff val="35000"/>
+                      <a:alpha val="40000"/>
+                    </a:schemeClr>
+                  </a:glow>
+                  <a:outerShdw blurRad="28575" dist="38100" dir="14040000" algn="tl" rotWithShape="0">
+                    <a:srgbClr val="000000">
+                      <a:alpha val="25000"/>
+                    </a:srgbClr>
+                  </a:outerShdw>
+                </a:effectLst>
+              </a:defRPr>
+            </a:lvl1pPr>
+            <a:lvl2pPr>
+              <a:defRPr>
+                <a:solidFill>
+                  <a:schemeClr val="tx2"/>
+                </a:solidFill>
+              </a:defRPr>
+            </a:lvl2pPr>
+            <a:lvl3pPr>
+              <a:defRPr>
+                <a:solidFill>
+                  <a:schemeClr val="tx2"/>
+                </a:solidFill>
+              </a:defRPr>
+            </a:lvl3pPr>
+            <a:lvl4pPr>
+              <a:defRPr>
+                <a:solidFill>
+                  <a:schemeClr val="tx2"/>
+                </a:solidFill>
+              </a:defRPr>
+            </a:lvl4pPr>
+            <a:lvl5pPr>
+              <a:defRPr>
+                <a:solidFill>
+                  <a:schemeClr val="tx2"/>
+                </a:solidFill>
+              </a:defRPr>
+            </a:lvl5pPr>
+            <a:lvl6pPr>
+              <a:defRPr>
+                <a:solidFill>
+                  <a:schemeClr val="tx2"/>
+                </a:solidFill>
+              </a:defRPr>
+            </a:lvl6pPr>
+            <a:lvl7pPr>
+              <a:defRPr>
+                <a:solidFill>
+                  <a:schemeClr val="tx2"/>
+                </a:solidFill>
+              </a:defRPr>
+            </a:lvl7pPr>
+            <a:lvl8pPr>
+              <a:defRPr>
+                <a:solidFill>
+                  <a:schemeClr val="tx2"/>
+                </a:solidFill>
+              </a:defRPr>
+            </a:lvl8pPr>
+            <a:lvl9pPr>
+              <a:defRPr>
+                <a:solidFill>
+                  <a:schemeClr val="tx2"/>
+                </a:solidFill>
+              </a:defRPr>
+            </a:lvl9pPr>
+          </a:lstStyle>
+          <a:p>
+            <a:pPr lvl="0"/>
+            <a:r>
+              <a:rPr lang="en-US" sz="8000" dirty="0">
+                <a:solidFill>
+                  <a:schemeClr val="accent1"/>
+                </a:solidFill>
+              </a:rPr>
+              <a:t>“</a:t>
+            </a:r>
+          </a:p>
+        </p:txBody>
+      </p:sp>
+      <p:sp>
+        <p:nvSpPr>
+          <p:cNvPr id="15" name="TextBox 14"/>
+          <p:cNvSpPr txBox="1"/>
+          <p:nvPr/>
+        </p:nvSpPr>
+        <p:spPr>
+          <a:xfrm>
+            <a:off x="10437812" y="2743200"/>
+            <a:ext cx="609600" cy="584776"/>
+          </a:xfrm>
+          <a:prstGeom prst="rect">
+            <a:avLst/>
+          </a:prstGeom>
+        </p:spPr>
+        <p:txBody>
+          <a:bodyPr vert="horz" lIns="91440" tIns="45720" rIns="91440" bIns="45720" rtlCol="0" anchor="ctr">
+            <a:noAutofit/>
+          </a:bodyPr>
+          <a:lstStyle>
+            <a:lvl1pPr>
+              <a:spcBef>
+                <a:spcPct val="0"/>
+              </a:spcBef>
+              <a:buNone/>
+              <a:defRPr sz="3200" b="0" cap="all">
+                <a:ln w="3175" cmpd="sng">
+                  <a:noFill/>
+                </a:ln>
+                <a:effectLst>
+                  <a:glow rad="38100">
+                    <a:schemeClr val="bg1">
+                      <a:lumMod val="65000"/>
+                      <a:lumOff val="35000"/>
+                      <a:alpha val="40000"/>
+                    </a:schemeClr>
+                  </a:glow>
+                  <a:outerShdw blurRad="28575" dist="38100" dir="14040000" algn="tl" rotWithShape="0">
+                    <a:srgbClr val="000000">
+                      <a:alpha val="25000"/>
+                    </a:srgbClr>
+                  </a:outerShdw>
+                </a:effectLst>
+              </a:defRPr>
+            </a:lvl1pPr>
+            <a:lvl2pPr>
+              <a:defRPr>
+                <a:solidFill>
+                  <a:schemeClr val="tx2"/>
+                </a:solidFill>
+              </a:defRPr>
+            </a:lvl2pPr>
+            <a:lvl3pPr>
+              <a:defRPr>
+                <a:solidFill>
+                  <a:schemeClr val="tx2"/>
+                </a:solidFill>
+              </a:defRPr>
+            </a:lvl3pPr>
+            <a:lvl4pPr>
+              <a:defRPr>
+                <a:solidFill>
+                  <a:schemeClr val="tx2"/>
+                </a:solidFill>
+              </a:defRPr>
+            </a:lvl4pPr>
+            <a:lvl5pPr>
+              <a:defRPr>
+                <a:solidFill>
+                  <a:schemeClr val="tx2"/>
+                </a:solidFill>
+              </a:defRPr>
+            </a:lvl5pPr>
+            <a:lvl6pPr>
+              <a:defRPr>
+                <a:solidFill>
+                  <a:schemeClr val="tx2"/>
+                </a:solidFill>
+              </a:defRPr>
+            </a:lvl6pPr>
+            <a:lvl7pPr>
+              <a:defRPr>
+                <a:solidFill>
+                  <a:schemeClr val="tx2"/>
+                </a:solidFill>
+              </a:defRPr>
+            </a:lvl7pPr>
+            <a:lvl8pPr>
+              <a:defRPr>
+                <a:solidFill>
+                  <a:schemeClr val="tx2"/>
+                </a:solidFill>
+              </a:defRPr>
+            </a:lvl8pPr>
+            <a:lvl9pPr>
+              <a:defRPr>
+                <a:solidFill>
+                  <a:schemeClr val="tx2"/>
+                </a:solidFill>
+              </a:defRPr>
+            </a:lvl9pPr>
+          </a:lstStyle>
+          <a:p>
+            <a:pPr lvl="0" algn="r"/>
+            <a:r>
+              <a:rPr lang="en-US" sz="8000" dirty="0">
+                <a:solidFill>
+                  <a:schemeClr val="accent1"/>
+                </a:solidFill>
+              </a:rPr>
+              <a:t>”</a:t>
+            </a:r>
+          </a:p>
+        </p:txBody>
+      </p:sp>
+      <p:sp>
+        <p:nvSpPr>
+          <p:cNvPr id="2" name="Title 1"/>
+          <p:cNvSpPr>
+            <a:spLocks noGrp="1"/>
+          </p:cNvSpPr>
+          <p:nvPr>
+            <p:ph type="title"/>
+          </p:nvPr>
+        </p:nvSpPr>
+        <p:spPr>
+          <a:xfrm>
+            <a:off x="1446213" y="609601"/>
+            <a:ext cx="9296398" cy="2743199"/>
+          </a:xfrm>
+        </p:spPr>
+        <p:txBody>
+          <a:bodyPr anchor="ctr">
+            <a:normAutofit/>
+          </a:bodyPr>
+          <a:lstStyle>
+            <a:lvl1pPr algn="l">
+              <a:defRPr sz="3200" b="0" cap="all">
+                <a:solidFill>
+                  <a:schemeClr val="tx1"/>
+                </a:solidFill>
+              </a:defRPr>
+            </a:lvl1pPr>
+          </a:lstStyle>
+          <a:p>
+            <a:r>
+              <a:rPr lang="en-US" smtClean="0"/>
+              <a:t>Click to edit Master title style</a:t>
+            </a:r>
+            <a:endParaRPr lang="en-US" dirty="0"/>
+          </a:p>
+        </p:txBody>
+      </p:sp>
+      <p:sp>
+        <p:nvSpPr>
+          <p:cNvPr id="10" name="Text Placeholder 9"/>
+          <p:cNvSpPr>
+            <a:spLocks noGrp="1"/>
+          </p:cNvSpPr>
+          <p:nvPr>
+            <p:ph type="body" sz="quarter" idx="13"/>
+          </p:nvPr>
+        </p:nvSpPr>
+        <p:spPr>
+          <a:xfrm>
+            <a:off x="1674812" y="3352800"/>
+            <a:ext cx="8839202" cy="381000"/>
+          </a:xfrm>
+        </p:spPr>
+        <p:txBody>
+          <a:bodyPr anchor="ctr"/>
+          <a:lstStyle>
+            <a:lvl1pPr marL="0" indent="0">
+              <a:buFontTx/>
+              <a:buNone/>
+              <a:defRPr/>
+            </a:lvl1pPr>
+            <a:lvl2pPr marL="457200" indent="0">
+              <a:buFontTx/>
+              <a:buNone/>
+              <a:defRPr/>
+            </a:lvl2pPr>
+            <a:lvl3pPr marL="914400" indent="0">
+              <a:buFontTx/>
+              <a:buNone/>
+              <a:defRPr/>
+            </a:lvl3pPr>
+            <a:lvl4pPr marL="1371600" indent="0">
+              <a:buFontTx/>
+              <a:buNone/>
+              <a:defRPr/>
+            </a:lvl4pPr>
+            <a:lvl5pPr marL="1828800" indent="0">
+              <a:buFontTx/>
+              <a:buNone/>
+              <a:defRPr/>
+            </a:lvl5pPr>
+          </a:lstStyle>
+          <a:p>
+            <a:pPr lvl="0"/>
+            <a:r>
+              <a:rPr lang="en-US" smtClean="0"/>
+              <a:t>Edit Master text styles</a:t>
+            </a:r>
+          </a:p>
+        </p:txBody>
+      </p:sp>
+      <p:sp>
+        <p:nvSpPr>
+          <p:cNvPr id="3" name="Text Placeholder 2"/>
+          <p:cNvSpPr>
+            <a:spLocks noGrp="1"/>
+          </p:cNvSpPr>
+          <p:nvPr>
+            <p:ph type="body" idx="1"/>
+          </p:nvPr>
+        </p:nvSpPr>
+        <p:spPr>
+          <a:xfrm>
+            <a:off x="1141411" y="4343400"/>
+            <a:ext cx="9906000" cy="1447800"/>
+          </a:xfrm>
+        </p:spPr>
+        <p:txBody>
+          <a:bodyPr vert="horz" lIns="91440" tIns="45720" rIns="91440" bIns="45720" rtlCol="0" anchor="ctr">
+            <a:normAutofit/>
+          </a:bodyPr>
+          <a:lstStyle>
+            <a:lvl1pPr>
+              <a:buNone/>
+              <a:defRPr lang="en-US" sz="2000">
+                <a:gradFill flip="none" rotWithShape="1">
+                  <a:gsLst>
+                    <a:gs pos="0">
+                      <a:schemeClr val="tx1"/>
+                    </a:gs>
+                    <a:gs pos="100000">
+                      <a:schemeClr val="tx1">
+                        <a:lumMod val="75000"/>
+                      </a:schemeClr>
+                    </a:gs>
+                  </a:gsLst>
+                  <a:lin ang="5400000" scaled="0"/>
+                  <a:tileRect/>
+                </a:gradFill>
+              </a:defRPr>
+            </a:lvl1pPr>
+          </a:lstStyle>
+          <a:p>
+            <a:pPr marL="0" lvl="0" indent="0">
+              <a:buNone/>
+            </a:pPr>
+            <a:r>
+              <a:rPr lang="en-US" smtClean="0"/>
+              <a:t>Edit Master text styles</a:t>
+            </a:r>
+          </a:p>
+        </p:txBody>
+      </p:sp>
+      <p:sp>
+        <p:nvSpPr>
+          <p:cNvPr id="4" name="Date Placeholder 3"/>
+          <p:cNvSpPr>
+            <a:spLocks noGrp="1"/>
+          </p:cNvSpPr>
+          <p:nvPr>
+            <p:ph type="dt" sz="half" idx="10"/>
+          </p:nvPr>
+        </p:nvSpPr>
+        <p:spPr/>
+        <p:txBody>
+          <a:bodyPr/>
+          <a:lstStyle/>
+          <a:p>
+            <a:fld id="{93A7BB36-BCA3-436D-BFE4-06336677CC91}" type="datetimeFigureOut">
+              <a:rPr lang="en-GB" smtClean="0"/>
+              <a:t>17/02/2017</a:t>
+            </a:fld>
+            <a:endParaRPr lang="en-GB" dirty="0"/>
+          </a:p>
+        </p:txBody>
+      </p:sp>
+      <p:sp>
+        <p:nvSpPr>
+          <p:cNvPr id="5" name="Footer Placeholder 4"/>
+          <p:cNvSpPr>
+            <a:spLocks noGrp="1"/>
+          </p:cNvSpPr>
+          <p:nvPr>
+            <p:ph type="ftr" sz="quarter" idx="11"/>
+          </p:nvPr>
+        </p:nvSpPr>
+        <p:spPr/>
+        <p:txBody>
+          <a:bodyPr/>
+          <a:lstStyle/>
+          <a:p>
+            <a:endParaRPr lang="en-GB" dirty="0"/>
+          </a:p>
+        </p:txBody>
+      </p:sp>
+      <p:sp>
+        <p:nvSpPr>
+          <p:cNvPr id="6" name="Slide Number Placeholder 5"/>
+          <p:cNvSpPr>
+            <a:spLocks noGrp="1"/>
+          </p:cNvSpPr>
+          <p:nvPr>
+            <p:ph type="sldNum" sz="quarter" idx="12"/>
+          </p:nvPr>
+        </p:nvSpPr>
+        <p:spPr/>
+        <p:txBody>
+          <a:bodyPr/>
+          <a:lstStyle/>
+          <a:p>
+            <a:fld id="{6A84D548-395B-41BD-AC72-7CCA6549CB67}" type="slidenum">
+              <a:rPr lang="en-GB" smtClean="0"/>
+              <a:t>‹#›</a:t>
+            </a:fld>
+            <a:endParaRPr lang="en-GB" dirty="0"/>
+          </a:p>
+        </p:txBody>
+      </p:sp>
+    </p:spTree>
+    <p:extLst>
+      <p:ext uri="{BB962C8B-B14F-4D97-AF65-F5344CB8AC3E}">
+        <p14:creationId xmlns:p14="http://schemas.microsoft.com/office/powerpoint/2010/main" val="199318083"/>
+      </p:ext>
+    </p:extLst>
+  </p:cSld>
+  <p:clrMapOvr>
+    <a:masterClrMapping/>
+  </p:clrMapOvr>
+</p:sldLayout>
+</file>
+
+<file path=ppt/slideLayouts/slideLayout13.xml><?xml version="1.0" encoding="utf-8"?>
+<p:sldLayout xmlns:a="http://schemas.openxmlformats.org/drawingml/2006/main" xmlns:r="http://schemas.openxmlformats.org/officeDocument/2006/relationships" xmlns:p="http://schemas.openxmlformats.org/presentationml/2006/main" preserve="1">
+  <p:cSld name="Name Card">
+    <p:spTree>
+      <p:nvGrpSpPr>
+        <p:cNvPr id="1" name=""/>
+        <p:cNvGrpSpPr/>
+        <p:nvPr/>
+      </p:nvGrpSpPr>
+      <p:grpSpPr>
+        <a:xfrm>
+          <a:off x="0" y="0"/>
+          <a:ext cx="0" cy="0"/>
+          <a:chOff x="0" y="0"/>
+          <a:chExt cx="0" cy="0"/>
+        </a:xfrm>
+      </p:grpSpPr>
+      <p:sp>
+        <p:nvSpPr>
+          <p:cNvPr id="2" name="Title 1"/>
+          <p:cNvSpPr>
+            <a:spLocks noGrp="1"/>
+          </p:cNvSpPr>
+          <p:nvPr>
+            <p:ph type="title"/>
+          </p:nvPr>
+        </p:nvSpPr>
+        <p:spPr>
+          <a:xfrm>
+            <a:off x="1141412" y="3308581"/>
+            <a:ext cx="9906000" cy="1468800"/>
+          </a:xfrm>
+        </p:spPr>
+        <p:txBody>
+          <a:bodyPr anchor="b">
+            <a:normAutofit/>
+          </a:bodyPr>
+          <a:lstStyle>
+            <a:lvl1pPr algn="l">
+              <a:defRPr sz="3200" b="0" cap="all"/>
+            </a:lvl1pPr>
+          </a:lstStyle>
+          <a:p>
+            <a:r>
+              <a:rPr lang="en-US" smtClean="0"/>
+              <a:t>Click to edit Master title style</a:t>
+            </a:r>
+            <a:endParaRPr lang="en-US" dirty="0"/>
+          </a:p>
+        </p:txBody>
+      </p:sp>
+      <p:sp>
+        <p:nvSpPr>
+          <p:cNvPr id="3" name="Text Placeholder 2"/>
+          <p:cNvSpPr>
+            <a:spLocks noGrp="1"/>
+          </p:cNvSpPr>
+          <p:nvPr>
+            <p:ph type="body" idx="1"/>
+          </p:nvPr>
+        </p:nvSpPr>
+        <p:spPr>
+          <a:xfrm>
+            <a:off x="1141410" y="4777381"/>
+            <a:ext cx="9906001" cy="860400"/>
+          </a:xfrm>
+        </p:spPr>
+        <p:txBody>
+          <a:bodyPr vert="horz" lIns="91440" tIns="45720" rIns="91440" bIns="45720" rtlCol="0" anchor="t">
+            <a:normAutofit/>
+          </a:bodyPr>
+          <a:lstStyle>
+            <a:lvl1pPr>
+              <a:defRPr lang="en-US" sz="2000">
+                <a:gradFill flip="none" rotWithShape="1">
+                  <a:gsLst>
+                    <a:gs pos="0">
+                      <a:schemeClr val="tx1"/>
+                    </a:gs>
+                    <a:gs pos="100000">
+                      <a:schemeClr val="tx1">
+                        <a:lumMod val="75000"/>
+                      </a:schemeClr>
+                    </a:gs>
+                  </a:gsLst>
+                  <a:lin ang="5400000" scaled="0"/>
+                  <a:tileRect/>
+                </a:gradFill>
+              </a:defRPr>
+            </a:lvl1pPr>
+          </a:lstStyle>
+          <a:p>
+            <a:pPr marL="0" lvl="0" indent="0">
+              <a:buNone/>
+            </a:pPr>
+            <a:r>
+              <a:rPr lang="en-US" smtClean="0"/>
+              <a:t>Edit Master text styles</a:t>
+            </a:r>
+          </a:p>
+        </p:txBody>
+      </p:sp>
+      <p:sp>
+        <p:nvSpPr>
+          <p:cNvPr id="4" name="Date Placeholder 3"/>
+          <p:cNvSpPr>
+            <a:spLocks noGrp="1"/>
+          </p:cNvSpPr>
+          <p:nvPr>
+            <p:ph type="dt" sz="half" idx="10"/>
+          </p:nvPr>
+        </p:nvSpPr>
+        <p:spPr/>
+        <p:txBody>
+          <a:bodyPr/>
+          <a:lstStyle/>
+          <a:p>
+            <a:fld id="{93A7BB36-BCA3-436D-BFE4-06336677CC91}" type="datetimeFigureOut">
+              <a:rPr lang="en-GB" smtClean="0"/>
+              <a:t>17/02/2017</a:t>
+            </a:fld>
+            <a:endParaRPr lang="en-GB" dirty="0"/>
+          </a:p>
+        </p:txBody>
+      </p:sp>
+      <p:sp>
+        <p:nvSpPr>
+          <p:cNvPr id="5" name="Footer Placeholder 4"/>
+          <p:cNvSpPr>
+            <a:spLocks noGrp="1"/>
+          </p:cNvSpPr>
+          <p:nvPr>
+            <p:ph type="ftr" sz="quarter" idx="11"/>
+          </p:nvPr>
+        </p:nvSpPr>
+        <p:spPr/>
+        <p:txBody>
+          <a:bodyPr/>
+          <a:lstStyle/>
+          <a:p>
+            <a:endParaRPr lang="en-GB" dirty="0"/>
+          </a:p>
+        </p:txBody>
+      </p:sp>
+      <p:sp>
+        <p:nvSpPr>
+          <p:cNvPr id="6" name="Slide Number Placeholder 5"/>
+          <p:cNvSpPr>
+            <a:spLocks noGrp="1"/>
+          </p:cNvSpPr>
+          <p:nvPr>
+            <p:ph type="sldNum" sz="quarter" idx="12"/>
+          </p:nvPr>
+        </p:nvSpPr>
+        <p:spPr/>
+        <p:txBody>
+          <a:bodyPr/>
+          <a:lstStyle/>
+          <a:p>
+            <a:fld id="{6A84D548-395B-41BD-AC72-7CCA6549CB67}" type="slidenum">
+              <a:rPr lang="en-GB" smtClean="0"/>
+              <a:t>‹#›</a:t>
+            </a:fld>
+            <a:endParaRPr lang="en-GB" dirty="0"/>
+          </a:p>
+        </p:txBody>
+      </p:sp>
+    </p:spTree>
+    <p:extLst>
+      <p:ext uri="{BB962C8B-B14F-4D97-AF65-F5344CB8AC3E}">
+        <p14:creationId xmlns:p14="http://schemas.microsoft.com/office/powerpoint/2010/main" val="3359256261"/>
+      </p:ext>
+    </p:extLst>
+  </p:cSld>
+  <p:clrMapOvr>
+    <a:masterClrMapping/>
+  </p:clrMapOvr>
+</p:sldLayout>
+</file>
+
+<file path=ppt/slideLayouts/slideLayout14.xml><?xml version="1.0" encoding="utf-8"?>
+<p:sldLayout xmlns:a="http://schemas.openxmlformats.org/drawingml/2006/main" xmlns:r="http://schemas.openxmlformats.org/officeDocument/2006/relationships" xmlns:p="http://schemas.openxmlformats.org/presentationml/2006/main" preserve="1">
+  <p:cSld name="Quote Name Card">
+    <p:spTree>
+      <p:nvGrpSpPr>
+        <p:cNvPr id="1" name=""/>
+        <p:cNvGrpSpPr/>
+        <p:nvPr/>
+      </p:nvGrpSpPr>
+      <p:grpSpPr>
+        <a:xfrm>
+          <a:off x="0" y="0"/>
+          <a:ext cx="0" cy="0"/>
+          <a:chOff x="0" y="0"/>
+          <a:chExt cx="0" cy="0"/>
+        </a:xfrm>
+      </p:grpSpPr>
+      <p:sp>
+        <p:nvSpPr>
+          <p:cNvPr id="14" name="TextBox 13"/>
+          <p:cNvSpPr txBox="1"/>
+          <p:nvPr/>
+        </p:nvSpPr>
+        <p:spPr>
+          <a:xfrm>
+            <a:off x="836612" y="786824"/>
+            <a:ext cx="609600" cy="584776"/>
+          </a:xfrm>
+          <a:prstGeom prst="rect">
+            <a:avLst/>
+          </a:prstGeom>
+        </p:spPr>
+        <p:txBody>
+          <a:bodyPr vert="horz" lIns="91440" tIns="45720" rIns="91440" bIns="45720" rtlCol="0" anchor="ctr">
+            <a:noAutofit/>
+          </a:bodyPr>
+          <a:lstStyle>
+            <a:lvl1pPr>
+              <a:spcBef>
+                <a:spcPct val="0"/>
+              </a:spcBef>
+              <a:buNone/>
+              <a:defRPr sz="3200" b="0" cap="all">
+                <a:ln w="3175" cmpd="sng">
+                  <a:noFill/>
+                </a:ln>
+                <a:effectLst>
+                  <a:glow rad="38100">
+                    <a:schemeClr val="bg1">
+                      <a:lumMod val="65000"/>
+                      <a:lumOff val="35000"/>
+                      <a:alpha val="40000"/>
+                    </a:schemeClr>
+                  </a:glow>
+                  <a:outerShdw blurRad="28575" dist="38100" dir="14040000" algn="tl" rotWithShape="0">
+                    <a:srgbClr val="000000">
+                      <a:alpha val="25000"/>
+                    </a:srgbClr>
+                  </a:outerShdw>
+                </a:effectLst>
+              </a:defRPr>
+            </a:lvl1pPr>
+            <a:lvl2pPr>
+              <a:defRPr>
+                <a:solidFill>
+                  <a:schemeClr val="tx2"/>
+                </a:solidFill>
+              </a:defRPr>
+            </a:lvl2pPr>
+            <a:lvl3pPr>
+              <a:defRPr>
+                <a:solidFill>
+                  <a:schemeClr val="tx2"/>
+                </a:solidFill>
+              </a:defRPr>
+            </a:lvl3pPr>
+            <a:lvl4pPr>
+              <a:defRPr>
+                <a:solidFill>
+                  <a:schemeClr val="tx2"/>
+                </a:solidFill>
+              </a:defRPr>
+            </a:lvl4pPr>
+            <a:lvl5pPr>
+              <a:defRPr>
+                <a:solidFill>
+                  <a:schemeClr val="tx2"/>
+                </a:solidFill>
+              </a:defRPr>
+            </a:lvl5pPr>
+            <a:lvl6pPr>
+              <a:defRPr>
+                <a:solidFill>
+                  <a:schemeClr val="tx2"/>
+                </a:solidFill>
+              </a:defRPr>
+            </a:lvl6pPr>
+            <a:lvl7pPr>
+              <a:defRPr>
+                <a:solidFill>
+                  <a:schemeClr val="tx2"/>
+                </a:solidFill>
+              </a:defRPr>
+            </a:lvl7pPr>
+            <a:lvl8pPr>
+              <a:defRPr>
+                <a:solidFill>
+                  <a:schemeClr val="tx2"/>
+                </a:solidFill>
+              </a:defRPr>
+            </a:lvl8pPr>
+            <a:lvl9pPr>
+              <a:defRPr>
+                <a:solidFill>
+                  <a:schemeClr val="tx2"/>
+                </a:solidFill>
+              </a:defRPr>
+            </a:lvl9pPr>
+          </a:lstStyle>
+          <a:p>
+            <a:pPr lvl="0"/>
+            <a:r>
+              <a:rPr lang="en-US" sz="8000" dirty="0">
+                <a:solidFill>
+                  <a:schemeClr val="accent1"/>
+                </a:solidFill>
+              </a:rPr>
+              <a:t>“</a:t>
+            </a:r>
+          </a:p>
+        </p:txBody>
+      </p:sp>
+      <p:sp>
+        <p:nvSpPr>
+          <p:cNvPr id="15" name="TextBox 14"/>
+          <p:cNvSpPr txBox="1"/>
+          <p:nvPr/>
+        </p:nvSpPr>
+        <p:spPr>
+          <a:xfrm>
+            <a:off x="10437812" y="2743200"/>
+            <a:ext cx="609600" cy="584776"/>
+          </a:xfrm>
+          <a:prstGeom prst="rect">
+            <a:avLst/>
+          </a:prstGeom>
+        </p:spPr>
+        <p:txBody>
+          <a:bodyPr vert="horz" lIns="91440" tIns="45720" rIns="91440" bIns="45720" rtlCol="0" anchor="ctr">
+            <a:noAutofit/>
+          </a:bodyPr>
+          <a:lstStyle>
+            <a:lvl1pPr>
+              <a:spcBef>
+                <a:spcPct val="0"/>
+              </a:spcBef>
+              <a:buNone/>
+              <a:defRPr sz="3200" b="0" cap="all">
+                <a:ln w="3175" cmpd="sng">
+                  <a:noFill/>
+                </a:ln>
+                <a:effectLst>
+                  <a:glow rad="38100">
+                    <a:schemeClr val="bg1">
+                      <a:lumMod val="65000"/>
+                      <a:lumOff val="35000"/>
+                      <a:alpha val="40000"/>
+                    </a:schemeClr>
+                  </a:glow>
+                  <a:outerShdw blurRad="28575" dist="38100" dir="14040000" algn="tl" rotWithShape="0">
+                    <a:srgbClr val="000000">
+                      <a:alpha val="25000"/>
+                    </a:srgbClr>
+                  </a:outerShdw>
+                </a:effectLst>
+              </a:defRPr>
+            </a:lvl1pPr>
+            <a:lvl2pPr>
+              <a:defRPr>
+                <a:solidFill>
+                  <a:schemeClr val="tx2"/>
+                </a:solidFill>
+              </a:defRPr>
+            </a:lvl2pPr>
+            <a:lvl3pPr>
+              <a:defRPr>
+                <a:solidFill>
+                  <a:schemeClr val="tx2"/>
+                </a:solidFill>
+              </a:defRPr>
+            </a:lvl3pPr>
+            <a:lvl4pPr>
+              <a:defRPr>
+                <a:solidFill>
+                  <a:schemeClr val="tx2"/>
+                </a:solidFill>
+              </a:defRPr>
+            </a:lvl4pPr>
+            <a:lvl5pPr>
+              <a:defRPr>
+                <a:solidFill>
+                  <a:schemeClr val="tx2"/>
+                </a:solidFill>
+              </a:defRPr>
+            </a:lvl5pPr>
+            <a:lvl6pPr>
+              <a:defRPr>
+                <a:solidFill>
+                  <a:schemeClr val="tx2"/>
+                </a:solidFill>
+              </a:defRPr>
+            </a:lvl6pPr>
+            <a:lvl7pPr>
+              <a:defRPr>
+                <a:solidFill>
+                  <a:schemeClr val="tx2"/>
+                </a:solidFill>
+              </a:defRPr>
+            </a:lvl7pPr>
+            <a:lvl8pPr>
+              <a:defRPr>
+                <a:solidFill>
+                  <a:schemeClr val="tx2"/>
+                </a:solidFill>
+              </a:defRPr>
+            </a:lvl8pPr>
+            <a:lvl9pPr>
+              <a:defRPr>
+                <a:solidFill>
+                  <a:schemeClr val="tx2"/>
+                </a:solidFill>
+              </a:defRPr>
+            </a:lvl9pPr>
+          </a:lstStyle>
+          <a:p>
+            <a:pPr lvl="0" algn="r"/>
+            <a:r>
+              <a:rPr lang="en-US" sz="8000" dirty="0">
+                <a:solidFill>
+                  <a:schemeClr val="accent1"/>
+                </a:solidFill>
+              </a:rPr>
+              <a:t>”</a:t>
+            </a:r>
+          </a:p>
+        </p:txBody>
+      </p:sp>
+      <p:sp>
+        <p:nvSpPr>
+          <p:cNvPr id="2" name="Title 1"/>
+          <p:cNvSpPr>
+            <a:spLocks noGrp="1"/>
+          </p:cNvSpPr>
+          <p:nvPr>
+            <p:ph type="title"/>
+          </p:nvPr>
+        </p:nvSpPr>
+        <p:spPr>
+          <a:xfrm>
+            <a:off x="1446213" y="609601"/>
+            <a:ext cx="9296398" cy="2743199"/>
+          </a:xfrm>
+        </p:spPr>
+        <p:txBody>
+          <a:bodyPr anchor="ctr">
+            <a:normAutofit/>
+          </a:bodyPr>
+          <a:lstStyle>
+            <a:lvl1pPr algn="l">
+              <a:defRPr sz="3200" b="0" cap="all">
+                <a:gradFill flip="none" rotWithShape="1">
+                  <a:gsLst>
+                    <a:gs pos="0">
+                      <a:schemeClr val="tx1"/>
+                    </a:gs>
+                    <a:gs pos="100000">
+                      <a:schemeClr val="tx1">
+                        <a:lumMod val="75000"/>
+                      </a:schemeClr>
+                    </a:gs>
+                  </a:gsLst>
+                  <a:lin ang="5400000" scaled="0"/>
+                  <a:tileRect/>
+                </a:gradFill>
+              </a:defRPr>
+            </a:lvl1pPr>
+          </a:lstStyle>
+          <a:p>
+            <a:r>
+              <a:rPr lang="en-US" smtClean="0"/>
+              <a:t>Click to edit Master title style</a:t>
+            </a:r>
+            <a:endParaRPr lang="en-US" dirty="0"/>
+          </a:p>
+        </p:txBody>
+      </p:sp>
+      <p:sp>
+        <p:nvSpPr>
+          <p:cNvPr id="10" name="Text Placeholder 9"/>
+          <p:cNvSpPr>
+            <a:spLocks noGrp="1"/>
+          </p:cNvSpPr>
+          <p:nvPr>
+            <p:ph type="body" sz="quarter" idx="13"/>
+          </p:nvPr>
+        </p:nvSpPr>
+        <p:spPr>
+          <a:xfrm>
+            <a:off x="1141412" y="3886200"/>
+            <a:ext cx="9906000" cy="889000"/>
+          </a:xfrm>
+        </p:spPr>
+        <p:txBody>
+          <a:bodyPr vert="horz" lIns="91440" tIns="45720" rIns="91440" bIns="45720" rtlCol="0" anchor="b">
+            <a:normAutofit/>
+          </a:bodyPr>
+          <a:lstStyle>
+            <a:lvl1pPr>
+              <a:buNone/>
+              <a:defRPr lang="en-US" sz="2400" b="0" cap="all" dirty="0">
+                <a:ln w="3175" cmpd="sng">
+                  <a:noFill/>
+                </a:ln>
+                <a:gradFill flip="none" rotWithShape="1">
+                  <a:gsLst>
+                    <a:gs pos="0">
+                      <a:schemeClr val="tx1"/>
+                    </a:gs>
+                    <a:gs pos="100000">
+                      <a:schemeClr val="tx1">
+                        <a:lumMod val="75000"/>
+                      </a:schemeClr>
+                    </a:gs>
+                  </a:gsLst>
+                  <a:lin ang="5400000" scaled="0"/>
+                  <a:tileRect/>
+                </a:gradFill>
+                <a:effectLst>
+                  <a:glow rad="38100">
+                    <a:schemeClr val="bg1">
+                      <a:lumMod val="65000"/>
+                      <a:lumOff val="35000"/>
+                      <a:alpha val="40000"/>
+                    </a:schemeClr>
+                  </a:glow>
+                  <a:outerShdw blurRad="28575" dist="38100" dir="14040000" algn="tl" rotWithShape="0">
+                    <a:srgbClr val="000000">
+                      <a:alpha val="25000"/>
+                    </a:srgbClr>
+                  </a:outerShdw>
+                </a:effectLst>
+              </a:defRPr>
+            </a:lvl1pPr>
+          </a:lstStyle>
+          <a:p>
+            <a:pPr marL="0" lvl="0">
+              <a:spcBef>
+                <a:spcPct val="0"/>
+              </a:spcBef>
+              <a:buNone/>
+            </a:pPr>
+            <a:r>
+              <a:rPr lang="en-US" smtClean="0"/>
+              <a:t>Edit Master text styles</a:t>
+            </a:r>
+          </a:p>
+        </p:txBody>
+      </p:sp>
+      <p:sp>
+        <p:nvSpPr>
+          <p:cNvPr id="3" name="Text Placeholder 2"/>
+          <p:cNvSpPr>
+            <a:spLocks noGrp="1"/>
+          </p:cNvSpPr>
+          <p:nvPr>
+            <p:ph type="body" idx="1"/>
+          </p:nvPr>
+        </p:nvSpPr>
+        <p:spPr>
+          <a:xfrm>
+            <a:off x="1141411" y="4775200"/>
+            <a:ext cx="9906000" cy="1016000"/>
+          </a:xfrm>
+        </p:spPr>
+        <p:txBody>
+          <a:bodyPr anchor="t">
+            <a:normAutofit/>
+          </a:bodyPr>
+          <a:lstStyle>
+            <a:lvl1pPr marL="0" indent="0" algn="l">
+              <a:buNone/>
+              <a:defRPr sz="1800">
+                <a:gradFill flip="none" rotWithShape="1">
+                  <a:gsLst>
+                    <a:gs pos="0">
+                      <a:schemeClr val="tx1"/>
+                    </a:gs>
+                    <a:gs pos="100000">
+                      <a:schemeClr val="tx1">
+                        <a:lumMod val="75000"/>
+                      </a:schemeClr>
+                    </a:gs>
+                  </a:gsLst>
+                  <a:lin ang="5400000" scaled="0"/>
+                  <a:tileRect/>
+                </a:gradFill>
+              </a:defRPr>
+            </a:lvl1pPr>
+            <a:lvl2pPr marL="457200" indent="0">
+              <a:buNone/>
+              <a:defRPr sz="1800">
+                <a:solidFill>
+                  <a:schemeClr val="tx1">
+                    <a:tint val="75000"/>
+                  </a:schemeClr>
+                </a:solidFill>
+              </a:defRPr>
+            </a:lvl2pPr>
+            <a:lvl3pPr marL="914400" indent="0">
+              <a:buNone/>
+              <a:defRPr sz="1600">
+                <a:solidFill>
+                  <a:schemeClr val="tx1">
+                    <a:tint val="75000"/>
+                  </a:schemeClr>
+                </a:solidFill>
+              </a:defRPr>
+            </a:lvl3pPr>
+            <a:lvl4pPr marL="1371600" indent="0">
+              <a:buNone/>
+              <a:defRPr sz="1400">
+                <a:solidFill>
+                  <a:schemeClr val="tx1">
+                    <a:tint val="75000"/>
+                  </a:schemeClr>
+                </a:solidFill>
+              </a:defRPr>
+            </a:lvl4pPr>
+            <a:lvl5pPr marL="1828800" indent="0">
+              <a:buNone/>
+              <a:defRPr sz="1400">
+                <a:solidFill>
+                  <a:schemeClr val="tx1">
+                    <a:tint val="75000"/>
+                  </a:schemeClr>
+                </a:solidFill>
+              </a:defRPr>
+            </a:lvl5pPr>
+            <a:lvl6pPr marL="2286000" indent="0">
+              <a:buNone/>
+              <a:defRPr sz="1400">
+                <a:solidFill>
+                  <a:schemeClr val="tx1">
+                    <a:tint val="75000"/>
+                  </a:schemeClr>
+                </a:solidFill>
+              </a:defRPr>
+            </a:lvl6pPr>
+            <a:lvl7pPr marL="2743200" indent="0">
+              <a:buNone/>
+              <a:defRPr sz="1400">
+                <a:solidFill>
+                  <a:schemeClr val="tx1">
+                    <a:tint val="75000"/>
+                  </a:schemeClr>
+                </a:solidFill>
+              </a:defRPr>
+            </a:lvl7pPr>
+            <a:lvl8pPr marL="3200400" indent="0">
+              <a:buNone/>
+              <a:defRPr sz="1400">
+                <a:solidFill>
+                  <a:schemeClr val="tx1">
+                    <a:tint val="75000"/>
+                  </a:schemeClr>
+                </a:solidFill>
+              </a:defRPr>
+            </a:lvl8pPr>
+            <a:lvl9pPr marL="3657600" indent="0">
+              <a:buNone/>
+              <a:defRPr sz="1400">
+                <a:solidFill>
+                  <a:schemeClr val="tx1">
+                    <a:tint val="75000"/>
+                  </a:schemeClr>
+                </a:solidFill>
+              </a:defRPr>
+            </a:lvl9pPr>
+          </a:lstStyle>
+          <a:p>
+            <a:pPr lvl="0"/>
+            <a:r>
+              <a:rPr lang="en-US" smtClean="0"/>
+              <a:t>Edit Master text styles</a:t>
+            </a:r>
+          </a:p>
+        </p:txBody>
+      </p:sp>
+      <p:sp>
+        <p:nvSpPr>
+          <p:cNvPr id="4" name="Date Placeholder 3"/>
+          <p:cNvSpPr>
+            <a:spLocks noGrp="1"/>
+          </p:cNvSpPr>
+          <p:nvPr>
+            <p:ph type="dt" sz="half" idx="10"/>
+          </p:nvPr>
+        </p:nvSpPr>
+        <p:spPr/>
+        <p:txBody>
+          <a:bodyPr/>
+          <a:lstStyle/>
+          <a:p>
+            <a:fld id="{93A7BB36-BCA3-436D-BFE4-06336677CC91}" type="datetimeFigureOut">
+              <a:rPr lang="en-GB" smtClean="0"/>
+              <a:t>17/02/2017</a:t>
+            </a:fld>
+            <a:endParaRPr lang="en-GB" dirty="0"/>
+          </a:p>
+        </p:txBody>
+      </p:sp>
+      <p:sp>
+        <p:nvSpPr>
+          <p:cNvPr id="5" name="Footer Placeholder 4"/>
+          <p:cNvSpPr>
+            <a:spLocks noGrp="1"/>
+          </p:cNvSpPr>
+          <p:nvPr>
+            <p:ph type="ftr" sz="quarter" idx="11"/>
+          </p:nvPr>
+        </p:nvSpPr>
+        <p:spPr/>
+        <p:txBody>
+          <a:bodyPr/>
+          <a:lstStyle/>
+          <a:p>
+            <a:endParaRPr lang="en-GB" dirty="0"/>
+          </a:p>
+        </p:txBody>
+      </p:sp>
+      <p:sp>
+        <p:nvSpPr>
+          <p:cNvPr id="6" name="Slide Number Placeholder 5"/>
+          <p:cNvSpPr>
+            <a:spLocks noGrp="1"/>
+          </p:cNvSpPr>
+          <p:nvPr>
+            <p:ph type="sldNum" sz="quarter" idx="12"/>
+          </p:nvPr>
+        </p:nvSpPr>
+        <p:spPr/>
+        <p:txBody>
+          <a:bodyPr/>
+          <a:lstStyle/>
+          <a:p>
+            <a:fld id="{6A84D548-395B-41BD-AC72-7CCA6549CB67}" type="slidenum">
+              <a:rPr lang="en-GB" smtClean="0"/>
+              <a:t>‹#›</a:t>
+            </a:fld>
+            <a:endParaRPr lang="en-GB" dirty="0"/>
+          </a:p>
+        </p:txBody>
+      </p:sp>
+    </p:spTree>
+    <p:extLst>
+      <p:ext uri="{BB962C8B-B14F-4D97-AF65-F5344CB8AC3E}">
+        <p14:creationId xmlns:p14="http://schemas.microsoft.com/office/powerpoint/2010/main" val="1561119351"/>
+      </p:ext>
+    </p:extLst>
+  </p:cSld>
+  <p:clrMapOvr>
+    <a:masterClrMapping/>
+  </p:clrMapOvr>
+</p:sldLayout>
+</file>
+
+<file path=ppt/slideLayouts/slideLayout15.xml><?xml version="1.0" encoding="utf-8"?>
+<p:sldLayout xmlns:a="http://schemas.openxmlformats.org/drawingml/2006/main" xmlns:r="http://schemas.openxmlformats.org/officeDocument/2006/relationships" xmlns:p="http://schemas.openxmlformats.org/presentationml/2006/main" preserve="1">
+  <p:cSld name="True or False">
+    <p:spTree>
+      <p:nvGrpSpPr>
+        <p:cNvPr id="1" name=""/>
+        <p:cNvGrpSpPr/>
+        <p:nvPr/>
+      </p:nvGrpSpPr>
+      <p:grpSpPr>
+        <a:xfrm>
+          <a:off x="0" y="0"/>
+          <a:ext cx="0" cy="0"/>
+          <a:chOff x="0" y="0"/>
+          <a:chExt cx="0" cy="0"/>
+        </a:xfrm>
+      </p:grpSpPr>
+      <p:sp>
+        <p:nvSpPr>
+          <p:cNvPr id="2" name="Title 1"/>
+          <p:cNvSpPr>
+            <a:spLocks noGrp="1"/>
+          </p:cNvSpPr>
+          <p:nvPr>
+            <p:ph type="title"/>
+          </p:nvPr>
+        </p:nvSpPr>
+        <p:spPr>
+          <a:xfrm>
+            <a:off x="1141412" y="609601"/>
+            <a:ext cx="9905999" cy="2743199"/>
+          </a:xfrm>
+        </p:spPr>
+        <p:txBody>
+          <a:bodyPr vert="horz" lIns="91440" tIns="45720" rIns="91440" bIns="45720" rtlCol="0" anchor="ctr">
+            <a:normAutofit/>
+          </a:bodyPr>
+          <a:lstStyle>
+            <a:lvl1pPr>
+              <a:defRPr lang="en-US" b="0" dirty="0"/>
+            </a:lvl1pPr>
+          </a:lstStyle>
+          <a:p>
+            <a:pPr marL="0" lvl="0"/>
+            <a:r>
+              <a:rPr lang="en-US" smtClean="0"/>
+              <a:t>Click to edit Master title style</a:t>
+            </a:r>
+            <a:endParaRPr lang="en-US" dirty="0"/>
+          </a:p>
+        </p:txBody>
+      </p:sp>
+      <p:sp>
+        <p:nvSpPr>
+          <p:cNvPr id="10" name="Text Placeholder 9"/>
+          <p:cNvSpPr>
+            <a:spLocks noGrp="1"/>
+          </p:cNvSpPr>
+          <p:nvPr>
+            <p:ph type="body" sz="quarter" idx="13"/>
+          </p:nvPr>
+        </p:nvSpPr>
+        <p:spPr>
+          <a:xfrm>
+            <a:off x="1141412" y="3505200"/>
+            <a:ext cx="9906000" cy="838200"/>
+          </a:xfrm>
+        </p:spPr>
+        <p:txBody>
+          <a:bodyPr vert="horz" lIns="91440" tIns="45720" rIns="91440" bIns="45720" rtlCol="0" anchor="b">
+            <a:normAutofit/>
+          </a:bodyPr>
+          <a:lstStyle>
+            <a:lvl1pPr>
+              <a:buNone/>
+              <a:defRPr lang="en-US" sz="2800" b="0" cap="all" dirty="0">
+                <a:ln w="3175" cmpd="sng">
+                  <a:noFill/>
+                </a:ln>
+                <a:gradFill flip="none" rotWithShape="1">
+                  <a:gsLst>
+                    <a:gs pos="0">
+                      <a:schemeClr val="tx1"/>
+                    </a:gs>
+                    <a:gs pos="100000">
+                      <a:schemeClr val="tx1">
+                        <a:lumMod val="75000"/>
+                      </a:schemeClr>
+                    </a:gs>
+                  </a:gsLst>
+                  <a:lin ang="5400000" scaled="0"/>
+                  <a:tileRect/>
+                </a:gradFill>
+                <a:effectLst>
+                  <a:glow rad="38100">
+                    <a:schemeClr val="bg1">
+                      <a:lumMod val="65000"/>
+                      <a:lumOff val="35000"/>
+                      <a:alpha val="40000"/>
+                    </a:schemeClr>
+                  </a:glow>
+                  <a:outerShdw blurRad="28575" dist="38100" dir="14040000" algn="tl" rotWithShape="0">
+                    <a:srgbClr val="000000">
+                      <a:alpha val="25000"/>
+                    </a:srgbClr>
+                  </a:outerShdw>
+                </a:effectLst>
+              </a:defRPr>
+            </a:lvl1pPr>
+          </a:lstStyle>
+          <a:p>
+            <a:pPr marL="0" lvl="0">
+              <a:spcBef>
+                <a:spcPct val="0"/>
+              </a:spcBef>
+              <a:buNone/>
+            </a:pPr>
+            <a:r>
+              <a:rPr lang="en-US" smtClean="0"/>
+              <a:t>Edit Master text styles</a:t>
+            </a:r>
+          </a:p>
+        </p:txBody>
+      </p:sp>
+      <p:sp>
+        <p:nvSpPr>
+          <p:cNvPr id="3" name="Text Placeholder 2"/>
+          <p:cNvSpPr>
+            <a:spLocks noGrp="1"/>
+          </p:cNvSpPr>
+          <p:nvPr>
+            <p:ph type="body" idx="1"/>
+          </p:nvPr>
+        </p:nvSpPr>
+        <p:spPr>
+          <a:xfrm>
+            <a:off x="1141411" y="4343400"/>
+            <a:ext cx="9906000" cy="1447800"/>
+          </a:xfrm>
+        </p:spPr>
+        <p:txBody>
+          <a:bodyPr anchor="t">
+            <a:normAutofit/>
+          </a:bodyPr>
+          <a:lstStyle>
+            <a:lvl1pPr marL="0" indent="0" algn="l">
+              <a:buNone/>
+              <a:defRPr sz="1800">
+                <a:gradFill flip="none" rotWithShape="1">
+                  <a:gsLst>
+                    <a:gs pos="0">
+                      <a:schemeClr val="tx1"/>
+                    </a:gs>
+                    <a:gs pos="100000">
+                      <a:schemeClr val="tx1">
+                        <a:lumMod val="75000"/>
+                      </a:schemeClr>
+                    </a:gs>
+                  </a:gsLst>
+                  <a:lin ang="5400000" scaled="0"/>
+                  <a:tileRect/>
+                </a:gradFill>
+              </a:defRPr>
+            </a:lvl1pPr>
+            <a:lvl2pPr marL="457200" indent="0">
+              <a:buNone/>
+              <a:defRPr sz="1800">
+                <a:solidFill>
+                  <a:schemeClr val="tx1">
+                    <a:tint val="75000"/>
+                  </a:schemeClr>
+                </a:solidFill>
+              </a:defRPr>
+            </a:lvl2pPr>
+            <a:lvl3pPr marL="914400" indent="0">
+              <a:buNone/>
+              <a:defRPr sz="1600">
+                <a:solidFill>
+                  <a:schemeClr val="tx1">
+                    <a:tint val="75000"/>
+                  </a:schemeClr>
+                </a:solidFill>
+              </a:defRPr>
+            </a:lvl3pPr>
+            <a:lvl4pPr marL="1371600" indent="0">
+              <a:buNone/>
+              <a:defRPr sz="1400">
+                <a:solidFill>
+                  <a:schemeClr val="tx1">
+                    <a:tint val="75000"/>
+                  </a:schemeClr>
+                </a:solidFill>
+              </a:defRPr>
+            </a:lvl4pPr>
+            <a:lvl5pPr marL="1828800" indent="0">
+              <a:buNone/>
+              <a:defRPr sz="1400">
+                <a:solidFill>
+                  <a:schemeClr val="tx1">
+                    <a:tint val="75000"/>
+                  </a:schemeClr>
+                </a:solidFill>
+              </a:defRPr>
+            </a:lvl5pPr>
+            <a:lvl6pPr marL="2286000" indent="0">
+              <a:buNone/>
+              <a:defRPr sz="1400">
+                <a:solidFill>
+                  <a:schemeClr val="tx1">
+                    <a:tint val="75000"/>
+                  </a:schemeClr>
+                </a:solidFill>
+              </a:defRPr>
+            </a:lvl6pPr>
+            <a:lvl7pPr marL="2743200" indent="0">
+              <a:buNone/>
+              <a:defRPr sz="1400">
+                <a:solidFill>
+                  <a:schemeClr val="tx1">
+                    <a:tint val="75000"/>
+                  </a:schemeClr>
+                </a:solidFill>
+              </a:defRPr>
+            </a:lvl7pPr>
+            <a:lvl8pPr marL="3200400" indent="0">
+              <a:buNone/>
+              <a:defRPr sz="1400">
+                <a:solidFill>
+                  <a:schemeClr val="tx1">
+                    <a:tint val="75000"/>
+                  </a:schemeClr>
+                </a:solidFill>
+              </a:defRPr>
+            </a:lvl8pPr>
+            <a:lvl9pPr marL="3657600" indent="0">
+              <a:buNone/>
+              <a:defRPr sz="1400">
+                <a:solidFill>
+                  <a:schemeClr val="tx1">
+                    <a:tint val="75000"/>
+                  </a:schemeClr>
+                </a:solidFill>
+              </a:defRPr>
+            </a:lvl9pPr>
+          </a:lstStyle>
+          <a:p>
+            <a:pPr lvl="0"/>
+            <a:r>
+              <a:rPr lang="en-US" smtClean="0"/>
+              <a:t>Edit Master text styles</a:t>
+            </a:r>
+          </a:p>
+        </p:txBody>
+      </p:sp>
+      <p:sp>
+        <p:nvSpPr>
+          <p:cNvPr id="4" name="Date Placeholder 3"/>
+          <p:cNvSpPr>
+            <a:spLocks noGrp="1"/>
+          </p:cNvSpPr>
+          <p:nvPr>
+            <p:ph type="dt" sz="half" idx="10"/>
+          </p:nvPr>
+        </p:nvSpPr>
+        <p:spPr/>
+        <p:txBody>
+          <a:bodyPr/>
+          <a:lstStyle/>
+          <a:p>
+            <a:fld id="{93A7BB36-BCA3-436D-BFE4-06336677CC91}" type="datetimeFigureOut">
+              <a:rPr lang="en-GB" smtClean="0"/>
+              <a:t>17/02/2017</a:t>
+            </a:fld>
+            <a:endParaRPr lang="en-GB" dirty="0"/>
+          </a:p>
+        </p:txBody>
+      </p:sp>
+      <p:sp>
+        <p:nvSpPr>
+          <p:cNvPr id="5" name="Footer Placeholder 4"/>
+          <p:cNvSpPr>
+            <a:spLocks noGrp="1"/>
+          </p:cNvSpPr>
+          <p:nvPr>
+            <p:ph type="ftr" sz="quarter" idx="11"/>
+          </p:nvPr>
+        </p:nvSpPr>
+        <p:spPr/>
+        <p:txBody>
+          <a:bodyPr/>
+          <a:lstStyle/>
+          <a:p>
+            <a:endParaRPr lang="en-GB" dirty="0"/>
+          </a:p>
+        </p:txBody>
+      </p:sp>
+      <p:sp>
+        <p:nvSpPr>
+          <p:cNvPr id="6" name="Slide Number Placeholder 5"/>
+          <p:cNvSpPr>
+            <a:spLocks noGrp="1"/>
+          </p:cNvSpPr>
+          <p:nvPr>
+            <p:ph type="sldNum" sz="quarter" idx="12"/>
+          </p:nvPr>
+        </p:nvSpPr>
+        <p:spPr/>
+        <p:txBody>
+          <a:bodyPr/>
+          <a:lstStyle/>
+          <a:p>
+            <a:fld id="{6A84D548-395B-41BD-AC72-7CCA6549CB67}" type="slidenum">
+              <a:rPr lang="en-GB" smtClean="0"/>
+              <a:t>‹#›</a:t>
+            </a:fld>
+            <a:endParaRPr lang="en-GB" dirty="0"/>
+          </a:p>
+        </p:txBody>
+      </p:sp>
+    </p:spTree>
+    <p:extLst>
+      <p:ext uri="{BB962C8B-B14F-4D97-AF65-F5344CB8AC3E}">
+        <p14:creationId xmlns:p14="http://schemas.microsoft.com/office/powerpoint/2010/main" val="1746013777"/>
+      </p:ext>
+    </p:extLst>
+  </p:cSld>
+  <p:clrMapOvr>
+    <a:masterClrMapping/>
+  </p:clrMapOvr>
+</p:sldLayout>
+</file>
+
+<file path=ppt/slideLayouts/slideLayout16.xml><?xml version="1.0" encoding="utf-8"?>
 <p:sldLayout xmlns:a="http://schemas.openxmlformats.org/drawingml/2006/main" xmlns:r="http://schemas.openxmlformats.org/officeDocument/2006/relationships" xmlns:p="http://schemas.openxmlformats.org/presentationml/2006/main" type="vertTx" preserve="1">
   <p:cSld name="Title and Vertical Text">
     <p:spTree>
@@ -324,7 +3685,7 @@
       </p:grpSpPr>
       <p:sp>
         <p:nvSpPr>
-          <p:cNvPr id="2" name="Title 1"/>
+          <p:cNvPr id="7" name="Title 1"/>
           <p:cNvSpPr>
             <a:spLocks noGrp="1"/>
           </p:cNvSpPr>
@@ -332,68 +3693,73 @@
             <p:ph type="title"/>
           </p:nvPr>
         </p:nvSpPr>
+        <p:spPr>
+          <a:xfrm>
+            <a:off x="1141413" y="609600"/>
+            <a:ext cx="9905998" cy="1905000"/>
+          </a:xfrm>
+        </p:spPr>
+        <p:txBody>
+          <a:bodyPr/>
+          <a:lstStyle/>
+          <a:p>
+            <a:r>
+              <a:rPr lang="en-US" smtClean="0"/>
+              <a:t>Click to edit Master title style</a:t>
+            </a:r>
+            <a:endParaRPr lang="en-US" dirty="0"/>
+          </a:p>
+        </p:txBody>
+      </p:sp>
+      <p:sp>
+        <p:nvSpPr>
+          <p:cNvPr id="3" name="Vertical Text Placeholder 2"/>
+          <p:cNvSpPr>
+            <a:spLocks noGrp="1"/>
+          </p:cNvSpPr>
+          <p:nvPr>
+            <p:ph type="body" orient="vert" idx="1"/>
+          </p:nvPr>
+        </p:nvSpPr>
         <p:spPr/>
         <p:txBody>
-          <a:bodyPr/>
-          <a:lstStyle/>
-          <a:p>
-            <a:r>
-              <a:rPr lang="en-US"/>
-              <a:t>Click to edit Master title style</a:t>
-            </a:r>
-            <a:endParaRPr lang="en-GB"/>
-          </a:p>
-        </p:txBody>
-      </p:sp>
-      <p:sp>
-        <p:nvSpPr>
-          <p:cNvPr id="3" name="Vertical Text Placeholder 2"/>
-          <p:cNvSpPr>
-            <a:spLocks noGrp="1"/>
-          </p:cNvSpPr>
-          <p:nvPr>
-            <p:ph type="body" orient="vert" idx="1"/>
-          </p:nvPr>
-        </p:nvSpPr>
-        <p:spPr/>
-        <p:txBody>
-          <a:bodyPr vert="eaVert"/>
+          <a:bodyPr vert="eaVert" anchor="t"/>
           <a:lstStyle/>
           <a:p>
             <a:pPr lvl="0"/>
             <a:r>
-              <a:rPr lang="en-US"/>
+              <a:rPr lang="en-US" smtClean="0"/>
               <a:t>Edit Master text styles</a:t>
             </a:r>
           </a:p>
           <a:p>
             <a:pPr lvl="1"/>
             <a:r>
-              <a:rPr lang="en-US"/>
+              <a:rPr lang="en-US" smtClean="0"/>
               <a:t>Second level</a:t>
             </a:r>
           </a:p>
           <a:p>
             <a:pPr lvl="2"/>
             <a:r>
-              <a:rPr lang="en-US"/>
+              <a:rPr lang="en-US" smtClean="0"/>
               <a:t>Third level</a:t>
             </a:r>
           </a:p>
           <a:p>
             <a:pPr lvl="3"/>
             <a:r>
-              <a:rPr lang="en-US"/>
+              <a:rPr lang="en-US" smtClean="0"/>
               <a:t>Fourth level</a:t>
             </a:r>
           </a:p>
           <a:p>
             <a:pPr lvl="4"/>
             <a:r>
-              <a:rPr lang="en-US"/>
+              <a:rPr lang="en-US" smtClean="0"/>
               <a:t>Fifth level</a:t>
             </a:r>
-            <a:endParaRPr lang="en-GB"/>
+            <a:endParaRPr lang="en-US" dirty="0"/>
           </a:p>
         </p:txBody>
       </p:sp>
@@ -414,9 +3780,9 @@
           <a:p>
             <a:fld id="{93A7BB36-BCA3-436D-BFE4-06336677CC91}" type="datetimeFigureOut">
               <a:rPr lang="en-GB" smtClean="0"/>
-              <a:t>07/02/2017</a:t>
+              <a:t>17/02/2017</a:t>
             </a:fld>
-            <a:endParaRPr lang="en-GB"/>
+            <a:endParaRPr lang="en-GB" dirty="0"/>
           </a:p>
         </p:txBody>
       </p:sp>
@@ -435,7 +3801,7 @@
           <a:bodyPr/>
           <a:lstStyle/>
           <a:p>
-            <a:endParaRPr lang="en-GB"/>
+            <a:endParaRPr lang="en-GB" dirty="0"/>
           </a:p>
         </p:txBody>
       </p:sp>
@@ -458,14 +3824,14 @@
               <a:rPr lang="en-GB" smtClean="0"/>
               <a:t>‹#›</a:t>
             </a:fld>
-            <a:endParaRPr lang="en-GB"/>
+            <a:endParaRPr lang="en-GB" dirty="0"/>
           </a:p>
         </p:txBody>
       </p:sp>
     </p:spTree>
     <p:extLst>
       <p:ext uri="{BB962C8B-B14F-4D97-AF65-F5344CB8AC3E}">
-        <p14:creationId xmlns:p14="http://schemas.microsoft.com/office/powerpoint/2010/main" val="3610332558"/>
+        <p14:creationId xmlns:p14="http://schemas.microsoft.com/office/powerpoint/2010/main" val="4047054505"/>
       </p:ext>
     </p:extLst>
   </p:cSld>
@@ -475,7 +3841,7 @@
 </p:sldLayout>
 </file>
 
-<file path=ppt/slideLayouts/slideLayout11.xml><?xml version="1.0" encoding="utf-8"?>
+<file path=ppt/slideLayouts/slideLayout17.xml><?xml version="1.0" encoding="utf-8"?>
 <p:sldLayout xmlns:a="http://schemas.openxmlformats.org/drawingml/2006/main" xmlns:r="http://schemas.openxmlformats.org/officeDocument/2006/relationships" xmlns:p="http://schemas.openxmlformats.org/presentationml/2006/main" type="vertTitleAndTx" preserve="1">
   <p:cSld name="Vertical Title and Text">
     <p:spTree>
@@ -504,8 +3870,8 @@
         </p:nvSpPr>
         <p:spPr>
           <a:xfrm>
-            <a:off x="8724900" y="365125"/>
-            <a:ext cx="2628900" cy="5811838"/>
+            <a:off x="8836898" y="609599"/>
+            <a:ext cx="2210514" cy="5181601"/>
           </a:xfrm>
         </p:spPr>
         <p:txBody>
@@ -513,10 +3879,10 @@
           <a:lstStyle/>
           <a:p>
             <a:r>
-              <a:rPr lang="en-US"/>
+              <a:rPr lang="en-US" smtClean="0"/>
               <a:t>Click to edit Master title style</a:t>
             </a:r>
-            <a:endParaRPr lang="en-GB"/>
+            <a:endParaRPr lang="en-US" dirty="0"/>
           </a:p>
         </p:txBody>
       </p:sp>
@@ -532,48 +3898,48 @@
         </p:nvSpPr>
         <p:spPr>
           <a:xfrm>
-            <a:off x="838200" y="365125"/>
-            <a:ext cx="7734300" cy="5811838"/>
+            <a:off x="1141412" y="609600"/>
+            <a:ext cx="7543800" cy="5181600"/>
           </a:xfrm>
         </p:spPr>
         <p:txBody>
-          <a:bodyPr vert="eaVert"/>
+          <a:bodyPr vert="eaVert" anchor="t"/>
           <a:lstStyle/>
           <a:p>
             <a:pPr lvl="0"/>
             <a:r>
-              <a:rPr lang="en-US"/>
+              <a:rPr lang="en-US" smtClean="0"/>
               <a:t>Edit Master text styles</a:t>
             </a:r>
           </a:p>
           <a:p>
             <a:pPr lvl="1"/>
             <a:r>
-              <a:rPr lang="en-US"/>
+              <a:rPr lang="en-US" smtClean="0"/>
               <a:t>Second level</a:t>
             </a:r>
           </a:p>
           <a:p>
             <a:pPr lvl="2"/>
             <a:r>
-              <a:rPr lang="en-US"/>
+              <a:rPr lang="en-US" smtClean="0"/>
               <a:t>Third level</a:t>
             </a:r>
           </a:p>
           <a:p>
             <a:pPr lvl="3"/>
             <a:r>
-              <a:rPr lang="en-US"/>
+              <a:rPr lang="en-US" smtClean="0"/>
               <a:t>Fourth level</a:t>
             </a:r>
           </a:p>
           <a:p>
             <a:pPr lvl="4"/>
             <a:r>
-              <a:rPr lang="en-US"/>
+              <a:rPr lang="en-US" smtClean="0"/>
               <a:t>Fifth level</a:t>
             </a:r>
-            <a:endParaRPr lang="en-GB"/>
+            <a:endParaRPr lang="en-US" dirty="0"/>
           </a:p>
         </p:txBody>
       </p:sp>
@@ -594,9 +3960,9 @@
           <a:p>
             <a:fld id="{93A7BB36-BCA3-436D-BFE4-06336677CC91}" type="datetimeFigureOut">
               <a:rPr lang="en-GB" smtClean="0"/>
-              <a:t>07/02/2017</a:t>
+              <a:t>17/02/2017</a:t>
             </a:fld>
-            <a:endParaRPr lang="en-GB"/>
+            <a:endParaRPr lang="en-GB" dirty="0"/>
           </a:p>
         </p:txBody>
       </p:sp>
@@ -615,7 +3981,7 @@
           <a:bodyPr/>
           <a:lstStyle/>
           <a:p>
-            <a:endParaRPr lang="en-GB"/>
+            <a:endParaRPr lang="en-GB" dirty="0"/>
           </a:p>
         </p:txBody>
       </p:sp>
@@ -638,14 +4004,14 @@
               <a:rPr lang="en-GB" smtClean="0"/>
               <a:t>‹#›</a:t>
             </a:fld>
-            <a:endParaRPr lang="en-GB"/>
+            <a:endParaRPr lang="en-GB" dirty="0"/>
           </a:p>
         </p:txBody>
       </p:sp>
     </p:spTree>
     <p:extLst>
       <p:ext uri="{BB962C8B-B14F-4D97-AF65-F5344CB8AC3E}">
-        <p14:creationId xmlns:p14="http://schemas.microsoft.com/office/powerpoint/2010/main" val="1168122147"/>
+        <p14:creationId xmlns:p14="http://schemas.microsoft.com/office/powerpoint/2010/main" val="3147401978"/>
       </p:ext>
     </p:extLst>
   </p:cSld>
@@ -688,10 +4054,10 @@
           <a:lstStyle/>
           <a:p>
             <a:r>
-              <a:rPr lang="en-US"/>
+              <a:rPr lang="en-US" smtClean="0"/>
               <a:t>Click to edit Master title style</a:t>
             </a:r>
-            <a:endParaRPr lang="en-GB"/>
+            <a:endParaRPr lang="en-US" dirty="0"/>
           </a:p>
         </p:txBody>
       </p:sp>
@@ -707,43 +4073,43 @@
         </p:nvSpPr>
         <p:spPr/>
         <p:txBody>
-          <a:bodyPr/>
+          <a:bodyPr anchor="ctr"/>
           <a:lstStyle/>
           <a:p>
             <a:pPr lvl="0"/>
             <a:r>
-              <a:rPr lang="en-US"/>
+              <a:rPr lang="en-US" smtClean="0"/>
               <a:t>Edit Master text styles</a:t>
             </a:r>
           </a:p>
           <a:p>
             <a:pPr lvl="1"/>
             <a:r>
-              <a:rPr lang="en-US"/>
+              <a:rPr lang="en-US" smtClean="0"/>
               <a:t>Second level</a:t>
             </a:r>
           </a:p>
           <a:p>
             <a:pPr lvl="2"/>
             <a:r>
-              <a:rPr lang="en-US"/>
+              <a:rPr lang="en-US" smtClean="0"/>
               <a:t>Third level</a:t>
             </a:r>
           </a:p>
           <a:p>
             <a:pPr lvl="3"/>
             <a:r>
-              <a:rPr lang="en-US"/>
+              <a:rPr lang="en-US" smtClean="0"/>
               <a:t>Fourth level</a:t>
             </a:r>
           </a:p>
           <a:p>
             <a:pPr lvl="4"/>
             <a:r>
-              <a:rPr lang="en-US"/>
+              <a:rPr lang="en-US" smtClean="0"/>
               <a:t>Fifth level</a:t>
             </a:r>
-            <a:endParaRPr lang="en-GB"/>
+            <a:endParaRPr lang="en-US" dirty="0"/>
           </a:p>
         </p:txBody>
       </p:sp>
@@ -764,9 +4130,9 @@
           <a:p>
             <a:fld id="{93A7BB36-BCA3-436D-BFE4-06336677CC91}" type="datetimeFigureOut">
               <a:rPr lang="en-GB" smtClean="0"/>
-              <a:t>07/02/2017</a:t>
+              <a:t>17/02/2017</a:t>
             </a:fld>
-            <a:endParaRPr lang="en-GB"/>
+            <a:endParaRPr lang="en-GB" dirty="0"/>
           </a:p>
         </p:txBody>
       </p:sp>
@@ -785,7 +4151,7 @@
           <a:bodyPr/>
           <a:lstStyle/>
           <a:p>
-            <a:endParaRPr lang="en-GB"/>
+            <a:endParaRPr lang="en-GB" dirty="0"/>
           </a:p>
         </p:txBody>
       </p:sp>
@@ -808,14 +4174,14 @@
               <a:rPr lang="en-GB" smtClean="0"/>
               <a:t>‹#›</a:t>
             </a:fld>
-            <a:endParaRPr lang="en-GB"/>
+            <a:endParaRPr lang="en-GB" dirty="0"/>
           </a:p>
         </p:txBody>
       </p:sp>
     </p:spTree>
     <p:extLst>
       <p:ext uri="{BB962C8B-B14F-4D97-AF65-F5344CB8AC3E}">
-        <p14:creationId xmlns:p14="http://schemas.microsoft.com/office/powerpoint/2010/main" val="1275595476"/>
+        <p14:creationId xmlns:p14="http://schemas.microsoft.com/office/powerpoint/2010/main" val="779604006"/>
       </p:ext>
     </p:extLst>
   </p:cSld>
@@ -854,23 +4220,23 @@
         </p:nvSpPr>
         <p:spPr>
           <a:xfrm>
-            <a:off x="831850" y="1709738"/>
-            <a:ext cx="10515600" cy="2852737"/>
+            <a:off x="1751013" y="3308581"/>
+            <a:ext cx="8686800" cy="1468800"/>
           </a:xfrm>
         </p:spPr>
         <p:txBody>
           <a:bodyPr anchor="b"/>
           <a:lstStyle>
-            <a:lvl1pPr>
-              <a:defRPr sz="6000"/>
+            <a:lvl1pPr algn="r">
+              <a:defRPr sz="4000" b="0" cap="all"/>
             </a:lvl1pPr>
           </a:lstStyle>
           <a:p>
             <a:r>
-              <a:rPr lang="en-US"/>
+              <a:rPr lang="en-US" smtClean="0"/>
               <a:t>Click to edit Master title style</a:t>
             </a:r>
-            <a:endParaRPr lang="en-GB"/>
+            <a:endParaRPr lang="en-US" dirty="0"/>
           </a:p>
         </p:txBody>
       </p:sp>
@@ -886,34 +4252,35 @@
         </p:nvSpPr>
         <p:spPr>
           <a:xfrm>
-            <a:off x="831850" y="4589463"/>
-            <a:ext cx="10515600" cy="1500187"/>
+            <a:off x="1751011" y="4777381"/>
+            <a:ext cx="8686801" cy="860400"/>
           </a:xfrm>
         </p:spPr>
         <p:txBody>
-          <a:bodyPr/>
+          <a:bodyPr anchor="t">
+            <a:normAutofit/>
+          </a:bodyPr>
           <a:lstStyle>
-            <a:lvl1pPr marL="0" indent="0">
-              <a:buNone/>
-              <a:defRPr sz="2400">
-                <a:solidFill>
-                  <a:schemeClr val="tx1">
-                    <a:tint val="75000"/>
-                  </a:schemeClr>
-                </a:solidFill>
+            <a:lvl1pPr marL="0" indent="0" algn="r">
+              <a:buNone/>
+              <a:defRPr sz="2000">
+                <a:gradFill flip="none" rotWithShape="1">
+                  <a:gsLst>
+                    <a:gs pos="0">
+                      <a:schemeClr val="tx1"/>
+                    </a:gs>
+                    <a:gs pos="100000">
+                      <a:schemeClr val="tx1">
+                        <a:lumMod val="75000"/>
+                      </a:schemeClr>
+                    </a:gs>
+                  </a:gsLst>
+                  <a:lin ang="5400000" scaled="0"/>
+                  <a:tileRect/>
+                </a:gradFill>
               </a:defRPr>
             </a:lvl1pPr>
             <a:lvl2pPr marL="457200" indent="0">
-              <a:buNone/>
-              <a:defRPr sz="2000">
-                <a:solidFill>
-                  <a:schemeClr val="tx1">
-                    <a:tint val="75000"/>
-                  </a:schemeClr>
-                </a:solidFill>
-              </a:defRPr>
-            </a:lvl2pPr>
-            <a:lvl3pPr marL="914400" indent="0">
               <a:buNone/>
               <a:defRPr sz="1800">
                 <a:solidFill>
@@ -922,8 +4289,8 @@
                   </a:schemeClr>
                 </a:solidFill>
               </a:defRPr>
-            </a:lvl3pPr>
-            <a:lvl4pPr marL="1371600" indent="0">
+            </a:lvl2pPr>
+            <a:lvl3pPr marL="914400" indent="0">
               <a:buNone/>
               <a:defRPr sz="1600">
                 <a:solidFill>
@@ -932,62 +4299,72 @@
                   </a:schemeClr>
                 </a:solidFill>
               </a:defRPr>
-            </a:lvl4pPr>
-            <a:lvl5pPr marL="1828800" indent="0">
-              <a:buNone/>
-              <a:defRPr sz="1600">
+            </a:lvl3pPr>
+            <a:lvl4pPr marL="1371600" indent="0">
+              <a:buNone/>
+              <a:defRPr sz="1400">
                 <a:solidFill>
                   <a:schemeClr val="tx1">
                     <a:tint val="75000"/>
                   </a:schemeClr>
                 </a:solidFill>
               </a:defRPr>
-            </a:lvl5pPr>
-            <a:lvl6pPr marL="2286000" indent="0">
-              <a:buNone/>
-              <a:defRPr sz="1600">
+            </a:lvl4pPr>
+            <a:lvl5pPr marL="1828800" indent="0">
+              <a:buNone/>
+              <a:defRPr sz="1400">
                 <a:solidFill>
                   <a:schemeClr val="tx1">
                     <a:tint val="75000"/>
                   </a:schemeClr>
                 </a:solidFill>
               </a:defRPr>
-            </a:lvl6pPr>
-            <a:lvl7pPr marL="2743200" indent="0">
-              <a:buNone/>
-              <a:defRPr sz="1600">
+            </a:lvl5pPr>
+            <a:lvl6pPr marL="2286000" indent="0">
+              <a:buNone/>
+              <a:defRPr sz="1400">
                 <a:solidFill>
                   <a:schemeClr val="tx1">
                     <a:tint val="75000"/>
                   </a:schemeClr>
                 </a:solidFill>
               </a:defRPr>
-            </a:lvl7pPr>
-            <a:lvl8pPr marL="3200400" indent="0">
-              <a:buNone/>
-              <a:defRPr sz="1600">
+            </a:lvl6pPr>
+            <a:lvl7pPr marL="2743200" indent="0">
+              <a:buNone/>
+              <a:defRPr sz="1400">
                 <a:solidFill>
                   <a:schemeClr val="tx1">
                     <a:tint val="75000"/>
                   </a:schemeClr>
                 </a:solidFill>
               </a:defRPr>
-            </a:lvl8pPr>
-            <a:lvl9pPr marL="3657600" indent="0">
-              <a:buNone/>
-              <a:defRPr sz="1600">
+            </a:lvl7pPr>
+            <a:lvl8pPr marL="3200400" indent="0">
+              <a:buNone/>
+              <a:defRPr sz="1400">
                 <a:solidFill>
                   <a:schemeClr val="tx1">
                     <a:tint val="75000"/>
                   </a:schemeClr>
                 </a:solidFill>
               </a:defRPr>
+            </a:lvl8pPr>
+            <a:lvl9pPr marL="3657600" indent="0">
+              <a:buNone/>
+              <a:defRPr sz="1400">
+                <a:solidFill>
+                  <a:schemeClr val="tx1">
+                    <a:tint val="75000"/>
+                  </a:schemeClr>
+                </a:solidFill>
+              </a:defRPr>
             </a:lvl9pPr>
           </a:lstStyle>
           <a:p>
             <a:pPr lvl="0"/>
             <a:r>
-              <a:rPr lang="en-US"/>
+              <a:rPr lang="en-US" smtClean="0"/>
               <a:t>Edit Master text styles</a:t>
             </a:r>
           </a:p>
@@ -1010,9 +4387,9 @@
           <a:p>
             <a:fld id="{93A7BB36-BCA3-436D-BFE4-06336677CC91}" type="datetimeFigureOut">
               <a:rPr lang="en-GB" smtClean="0"/>
-              <a:t>07/02/2017</a:t>
+              <a:t>17/02/2017</a:t>
             </a:fld>
-            <a:endParaRPr lang="en-GB"/>
+            <a:endParaRPr lang="en-GB" dirty="0"/>
           </a:p>
         </p:txBody>
       </p:sp>
@@ -1031,7 +4408,7 @@
           <a:bodyPr/>
           <a:lstStyle/>
           <a:p>
-            <a:endParaRPr lang="en-GB"/>
+            <a:endParaRPr lang="en-GB" dirty="0"/>
           </a:p>
         </p:txBody>
       </p:sp>
@@ -1054,14 +4431,14 @@
               <a:rPr lang="en-GB" smtClean="0"/>
               <a:t>‹#›</a:t>
             </a:fld>
-            <a:endParaRPr lang="en-GB"/>
+            <a:endParaRPr lang="en-GB" dirty="0"/>
           </a:p>
         </p:txBody>
       </p:sp>
     </p:spTree>
     <p:extLst>
       <p:ext uri="{BB962C8B-B14F-4D97-AF65-F5344CB8AC3E}">
-        <p14:creationId xmlns:p14="http://schemas.microsoft.com/office/powerpoint/2010/main" val="1121950196"/>
+        <p14:creationId xmlns:p14="http://schemas.microsoft.com/office/powerpoint/2010/main" val="2832629540"/>
       </p:ext>
     </p:extLst>
   </p:cSld>
@@ -1104,10 +4481,10 @@
           <a:lstStyle/>
           <a:p>
             <a:r>
-              <a:rPr lang="en-US"/>
+              <a:rPr lang="en-US" smtClean="0"/>
               <a:t>Click to edit Master title style</a:t>
             </a:r>
-            <a:endParaRPr lang="en-GB"/>
+            <a:endParaRPr lang="en-US" dirty="0"/>
           </a:p>
         </p:txBody>
       </p:sp>
@@ -1123,48 +4500,78 @@
         </p:nvSpPr>
         <p:spPr>
           <a:xfrm>
-            <a:off x="838200" y="1825625"/>
-            <a:ext cx="5181600" cy="4351338"/>
+            <a:off x="1141412" y="2666999"/>
+            <a:ext cx="4876800" cy="3124201"/>
           </a:xfrm>
         </p:spPr>
         <p:txBody>
-          <a:bodyPr/>
-          <a:lstStyle/>
+          <a:bodyPr>
+            <a:normAutofit/>
+          </a:bodyPr>
+          <a:lstStyle>
+            <a:lvl1pPr>
+              <a:defRPr sz="1800"/>
+            </a:lvl1pPr>
+            <a:lvl2pPr>
+              <a:defRPr sz="1600"/>
+            </a:lvl2pPr>
+            <a:lvl3pPr>
+              <a:defRPr sz="1400"/>
+            </a:lvl3pPr>
+            <a:lvl4pPr>
+              <a:defRPr sz="1200"/>
+            </a:lvl4pPr>
+            <a:lvl5pPr>
+              <a:defRPr sz="1200"/>
+            </a:lvl5pPr>
+            <a:lvl6pPr>
+              <a:defRPr sz="1200"/>
+            </a:lvl6pPr>
+            <a:lvl7pPr>
+              <a:defRPr sz="1200"/>
+            </a:lvl7pPr>
+            <a:lvl8pPr>
+              <a:defRPr sz="1200"/>
+            </a:lvl8pPr>
+            <a:lvl9pPr>
+              <a:defRPr sz="1200"/>
+            </a:lvl9pPr>
+          </a:lstStyle>
           <a:p>
             <a:pPr lvl="0"/>
             <a:r>
-              <a:rPr lang="en-US"/>
+              <a:rPr lang="en-US" smtClean="0"/>
               <a:t>Edit Master text styles</a:t>
             </a:r>
           </a:p>
           <a:p>
             <a:pPr lvl="1"/>
             <a:r>
-              <a:rPr lang="en-US"/>
+              <a:rPr lang="en-US" smtClean="0"/>
               <a:t>Second level</a:t>
             </a:r>
           </a:p>
           <a:p>
             <a:pPr lvl="2"/>
             <a:r>
-              <a:rPr lang="en-US"/>
+              <a:rPr lang="en-US" smtClean="0"/>
               <a:t>Third level</a:t>
             </a:r>
           </a:p>
           <a:p>
             <a:pPr lvl="3"/>
             <a:r>
-              <a:rPr lang="en-US"/>
+              <a:rPr lang="en-US" smtClean="0"/>
               <a:t>Fourth level</a:t>
             </a:r>
           </a:p>
           <a:p>
             <a:pPr lvl="4"/>
             <a:r>
-              <a:rPr lang="en-US"/>
+              <a:rPr lang="en-US" smtClean="0"/>
               <a:t>Fifth level</a:t>
             </a:r>
-            <a:endParaRPr lang="en-GB"/>
+            <a:endParaRPr lang="en-US" dirty="0"/>
           </a:p>
         </p:txBody>
       </p:sp>
@@ -1180,48 +4587,78 @@
         </p:nvSpPr>
         <p:spPr>
           <a:xfrm>
-            <a:off x="6172200" y="1825625"/>
-            <a:ext cx="5181600" cy="4351338"/>
+            <a:off x="6170612" y="2667000"/>
+            <a:ext cx="4876800" cy="3124200"/>
           </a:xfrm>
         </p:spPr>
         <p:txBody>
-          <a:bodyPr/>
-          <a:lstStyle/>
+          <a:bodyPr>
+            <a:normAutofit/>
+          </a:bodyPr>
+          <a:lstStyle>
+            <a:lvl1pPr>
+              <a:defRPr sz="1800"/>
+            </a:lvl1pPr>
+            <a:lvl2pPr>
+              <a:defRPr sz="1600"/>
+            </a:lvl2pPr>
+            <a:lvl3pPr>
+              <a:defRPr sz="1400"/>
+            </a:lvl3pPr>
+            <a:lvl4pPr>
+              <a:defRPr sz="1200"/>
+            </a:lvl4pPr>
+            <a:lvl5pPr>
+              <a:defRPr sz="1200"/>
+            </a:lvl5pPr>
+            <a:lvl6pPr>
+              <a:defRPr sz="1200"/>
+            </a:lvl6pPr>
+            <a:lvl7pPr>
+              <a:defRPr sz="1200"/>
+            </a:lvl7pPr>
+            <a:lvl8pPr>
+              <a:defRPr sz="1200"/>
+            </a:lvl8pPr>
+            <a:lvl9pPr>
+              <a:defRPr sz="1200"/>
+            </a:lvl9pPr>
+          </a:lstStyle>
           <a:p>
             <a:pPr lvl="0"/>
             <a:r>
-              <a:rPr lang="en-US"/>
+              <a:rPr lang="en-US" smtClean="0"/>
               <a:t>Edit Master text styles</a:t>
             </a:r>
           </a:p>
           <a:p>
             <a:pPr lvl="1"/>
             <a:r>
-              <a:rPr lang="en-US"/>
+              <a:rPr lang="en-US" smtClean="0"/>
               <a:t>Second level</a:t>
             </a:r>
           </a:p>
           <a:p>
             <a:pPr lvl="2"/>
             <a:r>
-              <a:rPr lang="en-US"/>
+              <a:rPr lang="en-US" smtClean="0"/>
               <a:t>Third level</a:t>
             </a:r>
           </a:p>
           <a:p>
             <a:pPr lvl="3"/>
             <a:r>
-              <a:rPr lang="en-US"/>
+              <a:rPr lang="en-US" smtClean="0"/>
               <a:t>Fourth level</a:t>
             </a:r>
           </a:p>
           <a:p>
             <a:pPr lvl="4"/>
             <a:r>
-              <a:rPr lang="en-US"/>
+              <a:rPr lang="en-US" smtClean="0"/>
               <a:t>Fifth level</a:t>
             </a:r>
-            <a:endParaRPr lang="en-GB"/>
+            <a:endParaRPr lang="en-US" dirty="0"/>
           </a:p>
         </p:txBody>
       </p:sp>
@@ -1242,9 +4679,9 @@
           <a:p>
             <a:fld id="{93A7BB36-BCA3-436D-BFE4-06336677CC91}" type="datetimeFigureOut">
               <a:rPr lang="en-GB" smtClean="0"/>
-              <a:t>07/02/2017</a:t>
+              <a:t>17/02/2017</a:t>
             </a:fld>
-            <a:endParaRPr lang="en-GB"/>
+            <a:endParaRPr lang="en-GB" dirty="0"/>
           </a:p>
         </p:txBody>
       </p:sp>
@@ -1263,7 +4700,7 @@
           <a:bodyPr/>
           <a:lstStyle/>
           <a:p>
-            <a:endParaRPr lang="en-GB"/>
+            <a:endParaRPr lang="en-GB" dirty="0"/>
           </a:p>
         </p:txBody>
       </p:sp>
@@ -1286,14 +4723,14 @@
               <a:rPr lang="en-GB" smtClean="0"/>
               <a:t>‹#›</a:t>
             </a:fld>
-            <a:endParaRPr lang="en-GB"/>
+            <a:endParaRPr lang="en-GB" dirty="0"/>
           </a:p>
         </p:txBody>
       </p:sp>
     </p:spTree>
     <p:extLst>
       <p:ext uri="{BB962C8B-B14F-4D97-AF65-F5344CB8AC3E}">
-        <p14:creationId xmlns:p14="http://schemas.microsoft.com/office/powerpoint/2010/main" val="914095980"/>
+        <p14:creationId xmlns:p14="http://schemas.microsoft.com/office/powerpoint/2010/main" val="4000849398"/>
       </p:ext>
     </p:extLst>
   </p:cSld>
@@ -1330,46 +4767,47 @@
             <p:ph type="title"/>
           </p:nvPr>
         </p:nvSpPr>
+        <p:spPr/>
+        <p:txBody>
+          <a:bodyPr/>
+          <a:lstStyle>
+            <a:lvl1pPr>
+              <a:defRPr/>
+            </a:lvl1pPr>
+          </a:lstStyle>
+          <a:p>
+            <a:r>
+              <a:rPr lang="en-US" smtClean="0"/>
+              <a:t>Click to edit Master title style</a:t>
+            </a:r>
+            <a:endParaRPr lang="en-US" dirty="0"/>
+          </a:p>
+        </p:txBody>
+      </p:sp>
+      <p:sp>
+        <p:nvSpPr>
+          <p:cNvPr id="3" name="Text Placeholder 2"/>
+          <p:cNvSpPr>
+            <a:spLocks noGrp="1"/>
+          </p:cNvSpPr>
+          <p:nvPr>
+            <p:ph type="body" idx="1"/>
+          </p:nvPr>
+        </p:nvSpPr>
         <p:spPr>
           <a:xfrm>
-            <a:off x="839788" y="365125"/>
-            <a:ext cx="10515600" cy="1325563"/>
+            <a:off x="1429280" y="2658533"/>
+            <a:ext cx="4588931" cy="576262"/>
           </a:xfrm>
         </p:spPr>
         <p:txBody>
-          <a:bodyPr/>
-          <a:lstStyle/>
-          <a:p>
-            <a:r>
-              <a:rPr lang="en-US"/>
-              <a:t>Click to edit Master title style</a:t>
-            </a:r>
-            <a:endParaRPr lang="en-GB"/>
-          </a:p>
-        </p:txBody>
-      </p:sp>
-      <p:sp>
-        <p:nvSpPr>
-          <p:cNvPr id="3" name="Text Placeholder 2"/>
-          <p:cNvSpPr>
-            <a:spLocks noGrp="1"/>
-          </p:cNvSpPr>
-          <p:nvPr>
-            <p:ph type="body" idx="1"/>
-          </p:nvPr>
-        </p:nvSpPr>
-        <p:spPr>
-          <a:xfrm>
-            <a:off x="839788" y="1681163"/>
-            <a:ext cx="5157787" cy="823912"/>
-          </a:xfrm>
-        </p:spPr>
-        <p:txBody>
-          <a:bodyPr anchor="b"/>
+          <a:bodyPr anchor="b">
+            <a:noAutofit/>
+          </a:bodyPr>
           <a:lstStyle>
             <a:lvl1pPr marL="0" indent="0">
               <a:buNone/>
-              <a:defRPr sz="2400" b="1"/>
+              <a:defRPr sz="2800" b="0"/>
             </a:lvl1pPr>
             <a:lvl2pPr marL="457200" indent="0">
               <a:buNone/>
@@ -1407,7 +4845,7 @@
           <a:p>
             <a:pPr lvl="0"/>
             <a:r>
-              <a:rPr lang="en-US"/>
+              <a:rPr lang="en-US" smtClean="0"/>
               <a:t>Edit Master text styles</a:t>
             </a:r>
           </a:p>
@@ -1425,48 +4863,78 @@
         </p:nvSpPr>
         <p:spPr>
           <a:xfrm>
-            <a:off x="839788" y="2505075"/>
-            <a:ext cx="5157787" cy="3684588"/>
+            <a:off x="1141412" y="3243262"/>
+            <a:ext cx="4876800" cy="2547937"/>
           </a:xfrm>
         </p:spPr>
         <p:txBody>
-          <a:bodyPr/>
-          <a:lstStyle/>
+          <a:bodyPr anchor="t">
+            <a:normAutofit/>
+          </a:bodyPr>
+          <a:lstStyle>
+            <a:lvl1pPr>
+              <a:defRPr sz="1800"/>
+            </a:lvl1pPr>
+            <a:lvl2pPr>
+              <a:defRPr sz="1600"/>
+            </a:lvl2pPr>
+            <a:lvl3pPr>
+              <a:defRPr sz="1400"/>
+            </a:lvl3pPr>
+            <a:lvl4pPr>
+              <a:defRPr sz="1200"/>
+            </a:lvl4pPr>
+            <a:lvl5pPr>
+              <a:defRPr sz="1200"/>
+            </a:lvl5pPr>
+            <a:lvl6pPr>
+              <a:defRPr sz="1200"/>
+            </a:lvl6pPr>
+            <a:lvl7pPr>
+              <a:defRPr sz="1200"/>
+            </a:lvl7pPr>
+            <a:lvl8pPr>
+              <a:defRPr sz="1200"/>
+            </a:lvl8pPr>
+            <a:lvl9pPr>
+              <a:defRPr sz="1200"/>
+            </a:lvl9pPr>
+          </a:lstStyle>
           <a:p>
             <a:pPr lvl="0"/>
             <a:r>
-              <a:rPr lang="en-US"/>
+              <a:rPr lang="en-US" smtClean="0"/>
               <a:t>Edit Master text styles</a:t>
             </a:r>
           </a:p>
           <a:p>
             <a:pPr lvl="1"/>
             <a:r>
-              <a:rPr lang="en-US"/>
+              <a:rPr lang="en-US" smtClean="0"/>
               <a:t>Second level</a:t>
             </a:r>
           </a:p>
           <a:p>
             <a:pPr lvl="2"/>
             <a:r>
-              <a:rPr lang="en-US"/>
+              <a:rPr lang="en-US" smtClean="0"/>
               <a:t>Third level</a:t>
             </a:r>
           </a:p>
           <a:p>
             <a:pPr lvl="3"/>
             <a:r>
-              <a:rPr lang="en-US"/>
+              <a:rPr lang="en-US" smtClean="0"/>
               <a:t>Fourth level</a:t>
             </a:r>
           </a:p>
           <a:p>
             <a:pPr lvl="4"/>
             <a:r>
-              <a:rPr lang="en-US"/>
+              <a:rPr lang="en-US" smtClean="0"/>
               <a:t>Fifth level</a:t>
             </a:r>
-            <a:endParaRPr lang="en-GB"/>
+            <a:endParaRPr lang="en-US" dirty="0"/>
           </a:p>
         </p:txBody>
       </p:sp>
@@ -1482,16 +4950,18 @@
         </p:nvSpPr>
         <p:spPr>
           <a:xfrm>
-            <a:off x="6172200" y="1681163"/>
-            <a:ext cx="5183188" cy="823912"/>
+            <a:off x="6443133" y="2667000"/>
+            <a:ext cx="4604280" cy="576262"/>
           </a:xfrm>
         </p:spPr>
         <p:txBody>
-          <a:bodyPr anchor="b"/>
+          <a:bodyPr anchor="b">
+            <a:noAutofit/>
+          </a:bodyPr>
           <a:lstStyle>
             <a:lvl1pPr marL="0" indent="0">
               <a:buNone/>
-              <a:defRPr sz="2400" b="1"/>
+              <a:defRPr sz="2800" b="0"/>
             </a:lvl1pPr>
             <a:lvl2pPr marL="457200" indent="0">
               <a:buNone/>
@@ -1529,7 +4999,7 @@
           <a:p>
             <a:pPr lvl="0"/>
             <a:r>
-              <a:rPr lang="en-US"/>
+              <a:rPr lang="en-US" smtClean="0"/>
               <a:t>Edit Master text styles</a:t>
             </a:r>
           </a:p>
@@ -1547,48 +5017,78 @@
         </p:nvSpPr>
         <p:spPr>
           <a:xfrm>
-            <a:off x="6172200" y="2505075"/>
-            <a:ext cx="5183188" cy="3684588"/>
+            <a:off x="6170612" y="3243262"/>
+            <a:ext cx="4876801" cy="2547937"/>
           </a:xfrm>
         </p:spPr>
         <p:txBody>
-          <a:bodyPr/>
-          <a:lstStyle/>
+          <a:bodyPr anchor="t">
+            <a:normAutofit/>
+          </a:bodyPr>
+          <a:lstStyle>
+            <a:lvl1pPr>
+              <a:defRPr sz="1800"/>
+            </a:lvl1pPr>
+            <a:lvl2pPr>
+              <a:defRPr sz="1600"/>
+            </a:lvl2pPr>
+            <a:lvl3pPr>
+              <a:defRPr sz="1400"/>
+            </a:lvl3pPr>
+            <a:lvl4pPr>
+              <a:defRPr sz="1200"/>
+            </a:lvl4pPr>
+            <a:lvl5pPr>
+              <a:defRPr sz="1200"/>
+            </a:lvl5pPr>
+            <a:lvl6pPr>
+              <a:defRPr sz="1200"/>
+            </a:lvl6pPr>
+            <a:lvl7pPr>
+              <a:defRPr sz="1200"/>
+            </a:lvl7pPr>
+            <a:lvl8pPr>
+              <a:defRPr sz="1200"/>
+            </a:lvl8pPr>
+            <a:lvl9pPr>
+              <a:defRPr sz="1200"/>
+            </a:lvl9pPr>
+          </a:lstStyle>
           <a:p>
             <a:pPr lvl="0"/>
             <a:r>
-              <a:rPr lang="en-US"/>
+              <a:rPr lang="en-US" smtClean="0"/>
               <a:t>Edit Master text styles</a:t>
             </a:r>
           </a:p>
           <a:p>
             <a:pPr lvl="1"/>
             <a:r>
-              <a:rPr lang="en-US"/>
+              <a:rPr lang="en-US" smtClean="0"/>
               <a:t>Second level</a:t>
             </a:r>
           </a:p>
           <a:p>
             <a:pPr lvl="2"/>
             <a:r>
-              <a:rPr lang="en-US"/>
+              <a:rPr lang="en-US" smtClean="0"/>
               <a:t>Third level</a:t>
             </a:r>
           </a:p>
           <a:p>
             <a:pPr lvl="3"/>
             <a:r>
-              <a:rPr lang="en-US"/>
+              <a:rPr lang="en-US" smtClean="0"/>
               <a:t>Fourth level</a:t>
             </a:r>
           </a:p>
           <a:p>
             <a:pPr lvl="4"/>
             <a:r>
-              <a:rPr lang="en-US"/>
+              <a:rPr lang="en-US" smtClean="0"/>
               <a:t>Fifth level</a:t>
             </a:r>
-            <a:endParaRPr lang="en-GB"/>
+            <a:endParaRPr lang="en-US" dirty="0"/>
           </a:p>
         </p:txBody>
       </p:sp>
@@ -1609,9 +5109,9 @@
           <a:p>
             <a:fld id="{93A7BB36-BCA3-436D-BFE4-06336677CC91}" type="datetimeFigureOut">
               <a:rPr lang="en-GB" smtClean="0"/>
-              <a:t>07/02/2017</a:t>
+              <a:t>17/02/2017</a:t>
             </a:fld>
-            <a:endParaRPr lang="en-GB"/>
+            <a:endParaRPr lang="en-GB" dirty="0"/>
           </a:p>
         </p:txBody>
       </p:sp>
@@ -1630,7 +5130,7 @@
           <a:bodyPr/>
           <a:lstStyle/>
           <a:p>
-            <a:endParaRPr lang="en-GB"/>
+            <a:endParaRPr lang="en-GB" dirty="0"/>
           </a:p>
         </p:txBody>
       </p:sp>
@@ -1653,14 +5153,14 @@
               <a:rPr lang="en-GB" smtClean="0"/>
               <a:t>‹#›</a:t>
             </a:fld>
-            <a:endParaRPr lang="en-GB"/>
+            <a:endParaRPr lang="en-GB" dirty="0"/>
           </a:p>
         </p:txBody>
       </p:sp>
     </p:spTree>
     <p:extLst>
       <p:ext uri="{BB962C8B-B14F-4D97-AF65-F5344CB8AC3E}">
-        <p14:creationId xmlns:p14="http://schemas.microsoft.com/office/powerpoint/2010/main" val="1174515733"/>
+        <p14:creationId xmlns:p14="http://schemas.microsoft.com/office/powerpoint/2010/main" val="3416344414"/>
       </p:ext>
     </p:extLst>
   </p:cSld>
@@ -1703,10 +5203,10 @@
           <a:lstStyle/>
           <a:p>
             <a:r>
-              <a:rPr lang="en-US"/>
+              <a:rPr lang="en-US" smtClean="0"/>
               <a:t>Click to edit Master title style</a:t>
             </a:r>
-            <a:endParaRPr lang="en-GB"/>
+            <a:endParaRPr lang="en-US" dirty="0"/>
           </a:p>
         </p:txBody>
       </p:sp>
@@ -1727,9 +5227,9 @@
           <a:p>
             <a:fld id="{93A7BB36-BCA3-436D-BFE4-06336677CC91}" type="datetimeFigureOut">
               <a:rPr lang="en-GB" smtClean="0"/>
-              <a:t>07/02/2017</a:t>
+              <a:t>17/02/2017</a:t>
             </a:fld>
-            <a:endParaRPr lang="en-GB"/>
+            <a:endParaRPr lang="en-GB" dirty="0"/>
           </a:p>
         </p:txBody>
       </p:sp>
@@ -1748,7 +5248,7 @@
           <a:bodyPr/>
           <a:lstStyle/>
           <a:p>
-            <a:endParaRPr lang="en-GB"/>
+            <a:endParaRPr lang="en-GB" dirty="0"/>
           </a:p>
         </p:txBody>
       </p:sp>
@@ -1771,14 +5271,14 @@
               <a:rPr lang="en-GB" smtClean="0"/>
               <a:t>‹#›</a:t>
             </a:fld>
-            <a:endParaRPr lang="en-GB"/>
+            <a:endParaRPr lang="en-GB" dirty="0"/>
           </a:p>
         </p:txBody>
       </p:sp>
     </p:spTree>
     <p:extLst>
       <p:ext uri="{BB962C8B-B14F-4D97-AF65-F5344CB8AC3E}">
-        <p14:creationId xmlns:p14="http://schemas.microsoft.com/office/powerpoint/2010/main" val="1930460004"/>
+        <p14:creationId xmlns:p14="http://schemas.microsoft.com/office/powerpoint/2010/main" val="3665414422"/>
       </p:ext>
     </p:extLst>
   </p:cSld>
@@ -1822,9 +5322,9 @@
           <a:p>
             <a:fld id="{93A7BB36-BCA3-436D-BFE4-06336677CC91}" type="datetimeFigureOut">
               <a:rPr lang="en-GB" smtClean="0"/>
-              <a:t>07/02/2017</a:t>
+              <a:t>17/02/2017</a:t>
             </a:fld>
-            <a:endParaRPr lang="en-GB"/>
+            <a:endParaRPr lang="en-GB" dirty="0"/>
           </a:p>
         </p:txBody>
       </p:sp>
@@ -1843,7 +5343,7 @@
           <a:bodyPr/>
           <a:lstStyle/>
           <a:p>
-            <a:endParaRPr lang="en-GB"/>
+            <a:endParaRPr lang="en-GB" dirty="0"/>
           </a:p>
         </p:txBody>
       </p:sp>
@@ -1866,14 +5366,14 @@
               <a:rPr lang="en-GB" smtClean="0"/>
               <a:t>‹#›</a:t>
             </a:fld>
-            <a:endParaRPr lang="en-GB"/>
+            <a:endParaRPr lang="en-GB" dirty="0"/>
           </a:p>
         </p:txBody>
       </p:sp>
     </p:spTree>
     <p:extLst>
       <p:ext uri="{BB962C8B-B14F-4D97-AF65-F5344CB8AC3E}">
-        <p14:creationId xmlns:p14="http://schemas.microsoft.com/office/powerpoint/2010/main" val="4059061112"/>
+        <p14:creationId xmlns:p14="http://schemas.microsoft.com/office/powerpoint/2010/main" val="2136233984"/>
       </p:ext>
     </p:extLst>
   </p:cSld>
@@ -1912,129 +5412,135 @@
         </p:nvSpPr>
         <p:spPr>
           <a:xfrm>
-            <a:off x="839788" y="457200"/>
-            <a:ext cx="3932237" cy="1600200"/>
+            <a:off x="1141411" y="1600200"/>
+            <a:ext cx="3549121" cy="1371600"/>
           </a:xfrm>
         </p:spPr>
         <p:txBody>
-          <a:bodyPr anchor="b"/>
+          <a:bodyPr anchor="b">
+            <a:normAutofit/>
+          </a:bodyPr>
+          <a:lstStyle>
+            <a:lvl1pPr algn="l">
+              <a:defRPr sz="2400" b="0"/>
+            </a:lvl1pPr>
+          </a:lstStyle>
+          <a:p>
+            <a:r>
+              <a:rPr lang="en-US" smtClean="0"/>
+              <a:t>Click to edit Master title style</a:t>
+            </a:r>
+            <a:endParaRPr lang="en-US" dirty="0"/>
+          </a:p>
+        </p:txBody>
+      </p:sp>
+      <p:sp>
+        <p:nvSpPr>
+          <p:cNvPr id="3" name="Content Placeholder 2"/>
+          <p:cNvSpPr>
+            <a:spLocks noGrp="1"/>
+          </p:cNvSpPr>
+          <p:nvPr>
+            <p:ph idx="1"/>
+          </p:nvPr>
+        </p:nvSpPr>
+        <p:spPr>
+          <a:xfrm>
+            <a:off x="5103812" y="609601"/>
+            <a:ext cx="5943601" cy="5181600"/>
+          </a:xfrm>
+        </p:spPr>
+        <p:txBody>
+          <a:bodyPr anchor="ctr">
+            <a:normAutofit/>
+          </a:bodyPr>
           <a:lstStyle>
             <a:lvl1pPr>
-              <a:defRPr sz="3200"/>
+              <a:defRPr sz="2000"/>
             </a:lvl1pPr>
+            <a:lvl2pPr>
+              <a:defRPr sz="1800"/>
+            </a:lvl2pPr>
+            <a:lvl3pPr>
+              <a:defRPr sz="1600"/>
+            </a:lvl3pPr>
+            <a:lvl4pPr>
+              <a:defRPr sz="1400"/>
+            </a:lvl4pPr>
+            <a:lvl5pPr>
+              <a:defRPr sz="1400"/>
+            </a:lvl5pPr>
+            <a:lvl6pPr>
+              <a:defRPr sz="1400"/>
+            </a:lvl6pPr>
+            <a:lvl7pPr>
+              <a:defRPr sz="1400"/>
+            </a:lvl7pPr>
+            <a:lvl8pPr>
+              <a:defRPr sz="1400"/>
+            </a:lvl8pPr>
+            <a:lvl9pPr>
+              <a:defRPr sz="1400"/>
+            </a:lvl9pPr>
           </a:lstStyle>
           <a:p>
-            <a:r>
-              <a:rPr lang="en-US"/>
-              <a:t>Click to edit Master title style</a:t>
-            </a:r>
-            <a:endParaRPr lang="en-GB"/>
-          </a:p>
-        </p:txBody>
-      </p:sp>
-      <p:sp>
-        <p:nvSpPr>
-          <p:cNvPr id="3" name="Content Placeholder 2"/>
-          <p:cNvSpPr>
-            <a:spLocks noGrp="1"/>
-          </p:cNvSpPr>
-          <p:nvPr>
-            <p:ph idx="1"/>
+            <a:pPr lvl="0"/>
+            <a:r>
+              <a:rPr lang="en-US" smtClean="0"/>
+              <a:t>Edit Master text styles</a:t>
+            </a:r>
+          </a:p>
+          <a:p>
+            <a:pPr lvl="1"/>
+            <a:r>
+              <a:rPr lang="en-US" smtClean="0"/>
+              <a:t>Second level</a:t>
+            </a:r>
+          </a:p>
+          <a:p>
+            <a:pPr lvl="2"/>
+            <a:r>
+              <a:rPr lang="en-US" smtClean="0"/>
+              <a:t>Third level</a:t>
+            </a:r>
+          </a:p>
+          <a:p>
+            <a:pPr lvl="3"/>
+            <a:r>
+              <a:rPr lang="en-US" smtClean="0"/>
+              <a:t>Fourth level</a:t>
+            </a:r>
+          </a:p>
+          <a:p>
+            <a:pPr lvl="4"/>
+            <a:r>
+              <a:rPr lang="en-US" smtClean="0"/>
+              <a:t>Fifth level</a:t>
+            </a:r>
+            <a:endParaRPr lang="en-US" dirty="0"/>
+          </a:p>
+        </p:txBody>
+      </p:sp>
+      <p:sp>
+        <p:nvSpPr>
+          <p:cNvPr id="4" name="Text Placeholder 3"/>
+          <p:cNvSpPr>
+            <a:spLocks noGrp="1"/>
+          </p:cNvSpPr>
+          <p:nvPr>
+            <p:ph type="body" sz="half" idx="2"/>
           </p:nvPr>
         </p:nvSpPr>
         <p:spPr>
           <a:xfrm>
-            <a:off x="5183188" y="987425"/>
-            <a:ext cx="6172200" cy="4873625"/>
+            <a:off x="1141411" y="2971800"/>
+            <a:ext cx="3549121" cy="1828800"/>
           </a:xfrm>
         </p:spPr>
         <p:txBody>
-          <a:bodyPr/>
-          <a:lstStyle>
-            <a:lvl1pPr>
-              <a:defRPr sz="3200"/>
-            </a:lvl1pPr>
-            <a:lvl2pPr>
-              <a:defRPr sz="2800"/>
-            </a:lvl2pPr>
-            <a:lvl3pPr>
-              <a:defRPr sz="2400"/>
-            </a:lvl3pPr>
-            <a:lvl4pPr>
-              <a:defRPr sz="2000"/>
-            </a:lvl4pPr>
-            <a:lvl5pPr>
-              <a:defRPr sz="2000"/>
-            </a:lvl5pPr>
-            <a:lvl6pPr>
-              <a:defRPr sz="2000"/>
-            </a:lvl6pPr>
-            <a:lvl7pPr>
-              <a:defRPr sz="2000"/>
-            </a:lvl7pPr>
-            <a:lvl8pPr>
-              <a:defRPr sz="2000"/>
-            </a:lvl8pPr>
-            <a:lvl9pPr>
-              <a:defRPr sz="2000"/>
-            </a:lvl9pPr>
-          </a:lstStyle>
-          <a:p>
-            <a:pPr lvl="0"/>
-            <a:r>
-              <a:rPr lang="en-US"/>
-              <a:t>Edit Master text styles</a:t>
-            </a:r>
-          </a:p>
-          <a:p>
-            <a:pPr lvl="1"/>
-            <a:r>
-              <a:rPr lang="en-US"/>
-              <a:t>Second level</a:t>
-            </a:r>
-          </a:p>
-          <a:p>
-            <a:pPr lvl="2"/>
-            <a:r>
-              <a:rPr lang="en-US"/>
-              <a:t>Third level</a:t>
-            </a:r>
-          </a:p>
-          <a:p>
-            <a:pPr lvl="3"/>
-            <a:r>
-              <a:rPr lang="en-US"/>
-              <a:t>Fourth level</a:t>
-            </a:r>
-          </a:p>
-          <a:p>
-            <a:pPr lvl="4"/>
-            <a:r>
-              <a:rPr lang="en-US"/>
-              <a:t>Fifth level</a:t>
-            </a:r>
-            <a:endParaRPr lang="en-GB"/>
-          </a:p>
-        </p:txBody>
-      </p:sp>
-      <p:sp>
-        <p:nvSpPr>
-          <p:cNvPr id="4" name="Text Placeholder 3"/>
-          <p:cNvSpPr>
-            <a:spLocks noGrp="1"/>
-          </p:cNvSpPr>
-          <p:nvPr>
-            <p:ph type="body" sz="half" idx="2"/>
-          </p:nvPr>
-        </p:nvSpPr>
-        <p:spPr>
-          <a:xfrm>
-            <a:off x="839788" y="2057400"/>
-            <a:ext cx="3932237" cy="3811588"/>
-          </a:xfrm>
-        </p:spPr>
-        <p:txBody>
-          <a:bodyPr/>
+          <a:bodyPr>
+            <a:normAutofit/>
+          </a:bodyPr>
           <a:lstStyle>
             <a:lvl1pPr marL="0" indent="0">
               <a:buNone/>
@@ -2042,41 +5548,41 @@
             </a:lvl1pPr>
             <a:lvl2pPr marL="457200" indent="0">
               <a:buNone/>
-              <a:defRPr sz="1400"/>
+              <a:defRPr sz="1200"/>
             </a:lvl2pPr>
             <a:lvl3pPr marL="914400" indent="0">
               <a:buNone/>
-              <a:defRPr sz="1200"/>
+              <a:defRPr sz="1000"/>
             </a:lvl3pPr>
             <a:lvl4pPr marL="1371600" indent="0">
               <a:buNone/>
-              <a:defRPr sz="1000"/>
+              <a:defRPr sz="900"/>
             </a:lvl4pPr>
             <a:lvl5pPr marL="1828800" indent="0">
               <a:buNone/>
-              <a:defRPr sz="1000"/>
+              <a:defRPr sz="900"/>
             </a:lvl5pPr>
             <a:lvl6pPr marL="2286000" indent="0">
               <a:buNone/>
-              <a:defRPr sz="1000"/>
+              <a:defRPr sz="900"/>
             </a:lvl6pPr>
             <a:lvl7pPr marL="2743200" indent="0">
               <a:buNone/>
-              <a:defRPr sz="1000"/>
+              <a:defRPr sz="900"/>
             </a:lvl7pPr>
             <a:lvl8pPr marL="3200400" indent="0">
               <a:buNone/>
-              <a:defRPr sz="1000"/>
+              <a:defRPr sz="900"/>
             </a:lvl8pPr>
             <a:lvl9pPr marL="3657600" indent="0">
               <a:buNone/>
-              <a:defRPr sz="1000"/>
+              <a:defRPr sz="900"/>
             </a:lvl9pPr>
           </a:lstStyle>
           <a:p>
             <a:pPr lvl="0"/>
             <a:r>
-              <a:rPr lang="en-US"/>
+              <a:rPr lang="en-US" smtClean="0"/>
               <a:t>Edit Master text styles</a:t>
             </a:r>
           </a:p>
@@ -2099,9 +5605,9 @@
           <a:p>
             <a:fld id="{93A7BB36-BCA3-436D-BFE4-06336677CC91}" type="datetimeFigureOut">
               <a:rPr lang="en-GB" smtClean="0"/>
-              <a:t>07/02/2017</a:t>
+              <a:t>17/02/2017</a:t>
             </a:fld>
-            <a:endParaRPr lang="en-GB"/>
+            <a:endParaRPr lang="en-GB" dirty="0"/>
           </a:p>
         </p:txBody>
       </p:sp>
@@ -2120,7 +5626,7 @@
           <a:bodyPr/>
           <a:lstStyle/>
           <a:p>
-            <a:endParaRPr lang="en-GB"/>
+            <a:endParaRPr lang="en-GB" dirty="0"/>
           </a:p>
         </p:txBody>
       </p:sp>
@@ -2143,14 +5649,14 @@
               <a:rPr lang="en-GB" smtClean="0"/>
               <a:t>‹#›</a:t>
             </a:fld>
-            <a:endParaRPr lang="en-GB"/>
+            <a:endParaRPr lang="en-GB" dirty="0"/>
           </a:p>
         </p:txBody>
       </p:sp>
     </p:spTree>
     <p:extLst>
       <p:ext uri="{BB962C8B-B14F-4D97-AF65-F5344CB8AC3E}">
-        <p14:creationId xmlns:p14="http://schemas.microsoft.com/office/powerpoint/2010/main" val="4040648274"/>
+        <p14:creationId xmlns:p14="http://schemas.microsoft.com/office/powerpoint/2010/main" val="1039627342"/>
       </p:ext>
     </p:extLst>
   </p:cSld>
@@ -2189,31 +5695,33 @@
         </p:nvSpPr>
         <p:spPr>
           <a:xfrm>
-            <a:off x="839788" y="457200"/>
-            <a:ext cx="3932237" cy="1600200"/>
+            <a:off x="1141411" y="1600200"/>
+            <a:ext cx="5334001" cy="1371600"/>
           </a:xfrm>
         </p:spPr>
         <p:txBody>
-          <a:bodyPr anchor="b"/>
+          <a:bodyPr anchor="b">
+            <a:normAutofit/>
+          </a:bodyPr>
           <a:lstStyle>
-            <a:lvl1pPr>
-              <a:defRPr sz="3200"/>
+            <a:lvl1pPr algn="l">
+              <a:defRPr sz="2800" b="0"/>
             </a:lvl1pPr>
           </a:lstStyle>
           <a:p>
             <a:r>
-              <a:rPr lang="en-US"/>
+              <a:rPr lang="en-US" smtClean="0"/>
               <a:t>Click to edit Master title style</a:t>
             </a:r>
-            <a:endParaRPr lang="en-GB"/>
-          </a:p>
-        </p:txBody>
-      </p:sp>
-      <p:sp>
-        <p:nvSpPr>
-          <p:cNvPr id="3" name="Picture Placeholder 2"/>
-          <p:cNvSpPr>
-            <a:spLocks noGrp="1"/>
+            <a:endParaRPr lang="en-US" dirty="0"/>
+          </a:p>
+        </p:txBody>
+      </p:sp>
+      <p:sp>
+        <p:nvSpPr>
+          <p:cNvPr id="14" name="Picture Placeholder 2"/>
+          <p:cNvSpPr>
+            <a:spLocks noGrp="1" noChangeAspect="1"/>
           </p:cNvSpPr>
           <p:nvPr>
             <p:ph type="pic" idx="1"/>
@@ -2221,115 +5729,146 @@
         </p:nvSpPr>
         <p:spPr>
           <a:xfrm>
-            <a:off x="5183188" y="987425"/>
-            <a:ext cx="6172200" cy="4873625"/>
+            <a:off x="7433733" y="-18288"/>
+            <a:ext cx="3276599" cy="6903720"/>
           </a:xfrm>
+          <a:ln w="38100">
+            <a:gradFill flip="none" rotWithShape="1">
+              <a:gsLst>
+                <a:gs pos="0">
+                  <a:schemeClr val="bg2"/>
+                </a:gs>
+                <a:gs pos="100000">
+                  <a:schemeClr val="bg2">
+                    <a:lumMod val="75000"/>
+                  </a:schemeClr>
+                </a:gs>
+              </a:gsLst>
+              <a:lin ang="5400000" scaled="0"/>
+              <a:tileRect/>
+            </a:gradFill>
+          </a:ln>
+          <a:effectLst>
+            <a:innerShdw blurRad="57150" dist="38100" dir="10800000">
+              <a:srgbClr val="000000">
+                <a:alpha val="70000"/>
+              </a:srgbClr>
+            </a:innerShdw>
+          </a:effectLst>
         </p:spPr>
         <p:txBody>
-          <a:bodyPr/>
+          <a:bodyPr anchor="t">
+            <a:normAutofit/>
+          </a:bodyPr>
           <a:lstStyle>
-            <a:lvl1pPr marL="0" indent="0">
-              <a:buNone/>
-              <a:defRPr sz="3200"/>
-            </a:lvl1pPr>
-            <a:lvl2pPr marL="457200" indent="0">
-              <a:buNone/>
-              <a:defRPr sz="2800"/>
-            </a:lvl2pPr>
-            <a:lvl3pPr marL="914400" indent="0">
-              <a:buNone/>
-              <a:defRPr sz="2400"/>
-            </a:lvl3pPr>
-            <a:lvl4pPr marL="1371600" indent="0">
-              <a:buNone/>
-              <a:defRPr sz="2000"/>
-            </a:lvl4pPr>
-            <a:lvl5pPr marL="1828800" indent="0">
-              <a:buNone/>
-              <a:defRPr sz="2000"/>
-            </a:lvl5pPr>
-            <a:lvl6pPr marL="2286000" indent="0">
-              <a:buNone/>
-              <a:defRPr sz="2000"/>
-            </a:lvl6pPr>
-            <a:lvl7pPr marL="2743200" indent="0">
-              <a:buNone/>
-              <a:defRPr sz="2000"/>
-            </a:lvl7pPr>
-            <a:lvl8pPr marL="3200400" indent="0">
-              <a:buNone/>
-              <a:defRPr sz="2000"/>
-            </a:lvl8pPr>
-            <a:lvl9pPr marL="3657600" indent="0">
-              <a:buNone/>
-              <a:defRPr sz="2000"/>
-            </a:lvl9pPr>
-          </a:lstStyle>
-          <a:p>
-            <a:endParaRPr lang="en-GB"/>
-          </a:p>
-        </p:txBody>
-      </p:sp>
-      <p:sp>
-        <p:nvSpPr>
-          <p:cNvPr id="4" name="Text Placeholder 3"/>
-          <p:cNvSpPr>
-            <a:spLocks noGrp="1"/>
-          </p:cNvSpPr>
-          <p:nvPr>
-            <p:ph type="body" sz="half" idx="2"/>
-          </p:nvPr>
-        </p:nvSpPr>
-        <p:spPr>
-          <a:xfrm>
-            <a:off x="839788" y="2057400"/>
-            <a:ext cx="3932237" cy="3811588"/>
-          </a:xfrm>
-        </p:spPr>
-        <p:txBody>
-          <a:bodyPr/>
-          <a:lstStyle>
-            <a:lvl1pPr marL="0" indent="0">
+            <a:lvl1pPr marL="0" indent="0" algn="ctr">
               <a:buNone/>
               <a:defRPr sz="1600"/>
             </a:lvl1pPr>
             <a:lvl2pPr marL="457200" indent="0">
               <a:buNone/>
-              <a:defRPr sz="1400"/>
+              <a:defRPr sz="1600"/>
             </a:lvl2pPr>
             <a:lvl3pPr marL="914400" indent="0">
               <a:buNone/>
-              <a:defRPr sz="1200"/>
+              <a:defRPr sz="1600"/>
             </a:lvl3pPr>
             <a:lvl4pPr marL="1371600" indent="0">
               <a:buNone/>
-              <a:defRPr sz="1000"/>
+              <a:defRPr sz="1600"/>
             </a:lvl4pPr>
             <a:lvl5pPr marL="1828800" indent="0">
               <a:buNone/>
-              <a:defRPr sz="1000"/>
+              <a:defRPr sz="1600"/>
             </a:lvl5pPr>
             <a:lvl6pPr marL="2286000" indent="0">
               <a:buNone/>
-              <a:defRPr sz="1000"/>
+              <a:defRPr sz="1600"/>
             </a:lvl6pPr>
             <a:lvl7pPr marL="2743200" indent="0">
               <a:buNone/>
-              <a:defRPr sz="1000"/>
+              <a:defRPr sz="1600"/>
             </a:lvl7pPr>
             <a:lvl8pPr marL="3200400" indent="0">
               <a:buNone/>
-              <a:defRPr sz="1000"/>
+              <a:defRPr sz="1600"/>
             </a:lvl8pPr>
             <a:lvl9pPr marL="3657600" indent="0">
               <a:buNone/>
-              <a:defRPr sz="1000"/>
+              <a:defRPr sz="1600"/>
             </a:lvl9pPr>
           </a:lstStyle>
           <a:p>
+            <a:r>
+              <a:rPr lang="en-US" dirty="0" smtClean="0"/>
+              <a:t>Click icon to add picture</a:t>
+            </a:r>
+            <a:endParaRPr lang="en-US" dirty="0"/>
+          </a:p>
+        </p:txBody>
+      </p:sp>
+      <p:sp>
+        <p:nvSpPr>
+          <p:cNvPr id="4" name="Text Placeholder 3"/>
+          <p:cNvSpPr>
+            <a:spLocks noGrp="1"/>
+          </p:cNvSpPr>
+          <p:nvPr>
+            <p:ph type="body" sz="half" idx="2"/>
+          </p:nvPr>
+        </p:nvSpPr>
+        <p:spPr>
+          <a:xfrm>
+            <a:off x="1141411" y="2971800"/>
+            <a:ext cx="5334001" cy="1828800"/>
+          </a:xfrm>
+        </p:spPr>
+        <p:txBody>
+          <a:bodyPr>
+            <a:normAutofit/>
+          </a:bodyPr>
+          <a:lstStyle>
+            <a:lvl1pPr marL="0" indent="0">
+              <a:buNone/>
+              <a:defRPr sz="1800"/>
+            </a:lvl1pPr>
+            <a:lvl2pPr marL="457200" indent="0">
+              <a:buNone/>
+              <a:defRPr sz="1200"/>
+            </a:lvl2pPr>
+            <a:lvl3pPr marL="914400" indent="0">
+              <a:buNone/>
+              <a:defRPr sz="1000"/>
+            </a:lvl3pPr>
+            <a:lvl4pPr marL="1371600" indent="0">
+              <a:buNone/>
+              <a:defRPr sz="900"/>
+            </a:lvl4pPr>
+            <a:lvl5pPr marL="1828800" indent="0">
+              <a:buNone/>
+              <a:defRPr sz="900"/>
+            </a:lvl5pPr>
+            <a:lvl6pPr marL="2286000" indent="0">
+              <a:buNone/>
+              <a:defRPr sz="900"/>
+            </a:lvl6pPr>
+            <a:lvl7pPr marL="2743200" indent="0">
+              <a:buNone/>
+              <a:defRPr sz="900"/>
+            </a:lvl7pPr>
+            <a:lvl8pPr marL="3200400" indent="0">
+              <a:buNone/>
+              <a:defRPr sz="900"/>
+            </a:lvl8pPr>
+            <a:lvl9pPr marL="3657600" indent="0">
+              <a:buNone/>
+              <a:defRPr sz="900"/>
+            </a:lvl9pPr>
+          </a:lstStyle>
+          <a:p>
             <a:pPr lvl="0"/>
             <a:r>
-              <a:rPr lang="en-US"/>
+              <a:rPr lang="en-US" smtClean="0"/>
               <a:t>Edit Master text styles</a:t>
             </a:r>
           </a:p>
@@ -2345,16 +5884,21 @@
             <p:ph type="dt" sz="half" idx="10"/>
           </p:nvPr>
         </p:nvSpPr>
-        <p:spPr/>
+        <p:spPr>
+          <a:xfrm>
+            <a:off x="6399212" y="5883275"/>
+            <a:ext cx="914400" cy="365125"/>
+          </a:xfrm>
+        </p:spPr>
         <p:txBody>
           <a:bodyPr/>
           <a:lstStyle/>
           <a:p>
             <a:fld id="{93A7BB36-BCA3-436D-BFE4-06336677CC91}" type="datetimeFigureOut">
               <a:rPr lang="en-GB" smtClean="0"/>
-              <a:t>07/02/2017</a:t>
+              <a:t>17/02/2017</a:t>
             </a:fld>
-            <a:endParaRPr lang="en-GB"/>
+            <a:endParaRPr lang="en-GB" dirty="0"/>
           </a:p>
         </p:txBody>
       </p:sp>
@@ -2368,12 +5912,17 @@
             <p:ph type="ftr" sz="quarter" idx="11"/>
           </p:nvPr>
         </p:nvSpPr>
-        <p:spPr/>
+        <p:spPr>
+          <a:xfrm>
+            <a:off x="1141412" y="5883275"/>
+            <a:ext cx="5105400" cy="365125"/>
+          </a:xfrm>
+        </p:spPr>
         <p:txBody>
           <a:bodyPr/>
           <a:lstStyle/>
           <a:p>
-            <a:endParaRPr lang="en-GB"/>
+            <a:endParaRPr lang="en-GB" dirty="0"/>
           </a:p>
         </p:txBody>
       </p:sp>
@@ -2387,7 +5936,12 @@
             <p:ph type="sldNum" sz="quarter" idx="12"/>
           </p:nvPr>
         </p:nvSpPr>
-        <p:spPr/>
+        <p:spPr>
+          <a:xfrm>
+            <a:off x="10742612" y="5883275"/>
+            <a:ext cx="322567" cy="365125"/>
+          </a:xfrm>
+        </p:spPr>
         <p:txBody>
           <a:bodyPr/>
           <a:lstStyle/>
@@ -2396,14 +5950,14 @@
               <a:rPr lang="en-GB" smtClean="0"/>
               <a:t>‹#›</a:t>
             </a:fld>
-            <a:endParaRPr lang="en-GB"/>
+            <a:endParaRPr lang="en-GB" dirty="0"/>
           </a:p>
         </p:txBody>
       </p:sp>
     </p:spTree>
     <p:extLst>
       <p:ext uri="{BB962C8B-B14F-4D97-AF65-F5344CB8AC3E}">
-        <p14:creationId xmlns:p14="http://schemas.microsoft.com/office/powerpoint/2010/main" val="548206355"/>
+        <p14:creationId xmlns:p14="http://schemas.microsoft.com/office/powerpoint/2010/main" val="1544207029"/>
       </p:ext>
     </p:extLst>
   </p:cSld>
@@ -2417,8 +5971,8 @@
 <p:sldMaster xmlns:a="http://schemas.openxmlformats.org/drawingml/2006/main" xmlns:r="http://schemas.openxmlformats.org/officeDocument/2006/relationships" xmlns:p="http://schemas.openxmlformats.org/presentationml/2006/main">
   <p:cSld>
     <p:bg>
-      <p:bgRef idx="1001">
-        <a:schemeClr val="bg1"/>
+      <p:bgRef idx="1003">
+        <a:schemeClr val="bg2"/>
       </p:bgRef>
     </p:bg>
     <p:spTree>
@@ -2447,8 +6001,8 @@
         </p:nvSpPr>
         <p:spPr>
           <a:xfrm>
-            <a:off x="838200" y="365125"/>
-            <a:ext cx="10515600" cy="1325563"/>
+            <a:off x="1141413" y="609600"/>
+            <a:ext cx="9905998" cy="1905000"/>
           </a:xfrm>
           <a:prstGeom prst="rect">
             <a:avLst/>
@@ -2461,10 +6015,10 @@
           <a:lstStyle/>
           <a:p>
             <a:r>
-              <a:rPr lang="en-US"/>
+              <a:rPr lang="en-US" smtClean="0"/>
               <a:t>Click to edit Master title style</a:t>
             </a:r>
-            <a:endParaRPr lang="en-GB"/>
+            <a:endParaRPr lang="en-US" dirty="0"/>
           </a:p>
         </p:txBody>
       </p:sp>
@@ -2480,53 +6034,53 @@
         </p:nvSpPr>
         <p:spPr>
           <a:xfrm>
-            <a:off x="838200" y="1825625"/>
-            <a:ext cx="10515600" cy="4351338"/>
+            <a:off x="1141413" y="2666999"/>
+            <a:ext cx="9905998" cy="3124201"/>
           </a:xfrm>
           <a:prstGeom prst="rect">
             <a:avLst/>
           </a:prstGeom>
         </p:spPr>
         <p:txBody>
-          <a:bodyPr vert="horz" lIns="91440" tIns="45720" rIns="91440" bIns="45720" rtlCol="0">
+          <a:bodyPr vert="horz" lIns="91440" tIns="45720" rIns="91440" bIns="45720" rtlCol="0" anchor="ctr">
             <a:normAutofit/>
           </a:bodyPr>
           <a:lstStyle/>
           <a:p>
             <a:pPr lvl="0"/>
             <a:r>
-              <a:rPr lang="en-US"/>
+              <a:rPr lang="en-US" smtClean="0"/>
               <a:t>Edit Master text styles</a:t>
             </a:r>
           </a:p>
           <a:p>
             <a:pPr lvl="1"/>
             <a:r>
-              <a:rPr lang="en-US"/>
+              <a:rPr lang="en-US" smtClean="0"/>
               <a:t>Second level</a:t>
             </a:r>
           </a:p>
           <a:p>
             <a:pPr lvl="2"/>
             <a:r>
-              <a:rPr lang="en-US"/>
+              <a:rPr lang="en-US" smtClean="0"/>
               <a:t>Third level</a:t>
             </a:r>
           </a:p>
           <a:p>
             <a:pPr lvl="3"/>
             <a:r>
-              <a:rPr lang="en-US"/>
+              <a:rPr lang="en-US" smtClean="0"/>
               <a:t>Fourth level</a:t>
             </a:r>
           </a:p>
           <a:p>
             <a:pPr lvl="4"/>
             <a:r>
-              <a:rPr lang="en-US"/>
+              <a:rPr lang="en-US" smtClean="0"/>
               <a:t>Fifth level</a:t>
             </a:r>
-            <a:endParaRPr lang="en-GB"/>
+            <a:endParaRPr lang="en-US" dirty="0"/>
           </a:p>
         </p:txBody>
       </p:sp>
@@ -2542,8 +6096,8 @@
         </p:nvSpPr>
         <p:spPr>
           <a:xfrm>
-            <a:off x="838200" y="6356350"/>
-            <a:ext cx="2743200" cy="365125"/>
+            <a:off x="8837612" y="5883275"/>
+            <a:ext cx="1600200" cy="365125"/>
           </a:xfrm>
           <a:prstGeom prst="rect">
             <a:avLst/>
@@ -2552,22 +6106,30 @@
         <p:txBody>
           <a:bodyPr vert="horz" lIns="91440" tIns="45720" rIns="91440" bIns="45720" rtlCol="0" anchor="ctr"/>
           <a:lstStyle>
-            <a:lvl1pPr algn="l">
-              <a:defRPr sz="1200">
+            <a:lvl1pPr algn="r">
+              <a:defRPr sz="900" b="1" i="0">
                 <a:solidFill>
                   <a:schemeClr val="tx1">
-                    <a:tint val="75000"/>
+                    <a:lumMod val="75000"/>
                   </a:schemeClr>
                 </a:solidFill>
+                <a:effectLst>
+                  <a:outerShdw blurRad="50800" dist="38100" dir="2700000" algn="tl" rotWithShape="0">
+                    <a:srgbClr val="000000">
+                      <a:alpha val="43000"/>
+                    </a:srgbClr>
+                  </a:outerShdw>
+                </a:effectLst>
+                <a:latin typeface="+mn-lt"/>
               </a:defRPr>
             </a:lvl1pPr>
           </a:lstStyle>
           <a:p>
             <a:fld id="{93A7BB36-BCA3-436D-BFE4-06336677CC91}" type="datetimeFigureOut">
               <a:rPr lang="en-GB" smtClean="0"/>
-              <a:t>07/02/2017</a:t>
+              <a:t>17/02/2017</a:t>
             </a:fld>
-            <a:endParaRPr lang="en-GB"/>
+            <a:endParaRPr lang="en-GB" dirty="0"/>
           </a:p>
         </p:txBody>
       </p:sp>
@@ -2583,8 +6145,8 @@
         </p:nvSpPr>
         <p:spPr>
           <a:xfrm>
-            <a:off x="4038600" y="6356350"/>
-            <a:ext cx="4114800" cy="365125"/>
+            <a:off x="1141412" y="5883275"/>
+            <a:ext cx="7543800" cy="365125"/>
           </a:xfrm>
           <a:prstGeom prst="rect">
             <a:avLst/>
@@ -2593,18 +6155,26 @@
         <p:txBody>
           <a:bodyPr vert="horz" lIns="91440" tIns="45720" rIns="91440" bIns="45720" rtlCol="0" anchor="ctr"/>
           <a:lstStyle>
-            <a:lvl1pPr algn="ctr">
-              <a:defRPr sz="1200">
+            <a:lvl1pPr algn="l">
+              <a:defRPr sz="900" b="1" i="0">
                 <a:solidFill>
                   <a:schemeClr val="tx1">
-                    <a:tint val="75000"/>
+                    <a:lumMod val="75000"/>
                   </a:schemeClr>
                 </a:solidFill>
+                <a:effectLst>
+                  <a:outerShdw blurRad="50800" dist="38100" dir="2700000" algn="tl" rotWithShape="0">
+                    <a:srgbClr val="000000">
+                      <a:alpha val="43000"/>
+                    </a:srgbClr>
+                  </a:outerShdw>
+                </a:effectLst>
+                <a:latin typeface="+mn-lt"/>
               </a:defRPr>
             </a:lvl1pPr>
           </a:lstStyle>
           <a:p>
-            <a:endParaRPr lang="en-GB"/>
+            <a:endParaRPr lang="en-GB" dirty="0"/>
           </a:p>
         </p:txBody>
       </p:sp>
@@ -2620,8 +6190,8 @@
         </p:nvSpPr>
         <p:spPr>
           <a:xfrm>
-            <a:off x="8610600" y="6356350"/>
-            <a:ext cx="2743200" cy="365125"/>
+            <a:off x="10514012" y="5883275"/>
+            <a:ext cx="551167" cy="365125"/>
           </a:xfrm>
           <a:prstGeom prst="rect">
             <a:avLst/>
@@ -2631,12 +6201,20 @@
           <a:bodyPr vert="horz" lIns="91440" tIns="45720" rIns="91440" bIns="45720" rtlCol="0" anchor="ctr"/>
           <a:lstStyle>
             <a:lvl1pPr algn="r">
-              <a:defRPr sz="1200">
+              <a:defRPr sz="900" b="1" i="0">
                 <a:solidFill>
                   <a:schemeClr val="tx1">
-                    <a:tint val="75000"/>
+                    <a:lumMod val="75000"/>
                   </a:schemeClr>
                 </a:solidFill>
+                <a:effectLst>
+                  <a:outerShdw blurRad="50800" dist="38100" dir="2700000" algn="tl" rotWithShape="0">
+                    <a:srgbClr val="000000">
+                      <a:alpha val="43000"/>
+                    </a:srgbClr>
+                  </a:outerShdw>
+                </a:effectLst>
+                <a:latin typeface="+mn-lt"/>
               </a:defRPr>
             </a:lvl1pPr>
           </a:lstStyle>
@@ -2645,209 +6223,557 @@
               <a:rPr lang="en-GB" smtClean="0"/>
               <a:t>‹#›</a:t>
             </a:fld>
-            <a:endParaRPr lang="en-GB"/>
+            <a:endParaRPr lang="en-GB" dirty="0"/>
           </a:p>
         </p:txBody>
       </p:sp>
     </p:spTree>
     <p:extLst>
       <p:ext uri="{BB962C8B-B14F-4D97-AF65-F5344CB8AC3E}">
-        <p14:creationId xmlns:p14="http://schemas.microsoft.com/office/powerpoint/2010/main" val="2727961416"/>
+        <p14:creationId xmlns:p14="http://schemas.microsoft.com/office/powerpoint/2010/main" val="105397604"/>
       </p:ext>
     </p:extLst>
   </p:cSld>
-  <p:clrMap bg1="lt1" tx1="dk1" bg2="lt2" tx2="dk2" accent1="accent1" accent2="accent2" accent3="accent3" accent4="accent4" accent5="accent5" accent6="accent6" hlink="hlink" folHlink="folHlink"/>
+  <p:clrMap bg1="dk1" tx1="lt1" bg2="dk2" tx2="lt2" accent1="accent1" accent2="accent2" accent3="accent3" accent4="accent4" accent5="accent5" accent6="accent6" hlink="hlink" folHlink="folHlink"/>
   <p:sldLayoutIdLst>
-    <p:sldLayoutId id="2147483649" r:id="rId1"/>
-    <p:sldLayoutId id="2147483650" r:id="rId2"/>
-    <p:sldLayoutId id="2147483651" r:id="rId3"/>
-    <p:sldLayoutId id="2147483652" r:id="rId4"/>
-    <p:sldLayoutId id="2147483653" r:id="rId5"/>
-    <p:sldLayoutId id="2147483654" r:id="rId6"/>
-    <p:sldLayoutId id="2147483655" r:id="rId7"/>
-    <p:sldLayoutId id="2147483656" r:id="rId8"/>
-    <p:sldLayoutId id="2147483657" r:id="rId9"/>
-    <p:sldLayoutId id="2147483658" r:id="rId10"/>
-    <p:sldLayoutId id="2147483659" r:id="rId11"/>
+    <p:sldLayoutId id="2147483661" r:id="rId1"/>
+    <p:sldLayoutId id="2147483662" r:id="rId2"/>
+    <p:sldLayoutId id="2147483663" r:id="rId3"/>
+    <p:sldLayoutId id="2147483664" r:id="rId4"/>
+    <p:sldLayoutId id="2147483665" r:id="rId5"/>
+    <p:sldLayoutId id="2147483666" r:id="rId6"/>
+    <p:sldLayoutId id="2147483667" r:id="rId7"/>
+    <p:sldLayoutId id="2147483668" r:id="rId8"/>
+    <p:sldLayoutId id="2147483669" r:id="rId9"/>
+    <p:sldLayoutId id="2147483670" r:id="rId10"/>
+    <p:sldLayoutId id="2147483671" r:id="rId11"/>
+    <p:sldLayoutId id="2147483672" r:id="rId12"/>
+    <p:sldLayoutId id="2147483673" r:id="rId13"/>
+    <p:sldLayoutId id="2147483674" r:id="rId14"/>
+    <p:sldLayoutId id="2147483675" r:id="rId15"/>
+    <p:sldLayoutId id="2147483676" r:id="rId16"/>
+    <p:sldLayoutId id="2147483677" r:id="rId17"/>
   </p:sldLayoutIdLst>
   <p:txStyles>
     <p:titleStyle>
-      <a:lvl1pPr algn="l" defTabSz="914400" rtl="0" eaLnBrk="1" latinLnBrk="0" hangingPunct="1">
-        <a:lnSpc>
-          <a:spcPct val="90000"/>
-        </a:lnSpc>
+      <a:lvl1pPr algn="l" defTabSz="457200" rtl="0" eaLnBrk="1" latinLnBrk="0" hangingPunct="1">
         <a:spcBef>
           <a:spcPct val="0"/>
         </a:spcBef>
         <a:buNone/>
-        <a:defRPr sz="4400" kern="1200">
-          <a:solidFill>
-            <a:schemeClr val="tx1"/>
-          </a:solidFill>
+        <a:defRPr sz="3200" kern="1200" cap="all">
+          <a:ln w="3175" cmpd="sng">
+            <a:noFill/>
+          </a:ln>
+          <a:gradFill flip="none" rotWithShape="1">
+            <a:gsLst>
+              <a:gs pos="0">
+                <a:schemeClr val="tx1"/>
+              </a:gs>
+              <a:gs pos="100000">
+                <a:schemeClr val="tx1">
+                  <a:lumMod val="65000"/>
+                </a:schemeClr>
+              </a:gs>
+            </a:gsLst>
+            <a:lin ang="5580000" scaled="0"/>
+            <a:tileRect/>
+          </a:gradFill>
+          <a:effectLst>
+            <a:glow rad="38100">
+              <a:schemeClr val="bg1">
+                <a:lumMod val="65000"/>
+                <a:lumOff val="35000"/>
+                <a:alpha val="40000"/>
+              </a:schemeClr>
+            </a:glow>
+            <a:outerShdw blurRad="28575" dist="38100" dir="14040000" algn="tl" rotWithShape="0">
+              <a:srgbClr val="000000">
+                <a:alpha val="25000"/>
+              </a:srgbClr>
+            </a:outerShdw>
+          </a:effectLst>
           <a:latin typeface="+mj-lt"/>
           <a:ea typeface="+mj-ea"/>
           <a:cs typeface="+mj-cs"/>
         </a:defRPr>
       </a:lvl1pPr>
+      <a:lvl2pPr eaLnBrk="1" hangingPunct="1">
+        <a:defRPr>
+          <a:solidFill>
+            <a:schemeClr val="tx2"/>
+          </a:solidFill>
+        </a:defRPr>
+      </a:lvl2pPr>
+      <a:lvl3pPr eaLnBrk="1" hangingPunct="1">
+        <a:defRPr>
+          <a:solidFill>
+            <a:schemeClr val="tx2"/>
+          </a:solidFill>
+        </a:defRPr>
+      </a:lvl3pPr>
+      <a:lvl4pPr eaLnBrk="1" hangingPunct="1">
+        <a:defRPr>
+          <a:solidFill>
+            <a:schemeClr val="tx2"/>
+          </a:solidFill>
+        </a:defRPr>
+      </a:lvl4pPr>
+      <a:lvl5pPr eaLnBrk="1" hangingPunct="1">
+        <a:defRPr>
+          <a:solidFill>
+            <a:schemeClr val="tx2"/>
+          </a:solidFill>
+        </a:defRPr>
+      </a:lvl5pPr>
+      <a:lvl6pPr eaLnBrk="1" hangingPunct="1">
+        <a:defRPr>
+          <a:solidFill>
+            <a:schemeClr val="tx2"/>
+          </a:solidFill>
+        </a:defRPr>
+      </a:lvl6pPr>
+      <a:lvl7pPr eaLnBrk="1" hangingPunct="1">
+        <a:defRPr>
+          <a:solidFill>
+            <a:schemeClr val="tx2"/>
+          </a:solidFill>
+        </a:defRPr>
+      </a:lvl7pPr>
+      <a:lvl8pPr eaLnBrk="1" hangingPunct="1">
+        <a:defRPr>
+          <a:solidFill>
+            <a:schemeClr val="tx2"/>
+          </a:solidFill>
+        </a:defRPr>
+      </a:lvl8pPr>
+      <a:lvl9pPr eaLnBrk="1" hangingPunct="1">
+        <a:defRPr>
+          <a:solidFill>
+            <a:schemeClr val="tx2"/>
+          </a:solidFill>
+        </a:defRPr>
+      </a:lvl9pPr>
     </p:titleStyle>
     <p:bodyStyle>
-      <a:lvl1pPr marL="228600" indent="-228600" algn="l" defTabSz="914400" rtl="0" eaLnBrk="1" latinLnBrk="0" hangingPunct="1">
-        <a:lnSpc>
-          <a:spcPct val="90000"/>
-        </a:lnSpc>
+      <a:lvl1pPr marL="285750" indent="-285750" algn="l" defTabSz="457200" rtl="0" eaLnBrk="1" latinLnBrk="0" hangingPunct="1">
         <a:spcBef>
-          <a:spcPts val="1000"/>
+          <a:spcPct val="20000"/>
         </a:spcBef>
-        <a:buFont typeface="Arial" panose="020B0604020202020204" pitchFamily="34" charset="0"/>
+        <a:spcAft>
+          <a:spcPts val="600"/>
+        </a:spcAft>
+        <a:buClr>
+          <a:schemeClr val="tx1"/>
+        </a:buClr>
+        <a:buSzPct val="100000"/>
+        <a:buFont typeface="Arial"/>
         <a:buChar char="•"/>
-        <a:defRPr sz="2800" kern="1200">
-          <a:solidFill>
-            <a:schemeClr val="tx1"/>
-          </a:solidFill>
+        <a:defRPr sz="2000" kern="1200" cap="small">
+          <a:gradFill flip="none" rotWithShape="1">
+            <a:gsLst>
+              <a:gs pos="0">
+                <a:schemeClr val="tx1"/>
+              </a:gs>
+              <a:gs pos="100000">
+                <a:schemeClr val="tx1">
+                  <a:lumMod val="75000"/>
+                </a:schemeClr>
+              </a:gs>
+            </a:gsLst>
+            <a:lin ang="5580000" scaled="0"/>
+            <a:tileRect/>
+          </a:gradFill>
+          <a:effectLst>
+            <a:glow rad="38100">
+              <a:schemeClr val="bg1">
+                <a:lumMod val="50000"/>
+                <a:lumOff val="50000"/>
+                <a:alpha val="20000"/>
+              </a:schemeClr>
+            </a:glow>
+            <a:outerShdw blurRad="44450" dist="12700" dir="13860000" algn="tl" rotWithShape="0">
+              <a:srgbClr val="000000">
+                <a:alpha val="20000"/>
+              </a:srgbClr>
+            </a:outerShdw>
+          </a:effectLst>
           <a:latin typeface="+mn-lt"/>
           <a:ea typeface="+mn-ea"/>
           <a:cs typeface="+mn-cs"/>
         </a:defRPr>
       </a:lvl1pPr>
-      <a:lvl2pPr marL="685800" indent="-228600" algn="l" defTabSz="914400" rtl="0" eaLnBrk="1" latinLnBrk="0" hangingPunct="1">
-        <a:lnSpc>
-          <a:spcPct val="90000"/>
-        </a:lnSpc>
+      <a:lvl2pPr marL="742950" indent="-285750" algn="l" defTabSz="457200" rtl="0" eaLnBrk="1" latinLnBrk="0" hangingPunct="1">
         <a:spcBef>
-          <a:spcPts val="500"/>
+          <a:spcPct val="20000"/>
         </a:spcBef>
-        <a:buFont typeface="Arial" panose="020B0604020202020204" pitchFamily="34" charset="0"/>
+        <a:spcAft>
+          <a:spcPts val="600"/>
+        </a:spcAft>
+        <a:buClr>
+          <a:schemeClr val="tx1"/>
+        </a:buClr>
+        <a:buSzPct val="100000"/>
+        <a:buFont typeface="Arial"/>
         <a:buChar char="•"/>
-        <a:defRPr sz="2400" kern="1200">
-          <a:solidFill>
-            <a:schemeClr val="tx1"/>
-          </a:solidFill>
+        <a:defRPr sz="1800" kern="1200" cap="small">
+          <a:gradFill flip="none" rotWithShape="1">
+            <a:gsLst>
+              <a:gs pos="0">
+                <a:schemeClr val="tx1"/>
+              </a:gs>
+              <a:gs pos="100000">
+                <a:schemeClr val="tx1">
+                  <a:lumMod val="75000"/>
+                </a:schemeClr>
+              </a:gs>
+            </a:gsLst>
+            <a:lin ang="5580000" scaled="0"/>
+            <a:tileRect/>
+          </a:gradFill>
+          <a:effectLst>
+            <a:glow rad="38100">
+              <a:schemeClr val="bg1">
+                <a:lumMod val="50000"/>
+                <a:lumOff val="50000"/>
+                <a:alpha val="20000"/>
+              </a:schemeClr>
+            </a:glow>
+            <a:outerShdw blurRad="44450" dist="12700" dir="13860000" algn="tl" rotWithShape="0">
+              <a:srgbClr val="000000">
+                <a:alpha val="20000"/>
+              </a:srgbClr>
+            </a:outerShdw>
+          </a:effectLst>
           <a:latin typeface="+mn-lt"/>
           <a:ea typeface="+mn-ea"/>
           <a:cs typeface="+mn-cs"/>
         </a:defRPr>
       </a:lvl2pPr>
-      <a:lvl3pPr marL="1143000" indent="-228600" algn="l" defTabSz="914400" rtl="0" eaLnBrk="1" latinLnBrk="0" hangingPunct="1">
-        <a:lnSpc>
-          <a:spcPct val="90000"/>
-        </a:lnSpc>
+      <a:lvl3pPr marL="1200150" indent="-285750" algn="l" defTabSz="457200" rtl="0" eaLnBrk="1" latinLnBrk="0" hangingPunct="1">
         <a:spcBef>
-          <a:spcPts val="500"/>
+          <a:spcPct val="20000"/>
         </a:spcBef>
-        <a:buFont typeface="Arial" panose="020B0604020202020204" pitchFamily="34" charset="0"/>
+        <a:spcAft>
+          <a:spcPts val="600"/>
+        </a:spcAft>
+        <a:buClr>
+          <a:schemeClr val="tx1"/>
+        </a:buClr>
+        <a:buSzPct val="100000"/>
+        <a:buFont typeface="Arial"/>
         <a:buChar char="•"/>
-        <a:defRPr sz="2000" kern="1200">
-          <a:solidFill>
-            <a:schemeClr val="tx1"/>
-          </a:solidFill>
+        <a:defRPr sz="1600" kern="1200" cap="small">
+          <a:gradFill flip="none" rotWithShape="1">
+            <a:gsLst>
+              <a:gs pos="0">
+                <a:schemeClr val="tx1"/>
+              </a:gs>
+              <a:gs pos="100000">
+                <a:schemeClr val="tx1">
+                  <a:lumMod val="75000"/>
+                </a:schemeClr>
+              </a:gs>
+            </a:gsLst>
+            <a:lin ang="5580000" scaled="0"/>
+            <a:tileRect/>
+          </a:gradFill>
+          <a:effectLst>
+            <a:glow rad="38100">
+              <a:schemeClr val="bg1">
+                <a:lumMod val="50000"/>
+                <a:lumOff val="50000"/>
+                <a:alpha val="20000"/>
+              </a:schemeClr>
+            </a:glow>
+            <a:outerShdw blurRad="44450" dist="12700" dir="13860000" algn="tl" rotWithShape="0">
+              <a:srgbClr val="000000">
+                <a:alpha val="20000"/>
+              </a:srgbClr>
+            </a:outerShdw>
+          </a:effectLst>
           <a:latin typeface="+mn-lt"/>
           <a:ea typeface="+mn-ea"/>
           <a:cs typeface="+mn-cs"/>
         </a:defRPr>
       </a:lvl3pPr>
-      <a:lvl4pPr marL="1600200" indent="-228600" algn="l" defTabSz="914400" rtl="0" eaLnBrk="1" latinLnBrk="0" hangingPunct="1">
-        <a:lnSpc>
-          <a:spcPct val="90000"/>
-        </a:lnSpc>
+      <a:lvl4pPr marL="1543050" indent="-171450" algn="l" defTabSz="457200" rtl="0" eaLnBrk="1" latinLnBrk="0" hangingPunct="1">
         <a:spcBef>
-          <a:spcPts val="500"/>
+          <a:spcPct val="20000"/>
         </a:spcBef>
-        <a:buFont typeface="Arial" panose="020B0604020202020204" pitchFamily="34" charset="0"/>
+        <a:spcAft>
+          <a:spcPts val="600"/>
+        </a:spcAft>
+        <a:buClr>
+          <a:schemeClr val="tx1"/>
+        </a:buClr>
+        <a:buSzPct val="100000"/>
+        <a:buFont typeface="Arial"/>
         <a:buChar char="•"/>
-        <a:defRPr sz="1800" kern="1200">
-          <a:solidFill>
-            <a:schemeClr val="tx1"/>
-          </a:solidFill>
+        <a:defRPr sz="1400" kern="1200" cap="small">
+          <a:gradFill flip="none" rotWithShape="1">
+            <a:gsLst>
+              <a:gs pos="0">
+                <a:schemeClr val="tx1"/>
+              </a:gs>
+              <a:gs pos="100000">
+                <a:schemeClr val="tx1">
+                  <a:lumMod val="75000"/>
+                </a:schemeClr>
+              </a:gs>
+            </a:gsLst>
+            <a:lin ang="5580000" scaled="0"/>
+            <a:tileRect/>
+          </a:gradFill>
+          <a:effectLst>
+            <a:glow rad="38100">
+              <a:schemeClr val="bg1">
+                <a:lumMod val="50000"/>
+                <a:lumOff val="50000"/>
+                <a:alpha val="20000"/>
+              </a:schemeClr>
+            </a:glow>
+            <a:outerShdw blurRad="44450" dist="12700" dir="13860000" algn="tl" rotWithShape="0">
+              <a:srgbClr val="000000">
+                <a:alpha val="20000"/>
+              </a:srgbClr>
+            </a:outerShdw>
+          </a:effectLst>
           <a:latin typeface="+mn-lt"/>
           <a:ea typeface="+mn-ea"/>
           <a:cs typeface="+mn-cs"/>
         </a:defRPr>
       </a:lvl4pPr>
-      <a:lvl5pPr marL="2057400" indent="-228600" algn="l" defTabSz="914400" rtl="0" eaLnBrk="1" latinLnBrk="0" hangingPunct="1">
-        <a:lnSpc>
-          <a:spcPct val="90000"/>
-        </a:lnSpc>
+      <a:lvl5pPr marL="2000250" indent="-171450" algn="l" defTabSz="457200" rtl="0" eaLnBrk="1" latinLnBrk="0" hangingPunct="1">
         <a:spcBef>
-          <a:spcPts val="500"/>
+          <a:spcPct val="20000"/>
         </a:spcBef>
-        <a:buFont typeface="Arial" panose="020B0604020202020204" pitchFamily="34" charset="0"/>
+        <a:spcAft>
+          <a:spcPts val="600"/>
+        </a:spcAft>
+        <a:buClr>
+          <a:schemeClr val="tx1"/>
+        </a:buClr>
+        <a:buSzPct val="100000"/>
+        <a:buFont typeface="Arial"/>
         <a:buChar char="•"/>
-        <a:defRPr sz="1800" kern="1200">
-          <a:solidFill>
-            <a:schemeClr val="tx1"/>
-          </a:solidFill>
+        <a:defRPr sz="1400" kern="1200" cap="small">
+          <a:gradFill flip="none" rotWithShape="1">
+            <a:gsLst>
+              <a:gs pos="0">
+                <a:schemeClr val="tx1"/>
+              </a:gs>
+              <a:gs pos="100000">
+                <a:schemeClr val="tx1">
+                  <a:lumMod val="75000"/>
+                </a:schemeClr>
+              </a:gs>
+            </a:gsLst>
+            <a:lin ang="5580000" scaled="0"/>
+            <a:tileRect/>
+          </a:gradFill>
+          <a:effectLst>
+            <a:glow rad="38100">
+              <a:schemeClr val="bg1">
+                <a:lumMod val="50000"/>
+                <a:lumOff val="50000"/>
+                <a:alpha val="20000"/>
+              </a:schemeClr>
+            </a:glow>
+            <a:outerShdw blurRad="44450" dist="12700" dir="13860000" algn="tl" rotWithShape="0">
+              <a:srgbClr val="000000">
+                <a:alpha val="20000"/>
+              </a:srgbClr>
+            </a:outerShdw>
+          </a:effectLst>
           <a:latin typeface="+mn-lt"/>
           <a:ea typeface="+mn-ea"/>
           <a:cs typeface="+mn-cs"/>
         </a:defRPr>
       </a:lvl5pPr>
-      <a:lvl6pPr marL="2514600" indent="-228600" algn="l" defTabSz="914400" rtl="0" eaLnBrk="1" latinLnBrk="0" hangingPunct="1">
-        <a:lnSpc>
-          <a:spcPct val="90000"/>
-        </a:lnSpc>
+      <a:lvl6pPr marL="2514600" indent="-228600" algn="l" defTabSz="457200" rtl="0" eaLnBrk="1" latinLnBrk="0" hangingPunct="1">
         <a:spcBef>
-          <a:spcPts val="500"/>
+          <a:spcPct val="20000"/>
         </a:spcBef>
-        <a:buFont typeface="Arial" panose="020B0604020202020204" pitchFamily="34" charset="0"/>
+        <a:spcAft>
+          <a:spcPts val="600"/>
+        </a:spcAft>
+        <a:buClr>
+          <a:schemeClr val="tx1"/>
+        </a:buClr>
+        <a:buSzPct val="100000"/>
+        <a:buFont typeface="Arial"/>
         <a:buChar char="•"/>
-        <a:defRPr sz="1800" kern="1200">
-          <a:solidFill>
-            <a:schemeClr val="tx1"/>
-          </a:solidFill>
+        <a:defRPr sz="1200" kern="1200" cap="small">
+          <a:gradFill flip="none" rotWithShape="1">
+            <a:gsLst>
+              <a:gs pos="0">
+                <a:schemeClr val="tx1"/>
+              </a:gs>
+              <a:gs pos="100000">
+                <a:schemeClr val="tx1">
+                  <a:lumMod val="75000"/>
+                </a:schemeClr>
+              </a:gs>
+            </a:gsLst>
+            <a:lin ang="5580000" scaled="0"/>
+            <a:tileRect/>
+          </a:gradFill>
+          <a:effectLst>
+            <a:glow rad="38100">
+              <a:schemeClr val="bg1">
+                <a:lumMod val="50000"/>
+                <a:lumOff val="50000"/>
+                <a:alpha val="20000"/>
+              </a:schemeClr>
+            </a:glow>
+            <a:outerShdw blurRad="44450" dist="12700" dir="13860000" algn="tl" rotWithShape="0">
+              <a:srgbClr val="000000">
+                <a:alpha val="20000"/>
+              </a:srgbClr>
+            </a:outerShdw>
+          </a:effectLst>
           <a:latin typeface="+mn-lt"/>
           <a:ea typeface="+mn-ea"/>
           <a:cs typeface="+mn-cs"/>
         </a:defRPr>
       </a:lvl6pPr>
-      <a:lvl7pPr marL="2971800" indent="-228600" algn="l" defTabSz="914400" rtl="0" eaLnBrk="1" latinLnBrk="0" hangingPunct="1">
-        <a:lnSpc>
-          <a:spcPct val="90000"/>
-        </a:lnSpc>
+      <a:lvl7pPr marL="2971800" indent="-228600" algn="l" defTabSz="457200" rtl="0" eaLnBrk="1" latinLnBrk="0" hangingPunct="1">
         <a:spcBef>
-          <a:spcPts val="500"/>
+          <a:spcPct val="20000"/>
         </a:spcBef>
-        <a:buFont typeface="Arial" panose="020B0604020202020204" pitchFamily="34" charset="0"/>
+        <a:spcAft>
+          <a:spcPts val="600"/>
+        </a:spcAft>
+        <a:buClr>
+          <a:schemeClr val="tx1"/>
+        </a:buClr>
+        <a:buSzPct val="100000"/>
+        <a:buFont typeface="Arial"/>
         <a:buChar char="•"/>
-        <a:defRPr sz="1800" kern="1200">
-          <a:solidFill>
-            <a:schemeClr val="tx1"/>
-          </a:solidFill>
+        <a:defRPr sz="1200" kern="1200" cap="small">
+          <a:gradFill flip="none" rotWithShape="1">
+            <a:gsLst>
+              <a:gs pos="0">
+                <a:schemeClr val="tx1"/>
+              </a:gs>
+              <a:gs pos="100000">
+                <a:schemeClr val="tx1">
+                  <a:lumMod val="75000"/>
+                </a:schemeClr>
+              </a:gs>
+            </a:gsLst>
+            <a:lin ang="5580000" scaled="0"/>
+            <a:tileRect/>
+          </a:gradFill>
+          <a:effectLst>
+            <a:glow rad="38100">
+              <a:schemeClr val="bg1">
+                <a:lumMod val="50000"/>
+                <a:lumOff val="50000"/>
+                <a:alpha val="20000"/>
+              </a:schemeClr>
+            </a:glow>
+            <a:outerShdw blurRad="44450" dist="12700" dir="13860000" algn="tl" rotWithShape="0">
+              <a:srgbClr val="000000">
+                <a:alpha val="20000"/>
+              </a:srgbClr>
+            </a:outerShdw>
+          </a:effectLst>
           <a:latin typeface="+mn-lt"/>
           <a:ea typeface="+mn-ea"/>
           <a:cs typeface="+mn-cs"/>
         </a:defRPr>
       </a:lvl7pPr>
-      <a:lvl8pPr marL="3429000" indent="-228600" algn="l" defTabSz="914400" rtl="0" eaLnBrk="1" latinLnBrk="0" hangingPunct="1">
-        <a:lnSpc>
-          <a:spcPct val="90000"/>
-        </a:lnSpc>
+      <a:lvl8pPr marL="3429000" indent="-228600" algn="l" defTabSz="457200" rtl="0" eaLnBrk="1" latinLnBrk="0" hangingPunct="1">
         <a:spcBef>
-          <a:spcPts val="500"/>
+          <a:spcPct val="20000"/>
         </a:spcBef>
-        <a:buFont typeface="Arial" panose="020B0604020202020204" pitchFamily="34" charset="0"/>
+        <a:spcAft>
+          <a:spcPts val="600"/>
+        </a:spcAft>
+        <a:buClr>
+          <a:schemeClr val="tx1"/>
+        </a:buClr>
+        <a:buSzPct val="100000"/>
+        <a:buFont typeface="Arial"/>
         <a:buChar char="•"/>
-        <a:defRPr sz="1800" kern="1200">
-          <a:solidFill>
-            <a:schemeClr val="tx1"/>
-          </a:solidFill>
+        <a:defRPr sz="1200" kern="1200" cap="small">
+          <a:gradFill flip="none" rotWithShape="1">
+            <a:gsLst>
+              <a:gs pos="0">
+                <a:schemeClr val="tx1"/>
+              </a:gs>
+              <a:gs pos="100000">
+                <a:schemeClr val="tx1">
+                  <a:lumMod val="75000"/>
+                </a:schemeClr>
+              </a:gs>
+            </a:gsLst>
+            <a:lin ang="5580000" scaled="0"/>
+            <a:tileRect/>
+          </a:gradFill>
+          <a:effectLst>
+            <a:glow rad="38100">
+              <a:schemeClr val="bg1">
+                <a:lumMod val="50000"/>
+                <a:lumOff val="50000"/>
+                <a:alpha val="20000"/>
+              </a:schemeClr>
+            </a:glow>
+            <a:outerShdw blurRad="44450" dist="12700" dir="13860000" algn="tl" rotWithShape="0">
+              <a:srgbClr val="000000">
+                <a:alpha val="20000"/>
+              </a:srgbClr>
+            </a:outerShdw>
+          </a:effectLst>
           <a:latin typeface="+mn-lt"/>
           <a:ea typeface="+mn-ea"/>
           <a:cs typeface="+mn-cs"/>
         </a:defRPr>
       </a:lvl8pPr>
-      <a:lvl9pPr marL="3886200" indent="-228600" algn="l" defTabSz="914400" rtl="0" eaLnBrk="1" latinLnBrk="0" hangingPunct="1">
-        <a:lnSpc>
-          <a:spcPct val="90000"/>
-        </a:lnSpc>
+      <a:lvl9pPr marL="3886200" indent="-228600" algn="l" defTabSz="457200" rtl="0" eaLnBrk="1" latinLnBrk="0" hangingPunct="1">
         <a:spcBef>
-          <a:spcPts val="500"/>
+          <a:spcPct val="20000"/>
         </a:spcBef>
-        <a:buFont typeface="Arial" panose="020B0604020202020204" pitchFamily="34" charset="0"/>
+        <a:spcAft>
+          <a:spcPts val="600"/>
+        </a:spcAft>
+        <a:buClr>
+          <a:schemeClr val="tx1"/>
+        </a:buClr>
+        <a:buSzPct val="100000"/>
+        <a:buFont typeface="Arial"/>
         <a:buChar char="•"/>
-        <a:defRPr sz="1800" kern="1200">
-          <a:solidFill>
-            <a:schemeClr val="tx1"/>
-          </a:solidFill>
+        <a:defRPr sz="1200" kern="1200" cap="small">
+          <a:gradFill flip="none" rotWithShape="1">
+            <a:gsLst>
+              <a:gs pos="0">
+                <a:schemeClr val="tx1"/>
+              </a:gs>
+              <a:gs pos="100000">
+                <a:schemeClr val="tx1">
+                  <a:lumMod val="75000"/>
+                </a:schemeClr>
+              </a:gs>
+            </a:gsLst>
+            <a:lin ang="5580000" scaled="0"/>
+            <a:tileRect/>
+          </a:gradFill>
+          <a:effectLst>
+            <a:glow rad="38100">
+              <a:schemeClr val="bg1">
+                <a:lumMod val="50000"/>
+                <a:lumOff val="50000"/>
+                <a:alpha val="20000"/>
+              </a:schemeClr>
+            </a:glow>
+            <a:outerShdw blurRad="44450" dist="12700" dir="13860000" algn="tl" rotWithShape="0">
+              <a:srgbClr val="000000">
+                <a:alpha val="20000"/>
+              </a:srgbClr>
+            </a:outerShdw>
+          </a:effectLst>
           <a:latin typeface="+mn-lt"/>
           <a:ea typeface="+mn-ea"/>
           <a:cs typeface="+mn-cs"/>
@@ -2858,7 +6784,7 @@
       <a:defPPr>
         <a:defRPr lang="en-US"/>
       </a:defPPr>
-      <a:lvl1pPr marL="0" algn="l" defTabSz="914400" rtl="0" eaLnBrk="1" latinLnBrk="0" hangingPunct="1">
+      <a:lvl1pPr marL="0" algn="l" defTabSz="457200" rtl="0" eaLnBrk="1" latinLnBrk="0" hangingPunct="1">
         <a:defRPr sz="1800" kern="1200">
           <a:solidFill>
             <a:schemeClr val="tx1"/>
@@ -2868,7 +6794,7 @@
           <a:cs typeface="+mn-cs"/>
         </a:defRPr>
       </a:lvl1pPr>
-      <a:lvl2pPr marL="457200" algn="l" defTabSz="914400" rtl="0" eaLnBrk="1" latinLnBrk="0" hangingPunct="1">
+      <a:lvl2pPr marL="457200" algn="l" defTabSz="457200" rtl="0" eaLnBrk="1" latinLnBrk="0" hangingPunct="1">
         <a:defRPr sz="1800" kern="1200">
           <a:solidFill>
             <a:schemeClr val="tx1"/>
@@ -2878,7 +6804,7 @@
           <a:cs typeface="+mn-cs"/>
         </a:defRPr>
       </a:lvl2pPr>
-      <a:lvl3pPr marL="914400" algn="l" defTabSz="914400" rtl="0" eaLnBrk="1" latinLnBrk="0" hangingPunct="1">
+      <a:lvl3pPr marL="914400" algn="l" defTabSz="457200" rtl="0" eaLnBrk="1" latinLnBrk="0" hangingPunct="1">
         <a:defRPr sz="1800" kern="1200">
           <a:solidFill>
             <a:schemeClr val="tx1"/>
@@ -2888,7 +6814,7 @@
           <a:cs typeface="+mn-cs"/>
         </a:defRPr>
       </a:lvl3pPr>
-      <a:lvl4pPr marL="1371600" algn="l" defTabSz="914400" rtl="0" eaLnBrk="1" latinLnBrk="0" hangingPunct="1">
+      <a:lvl4pPr marL="1371600" algn="l" defTabSz="457200" rtl="0" eaLnBrk="1" latinLnBrk="0" hangingPunct="1">
         <a:defRPr sz="1800" kern="1200">
           <a:solidFill>
             <a:schemeClr val="tx1"/>
@@ -2898,7 +6824,7 @@
           <a:cs typeface="+mn-cs"/>
         </a:defRPr>
       </a:lvl4pPr>
-      <a:lvl5pPr marL="1828800" algn="l" defTabSz="914400" rtl="0" eaLnBrk="1" latinLnBrk="0" hangingPunct="1">
+      <a:lvl5pPr marL="1828800" algn="l" defTabSz="457200" rtl="0" eaLnBrk="1" latinLnBrk="0" hangingPunct="1">
         <a:defRPr sz="1800" kern="1200">
           <a:solidFill>
             <a:schemeClr val="tx1"/>
@@ -2908,7 +6834,7 @@
           <a:cs typeface="+mn-cs"/>
         </a:defRPr>
       </a:lvl5pPr>
-      <a:lvl6pPr marL="2286000" algn="l" defTabSz="914400" rtl="0" eaLnBrk="1" latinLnBrk="0" hangingPunct="1">
+      <a:lvl6pPr marL="2286000" algn="l" defTabSz="457200" rtl="0" eaLnBrk="1" latinLnBrk="0" hangingPunct="1">
         <a:defRPr sz="1800" kern="1200">
           <a:solidFill>
             <a:schemeClr val="tx1"/>
@@ -2918,7 +6844,7 @@
           <a:cs typeface="+mn-cs"/>
         </a:defRPr>
       </a:lvl6pPr>
-      <a:lvl7pPr marL="2743200" algn="l" defTabSz="914400" rtl="0" eaLnBrk="1" latinLnBrk="0" hangingPunct="1">
+      <a:lvl7pPr marL="2743200" algn="l" defTabSz="457200" rtl="0" eaLnBrk="1" latinLnBrk="0" hangingPunct="1">
         <a:defRPr sz="1800" kern="1200">
           <a:solidFill>
             <a:schemeClr val="tx1"/>
@@ -2928,7 +6854,7 @@
           <a:cs typeface="+mn-cs"/>
         </a:defRPr>
       </a:lvl7pPr>
-      <a:lvl8pPr marL="3200400" algn="l" defTabSz="914400" rtl="0" eaLnBrk="1" latinLnBrk="0" hangingPunct="1">
+      <a:lvl8pPr marL="3200400" algn="l" defTabSz="457200" rtl="0" eaLnBrk="1" latinLnBrk="0" hangingPunct="1">
         <a:defRPr sz="1800" kern="1200">
           <a:solidFill>
             <a:schemeClr val="tx1"/>
@@ -2938,7 +6864,7 @@
           <a:cs typeface="+mn-cs"/>
         </a:defRPr>
       </a:lvl8pPr>
-      <a:lvl9pPr marL="3657600" algn="l" defTabSz="914400" rtl="0" eaLnBrk="1" latinLnBrk="0" hangingPunct="1">
+      <a:lvl9pPr marL="3657600" algn="l" defTabSz="457200" rtl="0" eaLnBrk="1" latinLnBrk="0" hangingPunct="1">
         <a:defRPr sz="1800" kern="1200">
           <a:solidFill>
             <a:schemeClr val="tx1"/>
@@ -3024,6 +6950,13 @@
   <p:clrMapOvr>
     <a:masterClrMapping/>
   </p:clrMapOvr>
+  <p:timing>
+    <p:tnLst>
+      <p:par>
+        <p:cTn id="1" dur="indefinite" restart="never" nodeType="tmRoot"/>
+      </p:par>
+    </p:tnLst>
+  </p:timing>
 </p:sld>
 </file>
 
@@ -3078,16 +7011,88 @@
         </p:nvSpPr>
         <p:spPr/>
         <p:txBody>
-          <a:bodyPr/>
+          <a:bodyPr anchor="t">
+            <a:normAutofit/>
+          </a:bodyPr>
           <a:lstStyle/>
           <a:p>
             <a:pPr marL="0" indent="0">
               <a:buNone/>
             </a:pPr>
-            <a:endParaRPr lang="en-GB" dirty="0"/>
-          </a:p>
-        </p:txBody>
-      </p:sp>
+            <a:r>
+              <a:rPr lang="en-GB" sz="2400" dirty="0" smtClean="0"/>
+              <a:t>Smashville is a beat-em-up style fighting game, where two players use their fighting prowess to try and knock the other player(s) off the stage and out of the arena. </a:t>
+            </a:r>
+          </a:p>
+          <a:p>
+            <a:pPr marL="0" indent="0">
+              <a:buNone/>
+            </a:pPr>
+            <a:r>
+              <a:rPr lang="en-GB" sz="2400" dirty="0" smtClean="0"/>
+              <a:t>With a rooster of characters and stages to choose from, players will be spoilt for choice when it comes to confronting their adversary. </a:t>
+            </a:r>
+            <a:endParaRPr lang="en-GB" sz="2400" dirty="0"/>
+          </a:p>
+        </p:txBody>
+      </p:sp>
+      <p:pic>
+        <p:nvPicPr>
+          <p:cNvPr id="4" name="Picture 3"/>
+          <p:cNvPicPr>
+            <a:picLocks noChangeAspect="1"/>
+          </p:cNvPicPr>
+          <p:nvPr/>
+        </p:nvPicPr>
+        <p:blipFill rotWithShape="1">
+          <a:blip r:embed="rId3"/>
+          <a:srcRect l="2295" t="21154" r="3279"/>
+          <a:stretch/>
+        </p:blipFill>
+        <p:spPr>
+          <a:xfrm>
+            <a:off x="0" y="5991368"/>
+            <a:ext cx="12175104" cy="866631"/>
+          </a:xfrm>
+          <a:prstGeom prst="rect">
+            <a:avLst/>
+          </a:prstGeom>
+        </p:spPr>
+      </p:pic>
+      <p:pic>
+        <p:nvPicPr>
+          <p:cNvPr id="5" name="Picture 4"/>
+          <p:cNvPicPr>
+            <a:picLocks noChangeAspect="1"/>
+          </p:cNvPicPr>
+          <p:nvPr/>
+        </p:nvPicPr>
+        <p:blipFill rotWithShape="1">
+          <a:blip r:embed="rId4">
+            <a:clrChange>
+              <a:clrFrom>
+                <a:srgbClr val="000000"/>
+              </a:clrFrom>
+              <a:clrTo>
+                <a:srgbClr val="000000">
+                  <a:alpha val="0"/>
+                </a:srgbClr>
+              </a:clrTo>
+            </a:clrChange>
+          </a:blip>
+          <a:srcRect l="10078" t="8937" r="12597" b="7732"/>
+          <a:stretch/>
+        </p:blipFill>
+        <p:spPr>
+          <a:xfrm>
+            <a:off x="9784040" y="5075380"/>
+            <a:ext cx="995602" cy="973138"/>
+          </a:xfrm>
+          <a:prstGeom prst="rect">
+            <a:avLst/>
+          </a:prstGeom>
+        </p:spPr>
+      </p:pic>
     </p:spTree>
     <p:extLst>
       <p:ext uri="{BB962C8B-B14F-4D97-AF65-F5344CB8AC3E}">
@@ -3098,6 +7103,13 @@
   <p:clrMapOvr>
     <a:masterClrMapping/>
   </p:clrMapOvr>
+  <p:timing>
+    <p:tnLst>
+      <p:par>
+        <p:cTn id="1" dur="indefinite" restart="never" nodeType="tmRoot"/>
+      </p:par>
+    </p:tnLst>
+  </p:timing>
 </p:sld>
 </file>
 
@@ -3128,7 +7140,12 @@
             <p:ph type="title"/>
           </p:nvPr>
         </p:nvSpPr>
-        <p:spPr/>
+        <p:spPr>
+          <a:xfrm>
+            <a:off x="1141413" y="609600"/>
+            <a:ext cx="9905998" cy="1905000"/>
+          </a:xfrm>
+        </p:spPr>
         <p:txBody>
           <a:bodyPr/>
           <a:lstStyle/>
@@ -3150,12 +7167,112 @@
             <p:ph idx="1"/>
           </p:nvPr>
         </p:nvSpPr>
-        <p:spPr/>
-        <p:txBody>
-          <a:bodyPr/>
-          <a:lstStyle/>
-          <a:p>
-            <a:endParaRPr lang="en-GB"/>
+        <p:spPr>
+          <a:xfrm>
+            <a:off x="1141413" y="2857500"/>
+            <a:ext cx="9905998" cy="3213100"/>
+          </a:xfrm>
+        </p:spPr>
+        <p:txBody>
+          <a:bodyPr numCol="2" anchor="t"/>
+          <a:lstStyle/>
+          <a:p>
+            <a:r>
+              <a:rPr lang="en-GB" dirty="0" smtClean="0"/>
+              <a:t>Players can move left, right and Double Jump.</a:t>
+            </a:r>
+          </a:p>
+          <a:p>
+            <a:r>
+              <a:rPr lang="en-GB" dirty="0" smtClean="0"/>
+              <a:t>Players can hit other players left, right up or down.</a:t>
+            </a:r>
+          </a:p>
+          <a:p>
+            <a:r>
+              <a:rPr lang="en-GB" dirty="0" smtClean="0"/>
+              <a:t>Getting hit will increase knockback effect</a:t>
+            </a:r>
+          </a:p>
+          <a:p>
+            <a:r>
+              <a:rPr lang="en-GB" dirty="0" smtClean="0"/>
+              <a:t>Getting knocked off screen will result in a loss</a:t>
+            </a:r>
+          </a:p>
+          <a:p>
+            <a:r>
+              <a:rPr lang="en-GB" dirty="0" smtClean="0"/>
+              <a:t>Sessions must have a host player</a:t>
+            </a:r>
+          </a:p>
+          <a:p>
+            <a:r>
+              <a:rPr lang="en-GB" dirty="0" smtClean="0"/>
+              <a:t>Sessions </a:t>
+            </a:r>
+            <a:r>
+              <a:rPr lang="en-GB" dirty="0"/>
+              <a:t>can hold up to four players</a:t>
+            </a:r>
+            <a:endParaRPr lang="en-GB" dirty="0" smtClean="0"/>
+          </a:p>
+          <a:p>
+            <a:r>
+              <a:rPr lang="en-GB" dirty="0" smtClean="0"/>
+              <a:t>Sessions must have a selected stage</a:t>
+            </a:r>
+          </a:p>
+          <a:p>
+            <a:r>
+              <a:rPr lang="en-GB" dirty="0" smtClean="0"/>
+              <a:t>Players connected to sessions must select a character</a:t>
+            </a:r>
+          </a:p>
+          <a:p>
+            <a:r>
+              <a:rPr lang="en-GB" dirty="0" smtClean="0"/>
+              <a:t>Only the host can start the session</a:t>
+            </a:r>
+            <a:endParaRPr lang="en-GB" dirty="0"/>
+          </a:p>
+          <a:p>
+            <a:r>
+              <a:rPr lang="en-GB" dirty="0" smtClean="0"/>
+              <a:t>Player who creates session is the host</a:t>
+            </a:r>
+          </a:p>
+        </p:txBody>
+      </p:sp>
+      <p:sp>
+        <p:nvSpPr>
+          <p:cNvPr id="4" name="TextBox 3"/>
+          <p:cNvSpPr txBox="1"/>
+          <p:nvPr/>
+        </p:nvSpPr>
+        <p:spPr>
+          <a:xfrm>
+            <a:off x="1128713" y="2387599"/>
+            <a:ext cx="7273145" cy="646331"/>
+          </a:xfrm>
+          <a:prstGeom prst="rect">
+            <a:avLst/>
+          </a:prstGeom>
+          <a:noFill/>
+        </p:spPr>
+        <p:txBody>
+          <a:bodyPr wrap="none" rtlCol="0">
+            <a:spAutoFit/>
+          </a:bodyPr>
+          <a:lstStyle/>
+          <a:p>
+            <a:r>
+              <a:rPr lang="en-GB" dirty="0"/>
+              <a:t>The rules of the game are simple (but will not tolerate violation):</a:t>
+            </a:r>
+          </a:p>
+          <a:p>
+            <a:endParaRPr lang="en-GB" dirty="0"/>
           </a:p>
         </p:txBody>
       </p:sp>
@@ -3169,6 +7286,13 @@
   <p:clrMapOvr>
     <a:masterClrMapping/>
   </p:clrMapOvr>
+  <p:timing>
+    <p:tnLst>
+      <p:par>
+        <p:cTn id="1" dur="indefinite" restart="never" nodeType="tmRoot"/>
+      </p:par>
+    </p:tnLst>
+  </p:timing>
 </p:sld>
 </file>
 
@@ -3189,28 +7313,315 @@
           <a:chExt cx="0" cy="0"/>
         </a:xfrm>
       </p:grpSpPr>
-      <p:sp>
-        <p:nvSpPr>
-          <p:cNvPr id="3" name="Content Placeholder 2"/>
-          <p:cNvSpPr>
-            <a:spLocks noGrp="1"/>
-          </p:cNvSpPr>
-          <p:nvPr>
-            <p:ph idx="1"/>
-          </p:nvPr>
-        </p:nvSpPr>
-        <p:spPr/>
+      <p:pic>
+        <p:nvPicPr>
+          <p:cNvPr id="2" name="Picture 1"/>
+          <p:cNvPicPr>
+            <a:picLocks noChangeAspect="1"/>
+          </p:cNvPicPr>
+          <p:nvPr/>
+        </p:nvPicPr>
+        <p:blipFill>
+          <a:blip r:embed="rId3">
+            <a:extLst>
+              <a:ext uri="{28A0092B-C50C-407E-A947-70E740481C1C}">
+                <a14:useLocalDpi xmlns:a14="http://schemas.microsoft.com/office/drawing/2010/main" val="0"/>
+              </a:ext>
+            </a:extLst>
+          </a:blip>
+          <a:stretch>
+            <a:fillRect/>
+          </a:stretch>
+        </p:blipFill>
+        <p:spPr>
+          <a:xfrm>
+            <a:off x="5947669" y="1841261"/>
+            <a:ext cx="6054934" cy="4174015"/>
+          </a:xfrm>
+          <a:prstGeom prst="rect">
+            <a:avLst/>
+          </a:prstGeom>
+          <a:ln>
+            <a:solidFill>
+              <a:schemeClr val="tx1"/>
+            </a:solidFill>
+          </a:ln>
+        </p:spPr>
+      </p:pic>
+      <p:sp>
+        <p:nvSpPr>
+          <p:cNvPr id="5" name="TextBox 4"/>
+          <p:cNvSpPr txBox="1"/>
+          <p:nvPr/>
+        </p:nvSpPr>
+        <p:spPr>
+          <a:xfrm>
+            <a:off x="5919094" y="1422400"/>
+            <a:ext cx="2438488" cy="369332"/>
+          </a:xfrm>
+          <a:prstGeom prst="rect">
+            <a:avLst/>
+          </a:prstGeom>
+          <a:noFill/>
+        </p:spPr>
+        <p:txBody>
+          <a:bodyPr wrap="none" rtlCol="0">
+            <a:spAutoFit/>
+          </a:bodyPr>
+          <a:lstStyle/>
+          <a:p>
+            <a:r>
+              <a:rPr lang="en-GB" dirty="0" smtClean="0"/>
+              <a:t>Lobby State Storyboard:</a:t>
+            </a:r>
+            <a:endParaRPr lang="en-GB" dirty="0"/>
+          </a:p>
+        </p:txBody>
+      </p:sp>
+      <p:sp>
+        <p:nvSpPr>
+          <p:cNvPr id="6" name="TextBox 5"/>
+          <p:cNvSpPr txBox="1"/>
+          <p:nvPr/>
+        </p:nvSpPr>
+        <p:spPr>
+          <a:xfrm>
+            <a:off x="156469" y="1450975"/>
+            <a:ext cx="2428422" cy="369332"/>
+          </a:xfrm>
+          <a:prstGeom prst="rect">
+            <a:avLst/>
+          </a:prstGeom>
+          <a:noFill/>
+        </p:spPr>
+        <p:txBody>
+          <a:bodyPr wrap="none" rtlCol="0">
+            <a:spAutoFit/>
+          </a:bodyPr>
+          <a:lstStyle/>
+          <a:p>
+            <a:r>
+              <a:rPr lang="en-GB" dirty="0" smtClean="0"/>
+              <a:t>Game State Storyboard:</a:t>
+            </a:r>
+            <a:endParaRPr lang="en-GB" dirty="0"/>
+          </a:p>
+        </p:txBody>
+      </p:sp>
+      <p:pic>
+        <p:nvPicPr>
+          <p:cNvPr id="7" name="Picture 6"/>
+          <p:cNvPicPr>
+            <a:picLocks noChangeAspect="1"/>
+          </p:cNvPicPr>
+          <p:nvPr/>
+        </p:nvPicPr>
+        <p:blipFill>
+          <a:blip r:embed="rId4">
+            <a:extLst>
+              <a:ext uri="{28A0092B-C50C-407E-A947-70E740481C1C}">
+                <a14:useLocalDpi xmlns:a14="http://schemas.microsoft.com/office/drawing/2010/main" val="0"/>
+              </a:ext>
+            </a:extLst>
+          </a:blip>
+          <a:stretch>
+            <a:fillRect/>
+          </a:stretch>
+        </p:blipFill>
+        <p:spPr>
+          <a:xfrm>
+            <a:off x="204672" y="1839357"/>
+            <a:ext cx="5560538" cy="2780268"/>
+          </a:xfrm>
+          <a:prstGeom prst="rect">
+            <a:avLst/>
+          </a:prstGeom>
+        </p:spPr>
+      </p:pic>
+      <p:sp>
+        <p:nvSpPr>
+          <p:cNvPr id="8" name="TextBox 7"/>
+          <p:cNvSpPr txBox="1"/>
+          <p:nvPr/>
+        </p:nvSpPr>
+        <p:spPr>
+          <a:xfrm>
+            <a:off x="214197" y="4848225"/>
+            <a:ext cx="5624628" cy="1754326"/>
+          </a:xfrm>
+          <a:prstGeom prst="rect">
+            <a:avLst/>
+          </a:prstGeom>
+          <a:noFill/>
+        </p:spPr>
+        <p:txBody>
+          <a:bodyPr wrap="square" rtlCol="0">
+            <a:spAutoFit/>
+          </a:bodyPr>
+          <a:lstStyle/>
+          <a:p>
+            <a:r>
+              <a:rPr lang="en-GB" dirty="0" smtClean="0"/>
+              <a:t>The storyboard above shows the player moving </a:t>
+            </a:r>
+          </a:p>
+          <a:p>
+            <a:r>
+              <a:rPr lang="en-GB" dirty="0" smtClean="0"/>
+              <a:t>around the </a:t>
+            </a:r>
+            <a:r>
+              <a:rPr lang="en-GB" dirty="0" smtClean="0"/>
+              <a:t>stage </a:t>
+            </a:r>
+            <a:r>
+              <a:rPr lang="en-GB" dirty="0" smtClean="0"/>
+              <a:t>before </a:t>
+            </a:r>
+            <a:r>
+              <a:rPr lang="en-GB" dirty="0" smtClean="0"/>
+              <a:t>jumping </a:t>
+            </a:r>
+            <a:r>
+              <a:rPr lang="en-GB" dirty="0" smtClean="0"/>
+              <a:t>off of the screen. </a:t>
+            </a:r>
+          </a:p>
+          <a:p>
+            <a:endParaRPr lang="en-GB" dirty="0" smtClean="0"/>
+          </a:p>
+          <a:p>
+            <a:r>
+              <a:rPr lang="en-GB" dirty="0" smtClean="0"/>
+              <a:t>The other storyboard shows how the user will navigate the menus to find/host/start a game.</a:t>
+            </a:r>
+            <a:endParaRPr lang="en-GB" dirty="0"/>
+          </a:p>
+        </p:txBody>
+      </p:sp>
+      <p:sp>
+        <p:nvSpPr>
+          <p:cNvPr id="10" name="Oval 9"/>
+          <p:cNvSpPr/>
+          <p:nvPr/>
+        </p:nvSpPr>
+        <p:spPr>
+          <a:xfrm>
+            <a:off x="11077575" y="3429000"/>
+            <a:ext cx="819150" cy="342900"/>
+          </a:xfrm>
+          <a:prstGeom prst="ellipse">
+            <a:avLst/>
+          </a:prstGeom>
+          <a:noFill/>
+          <a:ln>
+            <a:solidFill>
+              <a:srgbClr val="FF0000"/>
+            </a:solidFill>
+          </a:ln>
+        </p:spPr>
+        <p:style>
+          <a:lnRef idx="2">
+            <a:schemeClr val="accent1">
+              <a:shade val="50000"/>
+            </a:schemeClr>
+          </a:lnRef>
+          <a:fillRef idx="1">
+            <a:schemeClr val="accent1"/>
+          </a:fillRef>
+          <a:effectRef idx="0">
+            <a:schemeClr val="accent1"/>
+          </a:effectRef>
+          <a:fontRef idx="minor">
+            <a:schemeClr val="lt1"/>
+          </a:fontRef>
+        </p:style>
+        <p:txBody>
+          <a:bodyPr rtlCol="0" anchor="ctr"/>
+          <a:lstStyle/>
+          <a:p>
+            <a:pPr algn="ctr"/>
+            <a:endParaRPr lang="en-GB">
+              <a:noFill/>
+            </a:endParaRPr>
+          </a:p>
+        </p:txBody>
+      </p:sp>
+      <p:sp>
+        <p:nvSpPr>
+          <p:cNvPr id="11" name="TextBox 10"/>
+          <p:cNvSpPr txBox="1"/>
+          <p:nvPr/>
+        </p:nvSpPr>
+        <p:spPr>
+          <a:xfrm>
+            <a:off x="11226501" y="3229491"/>
+            <a:ext cx="458780" cy="230832"/>
+          </a:xfrm>
+          <a:prstGeom prst="rect">
+            <a:avLst/>
+          </a:prstGeom>
+          <a:noFill/>
+        </p:spPr>
+        <p:txBody>
+          <a:bodyPr wrap="none" rtlCol="0">
+            <a:spAutoFit/>
+          </a:bodyPr>
+          <a:lstStyle/>
+          <a:p>
+            <a:r>
+              <a:rPr lang="en-GB" sz="900" dirty="0">
+                <a:solidFill>
+                  <a:srgbClr val="FF0000"/>
+                </a:solidFill>
+              </a:rPr>
+              <a:t>l</a:t>
+            </a:r>
+            <a:r>
+              <a:rPr lang="en-GB" sz="900" dirty="0" smtClean="0">
+                <a:solidFill>
+                  <a:srgbClr val="FF0000"/>
+                </a:solidFill>
+              </a:rPr>
+              <a:t>ocal</a:t>
+            </a:r>
+            <a:endParaRPr lang="en-GB" sz="1200" dirty="0">
+              <a:solidFill>
+                <a:srgbClr val="FF0000"/>
+              </a:solidFill>
+            </a:endParaRPr>
+          </a:p>
+        </p:txBody>
+      </p:sp>
+      <p:sp>
+        <p:nvSpPr>
+          <p:cNvPr id="9" name="Title 1"/>
+          <p:cNvSpPr>
+            <a:spLocks noGrp="1"/>
+          </p:cNvSpPr>
+          <p:nvPr>
+            <p:ph type="title"/>
+          </p:nvPr>
+        </p:nvSpPr>
+        <p:spPr>
+          <a:xfrm>
+            <a:off x="569913" y="-66675"/>
+            <a:ext cx="9905998" cy="1905000"/>
+          </a:xfrm>
+        </p:spPr>
         <p:txBody>
           <a:bodyPr/>
           <a:lstStyle/>
           <a:p>
-            <a:pPr marL="0" indent="0">
-              <a:buNone/>
-            </a:pPr>
             <a:r>
               <a:rPr lang="en-GB" dirty="0"/>
-              <a:t>Storyboards go here</a:t>
-            </a:r>
+              <a:t>The </a:t>
+            </a:r>
+            <a:r>
+              <a:rPr lang="en-GB" dirty="0" smtClean="0"/>
+              <a:t>Storyboards</a:t>
+            </a:r>
+            <a:endParaRPr lang="en-GB" dirty="0"/>
           </a:p>
         </p:txBody>
       </p:sp>
@@ -3224,6 +7635,13 @@
   <p:clrMapOvr>
     <a:masterClrMapping/>
   </p:clrMapOvr>
+  <p:timing>
+    <p:tnLst>
+      <p:par>
+        <p:cTn id="1" dur="indefinite" restart="never" nodeType="tmRoot"/>
+      </p:par>
+    </p:tnLst>
+  </p:timing>
 </p:sld>
 </file>
 
@@ -3278,16 +7696,136 @@
         </p:nvSpPr>
         <p:spPr/>
         <p:txBody>
-          <a:bodyPr/>
+          <a:bodyPr anchor="t"/>
           <a:lstStyle/>
           <a:p>
             <a:r>
               <a:rPr lang="en-GB" dirty="0"/>
-              <a:t>Super Smash Bros. (1999 – 2014)</a:t>
-            </a:r>
-          </a:p>
-        </p:txBody>
-      </p:sp>
+              <a:t>Super Smash Bros. (1999 – 2014</a:t>
+            </a:r>
+            <a:r>
+              <a:rPr lang="en-GB" dirty="0" smtClean="0"/>
+              <a:t>)</a:t>
+            </a:r>
+          </a:p>
+          <a:p>
+            <a:r>
+              <a:rPr lang="en-GB" dirty="0"/>
+              <a:t>Tekken (1994)</a:t>
+            </a:r>
+            <a:endParaRPr lang="en-GB" dirty="0" smtClean="0"/>
+          </a:p>
+          <a:p>
+            <a:r>
+              <a:rPr lang="en-GB" dirty="0" smtClean="0"/>
+              <a:t>Street Fighter 2 (1991)</a:t>
+            </a:r>
+          </a:p>
+          <a:p>
+            <a:endParaRPr lang="en-GB" dirty="0"/>
+          </a:p>
+        </p:txBody>
+      </p:sp>
+      <p:pic>
+        <p:nvPicPr>
+          <p:cNvPr id="4" name="Picture 3"/>
+          <p:cNvPicPr>
+            <a:picLocks noChangeAspect="1"/>
+          </p:cNvPicPr>
+          <p:nvPr/>
+        </p:nvPicPr>
+        <p:blipFill>
+          <a:blip r:embed="rId3"/>
+          <a:stretch>
+            <a:fillRect/>
+          </a:stretch>
+        </p:blipFill>
+        <p:spPr>
+          <a:xfrm>
+            <a:off x="6238875" y="1646765"/>
+            <a:ext cx="5797549" cy="5028206"/>
+          </a:xfrm>
+          <a:prstGeom prst="rect">
+            <a:avLst/>
+          </a:prstGeom>
+        </p:spPr>
+      </p:pic>
+      <p:pic>
+        <p:nvPicPr>
+          <p:cNvPr id="5" name="Picture 4"/>
+          <p:cNvPicPr>
+            <a:picLocks noChangeAspect="1"/>
+          </p:cNvPicPr>
+          <p:nvPr/>
+        </p:nvPicPr>
+        <p:blipFill>
+          <a:blip r:embed="rId4">
+            <a:clrChange>
+              <a:clrFrom>
+                <a:srgbClr val="FFFFFF"/>
+              </a:clrFrom>
+              <a:clrTo>
+                <a:srgbClr val="FFFFFF">
+                  <a:alpha val="0"/>
+                </a:srgbClr>
+              </a:clrTo>
+            </a:clrChange>
+          </a:blip>
+          <a:stretch>
+            <a:fillRect/>
+          </a:stretch>
+        </p:blipFill>
+        <p:spPr>
+          <a:xfrm>
+            <a:off x="3333750" y="4750822"/>
+            <a:ext cx="2387599" cy="1482263"/>
+          </a:xfrm>
+          <a:prstGeom prst="rect">
+            <a:avLst/>
+          </a:prstGeom>
+        </p:spPr>
+      </p:pic>
+      <p:pic>
+        <p:nvPicPr>
+          <p:cNvPr id="1026" name="Picture 2" descr="http://vignette1.wikia.nocookie.net/capcomdatabase/images/f/f1/SFIILogo.png/revision/latest?cb=20110110173220"/>
+          <p:cNvPicPr>
+            <a:picLocks noChangeAspect="1" noChangeArrowheads="1"/>
+          </p:cNvPicPr>
+          <p:nvPr/>
+        </p:nvPicPr>
+        <p:blipFill>
+          <a:blip r:embed="rId5">
+            <a:extLst>
+              <a:ext uri="{28A0092B-C50C-407E-A947-70E740481C1C}">
+                <a14:useLocalDpi xmlns:a14="http://schemas.microsoft.com/office/drawing/2010/main" val="0"/>
+              </a:ext>
+            </a:extLst>
+          </a:blip>
+          <a:srcRect/>
+          <a:stretch>
+            <a:fillRect/>
+          </a:stretch>
+        </p:blipFill>
+        <p:spPr bwMode="auto">
+          <a:xfrm>
+            <a:off x="327888" y="4816996"/>
+            <a:ext cx="2488336" cy="1416090"/>
+          </a:xfrm>
+          <a:prstGeom prst="rect">
+            <a:avLst/>
+          </a:prstGeom>
+          <a:noFill/>
+          <a:extLst>
+            <a:ext uri="{909E8E84-426E-40DD-AFC4-6F175D3DCCD1}">
+              <a14:hiddenFill xmlns:a14="http://schemas.microsoft.com/office/drawing/2010/main">
+                <a:solidFill>
+                  <a:srgbClr val="FFFFFF"/>
+                </a:solidFill>
+              </a14:hiddenFill>
+            </a:ext>
+          </a:extLst>
+        </p:spPr>
+      </p:pic>
     </p:spTree>
     <p:extLst>
       <p:ext uri="{BB962C8B-B14F-4D97-AF65-F5344CB8AC3E}">
@@ -3298,6 +7836,13 @@
   <p:clrMapOvr>
     <a:masterClrMapping/>
   </p:clrMapOvr>
+  <p:timing>
+    <p:tnLst>
+      <p:par>
+        <p:cTn id="1" dur="indefinite" restart="never" nodeType="tmRoot"/>
+      </p:par>
+    </p:tnLst>
+  </p:timing>
 </p:sld>
 </file>
 
@@ -3335,8 +7880,17 @@
           <a:p>
             <a:r>
               <a:rPr lang="en-GB" dirty="0"/>
-              <a:t>Our Focus &amp; Goal</a:t>
-            </a:r>
+              <a:t>Our </a:t>
+            </a:r>
+            <a:r>
+              <a:rPr lang="en-GB" dirty="0" smtClean="0"/>
+              <a:t>goal &amp; </a:t>
+            </a:r>
+            <a:r>
+              <a:rPr lang="en-GB" dirty="0" smtClean="0"/>
+              <a:t>Focus</a:t>
+            </a:r>
+            <a:endParaRPr lang="en-GB" dirty="0"/>
           </a:p>
         </p:txBody>
       </p:sp>
@@ -3352,10 +7906,89 @@
         </p:nvSpPr>
         <p:spPr/>
         <p:txBody>
-          <a:bodyPr/>
-          <a:lstStyle/>
-          <a:p>
-            <a:endParaRPr lang="en-GB"/>
+          <a:bodyPr anchor="t"/>
+          <a:lstStyle/>
+          <a:p>
+            <a:pPr marL="0" indent="0">
+              <a:buNone/>
+            </a:pPr>
+            <a:r>
+              <a:rPr lang="en-GB" dirty="0" smtClean="0"/>
+              <a:t>… is to produce a game containing </a:t>
+            </a:r>
+            <a:r>
+              <a:rPr lang="en-GB" dirty="0" smtClean="0"/>
+              <a:t>various </a:t>
+            </a:r>
+            <a:r>
+              <a:rPr lang="en-GB" dirty="0" smtClean="0"/>
+              <a:t>multiplayer features, such as:</a:t>
+            </a:r>
+          </a:p>
+          <a:p>
+            <a:pPr marL="457200" indent="-457200">
+              <a:buFont typeface="+mj-lt"/>
+              <a:buAutoNum type="arabicPeriod"/>
+            </a:pPr>
+            <a:r>
+              <a:rPr lang="en-GB" dirty="0" smtClean="0"/>
+              <a:t>Chat Systems</a:t>
+            </a:r>
+          </a:p>
+          <a:p>
+            <a:pPr marL="457200" indent="-457200">
+              <a:buFont typeface="+mj-lt"/>
+              <a:buAutoNum type="arabicPeriod"/>
+            </a:pPr>
+            <a:r>
+              <a:rPr lang="en-GB" dirty="0" smtClean="0"/>
+              <a:t>Hosting and Joining </a:t>
+            </a:r>
+            <a:r>
+              <a:rPr lang="en-GB" dirty="0" smtClean="0"/>
+              <a:t>Sessions</a:t>
+            </a:r>
+          </a:p>
+          <a:p>
+            <a:pPr marL="457200" indent="-457200">
+              <a:buFont typeface="+mj-lt"/>
+              <a:buAutoNum type="arabicPeriod"/>
+            </a:pPr>
+            <a:r>
+              <a:rPr lang="en-GB" dirty="0" smtClean="0"/>
+              <a:t>Spectating Sessions</a:t>
+            </a:r>
+            <a:endParaRPr lang="en-GB" dirty="0" smtClean="0"/>
+          </a:p>
+          <a:p>
+            <a:pPr marL="457200" indent="-457200">
+              <a:buFont typeface="+mj-lt"/>
+              <a:buAutoNum type="arabicPeriod"/>
+            </a:pPr>
+            <a:r>
+              <a:rPr lang="en-GB" dirty="0" smtClean="0"/>
+              <a:t>Leader </a:t>
+            </a:r>
+            <a:r>
+              <a:rPr lang="en-GB" dirty="0" smtClean="0"/>
+              <a:t>boards</a:t>
+            </a:r>
+          </a:p>
+          <a:p>
+            <a:pPr marL="0" indent="0">
+              <a:buNone/>
+            </a:pPr>
+            <a:endParaRPr lang="en-GB" dirty="0" smtClean="0"/>
+          </a:p>
+          <a:p>
+            <a:pPr marL="0" indent="0">
+              <a:buNone/>
+            </a:pPr>
+            <a:r>
+              <a:rPr lang="en-GB" dirty="0" smtClean="0"/>
+              <a:t>We hope to include more features as the game progresses</a:t>
+            </a:r>
+            <a:endParaRPr lang="en-GB" dirty="0" smtClean="0"/>
           </a:p>
         </p:txBody>
       </p:sp>
@@ -3369,6 +8002,13 @@
   <p:clrMapOvr>
     <a:masterClrMapping/>
   </p:clrMapOvr>
+  <p:timing>
+    <p:tnLst>
+      <p:par>
+        <p:cTn id="1" dur="indefinite" restart="never" nodeType="tmRoot"/>
+      </p:par>
+    </p:tnLst>
+  </p:timing>
 </p:sld>
 </file>
 
@@ -3421,10 +8061,273 @@
   <p:clrMapOvr>
     <a:masterClrMapping/>
   </p:clrMapOvr>
+  <p:timing>
+    <p:tnLst>
+      <p:par>
+        <p:cTn id="1" dur="indefinite" restart="never" nodeType="tmRoot"/>
+      </p:par>
+    </p:tnLst>
+  </p:timing>
 </p:sld>
 </file>
 
 <file path=ppt/theme/theme1.xml><?xml version="1.0" encoding="utf-8"?>
+<a:theme xmlns:a="http://schemas.openxmlformats.org/drawingml/2006/main" name="Mesh">
+  <a:themeElements>
+    <a:clrScheme name="Mesh">
+      <a:dk1>
+        <a:sysClr val="windowText" lastClr="000000"/>
+      </a:dk1>
+      <a:lt1>
+        <a:sysClr val="window" lastClr="FFFFFF"/>
+      </a:lt1>
+      <a:dk2>
+        <a:srgbClr val="363D46"/>
+      </a:dk2>
+      <a:lt2>
+        <a:srgbClr val="EBEBEB"/>
+      </a:lt2>
+      <a:accent1>
+        <a:srgbClr val="6F6F6F"/>
+      </a:accent1>
+      <a:accent2>
+        <a:srgbClr val="BFBFA5"/>
+      </a:accent2>
+      <a:accent3>
+        <a:srgbClr val="DCD084"/>
+      </a:accent3>
+      <a:accent4>
+        <a:srgbClr val="E7BF5F"/>
+      </a:accent4>
+      <a:accent5>
+        <a:srgbClr val="E9A039"/>
+      </a:accent5>
+      <a:accent6>
+        <a:srgbClr val="CF7133"/>
+      </a:accent6>
+      <a:hlink>
+        <a:srgbClr val="F28943"/>
+      </a:hlink>
+      <a:folHlink>
+        <a:srgbClr val="F1B76C"/>
+      </a:folHlink>
+    </a:clrScheme>
+    <a:fontScheme name="Mesh">
+      <a:majorFont>
+        <a:latin typeface="Century Gothic" panose="020B0502020202020204"/>
+        <a:ea typeface=""/>
+        <a:cs typeface=""/>
+        <a:font script="Jpan" typeface="ＭＳ ゴシック"/>
+        <a:font script="Hang" typeface="맑은 고딕"/>
+        <a:font script="Hans" typeface="宋体"/>
+        <a:font script="Hant" typeface="新細明體"/>
+        <a:font script="Arab" typeface="Tahoma"/>
+        <a:font script="Hebr" typeface="Gisha"/>
+        <a:font script="Thai" typeface="DilleniaUPC"/>
+        <a:font script="Ethi" typeface="Nyala"/>
+        <a:font script="Beng" typeface="Vrinda"/>
+        <a:font script="Gujr" typeface="Shruti"/>
+        <a:font script="Khmr" typeface="DaunPenh"/>
+        <a:font script="Knda" typeface="Tunga"/>
+        <a:font script="Guru" typeface="Raavi"/>
+        <a:font script="Cans" typeface="Euphemia"/>
+        <a:font script="Cher" typeface="Plantagenet Cherokee"/>
+        <a:font script="Yiii" typeface="Microsoft Yi Baiti"/>
+        <a:font script="Tibt" typeface="Microsoft Himalaya"/>
+        <a:font script="Thaa" typeface="MV Boli"/>
+        <a:font script="Deva" typeface="Mangal"/>
+        <a:font script="Telu" typeface="Gautami"/>
+        <a:font script="Taml" typeface="Latha"/>
+        <a:font script="Syrc" typeface="Estrangelo Edessa"/>
+        <a:font script="Orya" typeface="Kalinga"/>
+        <a:font script="Mlym" typeface="Kartika"/>
+        <a:font script="Laoo" typeface="DokChampa"/>
+        <a:font script="Sinh" typeface="Iskoola Pota"/>
+        <a:font script="Mong" typeface="Mongolian Baiti"/>
+        <a:font script="Viet" typeface="Tahoma"/>
+        <a:font script="Uigh" typeface="Microsoft Uighur"/>
+        <a:font script="Geor" typeface="Sylfaen"/>
+      </a:majorFont>
+      <a:minorFont>
+        <a:latin typeface="Century Gothic" panose="020B0502020202020204"/>
+        <a:ea typeface=""/>
+        <a:cs typeface=""/>
+        <a:font script="Jpan" typeface="ＭＳ ゴシック"/>
+        <a:font script="Hang" typeface="맑은 고딕"/>
+        <a:font script="Hans" typeface="宋体"/>
+        <a:font script="Hant" typeface="新細明體"/>
+        <a:font script="Arab" typeface="Tahoma"/>
+        <a:font script="Hebr" typeface="Gisha"/>
+        <a:font script="Thai" typeface="DilleniaUPC"/>
+        <a:font script="Ethi" typeface="Nyala"/>
+        <a:font script="Beng" typeface="Vrinda"/>
+        <a:font script="Gujr" typeface="Shruti"/>
+        <a:font script="Khmr" typeface="DaunPenh"/>
+        <a:font script="Knda" typeface="Tunga"/>
+        <a:font script="Guru" typeface="Raavi"/>
+        <a:font script="Cans" typeface="Euphemia"/>
+        <a:font script="Cher" typeface="Plantagenet Cherokee"/>
+        <a:font script="Yiii" typeface="Microsoft Yi Baiti"/>
+        <a:font script="Tibt" typeface="Microsoft Himalaya"/>
+        <a:font script="Thaa" typeface="MV Boli"/>
+        <a:font script="Deva" typeface="Mangal"/>
+        <a:font script="Telu" typeface="Gautami"/>
+        <a:font script="Taml" typeface="Latha"/>
+        <a:font script="Syrc" typeface="Estrangelo Edessa"/>
+        <a:font script="Orya" typeface="Kalinga"/>
+        <a:font script="Mlym" typeface="Kartika"/>
+        <a:font script="Laoo" typeface="DokChampa"/>
+        <a:font script="Sinh" typeface="Iskoola Pota"/>
+        <a:font script="Mong" typeface="Mongolian Baiti"/>
+        <a:font script="Viet" typeface="Verdana"/>
+        <a:font script="Uigh" typeface="Microsoft Uighur"/>
+        <a:font script="Geor" typeface="Sylfaen"/>
+      </a:minorFont>
+    </a:fontScheme>
+    <a:fmtScheme name="Mesh">
+      <a:fillStyleLst>
+        <a:solidFill>
+          <a:schemeClr val="phClr"/>
+        </a:solidFill>
+        <a:gradFill rotWithShape="1">
+          <a:gsLst>
+            <a:gs pos="0">
+              <a:schemeClr val="phClr">
+                <a:tint val="60000"/>
+                <a:lumMod val="110000"/>
+              </a:schemeClr>
+            </a:gs>
+            <a:gs pos="100000">
+              <a:schemeClr val="phClr">
+                <a:tint val="82000"/>
+              </a:schemeClr>
+            </a:gs>
+          </a:gsLst>
+          <a:lin ang="5400000" scaled="0"/>
+        </a:gradFill>
+        <a:gradFill rotWithShape="1">
+          <a:gsLst>
+            <a:gs pos="0">
+              <a:schemeClr val="phClr">
+                <a:tint val="96000"/>
+                <a:lumMod val="104000"/>
+              </a:schemeClr>
+            </a:gs>
+            <a:gs pos="100000">
+              <a:schemeClr val="phClr">
+                <a:shade val="84000"/>
+                <a:lumMod val="84000"/>
+              </a:schemeClr>
+            </a:gs>
+          </a:gsLst>
+          <a:lin ang="5400000" scaled="0"/>
+        </a:gradFill>
+      </a:fillStyleLst>
+      <a:lnStyleLst>
+        <a:ln w="9525" cap="rnd" cmpd="sng" algn="ctr">
+          <a:solidFill>
+            <a:schemeClr val="phClr"/>
+          </a:solidFill>
+          <a:prstDash val="solid"/>
+        </a:ln>
+        <a:ln w="19050" cap="rnd" cmpd="sng" algn="ctr">
+          <a:solidFill>
+            <a:schemeClr val="phClr"/>
+          </a:solidFill>
+          <a:prstDash val="solid"/>
+        </a:ln>
+        <a:ln w="25400" cap="rnd" cmpd="sng" algn="ctr">
+          <a:solidFill>
+            <a:schemeClr val="phClr"/>
+          </a:solidFill>
+          <a:prstDash val="solid"/>
+        </a:ln>
+      </a:lnStyleLst>
+      <a:effectStyleLst>
+        <a:effectStyle>
+          <a:effectLst/>
+        </a:effectStyle>
+        <a:effectStyle>
+          <a:effectLst>
+            <a:innerShdw blurRad="50800" dist="25400" dir="13500000">
+              <a:srgbClr val="000000">
+                <a:alpha val="55000"/>
+              </a:srgbClr>
+            </a:innerShdw>
+          </a:effectLst>
+        </a:effectStyle>
+        <a:effectStyle>
+          <a:effectLst>
+            <a:outerShdw blurRad="50800" dist="38100" dir="5400000" rotWithShape="0">
+              <a:srgbClr val="000000">
+                <a:alpha val="60000"/>
+              </a:srgbClr>
+            </a:outerShdw>
+          </a:effectLst>
+          <a:scene3d>
+            <a:camera prst="orthographicFront">
+              <a:rot lat="0" lon="0" rev="0"/>
+            </a:camera>
+            <a:lightRig rig="threePt" dir="tl"/>
+          </a:scene3d>
+          <a:sp3d>
+            <a:bevelT w="25400" h="25400" prst="slope"/>
+          </a:sp3d>
+        </a:effectStyle>
+      </a:effectStyleLst>
+      <a:bgFillStyleLst>
+        <a:solidFill>
+          <a:schemeClr val="phClr"/>
+        </a:solidFill>
+        <a:gradFill rotWithShape="1">
+          <a:gsLst>
+            <a:gs pos="0">
+              <a:schemeClr val="phClr">
+                <a:tint val="90000"/>
+                <a:lumMod val="110000"/>
+              </a:schemeClr>
+            </a:gs>
+            <a:gs pos="100000">
+              <a:schemeClr val="phClr">
+                <a:shade val="64000"/>
+                <a:lumMod val="98000"/>
+              </a:schemeClr>
+            </a:gs>
+          </a:gsLst>
+          <a:lin ang="5400000" scaled="0"/>
+        </a:gradFill>
+        <a:blipFill rotWithShape="1">
+          <a:blip xmlns:r="http://schemas.openxmlformats.org/officeDocument/2006/relationships" r:embed="rId1">
+            <a:duotone>
+              <a:schemeClr val="phClr">
+                <a:shade val="28000"/>
+                <a:satMod val="94000"/>
+                <a:lumMod val="20000"/>
+              </a:schemeClr>
+              <a:schemeClr val="phClr">
+                <a:tint val="94000"/>
+                <a:shade val="84000"/>
+                <a:satMod val="148000"/>
+                <a:lumMod val="114000"/>
+              </a:schemeClr>
+            </a:duotone>
+          </a:blip>
+          <a:stretch/>
+        </a:blipFill>
+      </a:bgFillStyleLst>
+    </a:fmtScheme>
+  </a:themeElements>
+  <a:objectDefaults/>
+  <a:extraClrSchemeLst/>
+  <a:extLst>
+    <a:ext uri="{05A4C25C-085E-4340-85A3-A5531E510DB2}">
+      <thm15:themeFamily xmlns:thm15="http://schemas.microsoft.com/office/thememl/2012/main" name="Mesh" id="{789EC3FE-34FD-429C-9918-760025E6C145}" vid="{B8BE45C0-8141-4D58-8C71-A009BC26FBBB}"/>
+    </a:ext>
+  </a:extLst>
+</a:theme>
+</file>
+
+<file path=ppt/theme/theme2.xml><?xml version="1.0" encoding="utf-8"?>
 <a:theme xmlns:a="http://schemas.openxmlformats.org/drawingml/2006/main" name="Office Theme">
   <a:themeElements>
     <a:clrScheme name="Office">
@@ -3441,7 +8344,7 @@
         <a:srgbClr val="E7E6E6"/>
       </a:lt2>
       <a:accent1>
-        <a:srgbClr val="4472C4"/>
+        <a:srgbClr val="5B9BD5"/>
       </a:accent1>
       <a:accent2>
         <a:srgbClr val="ED7D31"/>
@@ -3453,7 +8356,7 @@
         <a:srgbClr val="FFC000"/>
       </a:accent4>
       <a:accent5>
-        <a:srgbClr val="5B9BD5"/>
+        <a:srgbClr val="4472C4"/>
       </a:accent5>
       <a:accent6>
         <a:srgbClr val="70AD47"/>
@@ -3500,23 +8403,6 @@
         <a:font script="Viet" typeface="Times New Roman"/>
         <a:font script="Uigh" typeface="Microsoft Uighur"/>
         <a:font script="Geor" typeface="Sylfaen"/>
-        <a:font script="Armn" typeface="Arial"/>
-        <a:font script="Bugi" typeface="Leelawadee UI"/>
-        <a:font script="Bopo" typeface="Microsoft JhengHei"/>
-        <a:font script="Java" typeface="Javanese Text"/>
-        <a:font script="Lisu" typeface="Segoe UI"/>
-        <a:font script="Mymr" typeface="Myanmar Text"/>
-        <a:font script="Nkoo" typeface="Ebrima"/>
-        <a:font script="Olck" typeface="Nirmala UI"/>
-        <a:font script="Osma" typeface="Ebrima"/>
-        <a:font script="Phag" typeface="Phagspa"/>
-        <a:font script="Syrn" typeface="Estrangelo Edessa"/>
-        <a:font script="Syrj" typeface="Estrangelo Edessa"/>
-        <a:font script="Syre" typeface="Estrangelo Edessa"/>
-        <a:font script="Sora" typeface="Nirmala UI"/>
-        <a:font script="Tale" typeface="Microsoft Tai Le"/>
-        <a:font script="Talu" typeface="Microsoft New Tai Lue"/>
-        <a:font script="Tfng" typeface="Ebrima"/>
       </a:majorFont>
       <a:minorFont>
         <a:latin typeface="Calibri" panose="020F0502020204030204"/>
@@ -3552,23 +8438,6 @@
         <a:font script="Viet" typeface="Arial"/>
         <a:font script="Uigh" typeface="Microsoft Uighur"/>
         <a:font script="Geor" typeface="Sylfaen"/>
-        <a:font script="Armn" typeface="Arial"/>
-        <a:font script="Bugi" typeface="Leelawadee UI"/>
-        <a:font script="Bopo" typeface="Microsoft JhengHei"/>
-        <a:font script="Java" typeface="Javanese Text"/>
-        <a:font script="Lisu" typeface="Segoe UI"/>
-        <a:font script="Mymr" typeface="Myanmar Text"/>
-        <a:font script="Nkoo" typeface="Ebrima"/>
-        <a:font script="Olck" typeface="Nirmala UI"/>
-        <a:font script="Osma" typeface="Ebrima"/>
-        <a:font script="Phag" typeface="Phagspa"/>
-        <a:font script="Syrn" typeface="Estrangelo Edessa"/>
-        <a:font script="Syrj" typeface="Estrangelo Edessa"/>
-        <a:font script="Syre" typeface="Estrangelo Edessa"/>
-        <a:font script="Sora" typeface="Nirmala UI"/>
-        <a:font script="Tale" typeface="Microsoft Tai Le"/>
-        <a:font script="Talu" typeface="Microsoft New Tai Lue"/>
-        <a:font script="Tfng" typeface="Ebrima"/>
       </a:minorFont>
     </a:fontScheme>
     <a:fmtScheme name="Office">

--- a/presentation/Presentation.pptx
+++ b/presentation/Presentation.pptx
@@ -2,8 +2,11 @@
 <file path=ppt/presentation.xml><?xml version="1.0" encoding="utf-8"?>
 <p:presentation xmlns:a="http://schemas.openxmlformats.org/drawingml/2006/main" xmlns:r="http://schemas.openxmlformats.org/officeDocument/2006/relationships" xmlns:p="http://schemas.openxmlformats.org/presentationml/2006/main" saveSubsetFonts="1">
   <p:sldMasterIdLst>
-    <p:sldMasterId id="2147483648" r:id="rId1"/>
+    <p:sldMasterId id="2147483660" r:id="rId1"/>
   </p:sldMasterIdLst>
+  <p:notesMasterIdLst>
+    <p:notesMasterId r:id="rId9"/>
+  </p:notesMasterIdLst>
   <p:sldIdLst>
     <p:sldId id="256" r:id="rId2"/>
     <p:sldId id="257" r:id="rId3"/>
@@ -19,7 +22,7 @@
     <a:defPPr>
       <a:defRPr lang="en-US"/>
     </a:defPPr>
-    <a:lvl1pPr marL="0" algn="l" defTabSz="914400" rtl="0" eaLnBrk="1" latinLnBrk="0" hangingPunct="1">
+    <a:lvl1pPr marL="0" algn="l" defTabSz="457200" rtl="0" eaLnBrk="1" latinLnBrk="0" hangingPunct="1">
       <a:defRPr sz="1800" kern="1200">
         <a:solidFill>
           <a:schemeClr val="tx1"/>
@@ -29,7 +32,7 @@
         <a:cs typeface="+mn-cs"/>
       </a:defRPr>
     </a:lvl1pPr>
-    <a:lvl2pPr marL="457200" algn="l" defTabSz="914400" rtl="0" eaLnBrk="1" latinLnBrk="0" hangingPunct="1">
+    <a:lvl2pPr marL="457200" algn="l" defTabSz="457200" rtl="0" eaLnBrk="1" latinLnBrk="0" hangingPunct="1">
       <a:defRPr sz="1800" kern="1200">
         <a:solidFill>
           <a:schemeClr val="tx1"/>
@@ -39,7 +42,7 @@
         <a:cs typeface="+mn-cs"/>
       </a:defRPr>
     </a:lvl2pPr>
-    <a:lvl3pPr marL="914400" algn="l" defTabSz="914400" rtl="0" eaLnBrk="1" latinLnBrk="0" hangingPunct="1">
+    <a:lvl3pPr marL="914400" algn="l" defTabSz="457200" rtl="0" eaLnBrk="1" latinLnBrk="0" hangingPunct="1">
       <a:defRPr sz="1800" kern="1200">
         <a:solidFill>
           <a:schemeClr val="tx1"/>
@@ -49,7 +52,7 @@
         <a:cs typeface="+mn-cs"/>
       </a:defRPr>
     </a:lvl3pPr>
-    <a:lvl4pPr marL="1371600" algn="l" defTabSz="914400" rtl="0" eaLnBrk="1" latinLnBrk="0" hangingPunct="1">
+    <a:lvl4pPr marL="1371600" algn="l" defTabSz="457200" rtl="0" eaLnBrk="1" latinLnBrk="0" hangingPunct="1">
       <a:defRPr sz="1800" kern="1200">
         <a:solidFill>
           <a:schemeClr val="tx1"/>
@@ -59,7 +62,7 @@
         <a:cs typeface="+mn-cs"/>
       </a:defRPr>
     </a:lvl4pPr>
-    <a:lvl5pPr marL="1828800" algn="l" defTabSz="914400" rtl="0" eaLnBrk="1" latinLnBrk="0" hangingPunct="1">
+    <a:lvl5pPr marL="1828800" algn="l" defTabSz="457200" rtl="0" eaLnBrk="1" latinLnBrk="0" hangingPunct="1">
       <a:defRPr sz="1800" kern="1200">
         <a:solidFill>
           <a:schemeClr val="tx1"/>
@@ -69,7 +72,7 @@
         <a:cs typeface="+mn-cs"/>
       </a:defRPr>
     </a:lvl5pPr>
-    <a:lvl6pPr marL="2286000" algn="l" defTabSz="914400" rtl="0" eaLnBrk="1" latinLnBrk="0" hangingPunct="1">
+    <a:lvl6pPr marL="2286000" algn="l" defTabSz="457200" rtl="0" eaLnBrk="1" latinLnBrk="0" hangingPunct="1">
       <a:defRPr sz="1800" kern="1200">
         <a:solidFill>
           <a:schemeClr val="tx1"/>
@@ -79,7 +82,7 @@
         <a:cs typeface="+mn-cs"/>
       </a:defRPr>
     </a:lvl6pPr>
-    <a:lvl7pPr marL="2743200" algn="l" defTabSz="914400" rtl="0" eaLnBrk="1" latinLnBrk="0" hangingPunct="1">
+    <a:lvl7pPr marL="2743200" algn="l" defTabSz="457200" rtl="0" eaLnBrk="1" latinLnBrk="0" hangingPunct="1">
       <a:defRPr sz="1800" kern="1200">
         <a:solidFill>
           <a:schemeClr val="tx1"/>
@@ -89,7 +92,7 @@
         <a:cs typeface="+mn-cs"/>
       </a:defRPr>
     </a:lvl7pPr>
-    <a:lvl8pPr marL="3200400" algn="l" defTabSz="914400" rtl="0" eaLnBrk="1" latinLnBrk="0" hangingPunct="1">
+    <a:lvl8pPr marL="3200400" algn="l" defTabSz="457200" rtl="0" eaLnBrk="1" latinLnBrk="0" hangingPunct="1">
       <a:defRPr sz="1800" kern="1200">
         <a:solidFill>
           <a:schemeClr val="tx1"/>
@@ -99,7 +102,7 @@
         <a:cs typeface="+mn-cs"/>
       </a:defRPr>
     </a:lvl8pPr>
-    <a:lvl9pPr marL="3657600" algn="l" defTabSz="914400" rtl="0" eaLnBrk="1" latinLnBrk="0" hangingPunct="1">
+    <a:lvl9pPr marL="3657600" algn="l" defTabSz="457200" rtl="0" eaLnBrk="1" latinLnBrk="0" hangingPunct="1">
       <a:defRPr sz="1800" kern="1200">
         <a:solidFill>
           <a:schemeClr val="tx1"/>
@@ -110,7 +113,1126 @@
       </a:defRPr>
     </a:lvl9pPr>
   </p:defaultTextStyle>
+  <p:extLst>
+    <p:ext uri="{EFAFB233-063F-42B5-8137-9DF3F51BA10A}">
+      <p15:sldGuideLst xmlns:p15="http://schemas.microsoft.com/office/powerpoint/2012/main"/>
+    </p:ext>
+  </p:extLst>
 </p:presentation>
+</file>
+
+<file path=ppt/notesMasters/notesMaster1.xml><?xml version="1.0" encoding="utf-8"?>
+<p:notesMaster xmlns:a="http://schemas.openxmlformats.org/drawingml/2006/main" xmlns:r="http://schemas.openxmlformats.org/officeDocument/2006/relationships" xmlns:p="http://schemas.openxmlformats.org/presentationml/2006/main">
+  <p:cSld>
+    <p:bg>
+      <p:bgRef idx="1001">
+        <a:schemeClr val="bg1"/>
+      </p:bgRef>
+    </p:bg>
+    <p:spTree>
+      <p:nvGrpSpPr>
+        <p:cNvPr id="1" name=""/>
+        <p:cNvGrpSpPr/>
+        <p:nvPr/>
+      </p:nvGrpSpPr>
+      <p:grpSpPr>
+        <a:xfrm>
+          <a:off x="0" y="0"/>
+          <a:ext cx="0" cy="0"/>
+          <a:chOff x="0" y="0"/>
+          <a:chExt cx="0" cy="0"/>
+        </a:xfrm>
+      </p:grpSpPr>
+      <p:sp>
+        <p:nvSpPr>
+          <p:cNvPr id="2" name="Header Placeholder 1"/>
+          <p:cNvSpPr>
+            <a:spLocks noGrp="1"/>
+          </p:cNvSpPr>
+          <p:nvPr>
+            <p:ph type="hdr" sz="quarter"/>
+          </p:nvPr>
+        </p:nvSpPr>
+        <p:spPr>
+          <a:xfrm>
+            <a:off x="0" y="0"/>
+            <a:ext cx="2971800" cy="458788"/>
+          </a:xfrm>
+          <a:prstGeom prst="rect">
+            <a:avLst/>
+          </a:prstGeom>
+        </p:spPr>
+        <p:txBody>
+          <a:bodyPr vert="horz" lIns="91440" tIns="45720" rIns="91440" bIns="45720" rtlCol="0"/>
+          <a:lstStyle>
+            <a:lvl1pPr algn="l">
+              <a:defRPr sz="1200"/>
+            </a:lvl1pPr>
+          </a:lstStyle>
+          <a:p>
+            <a:endParaRPr lang="en-GB"/>
+          </a:p>
+        </p:txBody>
+      </p:sp>
+      <p:sp>
+        <p:nvSpPr>
+          <p:cNvPr id="3" name="Date Placeholder 2"/>
+          <p:cNvSpPr>
+            <a:spLocks noGrp="1"/>
+          </p:cNvSpPr>
+          <p:nvPr>
+            <p:ph type="dt" idx="1"/>
+          </p:nvPr>
+        </p:nvSpPr>
+        <p:spPr>
+          <a:xfrm>
+            <a:off x="3884613" y="0"/>
+            <a:ext cx="2971800" cy="458788"/>
+          </a:xfrm>
+          <a:prstGeom prst="rect">
+            <a:avLst/>
+          </a:prstGeom>
+        </p:spPr>
+        <p:txBody>
+          <a:bodyPr vert="horz" lIns="91440" tIns="45720" rIns="91440" bIns="45720" rtlCol="0"/>
+          <a:lstStyle>
+            <a:lvl1pPr algn="r">
+              <a:defRPr sz="1200"/>
+            </a:lvl1pPr>
+          </a:lstStyle>
+          <a:p>
+            <a:fld id="{8ABB0A2C-8C74-4D5F-8976-A1CA3D252C7B}" type="datetimeFigureOut">
+              <a:rPr lang="en-GB" smtClean="0"/>
+              <a:t>24/02/2017</a:t>
+            </a:fld>
+            <a:endParaRPr lang="en-GB"/>
+          </a:p>
+        </p:txBody>
+      </p:sp>
+      <p:sp>
+        <p:nvSpPr>
+          <p:cNvPr id="4" name="Slide Image Placeholder 3"/>
+          <p:cNvSpPr>
+            <a:spLocks noGrp="1" noRot="1" noChangeAspect="1"/>
+          </p:cNvSpPr>
+          <p:nvPr>
+            <p:ph type="sldImg" idx="2"/>
+          </p:nvPr>
+        </p:nvSpPr>
+        <p:spPr>
+          <a:xfrm>
+            <a:off x="685800" y="1143000"/>
+            <a:ext cx="5486400" cy="3086100"/>
+          </a:xfrm>
+          <a:prstGeom prst="rect">
+            <a:avLst/>
+          </a:prstGeom>
+          <a:noFill/>
+          <a:ln w="12700">
+            <a:solidFill>
+              <a:prstClr val="black"/>
+            </a:solidFill>
+          </a:ln>
+        </p:spPr>
+        <p:txBody>
+          <a:bodyPr vert="horz" lIns="91440" tIns="45720" rIns="91440" bIns="45720" rtlCol="0" anchor="ctr"/>
+          <a:lstStyle/>
+          <a:p>
+            <a:endParaRPr lang="en-GB"/>
+          </a:p>
+        </p:txBody>
+      </p:sp>
+      <p:sp>
+        <p:nvSpPr>
+          <p:cNvPr id="5" name="Notes Placeholder 4"/>
+          <p:cNvSpPr>
+            <a:spLocks noGrp="1"/>
+          </p:cNvSpPr>
+          <p:nvPr>
+            <p:ph type="body" sz="quarter" idx="3"/>
+          </p:nvPr>
+        </p:nvSpPr>
+        <p:spPr>
+          <a:xfrm>
+            <a:off x="685800" y="4400550"/>
+            <a:ext cx="5486400" cy="3600450"/>
+          </a:xfrm>
+          <a:prstGeom prst="rect">
+            <a:avLst/>
+          </a:prstGeom>
+        </p:spPr>
+        <p:txBody>
+          <a:bodyPr vert="horz" lIns="91440" tIns="45720" rIns="91440" bIns="45720" rtlCol="0"/>
+          <a:lstStyle/>
+          <a:p>
+            <a:pPr lvl="0"/>
+            <a:r>
+              <a:rPr lang="en-US" smtClean="0"/>
+              <a:t>Edit Master text styles</a:t>
+            </a:r>
+          </a:p>
+          <a:p>
+            <a:pPr lvl="1"/>
+            <a:r>
+              <a:rPr lang="en-US" smtClean="0"/>
+              <a:t>Second level</a:t>
+            </a:r>
+          </a:p>
+          <a:p>
+            <a:pPr lvl="2"/>
+            <a:r>
+              <a:rPr lang="en-US" smtClean="0"/>
+              <a:t>Third level</a:t>
+            </a:r>
+          </a:p>
+          <a:p>
+            <a:pPr lvl="3"/>
+            <a:r>
+              <a:rPr lang="en-US" smtClean="0"/>
+              <a:t>Fourth level</a:t>
+            </a:r>
+          </a:p>
+          <a:p>
+            <a:pPr lvl="4"/>
+            <a:r>
+              <a:rPr lang="en-US" smtClean="0"/>
+              <a:t>Fifth level</a:t>
+            </a:r>
+            <a:endParaRPr lang="en-GB"/>
+          </a:p>
+        </p:txBody>
+      </p:sp>
+      <p:sp>
+        <p:nvSpPr>
+          <p:cNvPr id="6" name="Footer Placeholder 5"/>
+          <p:cNvSpPr>
+            <a:spLocks noGrp="1"/>
+          </p:cNvSpPr>
+          <p:nvPr>
+            <p:ph type="ftr" sz="quarter" idx="4"/>
+          </p:nvPr>
+        </p:nvSpPr>
+        <p:spPr>
+          <a:xfrm>
+            <a:off x="0" y="8685213"/>
+            <a:ext cx="2971800" cy="458787"/>
+          </a:xfrm>
+          <a:prstGeom prst="rect">
+            <a:avLst/>
+          </a:prstGeom>
+        </p:spPr>
+        <p:txBody>
+          <a:bodyPr vert="horz" lIns="91440" tIns="45720" rIns="91440" bIns="45720" rtlCol="0" anchor="b"/>
+          <a:lstStyle>
+            <a:lvl1pPr algn="l">
+              <a:defRPr sz="1200"/>
+            </a:lvl1pPr>
+          </a:lstStyle>
+          <a:p>
+            <a:endParaRPr lang="en-GB"/>
+          </a:p>
+        </p:txBody>
+      </p:sp>
+      <p:sp>
+        <p:nvSpPr>
+          <p:cNvPr id="7" name="Slide Number Placeholder 6"/>
+          <p:cNvSpPr>
+            <a:spLocks noGrp="1"/>
+          </p:cNvSpPr>
+          <p:nvPr>
+            <p:ph type="sldNum" sz="quarter" idx="5"/>
+          </p:nvPr>
+        </p:nvSpPr>
+        <p:spPr>
+          <a:xfrm>
+            <a:off x="3884613" y="8685213"/>
+            <a:ext cx="2971800" cy="458787"/>
+          </a:xfrm>
+          <a:prstGeom prst="rect">
+            <a:avLst/>
+          </a:prstGeom>
+        </p:spPr>
+        <p:txBody>
+          <a:bodyPr vert="horz" lIns="91440" tIns="45720" rIns="91440" bIns="45720" rtlCol="0" anchor="b"/>
+          <a:lstStyle>
+            <a:lvl1pPr algn="r">
+              <a:defRPr sz="1200"/>
+            </a:lvl1pPr>
+          </a:lstStyle>
+          <a:p>
+            <a:fld id="{CC65F549-3F42-4EE2-BD51-AE44E63D767A}" type="slidenum">
+              <a:rPr lang="en-GB" smtClean="0"/>
+              <a:t>‹#›</a:t>
+            </a:fld>
+            <a:endParaRPr lang="en-GB"/>
+          </a:p>
+        </p:txBody>
+      </p:sp>
+    </p:spTree>
+    <p:extLst>
+      <p:ext uri="{BB962C8B-B14F-4D97-AF65-F5344CB8AC3E}">
+        <p14:creationId xmlns:p14="http://schemas.microsoft.com/office/powerpoint/2010/main" val="2654049067"/>
+      </p:ext>
+    </p:extLst>
+  </p:cSld>
+  <p:clrMap bg1="lt1" tx1="dk1" bg2="lt2" tx2="dk2" accent1="accent1" accent2="accent2" accent3="accent3" accent4="accent4" accent5="accent5" accent6="accent6" hlink="hlink" folHlink="folHlink"/>
+  <p:notesStyle>
+    <a:lvl1pPr marL="0" algn="l" defTabSz="914400" rtl="0" eaLnBrk="1" latinLnBrk="0" hangingPunct="1">
+      <a:defRPr sz="1200" kern="1200">
+        <a:solidFill>
+          <a:schemeClr val="tx1"/>
+        </a:solidFill>
+        <a:latin typeface="+mn-lt"/>
+        <a:ea typeface="+mn-ea"/>
+        <a:cs typeface="+mn-cs"/>
+      </a:defRPr>
+    </a:lvl1pPr>
+    <a:lvl2pPr marL="457200" algn="l" defTabSz="914400" rtl="0" eaLnBrk="1" latinLnBrk="0" hangingPunct="1">
+      <a:defRPr sz="1200" kern="1200">
+        <a:solidFill>
+          <a:schemeClr val="tx1"/>
+        </a:solidFill>
+        <a:latin typeface="+mn-lt"/>
+        <a:ea typeface="+mn-ea"/>
+        <a:cs typeface="+mn-cs"/>
+      </a:defRPr>
+    </a:lvl2pPr>
+    <a:lvl3pPr marL="914400" algn="l" defTabSz="914400" rtl="0" eaLnBrk="1" latinLnBrk="0" hangingPunct="1">
+      <a:defRPr sz="1200" kern="1200">
+        <a:solidFill>
+          <a:schemeClr val="tx1"/>
+        </a:solidFill>
+        <a:latin typeface="+mn-lt"/>
+        <a:ea typeface="+mn-ea"/>
+        <a:cs typeface="+mn-cs"/>
+      </a:defRPr>
+    </a:lvl3pPr>
+    <a:lvl4pPr marL="1371600" algn="l" defTabSz="914400" rtl="0" eaLnBrk="1" latinLnBrk="0" hangingPunct="1">
+      <a:defRPr sz="1200" kern="1200">
+        <a:solidFill>
+          <a:schemeClr val="tx1"/>
+        </a:solidFill>
+        <a:latin typeface="+mn-lt"/>
+        <a:ea typeface="+mn-ea"/>
+        <a:cs typeface="+mn-cs"/>
+      </a:defRPr>
+    </a:lvl4pPr>
+    <a:lvl5pPr marL="1828800" algn="l" defTabSz="914400" rtl="0" eaLnBrk="1" latinLnBrk="0" hangingPunct="1">
+      <a:defRPr sz="1200" kern="1200">
+        <a:solidFill>
+          <a:schemeClr val="tx1"/>
+        </a:solidFill>
+        <a:latin typeface="+mn-lt"/>
+        <a:ea typeface="+mn-ea"/>
+        <a:cs typeface="+mn-cs"/>
+      </a:defRPr>
+    </a:lvl5pPr>
+    <a:lvl6pPr marL="2286000" algn="l" defTabSz="914400" rtl="0" eaLnBrk="1" latinLnBrk="0" hangingPunct="1">
+      <a:defRPr sz="1200" kern="1200">
+        <a:solidFill>
+          <a:schemeClr val="tx1"/>
+        </a:solidFill>
+        <a:latin typeface="+mn-lt"/>
+        <a:ea typeface="+mn-ea"/>
+        <a:cs typeface="+mn-cs"/>
+      </a:defRPr>
+    </a:lvl6pPr>
+    <a:lvl7pPr marL="2743200" algn="l" defTabSz="914400" rtl="0" eaLnBrk="1" latinLnBrk="0" hangingPunct="1">
+      <a:defRPr sz="1200" kern="1200">
+        <a:solidFill>
+          <a:schemeClr val="tx1"/>
+        </a:solidFill>
+        <a:latin typeface="+mn-lt"/>
+        <a:ea typeface="+mn-ea"/>
+        <a:cs typeface="+mn-cs"/>
+      </a:defRPr>
+    </a:lvl7pPr>
+    <a:lvl8pPr marL="3200400" algn="l" defTabSz="914400" rtl="0" eaLnBrk="1" latinLnBrk="0" hangingPunct="1">
+      <a:defRPr sz="1200" kern="1200">
+        <a:solidFill>
+          <a:schemeClr val="tx1"/>
+        </a:solidFill>
+        <a:latin typeface="+mn-lt"/>
+        <a:ea typeface="+mn-ea"/>
+        <a:cs typeface="+mn-cs"/>
+      </a:defRPr>
+    </a:lvl8pPr>
+    <a:lvl9pPr marL="3657600" algn="l" defTabSz="914400" rtl="0" eaLnBrk="1" latinLnBrk="0" hangingPunct="1">
+      <a:defRPr sz="1200" kern="1200">
+        <a:solidFill>
+          <a:schemeClr val="tx1"/>
+        </a:solidFill>
+        <a:latin typeface="+mn-lt"/>
+        <a:ea typeface="+mn-ea"/>
+        <a:cs typeface="+mn-cs"/>
+      </a:defRPr>
+    </a:lvl9pPr>
+  </p:notesStyle>
+</p:notesMaster>
+</file>
+
+<file path=ppt/notesSlides/notesSlide1.xml><?xml version="1.0" encoding="utf-8"?>
+<p:notes xmlns:a="http://schemas.openxmlformats.org/drawingml/2006/main" xmlns:r="http://schemas.openxmlformats.org/officeDocument/2006/relationships" xmlns:p="http://schemas.openxmlformats.org/presentationml/2006/main">
+  <p:cSld>
+    <p:spTree>
+      <p:nvGrpSpPr>
+        <p:cNvPr id="1" name=""/>
+        <p:cNvGrpSpPr/>
+        <p:nvPr/>
+      </p:nvGrpSpPr>
+      <p:grpSpPr>
+        <a:xfrm>
+          <a:off x="0" y="0"/>
+          <a:ext cx="0" cy="0"/>
+          <a:chOff x="0" y="0"/>
+          <a:chExt cx="0" cy="0"/>
+        </a:xfrm>
+      </p:grpSpPr>
+      <p:sp>
+        <p:nvSpPr>
+          <p:cNvPr id="2" name="Slide Image Placeholder 1"/>
+          <p:cNvSpPr>
+            <a:spLocks noGrp="1" noRot="1" noChangeAspect="1"/>
+          </p:cNvSpPr>
+          <p:nvPr>
+            <p:ph type="sldImg"/>
+          </p:nvPr>
+        </p:nvSpPr>
+        <p:spPr/>
+      </p:sp>
+      <p:sp>
+        <p:nvSpPr>
+          <p:cNvPr id="3" name="Notes Placeholder 2"/>
+          <p:cNvSpPr>
+            <a:spLocks noGrp="1"/>
+          </p:cNvSpPr>
+          <p:nvPr>
+            <p:ph type="body" idx="1"/>
+          </p:nvPr>
+        </p:nvSpPr>
+        <p:spPr/>
+        <p:txBody>
+          <a:bodyPr/>
+          <a:lstStyle/>
+          <a:p>
+            <a:r>
+              <a:rPr lang="en-GB" dirty="0" smtClean="0"/>
+              <a:t>BOTH.</a:t>
+            </a:r>
+            <a:r>
+              <a:rPr lang="en-GB" baseline="0" dirty="0" smtClean="0"/>
+              <a:t> Welcome screen, introducing ourselves and the name of our game!</a:t>
+            </a:r>
+            <a:endParaRPr lang="en-GB" dirty="0"/>
+          </a:p>
+        </p:txBody>
+      </p:sp>
+      <p:sp>
+        <p:nvSpPr>
+          <p:cNvPr id="4" name="Slide Number Placeholder 3"/>
+          <p:cNvSpPr>
+            <a:spLocks noGrp="1"/>
+          </p:cNvSpPr>
+          <p:nvPr>
+            <p:ph type="sldNum" sz="quarter" idx="10"/>
+          </p:nvPr>
+        </p:nvSpPr>
+        <p:spPr/>
+        <p:txBody>
+          <a:bodyPr/>
+          <a:lstStyle/>
+          <a:p>
+            <a:fld id="{CC65F549-3F42-4EE2-BD51-AE44E63D767A}" type="slidenum">
+              <a:rPr lang="en-GB" smtClean="0"/>
+              <a:t>1</a:t>
+            </a:fld>
+            <a:endParaRPr lang="en-GB"/>
+          </a:p>
+        </p:txBody>
+      </p:sp>
+    </p:spTree>
+    <p:extLst>
+      <p:ext uri="{BB962C8B-B14F-4D97-AF65-F5344CB8AC3E}">
+        <p14:creationId xmlns:p14="http://schemas.microsoft.com/office/powerpoint/2010/main" val="2459265859"/>
+      </p:ext>
+    </p:extLst>
+  </p:cSld>
+  <p:clrMapOvr>
+    <a:masterClrMapping/>
+  </p:clrMapOvr>
+</p:notes>
+</file>
+
+<file path=ppt/notesSlides/notesSlide2.xml><?xml version="1.0" encoding="utf-8"?>
+<p:notes xmlns:a="http://schemas.openxmlformats.org/drawingml/2006/main" xmlns:r="http://schemas.openxmlformats.org/officeDocument/2006/relationships" xmlns:p="http://schemas.openxmlformats.org/presentationml/2006/main">
+  <p:cSld>
+    <p:spTree>
+      <p:nvGrpSpPr>
+        <p:cNvPr id="1" name=""/>
+        <p:cNvGrpSpPr/>
+        <p:nvPr/>
+      </p:nvGrpSpPr>
+      <p:grpSpPr>
+        <a:xfrm>
+          <a:off x="0" y="0"/>
+          <a:ext cx="0" cy="0"/>
+          <a:chOff x="0" y="0"/>
+          <a:chExt cx="0" cy="0"/>
+        </a:xfrm>
+      </p:grpSpPr>
+      <p:sp>
+        <p:nvSpPr>
+          <p:cNvPr id="2" name="Slide Image Placeholder 1"/>
+          <p:cNvSpPr>
+            <a:spLocks noGrp="1" noRot="1" noChangeAspect="1"/>
+          </p:cNvSpPr>
+          <p:nvPr>
+            <p:ph type="sldImg"/>
+          </p:nvPr>
+        </p:nvSpPr>
+        <p:spPr/>
+      </p:sp>
+      <p:sp>
+        <p:nvSpPr>
+          <p:cNvPr id="3" name="Notes Placeholder 2"/>
+          <p:cNvSpPr>
+            <a:spLocks noGrp="1"/>
+          </p:cNvSpPr>
+          <p:nvPr>
+            <p:ph type="body" idx="1"/>
+          </p:nvPr>
+        </p:nvSpPr>
+        <p:spPr/>
+        <p:txBody>
+          <a:bodyPr/>
+          <a:lstStyle/>
+          <a:p>
+            <a:r>
+              <a:rPr lang="en-GB" dirty="0" smtClean="0"/>
+              <a:t>JOSH. Talk more about the game itself,</a:t>
+            </a:r>
+            <a:r>
+              <a:rPr lang="en-GB" baseline="0" dirty="0" smtClean="0"/>
+              <a:t> such as it’s aim and end goal. </a:t>
+            </a:r>
+          </a:p>
+          <a:p>
+            <a:endParaRPr lang="en-GB" baseline="0" dirty="0" smtClean="0"/>
+          </a:p>
+          <a:p>
+            <a:r>
+              <a:rPr lang="en-GB" baseline="0" dirty="0" smtClean="0"/>
+              <a:t>Don’t discuss actual gameplay, as this will be discussed on the following slide.</a:t>
+            </a:r>
+            <a:endParaRPr lang="en-GB" dirty="0"/>
+          </a:p>
+        </p:txBody>
+      </p:sp>
+      <p:sp>
+        <p:nvSpPr>
+          <p:cNvPr id="4" name="Slide Number Placeholder 3"/>
+          <p:cNvSpPr>
+            <a:spLocks noGrp="1"/>
+          </p:cNvSpPr>
+          <p:nvPr>
+            <p:ph type="sldNum" sz="quarter" idx="10"/>
+          </p:nvPr>
+        </p:nvSpPr>
+        <p:spPr/>
+        <p:txBody>
+          <a:bodyPr/>
+          <a:lstStyle/>
+          <a:p>
+            <a:fld id="{CC65F549-3F42-4EE2-BD51-AE44E63D767A}" type="slidenum">
+              <a:rPr lang="en-GB" smtClean="0"/>
+              <a:t>2</a:t>
+            </a:fld>
+            <a:endParaRPr lang="en-GB"/>
+          </a:p>
+        </p:txBody>
+      </p:sp>
+    </p:spTree>
+    <p:extLst>
+      <p:ext uri="{BB962C8B-B14F-4D97-AF65-F5344CB8AC3E}">
+        <p14:creationId xmlns:p14="http://schemas.microsoft.com/office/powerpoint/2010/main" val="2909855969"/>
+      </p:ext>
+    </p:extLst>
+  </p:cSld>
+  <p:clrMapOvr>
+    <a:masterClrMapping/>
+  </p:clrMapOvr>
+</p:notes>
+</file>
+
+<file path=ppt/notesSlides/notesSlide3.xml><?xml version="1.0" encoding="utf-8"?>
+<p:notes xmlns:a="http://schemas.openxmlformats.org/drawingml/2006/main" xmlns:r="http://schemas.openxmlformats.org/officeDocument/2006/relationships" xmlns:p="http://schemas.openxmlformats.org/presentationml/2006/main">
+  <p:cSld>
+    <p:spTree>
+      <p:nvGrpSpPr>
+        <p:cNvPr id="1" name=""/>
+        <p:cNvGrpSpPr/>
+        <p:nvPr/>
+      </p:nvGrpSpPr>
+      <p:grpSpPr>
+        <a:xfrm>
+          <a:off x="0" y="0"/>
+          <a:ext cx="0" cy="0"/>
+          <a:chOff x="0" y="0"/>
+          <a:chExt cx="0" cy="0"/>
+        </a:xfrm>
+      </p:grpSpPr>
+      <p:sp>
+        <p:nvSpPr>
+          <p:cNvPr id="2" name="Slide Image Placeholder 1"/>
+          <p:cNvSpPr>
+            <a:spLocks noGrp="1" noRot="1" noChangeAspect="1"/>
+          </p:cNvSpPr>
+          <p:nvPr>
+            <p:ph type="sldImg"/>
+          </p:nvPr>
+        </p:nvSpPr>
+        <p:spPr/>
+      </p:sp>
+      <p:sp>
+        <p:nvSpPr>
+          <p:cNvPr id="3" name="Notes Placeholder 2"/>
+          <p:cNvSpPr>
+            <a:spLocks noGrp="1"/>
+          </p:cNvSpPr>
+          <p:nvPr>
+            <p:ph type="body" idx="1"/>
+          </p:nvPr>
+        </p:nvSpPr>
+        <p:spPr/>
+        <p:txBody>
+          <a:bodyPr/>
+          <a:lstStyle/>
+          <a:p>
+            <a:r>
+              <a:rPr lang="en-GB" dirty="0" smtClean="0"/>
+              <a:t>JOSH. Discuss</a:t>
+            </a:r>
+            <a:r>
+              <a:rPr lang="en-GB" baseline="0" dirty="0" smtClean="0"/>
+              <a:t> gameplay and the rules regarding it. </a:t>
+            </a:r>
+          </a:p>
+          <a:p>
+            <a:endParaRPr lang="en-GB" baseline="0" dirty="0" smtClean="0"/>
+          </a:p>
+          <a:p>
+            <a:r>
+              <a:rPr lang="en-GB" baseline="0" dirty="0" smtClean="0"/>
+              <a:t>Make sure to explain these as it will go a long way towards other people understanding how our game will work.</a:t>
+            </a:r>
+            <a:endParaRPr lang="en-GB" dirty="0"/>
+          </a:p>
+        </p:txBody>
+      </p:sp>
+      <p:sp>
+        <p:nvSpPr>
+          <p:cNvPr id="4" name="Slide Number Placeholder 3"/>
+          <p:cNvSpPr>
+            <a:spLocks noGrp="1"/>
+          </p:cNvSpPr>
+          <p:nvPr>
+            <p:ph type="sldNum" sz="quarter" idx="10"/>
+          </p:nvPr>
+        </p:nvSpPr>
+        <p:spPr/>
+        <p:txBody>
+          <a:bodyPr/>
+          <a:lstStyle/>
+          <a:p>
+            <a:fld id="{CC65F549-3F42-4EE2-BD51-AE44E63D767A}" type="slidenum">
+              <a:rPr lang="en-GB" smtClean="0"/>
+              <a:t>3</a:t>
+            </a:fld>
+            <a:endParaRPr lang="en-GB"/>
+          </a:p>
+        </p:txBody>
+      </p:sp>
+    </p:spTree>
+    <p:extLst>
+      <p:ext uri="{BB962C8B-B14F-4D97-AF65-F5344CB8AC3E}">
+        <p14:creationId xmlns:p14="http://schemas.microsoft.com/office/powerpoint/2010/main" val="1637108588"/>
+      </p:ext>
+    </p:extLst>
+  </p:cSld>
+  <p:clrMapOvr>
+    <a:masterClrMapping/>
+  </p:clrMapOvr>
+</p:notes>
+</file>
+
+<file path=ppt/notesSlides/notesSlide4.xml><?xml version="1.0" encoding="utf-8"?>
+<p:notes xmlns:a="http://schemas.openxmlformats.org/drawingml/2006/main" xmlns:r="http://schemas.openxmlformats.org/officeDocument/2006/relationships" xmlns:p="http://schemas.openxmlformats.org/presentationml/2006/main">
+  <p:cSld>
+    <p:spTree>
+      <p:nvGrpSpPr>
+        <p:cNvPr id="1" name=""/>
+        <p:cNvGrpSpPr/>
+        <p:nvPr/>
+      </p:nvGrpSpPr>
+      <p:grpSpPr>
+        <a:xfrm>
+          <a:off x="0" y="0"/>
+          <a:ext cx="0" cy="0"/>
+          <a:chOff x="0" y="0"/>
+          <a:chExt cx="0" cy="0"/>
+        </a:xfrm>
+      </p:grpSpPr>
+      <p:sp>
+        <p:nvSpPr>
+          <p:cNvPr id="2" name="Slide Image Placeholder 1"/>
+          <p:cNvSpPr>
+            <a:spLocks noGrp="1" noRot="1" noChangeAspect="1"/>
+          </p:cNvSpPr>
+          <p:nvPr>
+            <p:ph type="sldImg"/>
+          </p:nvPr>
+        </p:nvSpPr>
+        <p:spPr/>
+      </p:sp>
+      <p:sp>
+        <p:nvSpPr>
+          <p:cNvPr id="3" name="Notes Placeholder 2"/>
+          <p:cNvSpPr>
+            <a:spLocks noGrp="1"/>
+          </p:cNvSpPr>
+          <p:nvPr>
+            <p:ph type="body" idx="1"/>
+          </p:nvPr>
+        </p:nvSpPr>
+        <p:spPr/>
+        <p:txBody>
+          <a:bodyPr/>
+          <a:lstStyle/>
+          <a:p>
+            <a:r>
+              <a:rPr lang="en-GB" dirty="0" smtClean="0"/>
+              <a:t>KYLE. These</a:t>
+            </a:r>
+            <a:r>
+              <a:rPr lang="en-GB" baseline="0" dirty="0" smtClean="0"/>
+              <a:t> storyboard drafts show different parts of the users gaming experience. </a:t>
+            </a:r>
+          </a:p>
+          <a:p>
+            <a:endParaRPr lang="en-GB" baseline="0" dirty="0" smtClean="0"/>
+          </a:p>
+          <a:p>
+            <a:r>
+              <a:rPr lang="en-GB" baseline="0" dirty="0" smtClean="0"/>
+              <a:t>Discuss how the users will navigate these storyboards to achieve certain stages (Such as connecting to the server or hosting a new session). </a:t>
+            </a:r>
+          </a:p>
+          <a:p>
+            <a:r>
+              <a:rPr lang="en-GB" baseline="0" dirty="0" smtClean="0"/>
+              <a:t>Try to be concise, meaning don’t over explain stuff, as I’m pretty sure we’re on a timer. </a:t>
+            </a:r>
+            <a:endParaRPr lang="en-GB" dirty="0"/>
+          </a:p>
+        </p:txBody>
+      </p:sp>
+      <p:sp>
+        <p:nvSpPr>
+          <p:cNvPr id="4" name="Slide Number Placeholder 3"/>
+          <p:cNvSpPr>
+            <a:spLocks noGrp="1"/>
+          </p:cNvSpPr>
+          <p:nvPr>
+            <p:ph type="sldNum" sz="quarter" idx="10"/>
+          </p:nvPr>
+        </p:nvSpPr>
+        <p:spPr/>
+        <p:txBody>
+          <a:bodyPr/>
+          <a:lstStyle/>
+          <a:p>
+            <a:fld id="{CC65F549-3F42-4EE2-BD51-AE44E63D767A}" type="slidenum">
+              <a:rPr lang="en-GB" smtClean="0"/>
+              <a:t>4</a:t>
+            </a:fld>
+            <a:endParaRPr lang="en-GB"/>
+          </a:p>
+        </p:txBody>
+      </p:sp>
+    </p:spTree>
+    <p:extLst>
+      <p:ext uri="{BB962C8B-B14F-4D97-AF65-F5344CB8AC3E}">
+        <p14:creationId xmlns:p14="http://schemas.microsoft.com/office/powerpoint/2010/main" val="3799319085"/>
+      </p:ext>
+    </p:extLst>
+  </p:cSld>
+  <p:clrMapOvr>
+    <a:masterClrMapping/>
+  </p:clrMapOvr>
+</p:notes>
+</file>
+
+<file path=ppt/notesSlides/notesSlide5.xml><?xml version="1.0" encoding="utf-8"?>
+<p:notes xmlns:a="http://schemas.openxmlformats.org/drawingml/2006/main" xmlns:r="http://schemas.openxmlformats.org/officeDocument/2006/relationships" xmlns:p="http://schemas.openxmlformats.org/presentationml/2006/main">
+  <p:cSld>
+    <p:spTree>
+      <p:nvGrpSpPr>
+        <p:cNvPr id="1" name=""/>
+        <p:cNvGrpSpPr/>
+        <p:nvPr/>
+      </p:nvGrpSpPr>
+      <p:grpSpPr>
+        <a:xfrm>
+          <a:off x="0" y="0"/>
+          <a:ext cx="0" cy="0"/>
+          <a:chOff x="0" y="0"/>
+          <a:chExt cx="0" cy="0"/>
+        </a:xfrm>
+      </p:grpSpPr>
+      <p:sp>
+        <p:nvSpPr>
+          <p:cNvPr id="2" name="Slide Image Placeholder 1"/>
+          <p:cNvSpPr>
+            <a:spLocks noGrp="1" noRot="1" noChangeAspect="1"/>
+          </p:cNvSpPr>
+          <p:nvPr>
+            <p:ph type="sldImg"/>
+          </p:nvPr>
+        </p:nvSpPr>
+        <p:spPr/>
+      </p:sp>
+      <p:sp>
+        <p:nvSpPr>
+          <p:cNvPr id="3" name="Notes Placeholder 2"/>
+          <p:cNvSpPr>
+            <a:spLocks noGrp="1"/>
+          </p:cNvSpPr>
+          <p:nvPr>
+            <p:ph type="body" idx="1"/>
+          </p:nvPr>
+        </p:nvSpPr>
+        <p:spPr/>
+        <p:txBody>
+          <a:bodyPr/>
+          <a:lstStyle/>
+          <a:p>
+            <a:r>
+              <a:rPr lang="en-GB" dirty="0" smtClean="0"/>
+              <a:t>KYLE.</a:t>
+            </a:r>
+            <a:r>
+              <a:rPr lang="en-GB" baseline="0" dirty="0" smtClean="0"/>
+              <a:t> </a:t>
+            </a:r>
+            <a:r>
+              <a:rPr lang="en-GB" dirty="0" smtClean="0"/>
+              <a:t>This</a:t>
+            </a:r>
+            <a:r>
+              <a:rPr lang="en-GB" baseline="0" dirty="0" smtClean="0"/>
+              <a:t> slide will be used to discuss our inspirations, and how they have affected the choices we have made. </a:t>
+            </a:r>
+            <a:endParaRPr lang="en-GB" dirty="0" smtClean="0"/>
+          </a:p>
+          <a:p>
+            <a:endParaRPr lang="en-GB" dirty="0" smtClean="0"/>
+          </a:p>
+          <a:p>
+            <a:r>
+              <a:rPr lang="en-GB" dirty="0" smtClean="0"/>
+              <a:t>All these</a:t>
+            </a:r>
+            <a:r>
+              <a:rPr lang="en-GB" baseline="0" dirty="0" smtClean="0"/>
+              <a:t> games are licensed to respective owners. No copyrights intended. Their own fault for making such good games.</a:t>
+            </a:r>
+          </a:p>
+          <a:p>
+            <a:endParaRPr lang="en-GB" baseline="0" dirty="0" smtClean="0"/>
+          </a:p>
+          <a:p>
+            <a:r>
+              <a:rPr lang="en-GB" u="sng" baseline="0" dirty="0" smtClean="0"/>
+              <a:t>Title/Developer/Publisher</a:t>
+            </a:r>
+          </a:p>
+          <a:p>
+            <a:r>
+              <a:rPr lang="en-GB" baseline="0" dirty="0" smtClean="0"/>
+              <a:t>Super Smash Bros: HAL Laboratory, Nintendo</a:t>
+            </a:r>
+          </a:p>
+          <a:p>
+            <a:r>
+              <a:rPr lang="en-GB" baseline="0" dirty="0" smtClean="0"/>
+              <a:t>Tekken: Bandai Namco Studios, Bandai Namco Studios</a:t>
+            </a:r>
+          </a:p>
+          <a:p>
+            <a:r>
+              <a:rPr lang="en-GB" baseline="0" dirty="0" smtClean="0"/>
+              <a:t>Street Fighter 2: Capcom, Capcom</a:t>
+            </a:r>
+          </a:p>
+          <a:p>
+            <a:endParaRPr lang="en-GB" baseline="0" dirty="0" smtClean="0"/>
+          </a:p>
+          <a:p>
+            <a:r>
+              <a:rPr lang="en-GB" u="sng" baseline="0" dirty="0" smtClean="0"/>
+              <a:t>Image URLs:</a:t>
+            </a:r>
+          </a:p>
+          <a:p>
+            <a:r>
+              <a:rPr lang="en-GB" baseline="0" dirty="0" smtClean="0"/>
+              <a:t>Super Smash Bros:  http://www.smashbros.com/en-uk/images/index/image/main-wiiu-logo.png</a:t>
+            </a:r>
+          </a:p>
+          <a:p>
+            <a:r>
+              <a:rPr lang="en-GB" baseline="0" dirty="0" smtClean="0"/>
+              <a:t>Tekken:  https://upload.wikimedia.org/wikipedia/en/e/e1/Tekken_series_logo_as_of_2012.gif</a:t>
+            </a:r>
+          </a:p>
+          <a:p>
+            <a:r>
+              <a:rPr lang="en-GB" baseline="0" dirty="0" smtClean="0"/>
+              <a:t>Street Fighter 2:  http://vignette1.wikia.nocookie.net/capcomdatabase/images/f/f1/SFIILogo.png/revision/latest?cb=20110110173220</a:t>
+            </a:r>
+          </a:p>
+          <a:p>
+            <a:endParaRPr lang="en-GB" dirty="0"/>
+          </a:p>
+        </p:txBody>
+      </p:sp>
+      <p:sp>
+        <p:nvSpPr>
+          <p:cNvPr id="4" name="Slide Number Placeholder 3"/>
+          <p:cNvSpPr>
+            <a:spLocks noGrp="1"/>
+          </p:cNvSpPr>
+          <p:nvPr>
+            <p:ph type="sldNum" sz="quarter" idx="10"/>
+          </p:nvPr>
+        </p:nvSpPr>
+        <p:spPr/>
+        <p:txBody>
+          <a:bodyPr/>
+          <a:lstStyle/>
+          <a:p>
+            <a:fld id="{CC65F549-3F42-4EE2-BD51-AE44E63D767A}" type="slidenum">
+              <a:rPr lang="en-GB" smtClean="0"/>
+              <a:t>5</a:t>
+            </a:fld>
+            <a:endParaRPr lang="en-GB"/>
+          </a:p>
+        </p:txBody>
+      </p:sp>
+    </p:spTree>
+    <p:extLst>
+      <p:ext uri="{BB962C8B-B14F-4D97-AF65-F5344CB8AC3E}">
+        <p14:creationId xmlns:p14="http://schemas.microsoft.com/office/powerpoint/2010/main" val="2864222206"/>
+      </p:ext>
+    </p:extLst>
+  </p:cSld>
+  <p:clrMapOvr>
+    <a:masterClrMapping/>
+  </p:clrMapOvr>
+</p:notes>
+</file>
+
+<file path=ppt/notesSlides/notesSlide6.xml><?xml version="1.0" encoding="utf-8"?>
+<p:notes xmlns:a="http://schemas.openxmlformats.org/drawingml/2006/main" xmlns:r="http://schemas.openxmlformats.org/officeDocument/2006/relationships" xmlns:p="http://schemas.openxmlformats.org/presentationml/2006/main">
+  <p:cSld>
+    <p:spTree>
+      <p:nvGrpSpPr>
+        <p:cNvPr id="1" name=""/>
+        <p:cNvGrpSpPr/>
+        <p:nvPr/>
+      </p:nvGrpSpPr>
+      <p:grpSpPr>
+        <a:xfrm>
+          <a:off x="0" y="0"/>
+          <a:ext cx="0" cy="0"/>
+          <a:chOff x="0" y="0"/>
+          <a:chExt cx="0" cy="0"/>
+        </a:xfrm>
+      </p:grpSpPr>
+      <p:sp>
+        <p:nvSpPr>
+          <p:cNvPr id="2" name="Slide Image Placeholder 1"/>
+          <p:cNvSpPr>
+            <a:spLocks noGrp="1" noRot="1" noChangeAspect="1"/>
+          </p:cNvSpPr>
+          <p:nvPr>
+            <p:ph type="sldImg"/>
+          </p:nvPr>
+        </p:nvSpPr>
+        <p:spPr/>
+      </p:sp>
+      <p:sp>
+        <p:nvSpPr>
+          <p:cNvPr id="3" name="Notes Placeholder 2"/>
+          <p:cNvSpPr>
+            <a:spLocks noGrp="1"/>
+          </p:cNvSpPr>
+          <p:nvPr>
+            <p:ph type="body" idx="1"/>
+          </p:nvPr>
+        </p:nvSpPr>
+        <p:spPr/>
+        <p:txBody>
+          <a:bodyPr/>
+          <a:lstStyle/>
+          <a:p>
+            <a:r>
+              <a:rPr lang="en-GB" dirty="0" smtClean="0"/>
+              <a:t>BOTH. KYLE.</a:t>
+            </a:r>
+            <a:r>
+              <a:rPr lang="en-GB" baseline="0" dirty="0" smtClean="0"/>
+              <a:t> Talk about what these goals are and what they mean. Explain (If possible) how they provide a challenge.</a:t>
+            </a:r>
+          </a:p>
+          <a:p>
+            <a:endParaRPr lang="en-GB" baseline="0" dirty="0" smtClean="0"/>
+          </a:p>
+          <a:p>
+            <a:r>
+              <a:rPr lang="en-GB" baseline="0" dirty="0" smtClean="0"/>
+              <a:t>JOSH. Go into detail about these individuals goals, particularly the sessions part. </a:t>
+            </a:r>
+            <a:endParaRPr lang="en-GB" dirty="0"/>
+          </a:p>
+        </p:txBody>
+      </p:sp>
+      <p:sp>
+        <p:nvSpPr>
+          <p:cNvPr id="4" name="Slide Number Placeholder 3"/>
+          <p:cNvSpPr>
+            <a:spLocks noGrp="1"/>
+          </p:cNvSpPr>
+          <p:nvPr>
+            <p:ph type="sldNum" sz="quarter" idx="10"/>
+          </p:nvPr>
+        </p:nvSpPr>
+        <p:spPr/>
+        <p:txBody>
+          <a:bodyPr/>
+          <a:lstStyle/>
+          <a:p>
+            <a:fld id="{CC65F549-3F42-4EE2-BD51-AE44E63D767A}" type="slidenum">
+              <a:rPr lang="en-GB" smtClean="0"/>
+              <a:t>6</a:t>
+            </a:fld>
+            <a:endParaRPr lang="en-GB"/>
+          </a:p>
+        </p:txBody>
+      </p:sp>
+    </p:spTree>
+    <p:extLst>
+      <p:ext uri="{BB962C8B-B14F-4D97-AF65-F5344CB8AC3E}">
+        <p14:creationId xmlns:p14="http://schemas.microsoft.com/office/powerpoint/2010/main" val="2751794066"/>
+      </p:ext>
+    </p:extLst>
+  </p:cSld>
+  <p:clrMapOvr>
+    <a:masterClrMapping/>
+  </p:clrMapOvr>
+</p:notes>
+</file>
+
+<file path=ppt/notesSlides/notesSlide7.xml><?xml version="1.0" encoding="utf-8"?>
+<p:notes xmlns:a="http://schemas.openxmlformats.org/drawingml/2006/main" xmlns:r="http://schemas.openxmlformats.org/officeDocument/2006/relationships" xmlns:p="http://schemas.openxmlformats.org/presentationml/2006/main">
+  <p:cSld>
+    <p:spTree>
+      <p:nvGrpSpPr>
+        <p:cNvPr id="1" name=""/>
+        <p:cNvGrpSpPr/>
+        <p:nvPr/>
+      </p:nvGrpSpPr>
+      <p:grpSpPr>
+        <a:xfrm>
+          <a:off x="0" y="0"/>
+          <a:ext cx="0" cy="0"/>
+          <a:chOff x="0" y="0"/>
+          <a:chExt cx="0" cy="0"/>
+        </a:xfrm>
+      </p:grpSpPr>
+      <p:sp>
+        <p:nvSpPr>
+          <p:cNvPr id="2" name="Slide Image Placeholder 1"/>
+          <p:cNvSpPr>
+            <a:spLocks noGrp="1" noRot="1" noChangeAspect="1"/>
+          </p:cNvSpPr>
+          <p:nvPr>
+            <p:ph type="sldImg"/>
+          </p:nvPr>
+        </p:nvSpPr>
+        <p:spPr/>
+      </p:sp>
+      <p:sp>
+        <p:nvSpPr>
+          <p:cNvPr id="3" name="Notes Placeholder 2"/>
+          <p:cNvSpPr>
+            <a:spLocks noGrp="1"/>
+          </p:cNvSpPr>
+          <p:nvPr>
+            <p:ph type="body" idx="1"/>
+          </p:nvPr>
+        </p:nvSpPr>
+        <p:spPr/>
+        <p:txBody>
+          <a:bodyPr/>
+          <a:lstStyle/>
+          <a:p>
+            <a:r>
+              <a:rPr lang="en-GB" dirty="0" smtClean="0"/>
+              <a:t>Thank you</a:t>
+            </a:r>
+            <a:r>
+              <a:rPr lang="en-GB" baseline="0" dirty="0" smtClean="0"/>
+              <a:t> for reading these notes! Hope you found them, and the presentation slides, useful.</a:t>
+            </a:r>
+            <a:endParaRPr lang="en-GB" dirty="0"/>
+          </a:p>
+        </p:txBody>
+      </p:sp>
+      <p:sp>
+        <p:nvSpPr>
+          <p:cNvPr id="4" name="Slide Number Placeholder 3"/>
+          <p:cNvSpPr>
+            <a:spLocks noGrp="1"/>
+          </p:cNvSpPr>
+          <p:nvPr>
+            <p:ph type="sldNum" sz="quarter" idx="10"/>
+          </p:nvPr>
+        </p:nvSpPr>
+        <p:spPr/>
+        <p:txBody>
+          <a:bodyPr/>
+          <a:lstStyle/>
+          <a:p>
+            <a:fld id="{CC65F549-3F42-4EE2-BD51-AE44E63D767A}" type="slidenum">
+              <a:rPr lang="en-GB" smtClean="0"/>
+              <a:t>7</a:t>
+            </a:fld>
+            <a:endParaRPr lang="en-GB"/>
+          </a:p>
+        </p:txBody>
+      </p:sp>
+    </p:spTree>
+    <p:extLst>
+      <p:ext uri="{BB962C8B-B14F-4D97-AF65-F5344CB8AC3E}">
+        <p14:creationId xmlns:p14="http://schemas.microsoft.com/office/powerpoint/2010/main" val="271569360"/>
+      </p:ext>
+    </p:extLst>
+  </p:cSld>
+  <p:clrMapOvr>
+    <a:masterClrMapping/>
+  </p:clrMapOvr>
+</p:notes>
 </file>
 
 <file path=ppt/slideLayouts/slideLayout1.xml><?xml version="1.0" encoding="utf-8"?>
@@ -142,23 +1264,40 @@
         </p:nvSpPr>
         <p:spPr>
           <a:xfrm>
-            <a:off x="1524000" y="1122363"/>
-            <a:ext cx="9144000" cy="2387600"/>
+            <a:off x="1751012" y="609601"/>
+            <a:ext cx="8676222" cy="3200400"/>
           </a:xfrm>
         </p:spPr>
         <p:txBody>
-          <a:bodyPr anchor="b"/>
+          <a:bodyPr anchor="b">
+            <a:normAutofit/>
+          </a:bodyPr>
           <a:lstStyle>
             <a:lvl1pPr algn="ctr">
-              <a:defRPr sz="6000"/>
+              <a:defRPr sz="4800">
+                <a:effectLst>
+                  <a:glow rad="38100">
+                    <a:schemeClr val="bg1">
+                      <a:lumMod val="65000"/>
+                      <a:lumOff val="35000"/>
+                      <a:alpha val="50000"/>
+                    </a:schemeClr>
+                  </a:glow>
+                  <a:outerShdw blurRad="28575" dist="31750" dir="13200000" algn="tl" rotWithShape="0">
+                    <a:srgbClr val="000000">
+                      <a:alpha val="25000"/>
+                    </a:srgbClr>
+                  </a:outerShdw>
+                </a:effectLst>
+              </a:defRPr>
             </a:lvl1pPr>
           </a:lstStyle>
           <a:p>
             <a:r>
-              <a:rPr lang="en-US"/>
+              <a:rPr lang="en-US" smtClean="0"/>
               <a:t>Click to edit Master title style</a:t>
             </a:r>
-            <a:endParaRPr lang="en-GB"/>
+            <a:endParaRPr lang="en-US" dirty="0"/>
           </a:p>
         </p:txBody>
       </p:sp>
@@ -174,56 +1313,121 @@
         </p:nvSpPr>
         <p:spPr>
           <a:xfrm>
-            <a:off x="1524000" y="3602038"/>
-            <a:ext cx="9144000" cy="1655762"/>
+            <a:off x="1751012" y="3886200"/>
+            <a:ext cx="8676222" cy="1905000"/>
           </a:xfrm>
         </p:spPr>
         <p:txBody>
-          <a:bodyPr/>
+          <a:bodyPr anchor="t">
+            <a:normAutofit/>
+          </a:bodyPr>
           <a:lstStyle>
             <a:lvl1pPr marL="0" indent="0" algn="ctr">
               <a:buNone/>
-              <a:defRPr sz="2400"/>
+              <a:defRPr sz="2100">
+                <a:gradFill flip="none" rotWithShape="1">
+                  <a:gsLst>
+                    <a:gs pos="0">
+                      <a:schemeClr val="tx1"/>
+                    </a:gs>
+                    <a:gs pos="100000">
+                      <a:schemeClr val="tx1">
+                        <a:lumMod val="75000"/>
+                      </a:schemeClr>
+                    </a:gs>
+                  </a:gsLst>
+                  <a:lin ang="5400000" scaled="0"/>
+                  <a:tileRect/>
+                </a:gradFill>
+              </a:defRPr>
             </a:lvl1pPr>
             <a:lvl2pPr marL="457200" indent="0" algn="ctr">
               <a:buNone/>
-              <a:defRPr sz="2000"/>
+              <a:defRPr>
+                <a:solidFill>
+                  <a:schemeClr val="tx1">
+                    <a:tint val="75000"/>
+                  </a:schemeClr>
+                </a:solidFill>
+              </a:defRPr>
             </a:lvl2pPr>
             <a:lvl3pPr marL="914400" indent="0" algn="ctr">
               <a:buNone/>
-              <a:defRPr sz="1800"/>
+              <a:defRPr>
+                <a:solidFill>
+                  <a:schemeClr val="tx1">
+                    <a:tint val="75000"/>
+                  </a:schemeClr>
+                </a:solidFill>
+              </a:defRPr>
             </a:lvl3pPr>
             <a:lvl4pPr marL="1371600" indent="0" algn="ctr">
               <a:buNone/>
-              <a:defRPr sz="1600"/>
+              <a:defRPr>
+                <a:solidFill>
+                  <a:schemeClr val="tx1">
+                    <a:tint val="75000"/>
+                  </a:schemeClr>
+                </a:solidFill>
+              </a:defRPr>
             </a:lvl4pPr>
             <a:lvl5pPr marL="1828800" indent="0" algn="ctr">
               <a:buNone/>
-              <a:defRPr sz="1600"/>
+              <a:defRPr>
+                <a:solidFill>
+                  <a:schemeClr val="tx1">
+                    <a:tint val="75000"/>
+                  </a:schemeClr>
+                </a:solidFill>
+              </a:defRPr>
             </a:lvl5pPr>
             <a:lvl6pPr marL="2286000" indent="0" algn="ctr">
               <a:buNone/>
-              <a:defRPr sz="1600"/>
+              <a:defRPr>
+                <a:solidFill>
+                  <a:schemeClr val="tx1">
+                    <a:tint val="75000"/>
+                  </a:schemeClr>
+                </a:solidFill>
+              </a:defRPr>
             </a:lvl6pPr>
             <a:lvl7pPr marL="2743200" indent="0" algn="ctr">
               <a:buNone/>
-              <a:defRPr sz="1600"/>
+              <a:defRPr>
+                <a:solidFill>
+                  <a:schemeClr val="tx1">
+                    <a:tint val="75000"/>
+                  </a:schemeClr>
+                </a:solidFill>
+              </a:defRPr>
             </a:lvl7pPr>
             <a:lvl8pPr marL="3200400" indent="0" algn="ctr">
               <a:buNone/>
-              <a:defRPr sz="1600"/>
+              <a:defRPr>
+                <a:solidFill>
+                  <a:schemeClr val="tx1">
+                    <a:tint val="75000"/>
+                  </a:schemeClr>
+                </a:solidFill>
+              </a:defRPr>
             </a:lvl8pPr>
             <a:lvl9pPr marL="3657600" indent="0" algn="ctr">
               <a:buNone/>
-              <a:defRPr sz="1600"/>
+              <a:defRPr>
+                <a:solidFill>
+                  <a:schemeClr val="tx1">
+                    <a:tint val="75000"/>
+                  </a:schemeClr>
+                </a:solidFill>
+              </a:defRPr>
             </a:lvl9pPr>
           </a:lstStyle>
           <a:p>
             <a:r>
-              <a:rPr lang="en-US"/>
+              <a:rPr lang="en-US" smtClean="0"/>
               <a:t>Click to edit Master subtitle style</a:t>
             </a:r>
-            <a:endParaRPr lang="en-GB"/>
+            <a:endParaRPr lang="en-US" dirty="0"/>
           </a:p>
         </p:txBody>
       </p:sp>
@@ -244,9 +1448,9 @@
           <a:p>
             <a:fld id="{93A7BB36-BCA3-436D-BFE4-06336677CC91}" type="datetimeFigureOut">
               <a:rPr lang="en-GB" smtClean="0"/>
-              <a:t>07/02/2017</a:t>
+              <a:t>24/02/2017</a:t>
             </a:fld>
-            <a:endParaRPr lang="en-GB"/>
+            <a:endParaRPr lang="en-GB" dirty="0"/>
           </a:p>
         </p:txBody>
       </p:sp>
@@ -265,7 +1469,7 @@
           <a:bodyPr/>
           <a:lstStyle/>
           <a:p>
-            <a:endParaRPr lang="en-GB"/>
+            <a:endParaRPr lang="en-GB" dirty="0"/>
           </a:p>
         </p:txBody>
       </p:sp>
@@ -288,14 +1492,14 @@
               <a:rPr lang="en-GB" smtClean="0"/>
               <a:t>‹#›</a:t>
             </a:fld>
-            <a:endParaRPr lang="en-GB"/>
+            <a:endParaRPr lang="en-GB" dirty="0"/>
           </a:p>
         </p:txBody>
       </p:sp>
     </p:spTree>
     <p:extLst>
       <p:ext uri="{BB962C8B-B14F-4D97-AF65-F5344CB8AC3E}">
-        <p14:creationId xmlns:p14="http://schemas.microsoft.com/office/powerpoint/2010/main" val="2500600978"/>
+        <p14:creationId xmlns:p14="http://schemas.microsoft.com/office/powerpoint/2010/main" val="875061084"/>
       </p:ext>
     </p:extLst>
   </p:cSld>
@@ -306,6 +1510,2113 @@
 </file>
 
 <file path=ppt/slideLayouts/slideLayout10.xml><?xml version="1.0" encoding="utf-8"?>
+<p:sldLayout xmlns:a="http://schemas.openxmlformats.org/drawingml/2006/main" xmlns:r="http://schemas.openxmlformats.org/officeDocument/2006/relationships" xmlns:p="http://schemas.openxmlformats.org/presentationml/2006/main" preserve="1">
+  <p:cSld name="Panoramic Picture with Caption">
+    <p:spTree>
+      <p:nvGrpSpPr>
+        <p:cNvPr id="1" name=""/>
+        <p:cNvGrpSpPr/>
+        <p:nvPr/>
+      </p:nvGrpSpPr>
+      <p:grpSpPr>
+        <a:xfrm>
+          <a:off x="0" y="0"/>
+          <a:ext cx="0" cy="0"/>
+          <a:chOff x="0" y="0"/>
+          <a:chExt cx="0" cy="0"/>
+        </a:xfrm>
+      </p:grpSpPr>
+      <p:sp>
+        <p:nvSpPr>
+          <p:cNvPr id="2" name="Title 1"/>
+          <p:cNvSpPr>
+            <a:spLocks noGrp="1"/>
+          </p:cNvSpPr>
+          <p:nvPr>
+            <p:ph type="title"/>
+          </p:nvPr>
+        </p:nvSpPr>
+        <p:spPr>
+          <a:xfrm>
+            <a:off x="1141413" y="4732865"/>
+            <a:ext cx="9906000" cy="566738"/>
+          </a:xfrm>
+        </p:spPr>
+        <p:txBody>
+          <a:bodyPr anchor="b">
+            <a:normAutofit/>
+          </a:bodyPr>
+          <a:lstStyle>
+            <a:lvl1pPr algn="l">
+              <a:defRPr sz="2400" b="0"/>
+            </a:lvl1pPr>
+          </a:lstStyle>
+          <a:p>
+            <a:r>
+              <a:rPr lang="en-US" smtClean="0"/>
+              <a:t>Click to edit Master title style</a:t>
+            </a:r>
+            <a:endParaRPr lang="en-US" dirty="0"/>
+          </a:p>
+        </p:txBody>
+      </p:sp>
+      <p:sp>
+        <p:nvSpPr>
+          <p:cNvPr id="3" name="Picture Placeholder 2"/>
+          <p:cNvSpPr>
+            <a:spLocks noGrp="1" noChangeAspect="1"/>
+          </p:cNvSpPr>
+          <p:nvPr>
+            <p:ph type="pic" idx="1"/>
+          </p:nvPr>
+        </p:nvSpPr>
+        <p:spPr>
+          <a:xfrm>
+            <a:off x="1979612" y="932112"/>
+            <a:ext cx="8225944" cy="3164976"/>
+          </a:xfrm>
+          <a:prstGeom prst="roundRect">
+            <a:avLst>
+              <a:gd name="adj" fmla="val 4380"/>
+            </a:avLst>
+          </a:prstGeom>
+          <a:ln w="38100">
+            <a:gradFill flip="none" rotWithShape="1">
+              <a:gsLst>
+                <a:gs pos="0">
+                  <a:schemeClr val="bg2"/>
+                </a:gs>
+                <a:gs pos="100000">
+                  <a:schemeClr val="bg2">
+                    <a:lumMod val="75000"/>
+                  </a:schemeClr>
+                </a:gs>
+              </a:gsLst>
+              <a:lin ang="5400000" scaled="0"/>
+              <a:tileRect/>
+            </a:gradFill>
+          </a:ln>
+          <a:effectLst>
+            <a:innerShdw blurRad="57150" dist="38100" dir="14460000">
+              <a:srgbClr val="000000">
+                <a:alpha val="70000"/>
+              </a:srgbClr>
+            </a:innerShdw>
+          </a:effectLst>
+        </p:spPr>
+        <p:txBody>
+          <a:bodyPr anchor="t">
+            <a:normAutofit/>
+          </a:bodyPr>
+          <a:lstStyle>
+            <a:lvl1pPr marL="0" indent="0" algn="ctr">
+              <a:buNone/>
+              <a:defRPr sz="1600"/>
+            </a:lvl1pPr>
+            <a:lvl2pPr marL="457200" indent="0">
+              <a:buNone/>
+              <a:defRPr sz="1600"/>
+            </a:lvl2pPr>
+            <a:lvl3pPr marL="914400" indent="0">
+              <a:buNone/>
+              <a:defRPr sz="1600"/>
+            </a:lvl3pPr>
+            <a:lvl4pPr marL="1371600" indent="0">
+              <a:buNone/>
+              <a:defRPr sz="1600"/>
+            </a:lvl4pPr>
+            <a:lvl5pPr marL="1828800" indent="0">
+              <a:buNone/>
+              <a:defRPr sz="1600"/>
+            </a:lvl5pPr>
+            <a:lvl6pPr marL="2286000" indent="0">
+              <a:buNone/>
+              <a:defRPr sz="1600"/>
+            </a:lvl6pPr>
+            <a:lvl7pPr marL="2743200" indent="0">
+              <a:buNone/>
+              <a:defRPr sz="1600"/>
+            </a:lvl7pPr>
+            <a:lvl8pPr marL="3200400" indent="0">
+              <a:buNone/>
+              <a:defRPr sz="1600"/>
+            </a:lvl8pPr>
+            <a:lvl9pPr marL="3657600" indent="0">
+              <a:buNone/>
+              <a:defRPr sz="1600"/>
+            </a:lvl9pPr>
+          </a:lstStyle>
+          <a:p>
+            <a:r>
+              <a:rPr lang="en-US" dirty="0" smtClean="0"/>
+              <a:t>Click icon to add picture</a:t>
+            </a:r>
+            <a:endParaRPr lang="en-US" dirty="0"/>
+          </a:p>
+        </p:txBody>
+      </p:sp>
+      <p:sp>
+        <p:nvSpPr>
+          <p:cNvPr id="4" name="Text Placeholder 3"/>
+          <p:cNvSpPr>
+            <a:spLocks noGrp="1"/>
+          </p:cNvSpPr>
+          <p:nvPr>
+            <p:ph type="body" sz="half" idx="2"/>
+          </p:nvPr>
+        </p:nvSpPr>
+        <p:spPr>
+          <a:xfrm>
+            <a:off x="1141413" y="5299603"/>
+            <a:ext cx="9906000" cy="493712"/>
+          </a:xfrm>
+        </p:spPr>
+        <p:txBody>
+          <a:bodyPr>
+            <a:normAutofit/>
+          </a:bodyPr>
+          <a:lstStyle>
+            <a:lvl1pPr marL="0" indent="0">
+              <a:buNone/>
+              <a:defRPr sz="1400"/>
+            </a:lvl1pPr>
+            <a:lvl2pPr marL="457200" indent="0">
+              <a:buNone/>
+              <a:defRPr sz="1200"/>
+            </a:lvl2pPr>
+            <a:lvl3pPr marL="914400" indent="0">
+              <a:buNone/>
+              <a:defRPr sz="1000"/>
+            </a:lvl3pPr>
+            <a:lvl4pPr marL="1371600" indent="0">
+              <a:buNone/>
+              <a:defRPr sz="900"/>
+            </a:lvl4pPr>
+            <a:lvl5pPr marL="1828800" indent="0">
+              <a:buNone/>
+              <a:defRPr sz="900"/>
+            </a:lvl5pPr>
+            <a:lvl6pPr marL="2286000" indent="0">
+              <a:buNone/>
+              <a:defRPr sz="900"/>
+            </a:lvl6pPr>
+            <a:lvl7pPr marL="2743200" indent="0">
+              <a:buNone/>
+              <a:defRPr sz="900"/>
+            </a:lvl7pPr>
+            <a:lvl8pPr marL="3200400" indent="0">
+              <a:buNone/>
+              <a:defRPr sz="900"/>
+            </a:lvl8pPr>
+            <a:lvl9pPr marL="3657600" indent="0">
+              <a:buNone/>
+              <a:defRPr sz="900"/>
+            </a:lvl9pPr>
+          </a:lstStyle>
+          <a:p>
+            <a:pPr lvl="0"/>
+            <a:r>
+              <a:rPr lang="en-US" smtClean="0"/>
+              <a:t>Edit Master text styles</a:t>
+            </a:r>
+          </a:p>
+        </p:txBody>
+      </p:sp>
+      <p:sp>
+        <p:nvSpPr>
+          <p:cNvPr id="5" name="Date Placeholder 4"/>
+          <p:cNvSpPr>
+            <a:spLocks noGrp="1"/>
+          </p:cNvSpPr>
+          <p:nvPr>
+            <p:ph type="dt" sz="half" idx="10"/>
+          </p:nvPr>
+        </p:nvSpPr>
+        <p:spPr/>
+        <p:txBody>
+          <a:bodyPr/>
+          <a:lstStyle/>
+          <a:p>
+            <a:fld id="{93A7BB36-BCA3-436D-BFE4-06336677CC91}" type="datetimeFigureOut">
+              <a:rPr lang="en-GB" smtClean="0"/>
+              <a:t>24/02/2017</a:t>
+            </a:fld>
+            <a:endParaRPr lang="en-GB" dirty="0"/>
+          </a:p>
+        </p:txBody>
+      </p:sp>
+      <p:sp>
+        <p:nvSpPr>
+          <p:cNvPr id="6" name="Footer Placeholder 5"/>
+          <p:cNvSpPr>
+            <a:spLocks noGrp="1"/>
+          </p:cNvSpPr>
+          <p:nvPr>
+            <p:ph type="ftr" sz="quarter" idx="11"/>
+          </p:nvPr>
+        </p:nvSpPr>
+        <p:spPr/>
+        <p:txBody>
+          <a:bodyPr/>
+          <a:lstStyle/>
+          <a:p>
+            <a:endParaRPr lang="en-GB" dirty="0"/>
+          </a:p>
+        </p:txBody>
+      </p:sp>
+      <p:sp>
+        <p:nvSpPr>
+          <p:cNvPr id="7" name="Slide Number Placeholder 6"/>
+          <p:cNvSpPr>
+            <a:spLocks noGrp="1"/>
+          </p:cNvSpPr>
+          <p:nvPr>
+            <p:ph type="sldNum" sz="quarter" idx="12"/>
+          </p:nvPr>
+        </p:nvSpPr>
+        <p:spPr/>
+        <p:txBody>
+          <a:bodyPr/>
+          <a:lstStyle/>
+          <a:p>
+            <a:fld id="{6A84D548-395B-41BD-AC72-7CCA6549CB67}" type="slidenum">
+              <a:rPr lang="en-GB" smtClean="0"/>
+              <a:t>‹#›</a:t>
+            </a:fld>
+            <a:endParaRPr lang="en-GB" dirty="0"/>
+          </a:p>
+        </p:txBody>
+      </p:sp>
+    </p:spTree>
+    <p:extLst>
+      <p:ext uri="{BB962C8B-B14F-4D97-AF65-F5344CB8AC3E}">
+        <p14:creationId xmlns:p14="http://schemas.microsoft.com/office/powerpoint/2010/main" val="626180487"/>
+      </p:ext>
+    </p:extLst>
+  </p:cSld>
+  <p:clrMapOvr>
+    <a:masterClrMapping/>
+  </p:clrMapOvr>
+</p:sldLayout>
+</file>
+
+<file path=ppt/slideLayouts/slideLayout11.xml><?xml version="1.0" encoding="utf-8"?>
+<p:sldLayout xmlns:a="http://schemas.openxmlformats.org/drawingml/2006/main" xmlns:r="http://schemas.openxmlformats.org/officeDocument/2006/relationships" xmlns:p="http://schemas.openxmlformats.org/presentationml/2006/main" preserve="1">
+  <p:cSld name="Title and Caption">
+    <p:spTree>
+      <p:nvGrpSpPr>
+        <p:cNvPr id="1" name=""/>
+        <p:cNvGrpSpPr/>
+        <p:nvPr/>
+      </p:nvGrpSpPr>
+      <p:grpSpPr>
+        <a:xfrm>
+          <a:off x="0" y="0"/>
+          <a:ext cx="0" cy="0"/>
+          <a:chOff x="0" y="0"/>
+          <a:chExt cx="0" cy="0"/>
+        </a:xfrm>
+      </p:grpSpPr>
+      <p:sp>
+        <p:nvSpPr>
+          <p:cNvPr id="2" name="Title 1"/>
+          <p:cNvSpPr>
+            <a:spLocks noGrp="1"/>
+          </p:cNvSpPr>
+          <p:nvPr>
+            <p:ph type="title"/>
+          </p:nvPr>
+        </p:nvSpPr>
+        <p:spPr>
+          <a:xfrm>
+            <a:off x="1141412" y="609601"/>
+            <a:ext cx="9905999" cy="3124199"/>
+          </a:xfrm>
+        </p:spPr>
+        <p:txBody>
+          <a:bodyPr anchor="ctr">
+            <a:normAutofit/>
+          </a:bodyPr>
+          <a:lstStyle>
+            <a:lvl1pPr algn="l">
+              <a:defRPr sz="3200" b="0" cap="all"/>
+            </a:lvl1pPr>
+          </a:lstStyle>
+          <a:p>
+            <a:r>
+              <a:rPr lang="en-US" smtClean="0"/>
+              <a:t>Click to edit Master title style</a:t>
+            </a:r>
+            <a:endParaRPr lang="en-US" dirty="0"/>
+          </a:p>
+        </p:txBody>
+      </p:sp>
+      <p:sp>
+        <p:nvSpPr>
+          <p:cNvPr id="3" name="Text Placeholder 2"/>
+          <p:cNvSpPr>
+            <a:spLocks noGrp="1"/>
+          </p:cNvSpPr>
+          <p:nvPr>
+            <p:ph type="body" idx="1"/>
+          </p:nvPr>
+        </p:nvSpPr>
+        <p:spPr>
+          <a:xfrm>
+            <a:off x="1141411" y="4343400"/>
+            <a:ext cx="9906000" cy="1447800"/>
+          </a:xfrm>
+        </p:spPr>
+        <p:txBody>
+          <a:bodyPr anchor="ctr">
+            <a:normAutofit/>
+          </a:bodyPr>
+          <a:lstStyle>
+            <a:lvl1pPr marL="0" indent="0" algn="l">
+              <a:buNone/>
+              <a:defRPr sz="2000">
+                <a:gradFill flip="none" rotWithShape="1">
+                  <a:gsLst>
+                    <a:gs pos="0">
+                      <a:schemeClr val="tx1"/>
+                    </a:gs>
+                    <a:gs pos="100000">
+                      <a:schemeClr val="tx1">
+                        <a:lumMod val="75000"/>
+                      </a:schemeClr>
+                    </a:gs>
+                  </a:gsLst>
+                  <a:lin ang="5400000" scaled="0"/>
+                  <a:tileRect/>
+                </a:gradFill>
+              </a:defRPr>
+            </a:lvl1pPr>
+            <a:lvl2pPr marL="457200" indent="0">
+              <a:buNone/>
+              <a:defRPr sz="1800">
+                <a:solidFill>
+                  <a:schemeClr val="tx1">
+                    <a:tint val="75000"/>
+                  </a:schemeClr>
+                </a:solidFill>
+              </a:defRPr>
+            </a:lvl2pPr>
+            <a:lvl3pPr marL="914400" indent="0">
+              <a:buNone/>
+              <a:defRPr sz="1600">
+                <a:solidFill>
+                  <a:schemeClr val="tx1">
+                    <a:tint val="75000"/>
+                  </a:schemeClr>
+                </a:solidFill>
+              </a:defRPr>
+            </a:lvl3pPr>
+            <a:lvl4pPr marL="1371600" indent="0">
+              <a:buNone/>
+              <a:defRPr sz="1400">
+                <a:solidFill>
+                  <a:schemeClr val="tx1">
+                    <a:tint val="75000"/>
+                  </a:schemeClr>
+                </a:solidFill>
+              </a:defRPr>
+            </a:lvl4pPr>
+            <a:lvl5pPr marL="1828800" indent="0">
+              <a:buNone/>
+              <a:defRPr sz="1400">
+                <a:solidFill>
+                  <a:schemeClr val="tx1">
+                    <a:tint val="75000"/>
+                  </a:schemeClr>
+                </a:solidFill>
+              </a:defRPr>
+            </a:lvl5pPr>
+            <a:lvl6pPr marL="2286000" indent="0">
+              <a:buNone/>
+              <a:defRPr sz="1400">
+                <a:solidFill>
+                  <a:schemeClr val="tx1">
+                    <a:tint val="75000"/>
+                  </a:schemeClr>
+                </a:solidFill>
+              </a:defRPr>
+            </a:lvl6pPr>
+            <a:lvl7pPr marL="2743200" indent="0">
+              <a:buNone/>
+              <a:defRPr sz="1400">
+                <a:solidFill>
+                  <a:schemeClr val="tx1">
+                    <a:tint val="75000"/>
+                  </a:schemeClr>
+                </a:solidFill>
+              </a:defRPr>
+            </a:lvl7pPr>
+            <a:lvl8pPr marL="3200400" indent="0">
+              <a:buNone/>
+              <a:defRPr sz="1400">
+                <a:solidFill>
+                  <a:schemeClr val="tx1">
+                    <a:tint val="75000"/>
+                  </a:schemeClr>
+                </a:solidFill>
+              </a:defRPr>
+            </a:lvl8pPr>
+            <a:lvl9pPr marL="3657600" indent="0">
+              <a:buNone/>
+              <a:defRPr sz="1400">
+                <a:solidFill>
+                  <a:schemeClr val="tx1">
+                    <a:tint val="75000"/>
+                  </a:schemeClr>
+                </a:solidFill>
+              </a:defRPr>
+            </a:lvl9pPr>
+          </a:lstStyle>
+          <a:p>
+            <a:pPr lvl="0"/>
+            <a:r>
+              <a:rPr lang="en-US" smtClean="0"/>
+              <a:t>Edit Master text styles</a:t>
+            </a:r>
+          </a:p>
+        </p:txBody>
+      </p:sp>
+      <p:sp>
+        <p:nvSpPr>
+          <p:cNvPr id="4" name="Date Placeholder 3"/>
+          <p:cNvSpPr>
+            <a:spLocks noGrp="1"/>
+          </p:cNvSpPr>
+          <p:nvPr>
+            <p:ph type="dt" sz="half" idx="10"/>
+          </p:nvPr>
+        </p:nvSpPr>
+        <p:spPr/>
+        <p:txBody>
+          <a:bodyPr/>
+          <a:lstStyle/>
+          <a:p>
+            <a:fld id="{93A7BB36-BCA3-436D-BFE4-06336677CC91}" type="datetimeFigureOut">
+              <a:rPr lang="en-GB" smtClean="0"/>
+              <a:t>24/02/2017</a:t>
+            </a:fld>
+            <a:endParaRPr lang="en-GB" dirty="0"/>
+          </a:p>
+        </p:txBody>
+      </p:sp>
+      <p:sp>
+        <p:nvSpPr>
+          <p:cNvPr id="5" name="Footer Placeholder 4"/>
+          <p:cNvSpPr>
+            <a:spLocks noGrp="1"/>
+          </p:cNvSpPr>
+          <p:nvPr>
+            <p:ph type="ftr" sz="quarter" idx="11"/>
+          </p:nvPr>
+        </p:nvSpPr>
+        <p:spPr/>
+        <p:txBody>
+          <a:bodyPr/>
+          <a:lstStyle/>
+          <a:p>
+            <a:endParaRPr lang="en-GB" dirty="0"/>
+          </a:p>
+        </p:txBody>
+      </p:sp>
+      <p:sp>
+        <p:nvSpPr>
+          <p:cNvPr id="6" name="Slide Number Placeholder 5"/>
+          <p:cNvSpPr>
+            <a:spLocks noGrp="1"/>
+          </p:cNvSpPr>
+          <p:nvPr>
+            <p:ph type="sldNum" sz="quarter" idx="12"/>
+          </p:nvPr>
+        </p:nvSpPr>
+        <p:spPr/>
+        <p:txBody>
+          <a:bodyPr/>
+          <a:lstStyle/>
+          <a:p>
+            <a:fld id="{6A84D548-395B-41BD-AC72-7CCA6549CB67}" type="slidenum">
+              <a:rPr lang="en-GB" smtClean="0"/>
+              <a:t>‹#›</a:t>
+            </a:fld>
+            <a:endParaRPr lang="en-GB" dirty="0"/>
+          </a:p>
+        </p:txBody>
+      </p:sp>
+    </p:spTree>
+    <p:extLst>
+      <p:ext uri="{BB962C8B-B14F-4D97-AF65-F5344CB8AC3E}">
+        <p14:creationId xmlns:p14="http://schemas.microsoft.com/office/powerpoint/2010/main" val="1159067390"/>
+      </p:ext>
+    </p:extLst>
+  </p:cSld>
+  <p:clrMapOvr>
+    <a:masterClrMapping/>
+  </p:clrMapOvr>
+</p:sldLayout>
+</file>
+
+<file path=ppt/slideLayouts/slideLayout12.xml><?xml version="1.0" encoding="utf-8"?>
+<p:sldLayout xmlns:a="http://schemas.openxmlformats.org/drawingml/2006/main" xmlns:r="http://schemas.openxmlformats.org/officeDocument/2006/relationships" xmlns:p="http://schemas.openxmlformats.org/presentationml/2006/main" preserve="1">
+  <p:cSld name="Quote with Caption">
+    <p:spTree>
+      <p:nvGrpSpPr>
+        <p:cNvPr id="1" name=""/>
+        <p:cNvGrpSpPr/>
+        <p:nvPr/>
+      </p:nvGrpSpPr>
+      <p:grpSpPr>
+        <a:xfrm>
+          <a:off x="0" y="0"/>
+          <a:ext cx="0" cy="0"/>
+          <a:chOff x="0" y="0"/>
+          <a:chExt cx="0" cy="0"/>
+        </a:xfrm>
+      </p:grpSpPr>
+      <p:sp>
+        <p:nvSpPr>
+          <p:cNvPr id="14" name="TextBox 13"/>
+          <p:cNvSpPr txBox="1"/>
+          <p:nvPr/>
+        </p:nvSpPr>
+        <p:spPr>
+          <a:xfrm>
+            <a:off x="836612" y="786824"/>
+            <a:ext cx="609600" cy="584776"/>
+          </a:xfrm>
+          <a:prstGeom prst="rect">
+            <a:avLst/>
+          </a:prstGeom>
+        </p:spPr>
+        <p:txBody>
+          <a:bodyPr vert="horz" lIns="91440" tIns="45720" rIns="91440" bIns="45720" rtlCol="0" anchor="ctr">
+            <a:noAutofit/>
+          </a:bodyPr>
+          <a:lstStyle>
+            <a:lvl1pPr>
+              <a:spcBef>
+                <a:spcPct val="0"/>
+              </a:spcBef>
+              <a:buNone/>
+              <a:defRPr sz="3200" b="0" cap="all">
+                <a:ln w="3175" cmpd="sng">
+                  <a:noFill/>
+                </a:ln>
+                <a:effectLst>
+                  <a:glow rad="38100">
+                    <a:schemeClr val="bg1">
+                      <a:lumMod val="65000"/>
+                      <a:lumOff val="35000"/>
+                      <a:alpha val="40000"/>
+                    </a:schemeClr>
+                  </a:glow>
+                  <a:outerShdw blurRad="28575" dist="38100" dir="14040000" algn="tl" rotWithShape="0">
+                    <a:srgbClr val="000000">
+                      <a:alpha val="25000"/>
+                    </a:srgbClr>
+                  </a:outerShdw>
+                </a:effectLst>
+              </a:defRPr>
+            </a:lvl1pPr>
+            <a:lvl2pPr>
+              <a:defRPr>
+                <a:solidFill>
+                  <a:schemeClr val="tx2"/>
+                </a:solidFill>
+              </a:defRPr>
+            </a:lvl2pPr>
+            <a:lvl3pPr>
+              <a:defRPr>
+                <a:solidFill>
+                  <a:schemeClr val="tx2"/>
+                </a:solidFill>
+              </a:defRPr>
+            </a:lvl3pPr>
+            <a:lvl4pPr>
+              <a:defRPr>
+                <a:solidFill>
+                  <a:schemeClr val="tx2"/>
+                </a:solidFill>
+              </a:defRPr>
+            </a:lvl4pPr>
+            <a:lvl5pPr>
+              <a:defRPr>
+                <a:solidFill>
+                  <a:schemeClr val="tx2"/>
+                </a:solidFill>
+              </a:defRPr>
+            </a:lvl5pPr>
+            <a:lvl6pPr>
+              <a:defRPr>
+                <a:solidFill>
+                  <a:schemeClr val="tx2"/>
+                </a:solidFill>
+              </a:defRPr>
+            </a:lvl6pPr>
+            <a:lvl7pPr>
+              <a:defRPr>
+                <a:solidFill>
+                  <a:schemeClr val="tx2"/>
+                </a:solidFill>
+              </a:defRPr>
+            </a:lvl7pPr>
+            <a:lvl8pPr>
+              <a:defRPr>
+                <a:solidFill>
+                  <a:schemeClr val="tx2"/>
+                </a:solidFill>
+              </a:defRPr>
+            </a:lvl8pPr>
+            <a:lvl9pPr>
+              <a:defRPr>
+                <a:solidFill>
+                  <a:schemeClr val="tx2"/>
+                </a:solidFill>
+              </a:defRPr>
+            </a:lvl9pPr>
+          </a:lstStyle>
+          <a:p>
+            <a:pPr lvl="0"/>
+            <a:r>
+              <a:rPr lang="en-US" sz="8000" dirty="0">
+                <a:solidFill>
+                  <a:schemeClr val="accent1"/>
+                </a:solidFill>
+              </a:rPr>
+              <a:t>“</a:t>
+            </a:r>
+          </a:p>
+        </p:txBody>
+      </p:sp>
+      <p:sp>
+        <p:nvSpPr>
+          <p:cNvPr id="15" name="TextBox 14"/>
+          <p:cNvSpPr txBox="1"/>
+          <p:nvPr/>
+        </p:nvSpPr>
+        <p:spPr>
+          <a:xfrm>
+            <a:off x="10437812" y="2743200"/>
+            <a:ext cx="609600" cy="584776"/>
+          </a:xfrm>
+          <a:prstGeom prst="rect">
+            <a:avLst/>
+          </a:prstGeom>
+        </p:spPr>
+        <p:txBody>
+          <a:bodyPr vert="horz" lIns="91440" tIns="45720" rIns="91440" bIns="45720" rtlCol="0" anchor="ctr">
+            <a:noAutofit/>
+          </a:bodyPr>
+          <a:lstStyle>
+            <a:lvl1pPr>
+              <a:spcBef>
+                <a:spcPct val="0"/>
+              </a:spcBef>
+              <a:buNone/>
+              <a:defRPr sz="3200" b="0" cap="all">
+                <a:ln w="3175" cmpd="sng">
+                  <a:noFill/>
+                </a:ln>
+                <a:effectLst>
+                  <a:glow rad="38100">
+                    <a:schemeClr val="bg1">
+                      <a:lumMod val="65000"/>
+                      <a:lumOff val="35000"/>
+                      <a:alpha val="40000"/>
+                    </a:schemeClr>
+                  </a:glow>
+                  <a:outerShdw blurRad="28575" dist="38100" dir="14040000" algn="tl" rotWithShape="0">
+                    <a:srgbClr val="000000">
+                      <a:alpha val="25000"/>
+                    </a:srgbClr>
+                  </a:outerShdw>
+                </a:effectLst>
+              </a:defRPr>
+            </a:lvl1pPr>
+            <a:lvl2pPr>
+              <a:defRPr>
+                <a:solidFill>
+                  <a:schemeClr val="tx2"/>
+                </a:solidFill>
+              </a:defRPr>
+            </a:lvl2pPr>
+            <a:lvl3pPr>
+              <a:defRPr>
+                <a:solidFill>
+                  <a:schemeClr val="tx2"/>
+                </a:solidFill>
+              </a:defRPr>
+            </a:lvl3pPr>
+            <a:lvl4pPr>
+              <a:defRPr>
+                <a:solidFill>
+                  <a:schemeClr val="tx2"/>
+                </a:solidFill>
+              </a:defRPr>
+            </a:lvl4pPr>
+            <a:lvl5pPr>
+              <a:defRPr>
+                <a:solidFill>
+                  <a:schemeClr val="tx2"/>
+                </a:solidFill>
+              </a:defRPr>
+            </a:lvl5pPr>
+            <a:lvl6pPr>
+              <a:defRPr>
+                <a:solidFill>
+                  <a:schemeClr val="tx2"/>
+                </a:solidFill>
+              </a:defRPr>
+            </a:lvl6pPr>
+            <a:lvl7pPr>
+              <a:defRPr>
+                <a:solidFill>
+                  <a:schemeClr val="tx2"/>
+                </a:solidFill>
+              </a:defRPr>
+            </a:lvl7pPr>
+            <a:lvl8pPr>
+              <a:defRPr>
+                <a:solidFill>
+                  <a:schemeClr val="tx2"/>
+                </a:solidFill>
+              </a:defRPr>
+            </a:lvl8pPr>
+            <a:lvl9pPr>
+              <a:defRPr>
+                <a:solidFill>
+                  <a:schemeClr val="tx2"/>
+                </a:solidFill>
+              </a:defRPr>
+            </a:lvl9pPr>
+          </a:lstStyle>
+          <a:p>
+            <a:pPr lvl="0" algn="r"/>
+            <a:r>
+              <a:rPr lang="en-US" sz="8000" dirty="0">
+                <a:solidFill>
+                  <a:schemeClr val="accent1"/>
+                </a:solidFill>
+              </a:rPr>
+              <a:t>”</a:t>
+            </a:r>
+          </a:p>
+        </p:txBody>
+      </p:sp>
+      <p:sp>
+        <p:nvSpPr>
+          <p:cNvPr id="2" name="Title 1"/>
+          <p:cNvSpPr>
+            <a:spLocks noGrp="1"/>
+          </p:cNvSpPr>
+          <p:nvPr>
+            <p:ph type="title"/>
+          </p:nvPr>
+        </p:nvSpPr>
+        <p:spPr>
+          <a:xfrm>
+            <a:off x="1446213" y="609601"/>
+            <a:ext cx="9296398" cy="2743199"/>
+          </a:xfrm>
+        </p:spPr>
+        <p:txBody>
+          <a:bodyPr anchor="ctr">
+            <a:normAutofit/>
+          </a:bodyPr>
+          <a:lstStyle>
+            <a:lvl1pPr algn="l">
+              <a:defRPr sz="3200" b="0" cap="all">
+                <a:solidFill>
+                  <a:schemeClr val="tx1"/>
+                </a:solidFill>
+              </a:defRPr>
+            </a:lvl1pPr>
+          </a:lstStyle>
+          <a:p>
+            <a:r>
+              <a:rPr lang="en-US" smtClean="0"/>
+              <a:t>Click to edit Master title style</a:t>
+            </a:r>
+            <a:endParaRPr lang="en-US" dirty="0"/>
+          </a:p>
+        </p:txBody>
+      </p:sp>
+      <p:sp>
+        <p:nvSpPr>
+          <p:cNvPr id="10" name="Text Placeholder 9"/>
+          <p:cNvSpPr>
+            <a:spLocks noGrp="1"/>
+          </p:cNvSpPr>
+          <p:nvPr>
+            <p:ph type="body" sz="quarter" idx="13"/>
+          </p:nvPr>
+        </p:nvSpPr>
+        <p:spPr>
+          <a:xfrm>
+            <a:off x="1674812" y="3352800"/>
+            <a:ext cx="8839202" cy="381000"/>
+          </a:xfrm>
+        </p:spPr>
+        <p:txBody>
+          <a:bodyPr anchor="ctr"/>
+          <a:lstStyle>
+            <a:lvl1pPr marL="0" indent="0">
+              <a:buFontTx/>
+              <a:buNone/>
+              <a:defRPr/>
+            </a:lvl1pPr>
+            <a:lvl2pPr marL="457200" indent="0">
+              <a:buFontTx/>
+              <a:buNone/>
+              <a:defRPr/>
+            </a:lvl2pPr>
+            <a:lvl3pPr marL="914400" indent="0">
+              <a:buFontTx/>
+              <a:buNone/>
+              <a:defRPr/>
+            </a:lvl3pPr>
+            <a:lvl4pPr marL="1371600" indent="0">
+              <a:buFontTx/>
+              <a:buNone/>
+              <a:defRPr/>
+            </a:lvl4pPr>
+            <a:lvl5pPr marL="1828800" indent="0">
+              <a:buFontTx/>
+              <a:buNone/>
+              <a:defRPr/>
+            </a:lvl5pPr>
+          </a:lstStyle>
+          <a:p>
+            <a:pPr lvl="0"/>
+            <a:r>
+              <a:rPr lang="en-US" smtClean="0"/>
+              <a:t>Edit Master text styles</a:t>
+            </a:r>
+          </a:p>
+        </p:txBody>
+      </p:sp>
+      <p:sp>
+        <p:nvSpPr>
+          <p:cNvPr id="3" name="Text Placeholder 2"/>
+          <p:cNvSpPr>
+            <a:spLocks noGrp="1"/>
+          </p:cNvSpPr>
+          <p:nvPr>
+            <p:ph type="body" idx="1"/>
+          </p:nvPr>
+        </p:nvSpPr>
+        <p:spPr>
+          <a:xfrm>
+            <a:off x="1141411" y="4343400"/>
+            <a:ext cx="9906000" cy="1447800"/>
+          </a:xfrm>
+        </p:spPr>
+        <p:txBody>
+          <a:bodyPr vert="horz" lIns="91440" tIns="45720" rIns="91440" bIns="45720" rtlCol="0" anchor="ctr">
+            <a:normAutofit/>
+          </a:bodyPr>
+          <a:lstStyle>
+            <a:lvl1pPr>
+              <a:buNone/>
+              <a:defRPr lang="en-US" sz="2000">
+                <a:gradFill flip="none" rotWithShape="1">
+                  <a:gsLst>
+                    <a:gs pos="0">
+                      <a:schemeClr val="tx1"/>
+                    </a:gs>
+                    <a:gs pos="100000">
+                      <a:schemeClr val="tx1">
+                        <a:lumMod val="75000"/>
+                      </a:schemeClr>
+                    </a:gs>
+                  </a:gsLst>
+                  <a:lin ang="5400000" scaled="0"/>
+                  <a:tileRect/>
+                </a:gradFill>
+              </a:defRPr>
+            </a:lvl1pPr>
+          </a:lstStyle>
+          <a:p>
+            <a:pPr marL="0" lvl="0" indent="0">
+              <a:buNone/>
+            </a:pPr>
+            <a:r>
+              <a:rPr lang="en-US" smtClean="0"/>
+              <a:t>Edit Master text styles</a:t>
+            </a:r>
+          </a:p>
+        </p:txBody>
+      </p:sp>
+      <p:sp>
+        <p:nvSpPr>
+          <p:cNvPr id="4" name="Date Placeholder 3"/>
+          <p:cNvSpPr>
+            <a:spLocks noGrp="1"/>
+          </p:cNvSpPr>
+          <p:nvPr>
+            <p:ph type="dt" sz="half" idx="10"/>
+          </p:nvPr>
+        </p:nvSpPr>
+        <p:spPr/>
+        <p:txBody>
+          <a:bodyPr/>
+          <a:lstStyle/>
+          <a:p>
+            <a:fld id="{93A7BB36-BCA3-436D-BFE4-06336677CC91}" type="datetimeFigureOut">
+              <a:rPr lang="en-GB" smtClean="0"/>
+              <a:t>24/02/2017</a:t>
+            </a:fld>
+            <a:endParaRPr lang="en-GB" dirty="0"/>
+          </a:p>
+        </p:txBody>
+      </p:sp>
+      <p:sp>
+        <p:nvSpPr>
+          <p:cNvPr id="5" name="Footer Placeholder 4"/>
+          <p:cNvSpPr>
+            <a:spLocks noGrp="1"/>
+          </p:cNvSpPr>
+          <p:nvPr>
+            <p:ph type="ftr" sz="quarter" idx="11"/>
+          </p:nvPr>
+        </p:nvSpPr>
+        <p:spPr/>
+        <p:txBody>
+          <a:bodyPr/>
+          <a:lstStyle/>
+          <a:p>
+            <a:endParaRPr lang="en-GB" dirty="0"/>
+          </a:p>
+        </p:txBody>
+      </p:sp>
+      <p:sp>
+        <p:nvSpPr>
+          <p:cNvPr id="6" name="Slide Number Placeholder 5"/>
+          <p:cNvSpPr>
+            <a:spLocks noGrp="1"/>
+          </p:cNvSpPr>
+          <p:nvPr>
+            <p:ph type="sldNum" sz="quarter" idx="12"/>
+          </p:nvPr>
+        </p:nvSpPr>
+        <p:spPr/>
+        <p:txBody>
+          <a:bodyPr/>
+          <a:lstStyle/>
+          <a:p>
+            <a:fld id="{6A84D548-395B-41BD-AC72-7CCA6549CB67}" type="slidenum">
+              <a:rPr lang="en-GB" smtClean="0"/>
+              <a:t>‹#›</a:t>
+            </a:fld>
+            <a:endParaRPr lang="en-GB" dirty="0"/>
+          </a:p>
+        </p:txBody>
+      </p:sp>
+    </p:spTree>
+    <p:extLst>
+      <p:ext uri="{BB962C8B-B14F-4D97-AF65-F5344CB8AC3E}">
+        <p14:creationId xmlns:p14="http://schemas.microsoft.com/office/powerpoint/2010/main" val="199318083"/>
+      </p:ext>
+    </p:extLst>
+  </p:cSld>
+  <p:clrMapOvr>
+    <a:masterClrMapping/>
+  </p:clrMapOvr>
+</p:sldLayout>
+</file>
+
+<file path=ppt/slideLayouts/slideLayout13.xml><?xml version="1.0" encoding="utf-8"?>
+<p:sldLayout xmlns:a="http://schemas.openxmlformats.org/drawingml/2006/main" xmlns:r="http://schemas.openxmlformats.org/officeDocument/2006/relationships" xmlns:p="http://schemas.openxmlformats.org/presentationml/2006/main" preserve="1">
+  <p:cSld name="Name Card">
+    <p:spTree>
+      <p:nvGrpSpPr>
+        <p:cNvPr id="1" name=""/>
+        <p:cNvGrpSpPr/>
+        <p:nvPr/>
+      </p:nvGrpSpPr>
+      <p:grpSpPr>
+        <a:xfrm>
+          <a:off x="0" y="0"/>
+          <a:ext cx="0" cy="0"/>
+          <a:chOff x="0" y="0"/>
+          <a:chExt cx="0" cy="0"/>
+        </a:xfrm>
+      </p:grpSpPr>
+      <p:sp>
+        <p:nvSpPr>
+          <p:cNvPr id="2" name="Title 1"/>
+          <p:cNvSpPr>
+            <a:spLocks noGrp="1"/>
+          </p:cNvSpPr>
+          <p:nvPr>
+            <p:ph type="title"/>
+          </p:nvPr>
+        </p:nvSpPr>
+        <p:spPr>
+          <a:xfrm>
+            <a:off x="1141412" y="3308581"/>
+            <a:ext cx="9906000" cy="1468800"/>
+          </a:xfrm>
+        </p:spPr>
+        <p:txBody>
+          <a:bodyPr anchor="b">
+            <a:normAutofit/>
+          </a:bodyPr>
+          <a:lstStyle>
+            <a:lvl1pPr algn="l">
+              <a:defRPr sz="3200" b="0" cap="all"/>
+            </a:lvl1pPr>
+          </a:lstStyle>
+          <a:p>
+            <a:r>
+              <a:rPr lang="en-US" smtClean="0"/>
+              <a:t>Click to edit Master title style</a:t>
+            </a:r>
+            <a:endParaRPr lang="en-US" dirty="0"/>
+          </a:p>
+        </p:txBody>
+      </p:sp>
+      <p:sp>
+        <p:nvSpPr>
+          <p:cNvPr id="3" name="Text Placeholder 2"/>
+          <p:cNvSpPr>
+            <a:spLocks noGrp="1"/>
+          </p:cNvSpPr>
+          <p:nvPr>
+            <p:ph type="body" idx="1"/>
+          </p:nvPr>
+        </p:nvSpPr>
+        <p:spPr>
+          <a:xfrm>
+            <a:off x="1141410" y="4777381"/>
+            <a:ext cx="9906001" cy="860400"/>
+          </a:xfrm>
+        </p:spPr>
+        <p:txBody>
+          <a:bodyPr vert="horz" lIns="91440" tIns="45720" rIns="91440" bIns="45720" rtlCol="0" anchor="t">
+            <a:normAutofit/>
+          </a:bodyPr>
+          <a:lstStyle>
+            <a:lvl1pPr>
+              <a:defRPr lang="en-US" sz="2000">
+                <a:gradFill flip="none" rotWithShape="1">
+                  <a:gsLst>
+                    <a:gs pos="0">
+                      <a:schemeClr val="tx1"/>
+                    </a:gs>
+                    <a:gs pos="100000">
+                      <a:schemeClr val="tx1">
+                        <a:lumMod val="75000"/>
+                      </a:schemeClr>
+                    </a:gs>
+                  </a:gsLst>
+                  <a:lin ang="5400000" scaled="0"/>
+                  <a:tileRect/>
+                </a:gradFill>
+              </a:defRPr>
+            </a:lvl1pPr>
+          </a:lstStyle>
+          <a:p>
+            <a:pPr marL="0" lvl="0" indent="0">
+              <a:buNone/>
+            </a:pPr>
+            <a:r>
+              <a:rPr lang="en-US" smtClean="0"/>
+              <a:t>Edit Master text styles</a:t>
+            </a:r>
+          </a:p>
+        </p:txBody>
+      </p:sp>
+      <p:sp>
+        <p:nvSpPr>
+          <p:cNvPr id="4" name="Date Placeholder 3"/>
+          <p:cNvSpPr>
+            <a:spLocks noGrp="1"/>
+          </p:cNvSpPr>
+          <p:nvPr>
+            <p:ph type="dt" sz="half" idx="10"/>
+          </p:nvPr>
+        </p:nvSpPr>
+        <p:spPr/>
+        <p:txBody>
+          <a:bodyPr/>
+          <a:lstStyle/>
+          <a:p>
+            <a:fld id="{93A7BB36-BCA3-436D-BFE4-06336677CC91}" type="datetimeFigureOut">
+              <a:rPr lang="en-GB" smtClean="0"/>
+              <a:t>24/02/2017</a:t>
+            </a:fld>
+            <a:endParaRPr lang="en-GB" dirty="0"/>
+          </a:p>
+        </p:txBody>
+      </p:sp>
+      <p:sp>
+        <p:nvSpPr>
+          <p:cNvPr id="5" name="Footer Placeholder 4"/>
+          <p:cNvSpPr>
+            <a:spLocks noGrp="1"/>
+          </p:cNvSpPr>
+          <p:nvPr>
+            <p:ph type="ftr" sz="quarter" idx="11"/>
+          </p:nvPr>
+        </p:nvSpPr>
+        <p:spPr/>
+        <p:txBody>
+          <a:bodyPr/>
+          <a:lstStyle/>
+          <a:p>
+            <a:endParaRPr lang="en-GB" dirty="0"/>
+          </a:p>
+        </p:txBody>
+      </p:sp>
+      <p:sp>
+        <p:nvSpPr>
+          <p:cNvPr id="6" name="Slide Number Placeholder 5"/>
+          <p:cNvSpPr>
+            <a:spLocks noGrp="1"/>
+          </p:cNvSpPr>
+          <p:nvPr>
+            <p:ph type="sldNum" sz="quarter" idx="12"/>
+          </p:nvPr>
+        </p:nvSpPr>
+        <p:spPr/>
+        <p:txBody>
+          <a:bodyPr/>
+          <a:lstStyle/>
+          <a:p>
+            <a:fld id="{6A84D548-395B-41BD-AC72-7CCA6549CB67}" type="slidenum">
+              <a:rPr lang="en-GB" smtClean="0"/>
+              <a:t>‹#›</a:t>
+            </a:fld>
+            <a:endParaRPr lang="en-GB" dirty="0"/>
+          </a:p>
+        </p:txBody>
+      </p:sp>
+    </p:spTree>
+    <p:extLst>
+      <p:ext uri="{BB962C8B-B14F-4D97-AF65-F5344CB8AC3E}">
+        <p14:creationId xmlns:p14="http://schemas.microsoft.com/office/powerpoint/2010/main" val="3359256261"/>
+      </p:ext>
+    </p:extLst>
+  </p:cSld>
+  <p:clrMapOvr>
+    <a:masterClrMapping/>
+  </p:clrMapOvr>
+</p:sldLayout>
+</file>
+
+<file path=ppt/slideLayouts/slideLayout14.xml><?xml version="1.0" encoding="utf-8"?>
+<p:sldLayout xmlns:a="http://schemas.openxmlformats.org/drawingml/2006/main" xmlns:r="http://schemas.openxmlformats.org/officeDocument/2006/relationships" xmlns:p="http://schemas.openxmlformats.org/presentationml/2006/main" preserve="1">
+  <p:cSld name="Quote Name Card">
+    <p:spTree>
+      <p:nvGrpSpPr>
+        <p:cNvPr id="1" name=""/>
+        <p:cNvGrpSpPr/>
+        <p:nvPr/>
+      </p:nvGrpSpPr>
+      <p:grpSpPr>
+        <a:xfrm>
+          <a:off x="0" y="0"/>
+          <a:ext cx="0" cy="0"/>
+          <a:chOff x="0" y="0"/>
+          <a:chExt cx="0" cy="0"/>
+        </a:xfrm>
+      </p:grpSpPr>
+      <p:sp>
+        <p:nvSpPr>
+          <p:cNvPr id="14" name="TextBox 13"/>
+          <p:cNvSpPr txBox="1"/>
+          <p:nvPr/>
+        </p:nvSpPr>
+        <p:spPr>
+          <a:xfrm>
+            <a:off x="836612" y="786824"/>
+            <a:ext cx="609600" cy="584776"/>
+          </a:xfrm>
+          <a:prstGeom prst="rect">
+            <a:avLst/>
+          </a:prstGeom>
+        </p:spPr>
+        <p:txBody>
+          <a:bodyPr vert="horz" lIns="91440" tIns="45720" rIns="91440" bIns="45720" rtlCol="0" anchor="ctr">
+            <a:noAutofit/>
+          </a:bodyPr>
+          <a:lstStyle>
+            <a:lvl1pPr>
+              <a:spcBef>
+                <a:spcPct val="0"/>
+              </a:spcBef>
+              <a:buNone/>
+              <a:defRPr sz="3200" b="0" cap="all">
+                <a:ln w="3175" cmpd="sng">
+                  <a:noFill/>
+                </a:ln>
+                <a:effectLst>
+                  <a:glow rad="38100">
+                    <a:schemeClr val="bg1">
+                      <a:lumMod val="65000"/>
+                      <a:lumOff val="35000"/>
+                      <a:alpha val="40000"/>
+                    </a:schemeClr>
+                  </a:glow>
+                  <a:outerShdw blurRad="28575" dist="38100" dir="14040000" algn="tl" rotWithShape="0">
+                    <a:srgbClr val="000000">
+                      <a:alpha val="25000"/>
+                    </a:srgbClr>
+                  </a:outerShdw>
+                </a:effectLst>
+              </a:defRPr>
+            </a:lvl1pPr>
+            <a:lvl2pPr>
+              <a:defRPr>
+                <a:solidFill>
+                  <a:schemeClr val="tx2"/>
+                </a:solidFill>
+              </a:defRPr>
+            </a:lvl2pPr>
+            <a:lvl3pPr>
+              <a:defRPr>
+                <a:solidFill>
+                  <a:schemeClr val="tx2"/>
+                </a:solidFill>
+              </a:defRPr>
+            </a:lvl3pPr>
+            <a:lvl4pPr>
+              <a:defRPr>
+                <a:solidFill>
+                  <a:schemeClr val="tx2"/>
+                </a:solidFill>
+              </a:defRPr>
+            </a:lvl4pPr>
+            <a:lvl5pPr>
+              <a:defRPr>
+                <a:solidFill>
+                  <a:schemeClr val="tx2"/>
+                </a:solidFill>
+              </a:defRPr>
+            </a:lvl5pPr>
+            <a:lvl6pPr>
+              <a:defRPr>
+                <a:solidFill>
+                  <a:schemeClr val="tx2"/>
+                </a:solidFill>
+              </a:defRPr>
+            </a:lvl6pPr>
+            <a:lvl7pPr>
+              <a:defRPr>
+                <a:solidFill>
+                  <a:schemeClr val="tx2"/>
+                </a:solidFill>
+              </a:defRPr>
+            </a:lvl7pPr>
+            <a:lvl8pPr>
+              <a:defRPr>
+                <a:solidFill>
+                  <a:schemeClr val="tx2"/>
+                </a:solidFill>
+              </a:defRPr>
+            </a:lvl8pPr>
+            <a:lvl9pPr>
+              <a:defRPr>
+                <a:solidFill>
+                  <a:schemeClr val="tx2"/>
+                </a:solidFill>
+              </a:defRPr>
+            </a:lvl9pPr>
+          </a:lstStyle>
+          <a:p>
+            <a:pPr lvl="0"/>
+            <a:r>
+              <a:rPr lang="en-US" sz="8000" dirty="0">
+                <a:solidFill>
+                  <a:schemeClr val="accent1"/>
+                </a:solidFill>
+              </a:rPr>
+              <a:t>“</a:t>
+            </a:r>
+          </a:p>
+        </p:txBody>
+      </p:sp>
+      <p:sp>
+        <p:nvSpPr>
+          <p:cNvPr id="15" name="TextBox 14"/>
+          <p:cNvSpPr txBox="1"/>
+          <p:nvPr/>
+        </p:nvSpPr>
+        <p:spPr>
+          <a:xfrm>
+            <a:off x="10437812" y="2743200"/>
+            <a:ext cx="609600" cy="584776"/>
+          </a:xfrm>
+          <a:prstGeom prst="rect">
+            <a:avLst/>
+          </a:prstGeom>
+        </p:spPr>
+        <p:txBody>
+          <a:bodyPr vert="horz" lIns="91440" tIns="45720" rIns="91440" bIns="45720" rtlCol="0" anchor="ctr">
+            <a:noAutofit/>
+          </a:bodyPr>
+          <a:lstStyle>
+            <a:lvl1pPr>
+              <a:spcBef>
+                <a:spcPct val="0"/>
+              </a:spcBef>
+              <a:buNone/>
+              <a:defRPr sz="3200" b="0" cap="all">
+                <a:ln w="3175" cmpd="sng">
+                  <a:noFill/>
+                </a:ln>
+                <a:effectLst>
+                  <a:glow rad="38100">
+                    <a:schemeClr val="bg1">
+                      <a:lumMod val="65000"/>
+                      <a:lumOff val="35000"/>
+                      <a:alpha val="40000"/>
+                    </a:schemeClr>
+                  </a:glow>
+                  <a:outerShdw blurRad="28575" dist="38100" dir="14040000" algn="tl" rotWithShape="0">
+                    <a:srgbClr val="000000">
+                      <a:alpha val="25000"/>
+                    </a:srgbClr>
+                  </a:outerShdw>
+                </a:effectLst>
+              </a:defRPr>
+            </a:lvl1pPr>
+            <a:lvl2pPr>
+              <a:defRPr>
+                <a:solidFill>
+                  <a:schemeClr val="tx2"/>
+                </a:solidFill>
+              </a:defRPr>
+            </a:lvl2pPr>
+            <a:lvl3pPr>
+              <a:defRPr>
+                <a:solidFill>
+                  <a:schemeClr val="tx2"/>
+                </a:solidFill>
+              </a:defRPr>
+            </a:lvl3pPr>
+            <a:lvl4pPr>
+              <a:defRPr>
+                <a:solidFill>
+                  <a:schemeClr val="tx2"/>
+                </a:solidFill>
+              </a:defRPr>
+            </a:lvl4pPr>
+            <a:lvl5pPr>
+              <a:defRPr>
+                <a:solidFill>
+                  <a:schemeClr val="tx2"/>
+                </a:solidFill>
+              </a:defRPr>
+            </a:lvl5pPr>
+            <a:lvl6pPr>
+              <a:defRPr>
+                <a:solidFill>
+                  <a:schemeClr val="tx2"/>
+                </a:solidFill>
+              </a:defRPr>
+            </a:lvl6pPr>
+            <a:lvl7pPr>
+              <a:defRPr>
+                <a:solidFill>
+                  <a:schemeClr val="tx2"/>
+                </a:solidFill>
+              </a:defRPr>
+            </a:lvl7pPr>
+            <a:lvl8pPr>
+              <a:defRPr>
+                <a:solidFill>
+                  <a:schemeClr val="tx2"/>
+                </a:solidFill>
+              </a:defRPr>
+            </a:lvl8pPr>
+            <a:lvl9pPr>
+              <a:defRPr>
+                <a:solidFill>
+                  <a:schemeClr val="tx2"/>
+                </a:solidFill>
+              </a:defRPr>
+            </a:lvl9pPr>
+          </a:lstStyle>
+          <a:p>
+            <a:pPr lvl="0" algn="r"/>
+            <a:r>
+              <a:rPr lang="en-US" sz="8000" dirty="0">
+                <a:solidFill>
+                  <a:schemeClr val="accent1"/>
+                </a:solidFill>
+              </a:rPr>
+              <a:t>”</a:t>
+            </a:r>
+          </a:p>
+        </p:txBody>
+      </p:sp>
+      <p:sp>
+        <p:nvSpPr>
+          <p:cNvPr id="2" name="Title 1"/>
+          <p:cNvSpPr>
+            <a:spLocks noGrp="1"/>
+          </p:cNvSpPr>
+          <p:nvPr>
+            <p:ph type="title"/>
+          </p:nvPr>
+        </p:nvSpPr>
+        <p:spPr>
+          <a:xfrm>
+            <a:off x="1446213" y="609601"/>
+            <a:ext cx="9296398" cy="2743199"/>
+          </a:xfrm>
+        </p:spPr>
+        <p:txBody>
+          <a:bodyPr anchor="ctr">
+            <a:normAutofit/>
+          </a:bodyPr>
+          <a:lstStyle>
+            <a:lvl1pPr algn="l">
+              <a:defRPr sz="3200" b="0" cap="all">
+                <a:gradFill flip="none" rotWithShape="1">
+                  <a:gsLst>
+                    <a:gs pos="0">
+                      <a:schemeClr val="tx1"/>
+                    </a:gs>
+                    <a:gs pos="100000">
+                      <a:schemeClr val="tx1">
+                        <a:lumMod val="75000"/>
+                      </a:schemeClr>
+                    </a:gs>
+                  </a:gsLst>
+                  <a:lin ang="5400000" scaled="0"/>
+                  <a:tileRect/>
+                </a:gradFill>
+              </a:defRPr>
+            </a:lvl1pPr>
+          </a:lstStyle>
+          <a:p>
+            <a:r>
+              <a:rPr lang="en-US" smtClean="0"/>
+              <a:t>Click to edit Master title style</a:t>
+            </a:r>
+            <a:endParaRPr lang="en-US" dirty="0"/>
+          </a:p>
+        </p:txBody>
+      </p:sp>
+      <p:sp>
+        <p:nvSpPr>
+          <p:cNvPr id="10" name="Text Placeholder 9"/>
+          <p:cNvSpPr>
+            <a:spLocks noGrp="1"/>
+          </p:cNvSpPr>
+          <p:nvPr>
+            <p:ph type="body" sz="quarter" idx="13"/>
+          </p:nvPr>
+        </p:nvSpPr>
+        <p:spPr>
+          <a:xfrm>
+            <a:off x="1141412" y="3886200"/>
+            <a:ext cx="9906000" cy="889000"/>
+          </a:xfrm>
+        </p:spPr>
+        <p:txBody>
+          <a:bodyPr vert="horz" lIns="91440" tIns="45720" rIns="91440" bIns="45720" rtlCol="0" anchor="b">
+            <a:normAutofit/>
+          </a:bodyPr>
+          <a:lstStyle>
+            <a:lvl1pPr>
+              <a:buNone/>
+              <a:defRPr lang="en-US" sz="2400" b="0" cap="all" dirty="0">
+                <a:ln w="3175" cmpd="sng">
+                  <a:noFill/>
+                </a:ln>
+                <a:gradFill flip="none" rotWithShape="1">
+                  <a:gsLst>
+                    <a:gs pos="0">
+                      <a:schemeClr val="tx1"/>
+                    </a:gs>
+                    <a:gs pos="100000">
+                      <a:schemeClr val="tx1">
+                        <a:lumMod val="75000"/>
+                      </a:schemeClr>
+                    </a:gs>
+                  </a:gsLst>
+                  <a:lin ang="5400000" scaled="0"/>
+                  <a:tileRect/>
+                </a:gradFill>
+                <a:effectLst>
+                  <a:glow rad="38100">
+                    <a:schemeClr val="bg1">
+                      <a:lumMod val="65000"/>
+                      <a:lumOff val="35000"/>
+                      <a:alpha val="40000"/>
+                    </a:schemeClr>
+                  </a:glow>
+                  <a:outerShdw blurRad="28575" dist="38100" dir="14040000" algn="tl" rotWithShape="0">
+                    <a:srgbClr val="000000">
+                      <a:alpha val="25000"/>
+                    </a:srgbClr>
+                  </a:outerShdw>
+                </a:effectLst>
+              </a:defRPr>
+            </a:lvl1pPr>
+          </a:lstStyle>
+          <a:p>
+            <a:pPr marL="0" lvl="0">
+              <a:spcBef>
+                <a:spcPct val="0"/>
+              </a:spcBef>
+              <a:buNone/>
+            </a:pPr>
+            <a:r>
+              <a:rPr lang="en-US" smtClean="0"/>
+              <a:t>Edit Master text styles</a:t>
+            </a:r>
+          </a:p>
+        </p:txBody>
+      </p:sp>
+      <p:sp>
+        <p:nvSpPr>
+          <p:cNvPr id="3" name="Text Placeholder 2"/>
+          <p:cNvSpPr>
+            <a:spLocks noGrp="1"/>
+          </p:cNvSpPr>
+          <p:nvPr>
+            <p:ph type="body" idx="1"/>
+          </p:nvPr>
+        </p:nvSpPr>
+        <p:spPr>
+          <a:xfrm>
+            <a:off x="1141411" y="4775200"/>
+            <a:ext cx="9906000" cy="1016000"/>
+          </a:xfrm>
+        </p:spPr>
+        <p:txBody>
+          <a:bodyPr anchor="t">
+            <a:normAutofit/>
+          </a:bodyPr>
+          <a:lstStyle>
+            <a:lvl1pPr marL="0" indent="0" algn="l">
+              <a:buNone/>
+              <a:defRPr sz="1800">
+                <a:gradFill flip="none" rotWithShape="1">
+                  <a:gsLst>
+                    <a:gs pos="0">
+                      <a:schemeClr val="tx1"/>
+                    </a:gs>
+                    <a:gs pos="100000">
+                      <a:schemeClr val="tx1">
+                        <a:lumMod val="75000"/>
+                      </a:schemeClr>
+                    </a:gs>
+                  </a:gsLst>
+                  <a:lin ang="5400000" scaled="0"/>
+                  <a:tileRect/>
+                </a:gradFill>
+              </a:defRPr>
+            </a:lvl1pPr>
+            <a:lvl2pPr marL="457200" indent="0">
+              <a:buNone/>
+              <a:defRPr sz="1800">
+                <a:solidFill>
+                  <a:schemeClr val="tx1">
+                    <a:tint val="75000"/>
+                  </a:schemeClr>
+                </a:solidFill>
+              </a:defRPr>
+            </a:lvl2pPr>
+            <a:lvl3pPr marL="914400" indent="0">
+              <a:buNone/>
+              <a:defRPr sz="1600">
+                <a:solidFill>
+                  <a:schemeClr val="tx1">
+                    <a:tint val="75000"/>
+                  </a:schemeClr>
+                </a:solidFill>
+              </a:defRPr>
+            </a:lvl3pPr>
+            <a:lvl4pPr marL="1371600" indent="0">
+              <a:buNone/>
+              <a:defRPr sz="1400">
+                <a:solidFill>
+                  <a:schemeClr val="tx1">
+                    <a:tint val="75000"/>
+                  </a:schemeClr>
+                </a:solidFill>
+              </a:defRPr>
+            </a:lvl4pPr>
+            <a:lvl5pPr marL="1828800" indent="0">
+              <a:buNone/>
+              <a:defRPr sz="1400">
+                <a:solidFill>
+                  <a:schemeClr val="tx1">
+                    <a:tint val="75000"/>
+                  </a:schemeClr>
+                </a:solidFill>
+              </a:defRPr>
+            </a:lvl5pPr>
+            <a:lvl6pPr marL="2286000" indent="0">
+              <a:buNone/>
+              <a:defRPr sz="1400">
+                <a:solidFill>
+                  <a:schemeClr val="tx1">
+                    <a:tint val="75000"/>
+                  </a:schemeClr>
+                </a:solidFill>
+              </a:defRPr>
+            </a:lvl6pPr>
+            <a:lvl7pPr marL="2743200" indent="0">
+              <a:buNone/>
+              <a:defRPr sz="1400">
+                <a:solidFill>
+                  <a:schemeClr val="tx1">
+                    <a:tint val="75000"/>
+                  </a:schemeClr>
+                </a:solidFill>
+              </a:defRPr>
+            </a:lvl7pPr>
+            <a:lvl8pPr marL="3200400" indent="0">
+              <a:buNone/>
+              <a:defRPr sz="1400">
+                <a:solidFill>
+                  <a:schemeClr val="tx1">
+                    <a:tint val="75000"/>
+                  </a:schemeClr>
+                </a:solidFill>
+              </a:defRPr>
+            </a:lvl8pPr>
+            <a:lvl9pPr marL="3657600" indent="0">
+              <a:buNone/>
+              <a:defRPr sz="1400">
+                <a:solidFill>
+                  <a:schemeClr val="tx1">
+                    <a:tint val="75000"/>
+                  </a:schemeClr>
+                </a:solidFill>
+              </a:defRPr>
+            </a:lvl9pPr>
+          </a:lstStyle>
+          <a:p>
+            <a:pPr lvl="0"/>
+            <a:r>
+              <a:rPr lang="en-US" smtClean="0"/>
+              <a:t>Edit Master text styles</a:t>
+            </a:r>
+          </a:p>
+        </p:txBody>
+      </p:sp>
+      <p:sp>
+        <p:nvSpPr>
+          <p:cNvPr id="4" name="Date Placeholder 3"/>
+          <p:cNvSpPr>
+            <a:spLocks noGrp="1"/>
+          </p:cNvSpPr>
+          <p:nvPr>
+            <p:ph type="dt" sz="half" idx="10"/>
+          </p:nvPr>
+        </p:nvSpPr>
+        <p:spPr/>
+        <p:txBody>
+          <a:bodyPr/>
+          <a:lstStyle/>
+          <a:p>
+            <a:fld id="{93A7BB36-BCA3-436D-BFE4-06336677CC91}" type="datetimeFigureOut">
+              <a:rPr lang="en-GB" smtClean="0"/>
+              <a:t>24/02/2017</a:t>
+            </a:fld>
+            <a:endParaRPr lang="en-GB" dirty="0"/>
+          </a:p>
+        </p:txBody>
+      </p:sp>
+      <p:sp>
+        <p:nvSpPr>
+          <p:cNvPr id="5" name="Footer Placeholder 4"/>
+          <p:cNvSpPr>
+            <a:spLocks noGrp="1"/>
+          </p:cNvSpPr>
+          <p:nvPr>
+            <p:ph type="ftr" sz="quarter" idx="11"/>
+          </p:nvPr>
+        </p:nvSpPr>
+        <p:spPr/>
+        <p:txBody>
+          <a:bodyPr/>
+          <a:lstStyle/>
+          <a:p>
+            <a:endParaRPr lang="en-GB" dirty="0"/>
+          </a:p>
+        </p:txBody>
+      </p:sp>
+      <p:sp>
+        <p:nvSpPr>
+          <p:cNvPr id="6" name="Slide Number Placeholder 5"/>
+          <p:cNvSpPr>
+            <a:spLocks noGrp="1"/>
+          </p:cNvSpPr>
+          <p:nvPr>
+            <p:ph type="sldNum" sz="quarter" idx="12"/>
+          </p:nvPr>
+        </p:nvSpPr>
+        <p:spPr/>
+        <p:txBody>
+          <a:bodyPr/>
+          <a:lstStyle/>
+          <a:p>
+            <a:fld id="{6A84D548-395B-41BD-AC72-7CCA6549CB67}" type="slidenum">
+              <a:rPr lang="en-GB" smtClean="0"/>
+              <a:t>‹#›</a:t>
+            </a:fld>
+            <a:endParaRPr lang="en-GB" dirty="0"/>
+          </a:p>
+        </p:txBody>
+      </p:sp>
+    </p:spTree>
+    <p:extLst>
+      <p:ext uri="{BB962C8B-B14F-4D97-AF65-F5344CB8AC3E}">
+        <p14:creationId xmlns:p14="http://schemas.microsoft.com/office/powerpoint/2010/main" val="1561119351"/>
+      </p:ext>
+    </p:extLst>
+  </p:cSld>
+  <p:clrMapOvr>
+    <a:masterClrMapping/>
+  </p:clrMapOvr>
+</p:sldLayout>
+</file>
+
+<file path=ppt/slideLayouts/slideLayout15.xml><?xml version="1.0" encoding="utf-8"?>
+<p:sldLayout xmlns:a="http://schemas.openxmlformats.org/drawingml/2006/main" xmlns:r="http://schemas.openxmlformats.org/officeDocument/2006/relationships" xmlns:p="http://schemas.openxmlformats.org/presentationml/2006/main" preserve="1">
+  <p:cSld name="True or False">
+    <p:spTree>
+      <p:nvGrpSpPr>
+        <p:cNvPr id="1" name=""/>
+        <p:cNvGrpSpPr/>
+        <p:nvPr/>
+      </p:nvGrpSpPr>
+      <p:grpSpPr>
+        <a:xfrm>
+          <a:off x="0" y="0"/>
+          <a:ext cx="0" cy="0"/>
+          <a:chOff x="0" y="0"/>
+          <a:chExt cx="0" cy="0"/>
+        </a:xfrm>
+      </p:grpSpPr>
+      <p:sp>
+        <p:nvSpPr>
+          <p:cNvPr id="2" name="Title 1"/>
+          <p:cNvSpPr>
+            <a:spLocks noGrp="1"/>
+          </p:cNvSpPr>
+          <p:nvPr>
+            <p:ph type="title"/>
+          </p:nvPr>
+        </p:nvSpPr>
+        <p:spPr>
+          <a:xfrm>
+            <a:off x="1141412" y="609601"/>
+            <a:ext cx="9905999" cy="2743199"/>
+          </a:xfrm>
+        </p:spPr>
+        <p:txBody>
+          <a:bodyPr vert="horz" lIns="91440" tIns="45720" rIns="91440" bIns="45720" rtlCol="0" anchor="ctr">
+            <a:normAutofit/>
+          </a:bodyPr>
+          <a:lstStyle>
+            <a:lvl1pPr>
+              <a:defRPr lang="en-US" b="0" dirty="0"/>
+            </a:lvl1pPr>
+          </a:lstStyle>
+          <a:p>
+            <a:pPr marL="0" lvl="0"/>
+            <a:r>
+              <a:rPr lang="en-US" smtClean="0"/>
+              <a:t>Click to edit Master title style</a:t>
+            </a:r>
+            <a:endParaRPr lang="en-US" dirty="0"/>
+          </a:p>
+        </p:txBody>
+      </p:sp>
+      <p:sp>
+        <p:nvSpPr>
+          <p:cNvPr id="10" name="Text Placeholder 9"/>
+          <p:cNvSpPr>
+            <a:spLocks noGrp="1"/>
+          </p:cNvSpPr>
+          <p:nvPr>
+            <p:ph type="body" sz="quarter" idx="13"/>
+          </p:nvPr>
+        </p:nvSpPr>
+        <p:spPr>
+          <a:xfrm>
+            <a:off x="1141412" y="3505200"/>
+            <a:ext cx="9906000" cy="838200"/>
+          </a:xfrm>
+        </p:spPr>
+        <p:txBody>
+          <a:bodyPr vert="horz" lIns="91440" tIns="45720" rIns="91440" bIns="45720" rtlCol="0" anchor="b">
+            <a:normAutofit/>
+          </a:bodyPr>
+          <a:lstStyle>
+            <a:lvl1pPr>
+              <a:buNone/>
+              <a:defRPr lang="en-US" sz="2800" b="0" cap="all" dirty="0">
+                <a:ln w="3175" cmpd="sng">
+                  <a:noFill/>
+                </a:ln>
+                <a:gradFill flip="none" rotWithShape="1">
+                  <a:gsLst>
+                    <a:gs pos="0">
+                      <a:schemeClr val="tx1"/>
+                    </a:gs>
+                    <a:gs pos="100000">
+                      <a:schemeClr val="tx1">
+                        <a:lumMod val="75000"/>
+                      </a:schemeClr>
+                    </a:gs>
+                  </a:gsLst>
+                  <a:lin ang="5400000" scaled="0"/>
+                  <a:tileRect/>
+                </a:gradFill>
+                <a:effectLst>
+                  <a:glow rad="38100">
+                    <a:schemeClr val="bg1">
+                      <a:lumMod val="65000"/>
+                      <a:lumOff val="35000"/>
+                      <a:alpha val="40000"/>
+                    </a:schemeClr>
+                  </a:glow>
+                  <a:outerShdw blurRad="28575" dist="38100" dir="14040000" algn="tl" rotWithShape="0">
+                    <a:srgbClr val="000000">
+                      <a:alpha val="25000"/>
+                    </a:srgbClr>
+                  </a:outerShdw>
+                </a:effectLst>
+              </a:defRPr>
+            </a:lvl1pPr>
+          </a:lstStyle>
+          <a:p>
+            <a:pPr marL="0" lvl="0">
+              <a:spcBef>
+                <a:spcPct val="0"/>
+              </a:spcBef>
+              <a:buNone/>
+            </a:pPr>
+            <a:r>
+              <a:rPr lang="en-US" smtClean="0"/>
+              <a:t>Edit Master text styles</a:t>
+            </a:r>
+          </a:p>
+        </p:txBody>
+      </p:sp>
+      <p:sp>
+        <p:nvSpPr>
+          <p:cNvPr id="3" name="Text Placeholder 2"/>
+          <p:cNvSpPr>
+            <a:spLocks noGrp="1"/>
+          </p:cNvSpPr>
+          <p:nvPr>
+            <p:ph type="body" idx="1"/>
+          </p:nvPr>
+        </p:nvSpPr>
+        <p:spPr>
+          <a:xfrm>
+            <a:off x="1141411" y="4343400"/>
+            <a:ext cx="9906000" cy="1447800"/>
+          </a:xfrm>
+        </p:spPr>
+        <p:txBody>
+          <a:bodyPr anchor="t">
+            <a:normAutofit/>
+          </a:bodyPr>
+          <a:lstStyle>
+            <a:lvl1pPr marL="0" indent="0" algn="l">
+              <a:buNone/>
+              <a:defRPr sz="1800">
+                <a:gradFill flip="none" rotWithShape="1">
+                  <a:gsLst>
+                    <a:gs pos="0">
+                      <a:schemeClr val="tx1"/>
+                    </a:gs>
+                    <a:gs pos="100000">
+                      <a:schemeClr val="tx1">
+                        <a:lumMod val="75000"/>
+                      </a:schemeClr>
+                    </a:gs>
+                  </a:gsLst>
+                  <a:lin ang="5400000" scaled="0"/>
+                  <a:tileRect/>
+                </a:gradFill>
+              </a:defRPr>
+            </a:lvl1pPr>
+            <a:lvl2pPr marL="457200" indent="0">
+              <a:buNone/>
+              <a:defRPr sz="1800">
+                <a:solidFill>
+                  <a:schemeClr val="tx1">
+                    <a:tint val="75000"/>
+                  </a:schemeClr>
+                </a:solidFill>
+              </a:defRPr>
+            </a:lvl2pPr>
+            <a:lvl3pPr marL="914400" indent="0">
+              <a:buNone/>
+              <a:defRPr sz="1600">
+                <a:solidFill>
+                  <a:schemeClr val="tx1">
+                    <a:tint val="75000"/>
+                  </a:schemeClr>
+                </a:solidFill>
+              </a:defRPr>
+            </a:lvl3pPr>
+            <a:lvl4pPr marL="1371600" indent="0">
+              <a:buNone/>
+              <a:defRPr sz="1400">
+                <a:solidFill>
+                  <a:schemeClr val="tx1">
+                    <a:tint val="75000"/>
+                  </a:schemeClr>
+                </a:solidFill>
+              </a:defRPr>
+            </a:lvl4pPr>
+            <a:lvl5pPr marL="1828800" indent="0">
+              <a:buNone/>
+              <a:defRPr sz="1400">
+                <a:solidFill>
+                  <a:schemeClr val="tx1">
+                    <a:tint val="75000"/>
+                  </a:schemeClr>
+                </a:solidFill>
+              </a:defRPr>
+            </a:lvl5pPr>
+            <a:lvl6pPr marL="2286000" indent="0">
+              <a:buNone/>
+              <a:defRPr sz="1400">
+                <a:solidFill>
+                  <a:schemeClr val="tx1">
+                    <a:tint val="75000"/>
+                  </a:schemeClr>
+                </a:solidFill>
+              </a:defRPr>
+            </a:lvl6pPr>
+            <a:lvl7pPr marL="2743200" indent="0">
+              <a:buNone/>
+              <a:defRPr sz="1400">
+                <a:solidFill>
+                  <a:schemeClr val="tx1">
+                    <a:tint val="75000"/>
+                  </a:schemeClr>
+                </a:solidFill>
+              </a:defRPr>
+            </a:lvl7pPr>
+            <a:lvl8pPr marL="3200400" indent="0">
+              <a:buNone/>
+              <a:defRPr sz="1400">
+                <a:solidFill>
+                  <a:schemeClr val="tx1">
+                    <a:tint val="75000"/>
+                  </a:schemeClr>
+                </a:solidFill>
+              </a:defRPr>
+            </a:lvl8pPr>
+            <a:lvl9pPr marL="3657600" indent="0">
+              <a:buNone/>
+              <a:defRPr sz="1400">
+                <a:solidFill>
+                  <a:schemeClr val="tx1">
+                    <a:tint val="75000"/>
+                  </a:schemeClr>
+                </a:solidFill>
+              </a:defRPr>
+            </a:lvl9pPr>
+          </a:lstStyle>
+          <a:p>
+            <a:pPr lvl="0"/>
+            <a:r>
+              <a:rPr lang="en-US" smtClean="0"/>
+              <a:t>Edit Master text styles</a:t>
+            </a:r>
+          </a:p>
+        </p:txBody>
+      </p:sp>
+      <p:sp>
+        <p:nvSpPr>
+          <p:cNvPr id="4" name="Date Placeholder 3"/>
+          <p:cNvSpPr>
+            <a:spLocks noGrp="1"/>
+          </p:cNvSpPr>
+          <p:nvPr>
+            <p:ph type="dt" sz="half" idx="10"/>
+          </p:nvPr>
+        </p:nvSpPr>
+        <p:spPr/>
+        <p:txBody>
+          <a:bodyPr/>
+          <a:lstStyle/>
+          <a:p>
+            <a:fld id="{93A7BB36-BCA3-436D-BFE4-06336677CC91}" type="datetimeFigureOut">
+              <a:rPr lang="en-GB" smtClean="0"/>
+              <a:t>24/02/2017</a:t>
+            </a:fld>
+            <a:endParaRPr lang="en-GB" dirty="0"/>
+          </a:p>
+        </p:txBody>
+      </p:sp>
+      <p:sp>
+        <p:nvSpPr>
+          <p:cNvPr id="5" name="Footer Placeholder 4"/>
+          <p:cNvSpPr>
+            <a:spLocks noGrp="1"/>
+          </p:cNvSpPr>
+          <p:nvPr>
+            <p:ph type="ftr" sz="quarter" idx="11"/>
+          </p:nvPr>
+        </p:nvSpPr>
+        <p:spPr/>
+        <p:txBody>
+          <a:bodyPr/>
+          <a:lstStyle/>
+          <a:p>
+            <a:endParaRPr lang="en-GB" dirty="0"/>
+          </a:p>
+        </p:txBody>
+      </p:sp>
+      <p:sp>
+        <p:nvSpPr>
+          <p:cNvPr id="6" name="Slide Number Placeholder 5"/>
+          <p:cNvSpPr>
+            <a:spLocks noGrp="1"/>
+          </p:cNvSpPr>
+          <p:nvPr>
+            <p:ph type="sldNum" sz="quarter" idx="12"/>
+          </p:nvPr>
+        </p:nvSpPr>
+        <p:spPr/>
+        <p:txBody>
+          <a:bodyPr/>
+          <a:lstStyle/>
+          <a:p>
+            <a:fld id="{6A84D548-395B-41BD-AC72-7CCA6549CB67}" type="slidenum">
+              <a:rPr lang="en-GB" smtClean="0"/>
+              <a:t>‹#›</a:t>
+            </a:fld>
+            <a:endParaRPr lang="en-GB" dirty="0"/>
+          </a:p>
+        </p:txBody>
+      </p:sp>
+    </p:spTree>
+    <p:extLst>
+      <p:ext uri="{BB962C8B-B14F-4D97-AF65-F5344CB8AC3E}">
+        <p14:creationId xmlns:p14="http://schemas.microsoft.com/office/powerpoint/2010/main" val="1746013777"/>
+      </p:ext>
+    </p:extLst>
+  </p:cSld>
+  <p:clrMapOvr>
+    <a:masterClrMapping/>
+  </p:clrMapOvr>
+</p:sldLayout>
+</file>
+
+<file path=ppt/slideLayouts/slideLayout16.xml><?xml version="1.0" encoding="utf-8"?>
 <p:sldLayout xmlns:a="http://schemas.openxmlformats.org/drawingml/2006/main" xmlns:r="http://schemas.openxmlformats.org/officeDocument/2006/relationships" xmlns:p="http://schemas.openxmlformats.org/presentationml/2006/main" type="vertTx" preserve="1">
   <p:cSld name="Title and Vertical Text">
     <p:spTree>
@@ -324,7 +3635,7 @@
       </p:grpSpPr>
       <p:sp>
         <p:nvSpPr>
-          <p:cNvPr id="2" name="Title 1"/>
+          <p:cNvPr id="7" name="Title 1"/>
           <p:cNvSpPr>
             <a:spLocks noGrp="1"/>
           </p:cNvSpPr>
@@ -332,68 +3643,73 @@
             <p:ph type="title"/>
           </p:nvPr>
         </p:nvSpPr>
+        <p:spPr>
+          <a:xfrm>
+            <a:off x="1141413" y="609600"/>
+            <a:ext cx="9905998" cy="1905000"/>
+          </a:xfrm>
+        </p:spPr>
+        <p:txBody>
+          <a:bodyPr/>
+          <a:lstStyle/>
+          <a:p>
+            <a:r>
+              <a:rPr lang="en-US" smtClean="0"/>
+              <a:t>Click to edit Master title style</a:t>
+            </a:r>
+            <a:endParaRPr lang="en-US" dirty="0"/>
+          </a:p>
+        </p:txBody>
+      </p:sp>
+      <p:sp>
+        <p:nvSpPr>
+          <p:cNvPr id="3" name="Vertical Text Placeholder 2"/>
+          <p:cNvSpPr>
+            <a:spLocks noGrp="1"/>
+          </p:cNvSpPr>
+          <p:nvPr>
+            <p:ph type="body" orient="vert" idx="1"/>
+          </p:nvPr>
+        </p:nvSpPr>
         <p:spPr/>
         <p:txBody>
-          <a:bodyPr/>
-          <a:lstStyle/>
-          <a:p>
-            <a:r>
-              <a:rPr lang="en-US"/>
-              <a:t>Click to edit Master title style</a:t>
-            </a:r>
-            <a:endParaRPr lang="en-GB"/>
-          </a:p>
-        </p:txBody>
-      </p:sp>
-      <p:sp>
-        <p:nvSpPr>
-          <p:cNvPr id="3" name="Vertical Text Placeholder 2"/>
-          <p:cNvSpPr>
-            <a:spLocks noGrp="1"/>
-          </p:cNvSpPr>
-          <p:nvPr>
-            <p:ph type="body" orient="vert" idx="1"/>
-          </p:nvPr>
-        </p:nvSpPr>
-        <p:spPr/>
-        <p:txBody>
-          <a:bodyPr vert="eaVert"/>
+          <a:bodyPr vert="eaVert" anchor="t"/>
           <a:lstStyle/>
           <a:p>
             <a:pPr lvl="0"/>
             <a:r>
-              <a:rPr lang="en-US"/>
+              <a:rPr lang="en-US" smtClean="0"/>
               <a:t>Edit Master text styles</a:t>
             </a:r>
           </a:p>
           <a:p>
             <a:pPr lvl="1"/>
             <a:r>
-              <a:rPr lang="en-US"/>
+              <a:rPr lang="en-US" smtClean="0"/>
               <a:t>Second level</a:t>
             </a:r>
           </a:p>
           <a:p>
             <a:pPr lvl="2"/>
             <a:r>
-              <a:rPr lang="en-US"/>
+              <a:rPr lang="en-US" smtClean="0"/>
               <a:t>Third level</a:t>
             </a:r>
           </a:p>
           <a:p>
             <a:pPr lvl="3"/>
             <a:r>
-              <a:rPr lang="en-US"/>
+              <a:rPr lang="en-US" smtClean="0"/>
               <a:t>Fourth level</a:t>
             </a:r>
           </a:p>
           <a:p>
             <a:pPr lvl="4"/>
             <a:r>
-              <a:rPr lang="en-US"/>
+              <a:rPr lang="en-US" smtClean="0"/>
               <a:t>Fifth level</a:t>
             </a:r>
-            <a:endParaRPr lang="en-GB"/>
+            <a:endParaRPr lang="en-US" dirty="0"/>
           </a:p>
         </p:txBody>
       </p:sp>
@@ -414,9 +3730,9 @@
           <a:p>
             <a:fld id="{93A7BB36-BCA3-436D-BFE4-06336677CC91}" type="datetimeFigureOut">
               <a:rPr lang="en-GB" smtClean="0"/>
-              <a:t>07/02/2017</a:t>
+              <a:t>24/02/2017</a:t>
             </a:fld>
-            <a:endParaRPr lang="en-GB"/>
+            <a:endParaRPr lang="en-GB" dirty="0"/>
           </a:p>
         </p:txBody>
       </p:sp>
@@ -435,7 +3751,7 @@
           <a:bodyPr/>
           <a:lstStyle/>
           <a:p>
-            <a:endParaRPr lang="en-GB"/>
+            <a:endParaRPr lang="en-GB" dirty="0"/>
           </a:p>
         </p:txBody>
       </p:sp>
@@ -458,14 +3774,14 @@
               <a:rPr lang="en-GB" smtClean="0"/>
               <a:t>‹#›</a:t>
             </a:fld>
-            <a:endParaRPr lang="en-GB"/>
+            <a:endParaRPr lang="en-GB" dirty="0"/>
           </a:p>
         </p:txBody>
       </p:sp>
     </p:spTree>
     <p:extLst>
       <p:ext uri="{BB962C8B-B14F-4D97-AF65-F5344CB8AC3E}">
-        <p14:creationId xmlns:p14="http://schemas.microsoft.com/office/powerpoint/2010/main" val="3610332558"/>
+        <p14:creationId xmlns:p14="http://schemas.microsoft.com/office/powerpoint/2010/main" val="4047054505"/>
       </p:ext>
     </p:extLst>
   </p:cSld>
@@ -475,7 +3791,7 @@
 </p:sldLayout>
 </file>
 
-<file path=ppt/slideLayouts/slideLayout11.xml><?xml version="1.0" encoding="utf-8"?>
+<file path=ppt/slideLayouts/slideLayout17.xml><?xml version="1.0" encoding="utf-8"?>
 <p:sldLayout xmlns:a="http://schemas.openxmlformats.org/drawingml/2006/main" xmlns:r="http://schemas.openxmlformats.org/officeDocument/2006/relationships" xmlns:p="http://schemas.openxmlformats.org/presentationml/2006/main" type="vertTitleAndTx" preserve="1">
   <p:cSld name="Vertical Title and Text">
     <p:spTree>
@@ -504,8 +3820,8 @@
         </p:nvSpPr>
         <p:spPr>
           <a:xfrm>
-            <a:off x="8724900" y="365125"/>
-            <a:ext cx="2628900" cy="5811838"/>
+            <a:off x="8836898" y="609599"/>
+            <a:ext cx="2210514" cy="5181601"/>
           </a:xfrm>
         </p:spPr>
         <p:txBody>
@@ -513,10 +3829,10 @@
           <a:lstStyle/>
           <a:p>
             <a:r>
-              <a:rPr lang="en-US"/>
+              <a:rPr lang="en-US" smtClean="0"/>
               <a:t>Click to edit Master title style</a:t>
             </a:r>
-            <a:endParaRPr lang="en-GB"/>
+            <a:endParaRPr lang="en-US" dirty="0"/>
           </a:p>
         </p:txBody>
       </p:sp>
@@ -532,48 +3848,48 @@
         </p:nvSpPr>
         <p:spPr>
           <a:xfrm>
-            <a:off x="838200" y="365125"/>
-            <a:ext cx="7734300" cy="5811838"/>
+            <a:off x="1141412" y="609600"/>
+            <a:ext cx="7543800" cy="5181600"/>
           </a:xfrm>
         </p:spPr>
         <p:txBody>
-          <a:bodyPr vert="eaVert"/>
+          <a:bodyPr vert="eaVert" anchor="t"/>
           <a:lstStyle/>
           <a:p>
             <a:pPr lvl="0"/>
             <a:r>
-              <a:rPr lang="en-US"/>
+              <a:rPr lang="en-US" smtClean="0"/>
               <a:t>Edit Master text styles</a:t>
             </a:r>
           </a:p>
           <a:p>
             <a:pPr lvl="1"/>
             <a:r>
-              <a:rPr lang="en-US"/>
+              <a:rPr lang="en-US" smtClean="0"/>
               <a:t>Second level</a:t>
             </a:r>
           </a:p>
           <a:p>
             <a:pPr lvl="2"/>
             <a:r>
-              <a:rPr lang="en-US"/>
+              <a:rPr lang="en-US" smtClean="0"/>
               <a:t>Third level</a:t>
             </a:r>
           </a:p>
           <a:p>
             <a:pPr lvl="3"/>
             <a:r>
-              <a:rPr lang="en-US"/>
+              <a:rPr lang="en-US" smtClean="0"/>
               <a:t>Fourth level</a:t>
             </a:r>
           </a:p>
           <a:p>
             <a:pPr lvl="4"/>
             <a:r>
-              <a:rPr lang="en-US"/>
+              <a:rPr lang="en-US" smtClean="0"/>
               <a:t>Fifth level</a:t>
             </a:r>
-            <a:endParaRPr lang="en-GB"/>
+            <a:endParaRPr lang="en-US" dirty="0"/>
           </a:p>
         </p:txBody>
       </p:sp>
@@ -594,9 +3910,9 @@
           <a:p>
             <a:fld id="{93A7BB36-BCA3-436D-BFE4-06336677CC91}" type="datetimeFigureOut">
               <a:rPr lang="en-GB" smtClean="0"/>
-              <a:t>07/02/2017</a:t>
+              <a:t>24/02/2017</a:t>
             </a:fld>
-            <a:endParaRPr lang="en-GB"/>
+            <a:endParaRPr lang="en-GB" dirty="0"/>
           </a:p>
         </p:txBody>
       </p:sp>
@@ -615,7 +3931,7 @@
           <a:bodyPr/>
           <a:lstStyle/>
           <a:p>
-            <a:endParaRPr lang="en-GB"/>
+            <a:endParaRPr lang="en-GB" dirty="0"/>
           </a:p>
         </p:txBody>
       </p:sp>
@@ -638,14 +3954,14 @@
               <a:rPr lang="en-GB" smtClean="0"/>
               <a:t>‹#›</a:t>
             </a:fld>
-            <a:endParaRPr lang="en-GB"/>
+            <a:endParaRPr lang="en-GB" dirty="0"/>
           </a:p>
         </p:txBody>
       </p:sp>
     </p:spTree>
     <p:extLst>
       <p:ext uri="{BB962C8B-B14F-4D97-AF65-F5344CB8AC3E}">
-        <p14:creationId xmlns:p14="http://schemas.microsoft.com/office/powerpoint/2010/main" val="1168122147"/>
+        <p14:creationId xmlns:p14="http://schemas.microsoft.com/office/powerpoint/2010/main" val="3147401978"/>
       </p:ext>
     </p:extLst>
   </p:cSld>
@@ -688,10 +4004,10 @@
           <a:lstStyle/>
           <a:p>
             <a:r>
-              <a:rPr lang="en-US"/>
+              <a:rPr lang="en-US" smtClean="0"/>
               <a:t>Click to edit Master title style</a:t>
             </a:r>
-            <a:endParaRPr lang="en-GB"/>
+            <a:endParaRPr lang="en-US" dirty="0"/>
           </a:p>
         </p:txBody>
       </p:sp>
@@ -707,43 +4023,43 @@
         </p:nvSpPr>
         <p:spPr/>
         <p:txBody>
-          <a:bodyPr/>
+          <a:bodyPr anchor="ctr"/>
           <a:lstStyle/>
           <a:p>
             <a:pPr lvl="0"/>
             <a:r>
-              <a:rPr lang="en-US"/>
+              <a:rPr lang="en-US" smtClean="0"/>
               <a:t>Edit Master text styles</a:t>
             </a:r>
           </a:p>
           <a:p>
             <a:pPr lvl="1"/>
             <a:r>
-              <a:rPr lang="en-US"/>
+              <a:rPr lang="en-US" smtClean="0"/>
               <a:t>Second level</a:t>
             </a:r>
           </a:p>
           <a:p>
             <a:pPr lvl="2"/>
             <a:r>
-              <a:rPr lang="en-US"/>
+              <a:rPr lang="en-US" smtClean="0"/>
               <a:t>Third level</a:t>
             </a:r>
           </a:p>
           <a:p>
             <a:pPr lvl="3"/>
             <a:r>
-              <a:rPr lang="en-US"/>
+              <a:rPr lang="en-US" smtClean="0"/>
               <a:t>Fourth level</a:t>
             </a:r>
           </a:p>
           <a:p>
             <a:pPr lvl="4"/>
             <a:r>
-              <a:rPr lang="en-US"/>
+              <a:rPr lang="en-US" smtClean="0"/>
               <a:t>Fifth level</a:t>
             </a:r>
-            <a:endParaRPr lang="en-GB"/>
+            <a:endParaRPr lang="en-US" dirty="0"/>
           </a:p>
         </p:txBody>
       </p:sp>
@@ -764,9 +4080,9 @@
           <a:p>
             <a:fld id="{93A7BB36-BCA3-436D-BFE4-06336677CC91}" type="datetimeFigureOut">
               <a:rPr lang="en-GB" smtClean="0"/>
-              <a:t>07/02/2017</a:t>
+              <a:t>24/02/2017</a:t>
             </a:fld>
-            <a:endParaRPr lang="en-GB"/>
+            <a:endParaRPr lang="en-GB" dirty="0"/>
           </a:p>
         </p:txBody>
       </p:sp>
@@ -785,7 +4101,7 @@
           <a:bodyPr/>
           <a:lstStyle/>
           <a:p>
-            <a:endParaRPr lang="en-GB"/>
+            <a:endParaRPr lang="en-GB" dirty="0"/>
           </a:p>
         </p:txBody>
       </p:sp>
@@ -808,14 +4124,14 @@
               <a:rPr lang="en-GB" smtClean="0"/>
               <a:t>‹#›</a:t>
             </a:fld>
-            <a:endParaRPr lang="en-GB"/>
+            <a:endParaRPr lang="en-GB" dirty="0"/>
           </a:p>
         </p:txBody>
       </p:sp>
     </p:spTree>
     <p:extLst>
       <p:ext uri="{BB962C8B-B14F-4D97-AF65-F5344CB8AC3E}">
-        <p14:creationId xmlns:p14="http://schemas.microsoft.com/office/powerpoint/2010/main" val="1275595476"/>
+        <p14:creationId xmlns:p14="http://schemas.microsoft.com/office/powerpoint/2010/main" val="779604006"/>
       </p:ext>
     </p:extLst>
   </p:cSld>
@@ -854,23 +4170,23 @@
         </p:nvSpPr>
         <p:spPr>
           <a:xfrm>
-            <a:off x="831850" y="1709738"/>
-            <a:ext cx="10515600" cy="2852737"/>
+            <a:off x="1751013" y="3308581"/>
+            <a:ext cx="8686800" cy="1468800"/>
           </a:xfrm>
         </p:spPr>
         <p:txBody>
           <a:bodyPr anchor="b"/>
           <a:lstStyle>
-            <a:lvl1pPr>
-              <a:defRPr sz="6000"/>
+            <a:lvl1pPr algn="r">
+              <a:defRPr sz="4000" b="0" cap="all"/>
             </a:lvl1pPr>
           </a:lstStyle>
           <a:p>
             <a:r>
-              <a:rPr lang="en-US"/>
+              <a:rPr lang="en-US" smtClean="0"/>
               <a:t>Click to edit Master title style</a:t>
             </a:r>
-            <a:endParaRPr lang="en-GB"/>
+            <a:endParaRPr lang="en-US" dirty="0"/>
           </a:p>
         </p:txBody>
       </p:sp>
@@ -886,34 +4202,35 @@
         </p:nvSpPr>
         <p:spPr>
           <a:xfrm>
-            <a:off x="831850" y="4589463"/>
-            <a:ext cx="10515600" cy="1500187"/>
+            <a:off x="1751011" y="4777381"/>
+            <a:ext cx="8686801" cy="860400"/>
           </a:xfrm>
         </p:spPr>
         <p:txBody>
-          <a:bodyPr/>
+          <a:bodyPr anchor="t">
+            <a:normAutofit/>
+          </a:bodyPr>
           <a:lstStyle>
-            <a:lvl1pPr marL="0" indent="0">
-              <a:buNone/>
-              <a:defRPr sz="2400">
-                <a:solidFill>
-                  <a:schemeClr val="tx1">
-                    <a:tint val="75000"/>
-                  </a:schemeClr>
-                </a:solidFill>
+            <a:lvl1pPr marL="0" indent="0" algn="r">
+              <a:buNone/>
+              <a:defRPr sz="2000">
+                <a:gradFill flip="none" rotWithShape="1">
+                  <a:gsLst>
+                    <a:gs pos="0">
+                      <a:schemeClr val="tx1"/>
+                    </a:gs>
+                    <a:gs pos="100000">
+                      <a:schemeClr val="tx1">
+                        <a:lumMod val="75000"/>
+                      </a:schemeClr>
+                    </a:gs>
+                  </a:gsLst>
+                  <a:lin ang="5400000" scaled="0"/>
+                  <a:tileRect/>
+                </a:gradFill>
               </a:defRPr>
             </a:lvl1pPr>
             <a:lvl2pPr marL="457200" indent="0">
-              <a:buNone/>
-              <a:defRPr sz="2000">
-                <a:solidFill>
-                  <a:schemeClr val="tx1">
-                    <a:tint val="75000"/>
-                  </a:schemeClr>
-                </a:solidFill>
-              </a:defRPr>
-            </a:lvl2pPr>
-            <a:lvl3pPr marL="914400" indent="0">
               <a:buNone/>
               <a:defRPr sz="1800">
                 <a:solidFill>
@@ -922,8 +4239,8 @@
                   </a:schemeClr>
                 </a:solidFill>
               </a:defRPr>
-            </a:lvl3pPr>
-            <a:lvl4pPr marL="1371600" indent="0">
+            </a:lvl2pPr>
+            <a:lvl3pPr marL="914400" indent="0">
               <a:buNone/>
               <a:defRPr sz="1600">
                 <a:solidFill>
@@ -932,62 +4249,72 @@
                   </a:schemeClr>
                 </a:solidFill>
               </a:defRPr>
-            </a:lvl4pPr>
-            <a:lvl5pPr marL="1828800" indent="0">
-              <a:buNone/>
-              <a:defRPr sz="1600">
+            </a:lvl3pPr>
+            <a:lvl4pPr marL="1371600" indent="0">
+              <a:buNone/>
+              <a:defRPr sz="1400">
                 <a:solidFill>
                   <a:schemeClr val="tx1">
                     <a:tint val="75000"/>
                   </a:schemeClr>
                 </a:solidFill>
               </a:defRPr>
-            </a:lvl5pPr>
-            <a:lvl6pPr marL="2286000" indent="0">
-              <a:buNone/>
-              <a:defRPr sz="1600">
+            </a:lvl4pPr>
+            <a:lvl5pPr marL="1828800" indent="0">
+              <a:buNone/>
+              <a:defRPr sz="1400">
                 <a:solidFill>
                   <a:schemeClr val="tx1">
                     <a:tint val="75000"/>
                   </a:schemeClr>
                 </a:solidFill>
               </a:defRPr>
-            </a:lvl6pPr>
-            <a:lvl7pPr marL="2743200" indent="0">
-              <a:buNone/>
-              <a:defRPr sz="1600">
+            </a:lvl5pPr>
+            <a:lvl6pPr marL="2286000" indent="0">
+              <a:buNone/>
+              <a:defRPr sz="1400">
                 <a:solidFill>
                   <a:schemeClr val="tx1">
                     <a:tint val="75000"/>
                   </a:schemeClr>
                 </a:solidFill>
               </a:defRPr>
-            </a:lvl7pPr>
-            <a:lvl8pPr marL="3200400" indent="0">
-              <a:buNone/>
-              <a:defRPr sz="1600">
+            </a:lvl6pPr>
+            <a:lvl7pPr marL="2743200" indent="0">
+              <a:buNone/>
+              <a:defRPr sz="1400">
                 <a:solidFill>
                   <a:schemeClr val="tx1">
                     <a:tint val="75000"/>
                   </a:schemeClr>
                 </a:solidFill>
               </a:defRPr>
-            </a:lvl8pPr>
-            <a:lvl9pPr marL="3657600" indent="0">
-              <a:buNone/>
-              <a:defRPr sz="1600">
+            </a:lvl7pPr>
+            <a:lvl8pPr marL="3200400" indent="0">
+              <a:buNone/>
+              <a:defRPr sz="1400">
                 <a:solidFill>
                   <a:schemeClr val="tx1">
                     <a:tint val="75000"/>
                   </a:schemeClr>
                 </a:solidFill>
               </a:defRPr>
+            </a:lvl8pPr>
+            <a:lvl9pPr marL="3657600" indent="0">
+              <a:buNone/>
+              <a:defRPr sz="1400">
+                <a:solidFill>
+                  <a:schemeClr val="tx1">
+                    <a:tint val="75000"/>
+                  </a:schemeClr>
+                </a:solidFill>
+              </a:defRPr>
             </a:lvl9pPr>
           </a:lstStyle>
           <a:p>
             <a:pPr lvl="0"/>
             <a:r>
-              <a:rPr lang="en-US"/>
+              <a:rPr lang="en-US" smtClean="0"/>
               <a:t>Edit Master text styles</a:t>
             </a:r>
           </a:p>
@@ -1010,9 +4337,9 @@
           <a:p>
             <a:fld id="{93A7BB36-BCA3-436D-BFE4-06336677CC91}" type="datetimeFigureOut">
               <a:rPr lang="en-GB" smtClean="0"/>
-              <a:t>07/02/2017</a:t>
+              <a:t>24/02/2017</a:t>
             </a:fld>
-            <a:endParaRPr lang="en-GB"/>
+            <a:endParaRPr lang="en-GB" dirty="0"/>
           </a:p>
         </p:txBody>
       </p:sp>
@@ -1031,7 +4358,7 @@
           <a:bodyPr/>
           <a:lstStyle/>
           <a:p>
-            <a:endParaRPr lang="en-GB"/>
+            <a:endParaRPr lang="en-GB" dirty="0"/>
           </a:p>
         </p:txBody>
       </p:sp>
@@ -1054,14 +4381,14 @@
               <a:rPr lang="en-GB" smtClean="0"/>
               <a:t>‹#›</a:t>
             </a:fld>
-            <a:endParaRPr lang="en-GB"/>
+            <a:endParaRPr lang="en-GB" dirty="0"/>
           </a:p>
         </p:txBody>
       </p:sp>
     </p:spTree>
     <p:extLst>
       <p:ext uri="{BB962C8B-B14F-4D97-AF65-F5344CB8AC3E}">
-        <p14:creationId xmlns:p14="http://schemas.microsoft.com/office/powerpoint/2010/main" val="1121950196"/>
+        <p14:creationId xmlns:p14="http://schemas.microsoft.com/office/powerpoint/2010/main" val="2832629540"/>
       </p:ext>
     </p:extLst>
   </p:cSld>
@@ -1104,10 +4431,10 @@
           <a:lstStyle/>
           <a:p>
             <a:r>
-              <a:rPr lang="en-US"/>
+              <a:rPr lang="en-US" smtClean="0"/>
               <a:t>Click to edit Master title style</a:t>
             </a:r>
-            <a:endParaRPr lang="en-GB"/>
+            <a:endParaRPr lang="en-US" dirty="0"/>
           </a:p>
         </p:txBody>
       </p:sp>
@@ -1123,48 +4450,78 @@
         </p:nvSpPr>
         <p:spPr>
           <a:xfrm>
-            <a:off x="838200" y="1825625"/>
-            <a:ext cx="5181600" cy="4351338"/>
+            <a:off x="1141412" y="2666999"/>
+            <a:ext cx="4876800" cy="3124201"/>
           </a:xfrm>
         </p:spPr>
         <p:txBody>
-          <a:bodyPr/>
-          <a:lstStyle/>
+          <a:bodyPr>
+            <a:normAutofit/>
+          </a:bodyPr>
+          <a:lstStyle>
+            <a:lvl1pPr>
+              <a:defRPr sz="1800"/>
+            </a:lvl1pPr>
+            <a:lvl2pPr>
+              <a:defRPr sz="1600"/>
+            </a:lvl2pPr>
+            <a:lvl3pPr>
+              <a:defRPr sz="1400"/>
+            </a:lvl3pPr>
+            <a:lvl4pPr>
+              <a:defRPr sz="1200"/>
+            </a:lvl4pPr>
+            <a:lvl5pPr>
+              <a:defRPr sz="1200"/>
+            </a:lvl5pPr>
+            <a:lvl6pPr>
+              <a:defRPr sz="1200"/>
+            </a:lvl6pPr>
+            <a:lvl7pPr>
+              <a:defRPr sz="1200"/>
+            </a:lvl7pPr>
+            <a:lvl8pPr>
+              <a:defRPr sz="1200"/>
+            </a:lvl8pPr>
+            <a:lvl9pPr>
+              <a:defRPr sz="1200"/>
+            </a:lvl9pPr>
+          </a:lstStyle>
           <a:p>
             <a:pPr lvl="0"/>
             <a:r>
-              <a:rPr lang="en-US"/>
+              <a:rPr lang="en-US" smtClean="0"/>
               <a:t>Edit Master text styles</a:t>
             </a:r>
           </a:p>
           <a:p>
             <a:pPr lvl="1"/>
             <a:r>
-              <a:rPr lang="en-US"/>
+              <a:rPr lang="en-US" smtClean="0"/>
               <a:t>Second level</a:t>
             </a:r>
           </a:p>
           <a:p>
             <a:pPr lvl="2"/>
             <a:r>
-              <a:rPr lang="en-US"/>
+              <a:rPr lang="en-US" smtClean="0"/>
               <a:t>Third level</a:t>
             </a:r>
           </a:p>
           <a:p>
             <a:pPr lvl="3"/>
             <a:r>
-              <a:rPr lang="en-US"/>
+              <a:rPr lang="en-US" smtClean="0"/>
               <a:t>Fourth level</a:t>
             </a:r>
           </a:p>
           <a:p>
             <a:pPr lvl="4"/>
             <a:r>
-              <a:rPr lang="en-US"/>
+              <a:rPr lang="en-US" smtClean="0"/>
               <a:t>Fifth level</a:t>
             </a:r>
-            <a:endParaRPr lang="en-GB"/>
+            <a:endParaRPr lang="en-US" dirty="0"/>
           </a:p>
         </p:txBody>
       </p:sp>
@@ -1180,48 +4537,78 @@
         </p:nvSpPr>
         <p:spPr>
           <a:xfrm>
-            <a:off x="6172200" y="1825625"/>
-            <a:ext cx="5181600" cy="4351338"/>
+            <a:off x="6170612" y="2667000"/>
+            <a:ext cx="4876800" cy="3124200"/>
           </a:xfrm>
         </p:spPr>
         <p:txBody>
-          <a:bodyPr/>
-          <a:lstStyle/>
+          <a:bodyPr>
+            <a:normAutofit/>
+          </a:bodyPr>
+          <a:lstStyle>
+            <a:lvl1pPr>
+              <a:defRPr sz="1800"/>
+            </a:lvl1pPr>
+            <a:lvl2pPr>
+              <a:defRPr sz="1600"/>
+            </a:lvl2pPr>
+            <a:lvl3pPr>
+              <a:defRPr sz="1400"/>
+            </a:lvl3pPr>
+            <a:lvl4pPr>
+              <a:defRPr sz="1200"/>
+            </a:lvl4pPr>
+            <a:lvl5pPr>
+              <a:defRPr sz="1200"/>
+            </a:lvl5pPr>
+            <a:lvl6pPr>
+              <a:defRPr sz="1200"/>
+            </a:lvl6pPr>
+            <a:lvl7pPr>
+              <a:defRPr sz="1200"/>
+            </a:lvl7pPr>
+            <a:lvl8pPr>
+              <a:defRPr sz="1200"/>
+            </a:lvl8pPr>
+            <a:lvl9pPr>
+              <a:defRPr sz="1200"/>
+            </a:lvl9pPr>
+          </a:lstStyle>
           <a:p>
             <a:pPr lvl="0"/>
             <a:r>
-              <a:rPr lang="en-US"/>
+              <a:rPr lang="en-US" smtClean="0"/>
               <a:t>Edit Master text styles</a:t>
             </a:r>
           </a:p>
           <a:p>
             <a:pPr lvl="1"/>
             <a:r>
-              <a:rPr lang="en-US"/>
+              <a:rPr lang="en-US" smtClean="0"/>
               <a:t>Second level</a:t>
             </a:r>
           </a:p>
           <a:p>
             <a:pPr lvl="2"/>
             <a:r>
-              <a:rPr lang="en-US"/>
+              <a:rPr lang="en-US" smtClean="0"/>
               <a:t>Third level</a:t>
             </a:r>
           </a:p>
           <a:p>
             <a:pPr lvl="3"/>
             <a:r>
-              <a:rPr lang="en-US"/>
+              <a:rPr lang="en-US" smtClean="0"/>
               <a:t>Fourth level</a:t>
             </a:r>
           </a:p>
           <a:p>
             <a:pPr lvl="4"/>
             <a:r>
-              <a:rPr lang="en-US"/>
+              <a:rPr lang="en-US" smtClean="0"/>
               <a:t>Fifth level</a:t>
             </a:r>
-            <a:endParaRPr lang="en-GB"/>
+            <a:endParaRPr lang="en-US" dirty="0"/>
           </a:p>
         </p:txBody>
       </p:sp>
@@ -1242,9 +4629,9 @@
           <a:p>
             <a:fld id="{93A7BB36-BCA3-436D-BFE4-06336677CC91}" type="datetimeFigureOut">
               <a:rPr lang="en-GB" smtClean="0"/>
-              <a:t>07/02/2017</a:t>
+              <a:t>24/02/2017</a:t>
             </a:fld>
-            <a:endParaRPr lang="en-GB"/>
+            <a:endParaRPr lang="en-GB" dirty="0"/>
           </a:p>
         </p:txBody>
       </p:sp>
@@ -1263,7 +4650,7 @@
           <a:bodyPr/>
           <a:lstStyle/>
           <a:p>
-            <a:endParaRPr lang="en-GB"/>
+            <a:endParaRPr lang="en-GB" dirty="0"/>
           </a:p>
         </p:txBody>
       </p:sp>
@@ -1286,14 +4673,14 @@
               <a:rPr lang="en-GB" smtClean="0"/>
               <a:t>‹#›</a:t>
             </a:fld>
-            <a:endParaRPr lang="en-GB"/>
+            <a:endParaRPr lang="en-GB" dirty="0"/>
           </a:p>
         </p:txBody>
       </p:sp>
     </p:spTree>
     <p:extLst>
       <p:ext uri="{BB962C8B-B14F-4D97-AF65-F5344CB8AC3E}">
-        <p14:creationId xmlns:p14="http://schemas.microsoft.com/office/powerpoint/2010/main" val="914095980"/>
+        <p14:creationId xmlns:p14="http://schemas.microsoft.com/office/powerpoint/2010/main" val="4000849398"/>
       </p:ext>
     </p:extLst>
   </p:cSld>
@@ -1330,46 +4717,47 @@
             <p:ph type="title"/>
           </p:nvPr>
         </p:nvSpPr>
+        <p:spPr/>
+        <p:txBody>
+          <a:bodyPr/>
+          <a:lstStyle>
+            <a:lvl1pPr>
+              <a:defRPr/>
+            </a:lvl1pPr>
+          </a:lstStyle>
+          <a:p>
+            <a:r>
+              <a:rPr lang="en-US" smtClean="0"/>
+              <a:t>Click to edit Master title style</a:t>
+            </a:r>
+            <a:endParaRPr lang="en-US" dirty="0"/>
+          </a:p>
+        </p:txBody>
+      </p:sp>
+      <p:sp>
+        <p:nvSpPr>
+          <p:cNvPr id="3" name="Text Placeholder 2"/>
+          <p:cNvSpPr>
+            <a:spLocks noGrp="1"/>
+          </p:cNvSpPr>
+          <p:nvPr>
+            <p:ph type="body" idx="1"/>
+          </p:nvPr>
+        </p:nvSpPr>
         <p:spPr>
           <a:xfrm>
-            <a:off x="839788" y="365125"/>
-            <a:ext cx="10515600" cy="1325563"/>
+            <a:off x="1429280" y="2658533"/>
+            <a:ext cx="4588931" cy="576262"/>
           </a:xfrm>
         </p:spPr>
         <p:txBody>
-          <a:bodyPr/>
-          <a:lstStyle/>
-          <a:p>
-            <a:r>
-              <a:rPr lang="en-US"/>
-              <a:t>Click to edit Master title style</a:t>
-            </a:r>
-            <a:endParaRPr lang="en-GB"/>
-          </a:p>
-        </p:txBody>
-      </p:sp>
-      <p:sp>
-        <p:nvSpPr>
-          <p:cNvPr id="3" name="Text Placeholder 2"/>
-          <p:cNvSpPr>
-            <a:spLocks noGrp="1"/>
-          </p:cNvSpPr>
-          <p:nvPr>
-            <p:ph type="body" idx="1"/>
-          </p:nvPr>
-        </p:nvSpPr>
-        <p:spPr>
-          <a:xfrm>
-            <a:off x="839788" y="1681163"/>
-            <a:ext cx="5157787" cy="823912"/>
-          </a:xfrm>
-        </p:spPr>
-        <p:txBody>
-          <a:bodyPr anchor="b"/>
+          <a:bodyPr anchor="b">
+            <a:noAutofit/>
+          </a:bodyPr>
           <a:lstStyle>
             <a:lvl1pPr marL="0" indent="0">
               <a:buNone/>
-              <a:defRPr sz="2400" b="1"/>
+              <a:defRPr sz="2800" b="0"/>
             </a:lvl1pPr>
             <a:lvl2pPr marL="457200" indent="0">
               <a:buNone/>
@@ -1407,7 +4795,7 @@
           <a:p>
             <a:pPr lvl="0"/>
             <a:r>
-              <a:rPr lang="en-US"/>
+              <a:rPr lang="en-US" smtClean="0"/>
               <a:t>Edit Master text styles</a:t>
             </a:r>
           </a:p>
@@ -1425,48 +4813,78 @@
         </p:nvSpPr>
         <p:spPr>
           <a:xfrm>
-            <a:off x="839788" y="2505075"/>
-            <a:ext cx="5157787" cy="3684588"/>
+            <a:off x="1141412" y="3243262"/>
+            <a:ext cx="4876800" cy="2547937"/>
           </a:xfrm>
         </p:spPr>
         <p:txBody>
-          <a:bodyPr/>
-          <a:lstStyle/>
+          <a:bodyPr anchor="t">
+            <a:normAutofit/>
+          </a:bodyPr>
+          <a:lstStyle>
+            <a:lvl1pPr>
+              <a:defRPr sz="1800"/>
+            </a:lvl1pPr>
+            <a:lvl2pPr>
+              <a:defRPr sz="1600"/>
+            </a:lvl2pPr>
+            <a:lvl3pPr>
+              <a:defRPr sz="1400"/>
+            </a:lvl3pPr>
+            <a:lvl4pPr>
+              <a:defRPr sz="1200"/>
+            </a:lvl4pPr>
+            <a:lvl5pPr>
+              <a:defRPr sz="1200"/>
+            </a:lvl5pPr>
+            <a:lvl6pPr>
+              <a:defRPr sz="1200"/>
+            </a:lvl6pPr>
+            <a:lvl7pPr>
+              <a:defRPr sz="1200"/>
+            </a:lvl7pPr>
+            <a:lvl8pPr>
+              <a:defRPr sz="1200"/>
+            </a:lvl8pPr>
+            <a:lvl9pPr>
+              <a:defRPr sz="1200"/>
+            </a:lvl9pPr>
+          </a:lstStyle>
           <a:p>
             <a:pPr lvl="0"/>
             <a:r>
-              <a:rPr lang="en-US"/>
+              <a:rPr lang="en-US" smtClean="0"/>
               <a:t>Edit Master text styles</a:t>
             </a:r>
           </a:p>
           <a:p>
             <a:pPr lvl="1"/>
             <a:r>
-              <a:rPr lang="en-US"/>
+              <a:rPr lang="en-US" smtClean="0"/>
               <a:t>Second level</a:t>
             </a:r>
           </a:p>
           <a:p>
             <a:pPr lvl="2"/>
             <a:r>
-              <a:rPr lang="en-US"/>
+              <a:rPr lang="en-US" smtClean="0"/>
               <a:t>Third level</a:t>
             </a:r>
           </a:p>
           <a:p>
             <a:pPr lvl="3"/>
             <a:r>
-              <a:rPr lang="en-US"/>
+              <a:rPr lang="en-US" smtClean="0"/>
               <a:t>Fourth level</a:t>
             </a:r>
           </a:p>
           <a:p>
             <a:pPr lvl="4"/>
             <a:r>
-              <a:rPr lang="en-US"/>
+              <a:rPr lang="en-US" smtClean="0"/>
               <a:t>Fifth level</a:t>
             </a:r>
-            <a:endParaRPr lang="en-GB"/>
+            <a:endParaRPr lang="en-US" dirty="0"/>
           </a:p>
         </p:txBody>
       </p:sp>
@@ -1482,16 +4900,18 @@
         </p:nvSpPr>
         <p:spPr>
           <a:xfrm>
-            <a:off x="6172200" y="1681163"/>
-            <a:ext cx="5183188" cy="823912"/>
+            <a:off x="6443133" y="2667000"/>
+            <a:ext cx="4604280" cy="576262"/>
           </a:xfrm>
         </p:spPr>
         <p:txBody>
-          <a:bodyPr anchor="b"/>
+          <a:bodyPr anchor="b">
+            <a:noAutofit/>
+          </a:bodyPr>
           <a:lstStyle>
             <a:lvl1pPr marL="0" indent="0">
               <a:buNone/>
-              <a:defRPr sz="2400" b="1"/>
+              <a:defRPr sz="2800" b="0"/>
             </a:lvl1pPr>
             <a:lvl2pPr marL="457200" indent="0">
               <a:buNone/>
@@ -1529,7 +4949,7 @@
           <a:p>
             <a:pPr lvl="0"/>
             <a:r>
-              <a:rPr lang="en-US"/>
+              <a:rPr lang="en-US" smtClean="0"/>
               <a:t>Edit Master text styles</a:t>
             </a:r>
           </a:p>
@@ -1547,48 +4967,78 @@
         </p:nvSpPr>
         <p:spPr>
           <a:xfrm>
-            <a:off x="6172200" y="2505075"/>
-            <a:ext cx="5183188" cy="3684588"/>
+            <a:off x="6170612" y="3243262"/>
+            <a:ext cx="4876801" cy="2547937"/>
           </a:xfrm>
         </p:spPr>
         <p:txBody>
-          <a:bodyPr/>
-          <a:lstStyle/>
+          <a:bodyPr anchor="t">
+            <a:normAutofit/>
+          </a:bodyPr>
+          <a:lstStyle>
+            <a:lvl1pPr>
+              <a:defRPr sz="1800"/>
+            </a:lvl1pPr>
+            <a:lvl2pPr>
+              <a:defRPr sz="1600"/>
+            </a:lvl2pPr>
+            <a:lvl3pPr>
+              <a:defRPr sz="1400"/>
+            </a:lvl3pPr>
+            <a:lvl4pPr>
+              <a:defRPr sz="1200"/>
+            </a:lvl4pPr>
+            <a:lvl5pPr>
+              <a:defRPr sz="1200"/>
+            </a:lvl5pPr>
+            <a:lvl6pPr>
+              <a:defRPr sz="1200"/>
+            </a:lvl6pPr>
+            <a:lvl7pPr>
+              <a:defRPr sz="1200"/>
+            </a:lvl7pPr>
+            <a:lvl8pPr>
+              <a:defRPr sz="1200"/>
+            </a:lvl8pPr>
+            <a:lvl9pPr>
+              <a:defRPr sz="1200"/>
+            </a:lvl9pPr>
+          </a:lstStyle>
           <a:p>
             <a:pPr lvl="0"/>
             <a:r>
-              <a:rPr lang="en-US"/>
+              <a:rPr lang="en-US" smtClean="0"/>
               <a:t>Edit Master text styles</a:t>
             </a:r>
           </a:p>
           <a:p>
             <a:pPr lvl="1"/>
             <a:r>
-              <a:rPr lang="en-US"/>
+              <a:rPr lang="en-US" smtClean="0"/>
               <a:t>Second level</a:t>
             </a:r>
           </a:p>
           <a:p>
             <a:pPr lvl="2"/>
             <a:r>
-              <a:rPr lang="en-US"/>
+              <a:rPr lang="en-US" smtClean="0"/>
               <a:t>Third level</a:t>
             </a:r>
           </a:p>
           <a:p>
             <a:pPr lvl="3"/>
             <a:r>
-              <a:rPr lang="en-US"/>
+              <a:rPr lang="en-US" smtClean="0"/>
               <a:t>Fourth level</a:t>
             </a:r>
           </a:p>
           <a:p>
             <a:pPr lvl="4"/>
             <a:r>
-              <a:rPr lang="en-US"/>
+              <a:rPr lang="en-US" smtClean="0"/>
               <a:t>Fifth level</a:t>
             </a:r>
-            <a:endParaRPr lang="en-GB"/>
+            <a:endParaRPr lang="en-US" dirty="0"/>
           </a:p>
         </p:txBody>
       </p:sp>
@@ -1609,9 +5059,9 @@
           <a:p>
             <a:fld id="{93A7BB36-BCA3-436D-BFE4-06336677CC91}" type="datetimeFigureOut">
               <a:rPr lang="en-GB" smtClean="0"/>
-              <a:t>07/02/2017</a:t>
+              <a:t>24/02/2017</a:t>
             </a:fld>
-            <a:endParaRPr lang="en-GB"/>
+            <a:endParaRPr lang="en-GB" dirty="0"/>
           </a:p>
         </p:txBody>
       </p:sp>
@@ -1630,7 +5080,7 @@
           <a:bodyPr/>
           <a:lstStyle/>
           <a:p>
-            <a:endParaRPr lang="en-GB"/>
+            <a:endParaRPr lang="en-GB" dirty="0"/>
           </a:p>
         </p:txBody>
       </p:sp>
@@ -1653,14 +5103,14 @@
               <a:rPr lang="en-GB" smtClean="0"/>
               <a:t>‹#›</a:t>
             </a:fld>
-            <a:endParaRPr lang="en-GB"/>
+            <a:endParaRPr lang="en-GB" dirty="0"/>
           </a:p>
         </p:txBody>
       </p:sp>
     </p:spTree>
     <p:extLst>
       <p:ext uri="{BB962C8B-B14F-4D97-AF65-F5344CB8AC3E}">
-        <p14:creationId xmlns:p14="http://schemas.microsoft.com/office/powerpoint/2010/main" val="1174515733"/>
+        <p14:creationId xmlns:p14="http://schemas.microsoft.com/office/powerpoint/2010/main" val="3416344414"/>
       </p:ext>
     </p:extLst>
   </p:cSld>
@@ -1703,10 +5153,10 @@
           <a:lstStyle/>
           <a:p>
             <a:r>
-              <a:rPr lang="en-US"/>
+              <a:rPr lang="en-US" smtClean="0"/>
               <a:t>Click to edit Master title style</a:t>
             </a:r>
-            <a:endParaRPr lang="en-GB"/>
+            <a:endParaRPr lang="en-US" dirty="0"/>
           </a:p>
         </p:txBody>
       </p:sp>
@@ -1727,9 +5177,9 @@
           <a:p>
             <a:fld id="{93A7BB36-BCA3-436D-BFE4-06336677CC91}" type="datetimeFigureOut">
               <a:rPr lang="en-GB" smtClean="0"/>
-              <a:t>07/02/2017</a:t>
+              <a:t>24/02/2017</a:t>
             </a:fld>
-            <a:endParaRPr lang="en-GB"/>
+            <a:endParaRPr lang="en-GB" dirty="0"/>
           </a:p>
         </p:txBody>
       </p:sp>
@@ -1748,7 +5198,7 @@
           <a:bodyPr/>
           <a:lstStyle/>
           <a:p>
-            <a:endParaRPr lang="en-GB"/>
+            <a:endParaRPr lang="en-GB" dirty="0"/>
           </a:p>
         </p:txBody>
       </p:sp>
@@ -1771,14 +5221,14 @@
               <a:rPr lang="en-GB" smtClean="0"/>
               <a:t>‹#›</a:t>
             </a:fld>
-            <a:endParaRPr lang="en-GB"/>
+            <a:endParaRPr lang="en-GB" dirty="0"/>
           </a:p>
         </p:txBody>
       </p:sp>
     </p:spTree>
     <p:extLst>
       <p:ext uri="{BB962C8B-B14F-4D97-AF65-F5344CB8AC3E}">
-        <p14:creationId xmlns:p14="http://schemas.microsoft.com/office/powerpoint/2010/main" val="1930460004"/>
+        <p14:creationId xmlns:p14="http://schemas.microsoft.com/office/powerpoint/2010/main" val="3665414422"/>
       </p:ext>
     </p:extLst>
   </p:cSld>
@@ -1822,9 +5272,9 @@
           <a:p>
             <a:fld id="{93A7BB36-BCA3-436D-BFE4-06336677CC91}" type="datetimeFigureOut">
               <a:rPr lang="en-GB" smtClean="0"/>
-              <a:t>07/02/2017</a:t>
+              <a:t>24/02/2017</a:t>
             </a:fld>
-            <a:endParaRPr lang="en-GB"/>
+            <a:endParaRPr lang="en-GB" dirty="0"/>
           </a:p>
         </p:txBody>
       </p:sp>
@@ -1843,7 +5293,7 @@
           <a:bodyPr/>
           <a:lstStyle/>
           <a:p>
-            <a:endParaRPr lang="en-GB"/>
+            <a:endParaRPr lang="en-GB" dirty="0"/>
           </a:p>
         </p:txBody>
       </p:sp>
@@ -1866,14 +5316,14 @@
               <a:rPr lang="en-GB" smtClean="0"/>
               <a:t>‹#›</a:t>
             </a:fld>
-            <a:endParaRPr lang="en-GB"/>
+            <a:endParaRPr lang="en-GB" dirty="0"/>
           </a:p>
         </p:txBody>
       </p:sp>
     </p:spTree>
     <p:extLst>
       <p:ext uri="{BB962C8B-B14F-4D97-AF65-F5344CB8AC3E}">
-        <p14:creationId xmlns:p14="http://schemas.microsoft.com/office/powerpoint/2010/main" val="4059061112"/>
+        <p14:creationId xmlns:p14="http://schemas.microsoft.com/office/powerpoint/2010/main" val="2136233984"/>
       </p:ext>
     </p:extLst>
   </p:cSld>
@@ -1912,129 +5362,135 @@
         </p:nvSpPr>
         <p:spPr>
           <a:xfrm>
-            <a:off x="839788" y="457200"/>
-            <a:ext cx="3932237" cy="1600200"/>
+            <a:off x="1141411" y="1600200"/>
+            <a:ext cx="3549121" cy="1371600"/>
           </a:xfrm>
         </p:spPr>
         <p:txBody>
-          <a:bodyPr anchor="b"/>
+          <a:bodyPr anchor="b">
+            <a:normAutofit/>
+          </a:bodyPr>
+          <a:lstStyle>
+            <a:lvl1pPr algn="l">
+              <a:defRPr sz="2400" b="0"/>
+            </a:lvl1pPr>
+          </a:lstStyle>
+          <a:p>
+            <a:r>
+              <a:rPr lang="en-US" smtClean="0"/>
+              <a:t>Click to edit Master title style</a:t>
+            </a:r>
+            <a:endParaRPr lang="en-US" dirty="0"/>
+          </a:p>
+        </p:txBody>
+      </p:sp>
+      <p:sp>
+        <p:nvSpPr>
+          <p:cNvPr id="3" name="Content Placeholder 2"/>
+          <p:cNvSpPr>
+            <a:spLocks noGrp="1"/>
+          </p:cNvSpPr>
+          <p:nvPr>
+            <p:ph idx="1"/>
+          </p:nvPr>
+        </p:nvSpPr>
+        <p:spPr>
+          <a:xfrm>
+            <a:off x="5103812" y="609601"/>
+            <a:ext cx="5943601" cy="5181600"/>
+          </a:xfrm>
+        </p:spPr>
+        <p:txBody>
+          <a:bodyPr anchor="ctr">
+            <a:normAutofit/>
+          </a:bodyPr>
           <a:lstStyle>
             <a:lvl1pPr>
-              <a:defRPr sz="3200"/>
+              <a:defRPr sz="2000"/>
             </a:lvl1pPr>
+            <a:lvl2pPr>
+              <a:defRPr sz="1800"/>
+            </a:lvl2pPr>
+            <a:lvl3pPr>
+              <a:defRPr sz="1600"/>
+            </a:lvl3pPr>
+            <a:lvl4pPr>
+              <a:defRPr sz="1400"/>
+            </a:lvl4pPr>
+            <a:lvl5pPr>
+              <a:defRPr sz="1400"/>
+            </a:lvl5pPr>
+            <a:lvl6pPr>
+              <a:defRPr sz="1400"/>
+            </a:lvl6pPr>
+            <a:lvl7pPr>
+              <a:defRPr sz="1400"/>
+            </a:lvl7pPr>
+            <a:lvl8pPr>
+              <a:defRPr sz="1400"/>
+            </a:lvl8pPr>
+            <a:lvl9pPr>
+              <a:defRPr sz="1400"/>
+            </a:lvl9pPr>
           </a:lstStyle>
           <a:p>
-            <a:r>
-              <a:rPr lang="en-US"/>
-              <a:t>Click to edit Master title style</a:t>
-            </a:r>
-            <a:endParaRPr lang="en-GB"/>
-          </a:p>
-        </p:txBody>
-      </p:sp>
-      <p:sp>
-        <p:nvSpPr>
-          <p:cNvPr id="3" name="Content Placeholder 2"/>
-          <p:cNvSpPr>
-            <a:spLocks noGrp="1"/>
-          </p:cNvSpPr>
-          <p:nvPr>
-            <p:ph idx="1"/>
+            <a:pPr lvl="0"/>
+            <a:r>
+              <a:rPr lang="en-US" smtClean="0"/>
+              <a:t>Edit Master text styles</a:t>
+            </a:r>
+          </a:p>
+          <a:p>
+            <a:pPr lvl="1"/>
+            <a:r>
+              <a:rPr lang="en-US" smtClean="0"/>
+              <a:t>Second level</a:t>
+            </a:r>
+          </a:p>
+          <a:p>
+            <a:pPr lvl="2"/>
+            <a:r>
+              <a:rPr lang="en-US" smtClean="0"/>
+              <a:t>Third level</a:t>
+            </a:r>
+          </a:p>
+          <a:p>
+            <a:pPr lvl="3"/>
+            <a:r>
+              <a:rPr lang="en-US" smtClean="0"/>
+              <a:t>Fourth level</a:t>
+            </a:r>
+          </a:p>
+          <a:p>
+            <a:pPr lvl="4"/>
+            <a:r>
+              <a:rPr lang="en-US" smtClean="0"/>
+              <a:t>Fifth level</a:t>
+            </a:r>
+            <a:endParaRPr lang="en-US" dirty="0"/>
+          </a:p>
+        </p:txBody>
+      </p:sp>
+      <p:sp>
+        <p:nvSpPr>
+          <p:cNvPr id="4" name="Text Placeholder 3"/>
+          <p:cNvSpPr>
+            <a:spLocks noGrp="1"/>
+          </p:cNvSpPr>
+          <p:nvPr>
+            <p:ph type="body" sz="half" idx="2"/>
           </p:nvPr>
         </p:nvSpPr>
         <p:spPr>
           <a:xfrm>
-            <a:off x="5183188" y="987425"/>
-            <a:ext cx="6172200" cy="4873625"/>
+            <a:off x="1141411" y="2971800"/>
+            <a:ext cx="3549121" cy="1828800"/>
           </a:xfrm>
         </p:spPr>
         <p:txBody>
-          <a:bodyPr/>
-          <a:lstStyle>
-            <a:lvl1pPr>
-              <a:defRPr sz="3200"/>
-            </a:lvl1pPr>
-            <a:lvl2pPr>
-              <a:defRPr sz="2800"/>
-            </a:lvl2pPr>
-            <a:lvl3pPr>
-              <a:defRPr sz="2400"/>
-            </a:lvl3pPr>
-            <a:lvl4pPr>
-              <a:defRPr sz="2000"/>
-            </a:lvl4pPr>
-            <a:lvl5pPr>
-              <a:defRPr sz="2000"/>
-            </a:lvl5pPr>
-            <a:lvl6pPr>
-              <a:defRPr sz="2000"/>
-            </a:lvl6pPr>
-            <a:lvl7pPr>
-              <a:defRPr sz="2000"/>
-            </a:lvl7pPr>
-            <a:lvl8pPr>
-              <a:defRPr sz="2000"/>
-            </a:lvl8pPr>
-            <a:lvl9pPr>
-              <a:defRPr sz="2000"/>
-            </a:lvl9pPr>
-          </a:lstStyle>
-          <a:p>
-            <a:pPr lvl="0"/>
-            <a:r>
-              <a:rPr lang="en-US"/>
-              <a:t>Edit Master text styles</a:t>
-            </a:r>
-          </a:p>
-          <a:p>
-            <a:pPr lvl="1"/>
-            <a:r>
-              <a:rPr lang="en-US"/>
-              <a:t>Second level</a:t>
-            </a:r>
-          </a:p>
-          <a:p>
-            <a:pPr lvl="2"/>
-            <a:r>
-              <a:rPr lang="en-US"/>
-              <a:t>Third level</a:t>
-            </a:r>
-          </a:p>
-          <a:p>
-            <a:pPr lvl="3"/>
-            <a:r>
-              <a:rPr lang="en-US"/>
-              <a:t>Fourth level</a:t>
-            </a:r>
-          </a:p>
-          <a:p>
-            <a:pPr lvl="4"/>
-            <a:r>
-              <a:rPr lang="en-US"/>
-              <a:t>Fifth level</a:t>
-            </a:r>
-            <a:endParaRPr lang="en-GB"/>
-          </a:p>
-        </p:txBody>
-      </p:sp>
-      <p:sp>
-        <p:nvSpPr>
-          <p:cNvPr id="4" name="Text Placeholder 3"/>
-          <p:cNvSpPr>
-            <a:spLocks noGrp="1"/>
-          </p:cNvSpPr>
-          <p:nvPr>
-            <p:ph type="body" sz="half" idx="2"/>
-          </p:nvPr>
-        </p:nvSpPr>
-        <p:spPr>
-          <a:xfrm>
-            <a:off x="839788" y="2057400"/>
-            <a:ext cx="3932237" cy="3811588"/>
-          </a:xfrm>
-        </p:spPr>
-        <p:txBody>
-          <a:bodyPr/>
+          <a:bodyPr>
+            <a:normAutofit/>
+          </a:bodyPr>
           <a:lstStyle>
             <a:lvl1pPr marL="0" indent="0">
               <a:buNone/>
@@ -2042,41 +5498,41 @@
             </a:lvl1pPr>
             <a:lvl2pPr marL="457200" indent="0">
               <a:buNone/>
-              <a:defRPr sz="1400"/>
+              <a:defRPr sz="1200"/>
             </a:lvl2pPr>
             <a:lvl3pPr marL="914400" indent="0">
               <a:buNone/>
-              <a:defRPr sz="1200"/>
+              <a:defRPr sz="1000"/>
             </a:lvl3pPr>
             <a:lvl4pPr marL="1371600" indent="0">
               <a:buNone/>
-              <a:defRPr sz="1000"/>
+              <a:defRPr sz="900"/>
             </a:lvl4pPr>
             <a:lvl5pPr marL="1828800" indent="0">
               <a:buNone/>
-              <a:defRPr sz="1000"/>
+              <a:defRPr sz="900"/>
             </a:lvl5pPr>
             <a:lvl6pPr marL="2286000" indent="0">
               <a:buNone/>
-              <a:defRPr sz="1000"/>
+              <a:defRPr sz="900"/>
             </a:lvl6pPr>
             <a:lvl7pPr marL="2743200" indent="0">
               <a:buNone/>
-              <a:defRPr sz="1000"/>
+              <a:defRPr sz="900"/>
             </a:lvl7pPr>
             <a:lvl8pPr marL="3200400" indent="0">
               <a:buNone/>
-              <a:defRPr sz="1000"/>
+              <a:defRPr sz="900"/>
             </a:lvl8pPr>
             <a:lvl9pPr marL="3657600" indent="0">
               <a:buNone/>
-              <a:defRPr sz="1000"/>
+              <a:defRPr sz="900"/>
             </a:lvl9pPr>
           </a:lstStyle>
           <a:p>
             <a:pPr lvl="0"/>
             <a:r>
-              <a:rPr lang="en-US"/>
+              <a:rPr lang="en-US" smtClean="0"/>
               <a:t>Edit Master text styles</a:t>
             </a:r>
           </a:p>
@@ -2099,9 +5555,9 @@
           <a:p>
             <a:fld id="{93A7BB36-BCA3-436D-BFE4-06336677CC91}" type="datetimeFigureOut">
               <a:rPr lang="en-GB" smtClean="0"/>
-              <a:t>07/02/2017</a:t>
+              <a:t>24/02/2017</a:t>
             </a:fld>
-            <a:endParaRPr lang="en-GB"/>
+            <a:endParaRPr lang="en-GB" dirty="0"/>
           </a:p>
         </p:txBody>
       </p:sp>
@@ -2120,7 +5576,7 @@
           <a:bodyPr/>
           <a:lstStyle/>
           <a:p>
-            <a:endParaRPr lang="en-GB"/>
+            <a:endParaRPr lang="en-GB" dirty="0"/>
           </a:p>
         </p:txBody>
       </p:sp>
@@ -2143,14 +5599,14 @@
               <a:rPr lang="en-GB" smtClean="0"/>
               <a:t>‹#›</a:t>
             </a:fld>
-            <a:endParaRPr lang="en-GB"/>
+            <a:endParaRPr lang="en-GB" dirty="0"/>
           </a:p>
         </p:txBody>
       </p:sp>
     </p:spTree>
     <p:extLst>
       <p:ext uri="{BB962C8B-B14F-4D97-AF65-F5344CB8AC3E}">
-        <p14:creationId xmlns:p14="http://schemas.microsoft.com/office/powerpoint/2010/main" val="4040648274"/>
+        <p14:creationId xmlns:p14="http://schemas.microsoft.com/office/powerpoint/2010/main" val="1039627342"/>
       </p:ext>
     </p:extLst>
   </p:cSld>
@@ -2189,31 +5645,33 @@
         </p:nvSpPr>
         <p:spPr>
           <a:xfrm>
-            <a:off x="839788" y="457200"/>
-            <a:ext cx="3932237" cy="1600200"/>
+            <a:off x="1141411" y="1600200"/>
+            <a:ext cx="5334001" cy="1371600"/>
           </a:xfrm>
         </p:spPr>
         <p:txBody>
-          <a:bodyPr anchor="b"/>
+          <a:bodyPr anchor="b">
+            <a:normAutofit/>
+          </a:bodyPr>
           <a:lstStyle>
-            <a:lvl1pPr>
-              <a:defRPr sz="3200"/>
+            <a:lvl1pPr algn="l">
+              <a:defRPr sz="2800" b="0"/>
             </a:lvl1pPr>
           </a:lstStyle>
           <a:p>
             <a:r>
-              <a:rPr lang="en-US"/>
+              <a:rPr lang="en-US" smtClean="0"/>
               <a:t>Click to edit Master title style</a:t>
             </a:r>
-            <a:endParaRPr lang="en-GB"/>
-          </a:p>
-        </p:txBody>
-      </p:sp>
-      <p:sp>
-        <p:nvSpPr>
-          <p:cNvPr id="3" name="Picture Placeholder 2"/>
-          <p:cNvSpPr>
-            <a:spLocks noGrp="1"/>
+            <a:endParaRPr lang="en-US" dirty="0"/>
+          </a:p>
+        </p:txBody>
+      </p:sp>
+      <p:sp>
+        <p:nvSpPr>
+          <p:cNvPr id="14" name="Picture Placeholder 2"/>
+          <p:cNvSpPr>
+            <a:spLocks noGrp="1" noChangeAspect="1"/>
           </p:cNvSpPr>
           <p:nvPr>
             <p:ph type="pic" idx="1"/>
@@ -2221,115 +5679,146 @@
         </p:nvSpPr>
         <p:spPr>
           <a:xfrm>
-            <a:off x="5183188" y="987425"/>
-            <a:ext cx="6172200" cy="4873625"/>
+            <a:off x="7433733" y="-18288"/>
+            <a:ext cx="3276599" cy="6903720"/>
           </a:xfrm>
+          <a:ln w="38100">
+            <a:gradFill flip="none" rotWithShape="1">
+              <a:gsLst>
+                <a:gs pos="0">
+                  <a:schemeClr val="bg2"/>
+                </a:gs>
+                <a:gs pos="100000">
+                  <a:schemeClr val="bg2">
+                    <a:lumMod val="75000"/>
+                  </a:schemeClr>
+                </a:gs>
+              </a:gsLst>
+              <a:lin ang="5400000" scaled="0"/>
+              <a:tileRect/>
+            </a:gradFill>
+          </a:ln>
+          <a:effectLst>
+            <a:innerShdw blurRad="57150" dist="38100" dir="10800000">
+              <a:srgbClr val="000000">
+                <a:alpha val="70000"/>
+              </a:srgbClr>
+            </a:innerShdw>
+          </a:effectLst>
         </p:spPr>
         <p:txBody>
-          <a:bodyPr/>
+          <a:bodyPr anchor="t">
+            <a:normAutofit/>
+          </a:bodyPr>
           <a:lstStyle>
-            <a:lvl1pPr marL="0" indent="0">
-              <a:buNone/>
-              <a:defRPr sz="3200"/>
-            </a:lvl1pPr>
-            <a:lvl2pPr marL="457200" indent="0">
-              <a:buNone/>
-              <a:defRPr sz="2800"/>
-            </a:lvl2pPr>
-            <a:lvl3pPr marL="914400" indent="0">
-              <a:buNone/>
-              <a:defRPr sz="2400"/>
-            </a:lvl3pPr>
-            <a:lvl4pPr marL="1371600" indent="0">
-              <a:buNone/>
-              <a:defRPr sz="2000"/>
-            </a:lvl4pPr>
-            <a:lvl5pPr marL="1828800" indent="0">
-              <a:buNone/>
-              <a:defRPr sz="2000"/>
-            </a:lvl5pPr>
-            <a:lvl6pPr marL="2286000" indent="0">
-              <a:buNone/>
-              <a:defRPr sz="2000"/>
-            </a:lvl6pPr>
-            <a:lvl7pPr marL="2743200" indent="0">
-              <a:buNone/>
-              <a:defRPr sz="2000"/>
-            </a:lvl7pPr>
-            <a:lvl8pPr marL="3200400" indent="0">
-              <a:buNone/>
-              <a:defRPr sz="2000"/>
-            </a:lvl8pPr>
-            <a:lvl9pPr marL="3657600" indent="0">
-              <a:buNone/>
-              <a:defRPr sz="2000"/>
-            </a:lvl9pPr>
-          </a:lstStyle>
-          <a:p>
-            <a:endParaRPr lang="en-GB"/>
-          </a:p>
-        </p:txBody>
-      </p:sp>
-      <p:sp>
-        <p:nvSpPr>
-          <p:cNvPr id="4" name="Text Placeholder 3"/>
-          <p:cNvSpPr>
-            <a:spLocks noGrp="1"/>
-          </p:cNvSpPr>
-          <p:nvPr>
-            <p:ph type="body" sz="half" idx="2"/>
-          </p:nvPr>
-        </p:nvSpPr>
-        <p:spPr>
-          <a:xfrm>
-            <a:off x="839788" y="2057400"/>
-            <a:ext cx="3932237" cy="3811588"/>
-          </a:xfrm>
-        </p:spPr>
-        <p:txBody>
-          <a:bodyPr/>
-          <a:lstStyle>
-            <a:lvl1pPr marL="0" indent="0">
+            <a:lvl1pPr marL="0" indent="0" algn="ctr">
               <a:buNone/>
               <a:defRPr sz="1600"/>
             </a:lvl1pPr>
             <a:lvl2pPr marL="457200" indent="0">
               <a:buNone/>
-              <a:defRPr sz="1400"/>
+              <a:defRPr sz="1600"/>
             </a:lvl2pPr>
             <a:lvl3pPr marL="914400" indent="0">
               <a:buNone/>
-              <a:defRPr sz="1200"/>
+              <a:defRPr sz="1600"/>
             </a:lvl3pPr>
             <a:lvl4pPr marL="1371600" indent="0">
               <a:buNone/>
-              <a:defRPr sz="1000"/>
+              <a:defRPr sz="1600"/>
             </a:lvl4pPr>
             <a:lvl5pPr marL="1828800" indent="0">
               <a:buNone/>
-              <a:defRPr sz="1000"/>
+              <a:defRPr sz="1600"/>
             </a:lvl5pPr>
             <a:lvl6pPr marL="2286000" indent="0">
               <a:buNone/>
-              <a:defRPr sz="1000"/>
+              <a:defRPr sz="1600"/>
             </a:lvl6pPr>
             <a:lvl7pPr marL="2743200" indent="0">
               <a:buNone/>
-              <a:defRPr sz="1000"/>
+              <a:defRPr sz="1600"/>
             </a:lvl7pPr>
             <a:lvl8pPr marL="3200400" indent="0">
               <a:buNone/>
-              <a:defRPr sz="1000"/>
+              <a:defRPr sz="1600"/>
             </a:lvl8pPr>
             <a:lvl9pPr marL="3657600" indent="0">
               <a:buNone/>
-              <a:defRPr sz="1000"/>
+              <a:defRPr sz="1600"/>
             </a:lvl9pPr>
           </a:lstStyle>
           <a:p>
+            <a:r>
+              <a:rPr lang="en-US" dirty="0" smtClean="0"/>
+              <a:t>Click icon to add picture</a:t>
+            </a:r>
+            <a:endParaRPr lang="en-US" dirty="0"/>
+          </a:p>
+        </p:txBody>
+      </p:sp>
+      <p:sp>
+        <p:nvSpPr>
+          <p:cNvPr id="4" name="Text Placeholder 3"/>
+          <p:cNvSpPr>
+            <a:spLocks noGrp="1"/>
+          </p:cNvSpPr>
+          <p:nvPr>
+            <p:ph type="body" sz="half" idx="2"/>
+          </p:nvPr>
+        </p:nvSpPr>
+        <p:spPr>
+          <a:xfrm>
+            <a:off x="1141411" y="2971800"/>
+            <a:ext cx="5334001" cy="1828800"/>
+          </a:xfrm>
+        </p:spPr>
+        <p:txBody>
+          <a:bodyPr>
+            <a:normAutofit/>
+          </a:bodyPr>
+          <a:lstStyle>
+            <a:lvl1pPr marL="0" indent="0">
+              <a:buNone/>
+              <a:defRPr sz="1800"/>
+            </a:lvl1pPr>
+            <a:lvl2pPr marL="457200" indent="0">
+              <a:buNone/>
+              <a:defRPr sz="1200"/>
+            </a:lvl2pPr>
+            <a:lvl3pPr marL="914400" indent="0">
+              <a:buNone/>
+              <a:defRPr sz="1000"/>
+            </a:lvl3pPr>
+            <a:lvl4pPr marL="1371600" indent="0">
+              <a:buNone/>
+              <a:defRPr sz="900"/>
+            </a:lvl4pPr>
+            <a:lvl5pPr marL="1828800" indent="0">
+              <a:buNone/>
+              <a:defRPr sz="900"/>
+            </a:lvl5pPr>
+            <a:lvl6pPr marL="2286000" indent="0">
+              <a:buNone/>
+              <a:defRPr sz="900"/>
+            </a:lvl6pPr>
+            <a:lvl7pPr marL="2743200" indent="0">
+              <a:buNone/>
+              <a:defRPr sz="900"/>
+            </a:lvl7pPr>
+            <a:lvl8pPr marL="3200400" indent="0">
+              <a:buNone/>
+              <a:defRPr sz="900"/>
+            </a:lvl8pPr>
+            <a:lvl9pPr marL="3657600" indent="0">
+              <a:buNone/>
+              <a:defRPr sz="900"/>
+            </a:lvl9pPr>
+          </a:lstStyle>
+          <a:p>
             <a:pPr lvl="0"/>
             <a:r>
-              <a:rPr lang="en-US"/>
+              <a:rPr lang="en-US" smtClean="0"/>
               <a:t>Edit Master text styles</a:t>
             </a:r>
           </a:p>
@@ -2345,16 +5834,21 @@
             <p:ph type="dt" sz="half" idx="10"/>
           </p:nvPr>
         </p:nvSpPr>
-        <p:spPr/>
+        <p:spPr>
+          <a:xfrm>
+            <a:off x="6399212" y="5883275"/>
+            <a:ext cx="914400" cy="365125"/>
+          </a:xfrm>
+        </p:spPr>
         <p:txBody>
           <a:bodyPr/>
           <a:lstStyle/>
           <a:p>
             <a:fld id="{93A7BB36-BCA3-436D-BFE4-06336677CC91}" type="datetimeFigureOut">
               <a:rPr lang="en-GB" smtClean="0"/>
-              <a:t>07/02/2017</a:t>
+              <a:t>24/02/2017</a:t>
             </a:fld>
-            <a:endParaRPr lang="en-GB"/>
+            <a:endParaRPr lang="en-GB" dirty="0"/>
           </a:p>
         </p:txBody>
       </p:sp>
@@ -2368,12 +5862,17 @@
             <p:ph type="ftr" sz="quarter" idx="11"/>
           </p:nvPr>
         </p:nvSpPr>
-        <p:spPr/>
+        <p:spPr>
+          <a:xfrm>
+            <a:off x="1141412" y="5883275"/>
+            <a:ext cx="5105400" cy="365125"/>
+          </a:xfrm>
+        </p:spPr>
         <p:txBody>
           <a:bodyPr/>
           <a:lstStyle/>
           <a:p>
-            <a:endParaRPr lang="en-GB"/>
+            <a:endParaRPr lang="en-GB" dirty="0"/>
           </a:p>
         </p:txBody>
       </p:sp>
@@ -2387,7 +5886,12 @@
             <p:ph type="sldNum" sz="quarter" idx="12"/>
           </p:nvPr>
         </p:nvSpPr>
-        <p:spPr/>
+        <p:spPr>
+          <a:xfrm>
+            <a:off x="10742612" y="5883275"/>
+            <a:ext cx="322567" cy="365125"/>
+          </a:xfrm>
+        </p:spPr>
         <p:txBody>
           <a:bodyPr/>
           <a:lstStyle/>
@@ -2396,14 +5900,14 @@
               <a:rPr lang="en-GB" smtClean="0"/>
               <a:t>‹#›</a:t>
             </a:fld>
-            <a:endParaRPr lang="en-GB"/>
+            <a:endParaRPr lang="en-GB" dirty="0"/>
           </a:p>
         </p:txBody>
       </p:sp>
     </p:spTree>
     <p:extLst>
       <p:ext uri="{BB962C8B-B14F-4D97-AF65-F5344CB8AC3E}">
-        <p14:creationId xmlns:p14="http://schemas.microsoft.com/office/powerpoint/2010/main" val="548206355"/>
+        <p14:creationId xmlns:p14="http://schemas.microsoft.com/office/powerpoint/2010/main" val="1544207029"/>
       </p:ext>
     </p:extLst>
   </p:cSld>
@@ -2417,8 +5921,8 @@
 <p:sldMaster xmlns:a="http://schemas.openxmlformats.org/drawingml/2006/main" xmlns:r="http://schemas.openxmlformats.org/officeDocument/2006/relationships" xmlns:p="http://schemas.openxmlformats.org/presentationml/2006/main">
   <p:cSld>
     <p:bg>
-      <p:bgRef idx="1001">
-        <a:schemeClr val="bg1"/>
+      <p:bgRef idx="1003">
+        <a:schemeClr val="bg2"/>
       </p:bgRef>
     </p:bg>
     <p:spTree>
@@ -2447,8 +5951,8 @@
         </p:nvSpPr>
         <p:spPr>
           <a:xfrm>
-            <a:off x="838200" y="365125"/>
-            <a:ext cx="10515600" cy="1325563"/>
+            <a:off x="1141413" y="609600"/>
+            <a:ext cx="9905998" cy="1905000"/>
           </a:xfrm>
           <a:prstGeom prst="rect">
             <a:avLst/>
@@ -2461,10 +5965,10 @@
           <a:lstStyle/>
           <a:p>
             <a:r>
-              <a:rPr lang="en-US"/>
+              <a:rPr lang="en-US" smtClean="0"/>
               <a:t>Click to edit Master title style</a:t>
             </a:r>
-            <a:endParaRPr lang="en-GB"/>
+            <a:endParaRPr lang="en-US" dirty="0"/>
           </a:p>
         </p:txBody>
       </p:sp>
@@ -2480,53 +5984,53 @@
         </p:nvSpPr>
         <p:spPr>
           <a:xfrm>
-            <a:off x="838200" y="1825625"/>
-            <a:ext cx="10515600" cy="4351338"/>
+            <a:off x="1141413" y="2666999"/>
+            <a:ext cx="9905998" cy="3124201"/>
           </a:xfrm>
           <a:prstGeom prst="rect">
             <a:avLst/>
           </a:prstGeom>
         </p:spPr>
         <p:txBody>
-          <a:bodyPr vert="horz" lIns="91440" tIns="45720" rIns="91440" bIns="45720" rtlCol="0">
+          <a:bodyPr vert="horz" lIns="91440" tIns="45720" rIns="91440" bIns="45720" rtlCol="0" anchor="ctr">
             <a:normAutofit/>
           </a:bodyPr>
           <a:lstStyle/>
           <a:p>
             <a:pPr lvl="0"/>
             <a:r>
-              <a:rPr lang="en-US"/>
+              <a:rPr lang="en-US" smtClean="0"/>
               <a:t>Edit Master text styles</a:t>
             </a:r>
           </a:p>
           <a:p>
             <a:pPr lvl="1"/>
             <a:r>
-              <a:rPr lang="en-US"/>
+              <a:rPr lang="en-US" smtClean="0"/>
               <a:t>Second level</a:t>
             </a:r>
           </a:p>
           <a:p>
             <a:pPr lvl="2"/>
             <a:r>
-              <a:rPr lang="en-US"/>
+              <a:rPr lang="en-US" smtClean="0"/>
               <a:t>Third level</a:t>
             </a:r>
           </a:p>
           <a:p>
             <a:pPr lvl="3"/>
             <a:r>
-              <a:rPr lang="en-US"/>
+              <a:rPr lang="en-US" smtClean="0"/>
               <a:t>Fourth level</a:t>
             </a:r>
           </a:p>
           <a:p>
             <a:pPr lvl="4"/>
             <a:r>
-              <a:rPr lang="en-US"/>
+              <a:rPr lang="en-US" smtClean="0"/>
               <a:t>Fifth level</a:t>
             </a:r>
-            <a:endParaRPr lang="en-GB"/>
+            <a:endParaRPr lang="en-US" dirty="0"/>
           </a:p>
         </p:txBody>
       </p:sp>
@@ -2542,8 +6046,8 @@
         </p:nvSpPr>
         <p:spPr>
           <a:xfrm>
-            <a:off x="838200" y="6356350"/>
-            <a:ext cx="2743200" cy="365125"/>
+            <a:off x="8837612" y="5883275"/>
+            <a:ext cx="1600200" cy="365125"/>
           </a:xfrm>
           <a:prstGeom prst="rect">
             <a:avLst/>
@@ -2552,22 +6056,30 @@
         <p:txBody>
           <a:bodyPr vert="horz" lIns="91440" tIns="45720" rIns="91440" bIns="45720" rtlCol="0" anchor="ctr"/>
           <a:lstStyle>
-            <a:lvl1pPr algn="l">
-              <a:defRPr sz="1200">
+            <a:lvl1pPr algn="r">
+              <a:defRPr sz="900" b="1" i="0">
                 <a:solidFill>
                   <a:schemeClr val="tx1">
-                    <a:tint val="75000"/>
+                    <a:lumMod val="75000"/>
                   </a:schemeClr>
                 </a:solidFill>
+                <a:effectLst>
+                  <a:outerShdw blurRad="50800" dist="38100" dir="2700000" algn="tl" rotWithShape="0">
+                    <a:srgbClr val="000000">
+                      <a:alpha val="43000"/>
+                    </a:srgbClr>
+                  </a:outerShdw>
+                </a:effectLst>
+                <a:latin typeface="+mn-lt"/>
               </a:defRPr>
             </a:lvl1pPr>
           </a:lstStyle>
           <a:p>
             <a:fld id="{93A7BB36-BCA3-436D-BFE4-06336677CC91}" type="datetimeFigureOut">
               <a:rPr lang="en-GB" smtClean="0"/>
-              <a:t>07/02/2017</a:t>
+              <a:t>24/02/2017</a:t>
             </a:fld>
-            <a:endParaRPr lang="en-GB"/>
+            <a:endParaRPr lang="en-GB" dirty="0"/>
           </a:p>
         </p:txBody>
       </p:sp>
@@ -2583,8 +6095,8 @@
         </p:nvSpPr>
         <p:spPr>
           <a:xfrm>
-            <a:off x="4038600" y="6356350"/>
-            <a:ext cx="4114800" cy="365125"/>
+            <a:off x="1141412" y="5883275"/>
+            <a:ext cx="7543800" cy="365125"/>
           </a:xfrm>
           <a:prstGeom prst="rect">
             <a:avLst/>
@@ -2593,18 +6105,26 @@
         <p:txBody>
           <a:bodyPr vert="horz" lIns="91440" tIns="45720" rIns="91440" bIns="45720" rtlCol="0" anchor="ctr"/>
           <a:lstStyle>
-            <a:lvl1pPr algn="ctr">
-              <a:defRPr sz="1200">
+            <a:lvl1pPr algn="l">
+              <a:defRPr sz="900" b="1" i="0">
                 <a:solidFill>
                   <a:schemeClr val="tx1">
-                    <a:tint val="75000"/>
+                    <a:lumMod val="75000"/>
                   </a:schemeClr>
                 </a:solidFill>
+                <a:effectLst>
+                  <a:outerShdw blurRad="50800" dist="38100" dir="2700000" algn="tl" rotWithShape="0">
+                    <a:srgbClr val="000000">
+                      <a:alpha val="43000"/>
+                    </a:srgbClr>
+                  </a:outerShdw>
+                </a:effectLst>
+                <a:latin typeface="+mn-lt"/>
               </a:defRPr>
             </a:lvl1pPr>
           </a:lstStyle>
           <a:p>
-            <a:endParaRPr lang="en-GB"/>
+            <a:endParaRPr lang="en-GB" dirty="0"/>
           </a:p>
         </p:txBody>
       </p:sp>
@@ -2620,8 +6140,8 @@
         </p:nvSpPr>
         <p:spPr>
           <a:xfrm>
-            <a:off x="8610600" y="6356350"/>
-            <a:ext cx="2743200" cy="365125"/>
+            <a:off x="10514012" y="5883275"/>
+            <a:ext cx="551167" cy="365125"/>
           </a:xfrm>
           <a:prstGeom prst="rect">
             <a:avLst/>
@@ -2631,12 +6151,20 @@
           <a:bodyPr vert="horz" lIns="91440" tIns="45720" rIns="91440" bIns="45720" rtlCol="0" anchor="ctr"/>
           <a:lstStyle>
             <a:lvl1pPr algn="r">
-              <a:defRPr sz="1200">
+              <a:defRPr sz="900" b="1" i="0">
                 <a:solidFill>
                   <a:schemeClr val="tx1">
-                    <a:tint val="75000"/>
+                    <a:lumMod val="75000"/>
                   </a:schemeClr>
                 </a:solidFill>
+                <a:effectLst>
+                  <a:outerShdw blurRad="50800" dist="38100" dir="2700000" algn="tl" rotWithShape="0">
+                    <a:srgbClr val="000000">
+                      <a:alpha val="43000"/>
+                    </a:srgbClr>
+                  </a:outerShdw>
+                </a:effectLst>
+                <a:latin typeface="+mn-lt"/>
               </a:defRPr>
             </a:lvl1pPr>
           </a:lstStyle>
@@ -2645,209 +6173,557 @@
               <a:rPr lang="en-GB" smtClean="0"/>
               <a:t>‹#›</a:t>
             </a:fld>
-            <a:endParaRPr lang="en-GB"/>
+            <a:endParaRPr lang="en-GB" dirty="0"/>
           </a:p>
         </p:txBody>
       </p:sp>
     </p:spTree>
     <p:extLst>
       <p:ext uri="{BB962C8B-B14F-4D97-AF65-F5344CB8AC3E}">
-        <p14:creationId xmlns:p14="http://schemas.microsoft.com/office/powerpoint/2010/main" val="2727961416"/>
+        <p14:creationId xmlns:p14="http://schemas.microsoft.com/office/powerpoint/2010/main" val="105397604"/>
       </p:ext>
     </p:extLst>
   </p:cSld>
-  <p:clrMap bg1="lt1" tx1="dk1" bg2="lt2" tx2="dk2" accent1="accent1" accent2="accent2" accent3="accent3" accent4="accent4" accent5="accent5" accent6="accent6" hlink="hlink" folHlink="folHlink"/>
+  <p:clrMap bg1="dk1" tx1="lt1" bg2="dk2" tx2="lt2" accent1="accent1" accent2="accent2" accent3="accent3" accent4="accent4" accent5="accent5" accent6="accent6" hlink="hlink" folHlink="folHlink"/>
   <p:sldLayoutIdLst>
-    <p:sldLayoutId id="2147483649" r:id="rId1"/>
-    <p:sldLayoutId id="2147483650" r:id="rId2"/>
-    <p:sldLayoutId id="2147483651" r:id="rId3"/>
-    <p:sldLayoutId id="2147483652" r:id="rId4"/>
-    <p:sldLayoutId id="2147483653" r:id="rId5"/>
-    <p:sldLayoutId id="2147483654" r:id="rId6"/>
-    <p:sldLayoutId id="2147483655" r:id="rId7"/>
-    <p:sldLayoutId id="2147483656" r:id="rId8"/>
-    <p:sldLayoutId id="2147483657" r:id="rId9"/>
-    <p:sldLayoutId id="2147483658" r:id="rId10"/>
-    <p:sldLayoutId id="2147483659" r:id="rId11"/>
+    <p:sldLayoutId id="2147483661" r:id="rId1"/>
+    <p:sldLayoutId id="2147483662" r:id="rId2"/>
+    <p:sldLayoutId id="2147483663" r:id="rId3"/>
+    <p:sldLayoutId id="2147483664" r:id="rId4"/>
+    <p:sldLayoutId id="2147483665" r:id="rId5"/>
+    <p:sldLayoutId id="2147483666" r:id="rId6"/>
+    <p:sldLayoutId id="2147483667" r:id="rId7"/>
+    <p:sldLayoutId id="2147483668" r:id="rId8"/>
+    <p:sldLayoutId id="2147483669" r:id="rId9"/>
+    <p:sldLayoutId id="2147483670" r:id="rId10"/>
+    <p:sldLayoutId id="2147483671" r:id="rId11"/>
+    <p:sldLayoutId id="2147483672" r:id="rId12"/>
+    <p:sldLayoutId id="2147483673" r:id="rId13"/>
+    <p:sldLayoutId id="2147483674" r:id="rId14"/>
+    <p:sldLayoutId id="2147483675" r:id="rId15"/>
+    <p:sldLayoutId id="2147483676" r:id="rId16"/>
+    <p:sldLayoutId id="2147483677" r:id="rId17"/>
   </p:sldLayoutIdLst>
   <p:txStyles>
     <p:titleStyle>
-      <a:lvl1pPr algn="l" defTabSz="914400" rtl="0" eaLnBrk="1" latinLnBrk="0" hangingPunct="1">
-        <a:lnSpc>
-          <a:spcPct val="90000"/>
-        </a:lnSpc>
+      <a:lvl1pPr algn="l" defTabSz="457200" rtl="0" eaLnBrk="1" latinLnBrk="0" hangingPunct="1">
         <a:spcBef>
           <a:spcPct val="0"/>
         </a:spcBef>
         <a:buNone/>
-        <a:defRPr sz="4400" kern="1200">
-          <a:solidFill>
-            <a:schemeClr val="tx1"/>
-          </a:solidFill>
+        <a:defRPr sz="3200" kern="1200" cap="all">
+          <a:ln w="3175" cmpd="sng">
+            <a:noFill/>
+          </a:ln>
+          <a:gradFill flip="none" rotWithShape="1">
+            <a:gsLst>
+              <a:gs pos="0">
+                <a:schemeClr val="tx1"/>
+              </a:gs>
+              <a:gs pos="100000">
+                <a:schemeClr val="tx1">
+                  <a:lumMod val="65000"/>
+                </a:schemeClr>
+              </a:gs>
+            </a:gsLst>
+            <a:lin ang="5580000" scaled="0"/>
+            <a:tileRect/>
+          </a:gradFill>
+          <a:effectLst>
+            <a:glow rad="38100">
+              <a:schemeClr val="bg1">
+                <a:lumMod val="65000"/>
+                <a:lumOff val="35000"/>
+                <a:alpha val="40000"/>
+              </a:schemeClr>
+            </a:glow>
+            <a:outerShdw blurRad="28575" dist="38100" dir="14040000" algn="tl" rotWithShape="0">
+              <a:srgbClr val="000000">
+                <a:alpha val="25000"/>
+              </a:srgbClr>
+            </a:outerShdw>
+          </a:effectLst>
           <a:latin typeface="+mj-lt"/>
           <a:ea typeface="+mj-ea"/>
           <a:cs typeface="+mj-cs"/>
         </a:defRPr>
       </a:lvl1pPr>
+      <a:lvl2pPr eaLnBrk="1" hangingPunct="1">
+        <a:defRPr>
+          <a:solidFill>
+            <a:schemeClr val="tx2"/>
+          </a:solidFill>
+        </a:defRPr>
+      </a:lvl2pPr>
+      <a:lvl3pPr eaLnBrk="1" hangingPunct="1">
+        <a:defRPr>
+          <a:solidFill>
+            <a:schemeClr val="tx2"/>
+          </a:solidFill>
+        </a:defRPr>
+      </a:lvl3pPr>
+      <a:lvl4pPr eaLnBrk="1" hangingPunct="1">
+        <a:defRPr>
+          <a:solidFill>
+            <a:schemeClr val="tx2"/>
+          </a:solidFill>
+        </a:defRPr>
+      </a:lvl4pPr>
+      <a:lvl5pPr eaLnBrk="1" hangingPunct="1">
+        <a:defRPr>
+          <a:solidFill>
+            <a:schemeClr val="tx2"/>
+          </a:solidFill>
+        </a:defRPr>
+      </a:lvl5pPr>
+      <a:lvl6pPr eaLnBrk="1" hangingPunct="1">
+        <a:defRPr>
+          <a:solidFill>
+            <a:schemeClr val="tx2"/>
+          </a:solidFill>
+        </a:defRPr>
+      </a:lvl6pPr>
+      <a:lvl7pPr eaLnBrk="1" hangingPunct="1">
+        <a:defRPr>
+          <a:solidFill>
+            <a:schemeClr val="tx2"/>
+          </a:solidFill>
+        </a:defRPr>
+      </a:lvl7pPr>
+      <a:lvl8pPr eaLnBrk="1" hangingPunct="1">
+        <a:defRPr>
+          <a:solidFill>
+            <a:schemeClr val="tx2"/>
+          </a:solidFill>
+        </a:defRPr>
+      </a:lvl8pPr>
+      <a:lvl9pPr eaLnBrk="1" hangingPunct="1">
+        <a:defRPr>
+          <a:solidFill>
+            <a:schemeClr val="tx2"/>
+          </a:solidFill>
+        </a:defRPr>
+      </a:lvl9pPr>
     </p:titleStyle>
     <p:bodyStyle>
-      <a:lvl1pPr marL="228600" indent="-228600" algn="l" defTabSz="914400" rtl="0" eaLnBrk="1" latinLnBrk="0" hangingPunct="1">
-        <a:lnSpc>
-          <a:spcPct val="90000"/>
-        </a:lnSpc>
+      <a:lvl1pPr marL="285750" indent="-285750" algn="l" defTabSz="457200" rtl="0" eaLnBrk="1" latinLnBrk="0" hangingPunct="1">
         <a:spcBef>
-          <a:spcPts val="1000"/>
+          <a:spcPct val="20000"/>
         </a:spcBef>
-        <a:buFont typeface="Arial" panose="020B0604020202020204" pitchFamily="34" charset="0"/>
+        <a:spcAft>
+          <a:spcPts val="600"/>
+        </a:spcAft>
+        <a:buClr>
+          <a:schemeClr val="tx1"/>
+        </a:buClr>
+        <a:buSzPct val="100000"/>
+        <a:buFont typeface="Arial"/>
         <a:buChar char="•"/>
-        <a:defRPr sz="2800" kern="1200">
-          <a:solidFill>
-            <a:schemeClr val="tx1"/>
-          </a:solidFill>
+        <a:defRPr sz="2000" kern="1200" cap="small">
+          <a:gradFill flip="none" rotWithShape="1">
+            <a:gsLst>
+              <a:gs pos="0">
+                <a:schemeClr val="tx1"/>
+              </a:gs>
+              <a:gs pos="100000">
+                <a:schemeClr val="tx1">
+                  <a:lumMod val="75000"/>
+                </a:schemeClr>
+              </a:gs>
+            </a:gsLst>
+            <a:lin ang="5580000" scaled="0"/>
+            <a:tileRect/>
+          </a:gradFill>
+          <a:effectLst>
+            <a:glow rad="38100">
+              <a:schemeClr val="bg1">
+                <a:lumMod val="50000"/>
+                <a:lumOff val="50000"/>
+                <a:alpha val="20000"/>
+              </a:schemeClr>
+            </a:glow>
+            <a:outerShdw blurRad="44450" dist="12700" dir="13860000" algn="tl" rotWithShape="0">
+              <a:srgbClr val="000000">
+                <a:alpha val="20000"/>
+              </a:srgbClr>
+            </a:outerShdw>
+          </a:effectLst>
           <a:latin typeface="+mn-lt"/>
           <a:ea typeface="+mn-ea"/>
           <a:cs typeface="+mn-cs"/>
         </a:defRPr>
       </a:lvl1pPr>
-      <a:lvl2pPr marL="685800" indent="-228600" algn="l" defTabSz="914400" rtl="0" eaLnBrk="1" latinLnBrk="0" hangingPunct="1">
-        <a:lnSpc>
-          <a:spcPct val="90000"/>
-        </a:lnSpc>
+      <a:lvl2pPr marL="742950" indent="-285750" algn="l" defTabSz="457200" rtl="0" eaLnBrk="1" latinLnBrk="0" hangingPunct="1">
         <a:spcBef>
-          <a:spcPts val="500"/>
+          <a:spcPct val="20000"/>
         </a:spcBef>
-        <a:buFont typeface="Arial" panose="020B0604020202020204" pitchFamily="34" charset="0"/>
+        <a:spcAft>
+          <a:spcPts val="600"/>
+        </a:spcAft>
+        <a:buClr>
+          <a:schemeClr val="tx1"/>
+        </a:buClr>
+        <a:buSzPct val="100000"/>
+        <a:buFont typeface="Arial"/>
         <a:buChar char="•"/>
-        <a:defRPr sz="2400" kern="1200">
-          <a:solidFill>
-            <a:schemeClr val="tx1"/>
-          </a:solidFill>
+        <a:defRPr sz="1800" kern="1200" cap="small">
+          <a:gradFill flip="none" rotWithShape="1">
+            <a:gsLst>
+              <a:gs pos="0">
+                <a:schemeClr val="tx1"/>
+              </a:gs>
+              <a:gs pos="100000">
+                <a:schemeClr val="tx1">
+                  <a:lumMod val="75000"/>
+                </a:schemeClr>
+              </a:gs>
+            </a:gsLst>
+            <a:lin ang="5580000" scaled="0"/>
+            <a:tileRect/>
+          </a:gradFill>
+          <a:effectLst>
+            <a:glow rad="38100">
+              <a:schemeClr val="bg1">
+                <a:lumMod val="50000"/>
+                <a:lumOff val="50000"/>
+                <a:alpha val="20000"/>
+              </a:schemeClr>
+            </a:glow>
+            <a:outerShdw blurRad="44450" dist="12700" dir="13860000" algn="tl" rotWithShape="0">
+              <a:srgbClr val="000000">
+                <a:alpha val="20000"/>
+              </a:srgbClr>
+            </a:outerShdw>
+          </a:effectLst>
           <a:latin typeface="+mn-lt"/>
           <a:ea typeface="+mn-ea"/>
           <a:cs typeface="+mn-cs"/>
         </a:defRPr>
       </a:lvl2pPr>
-      <a:lvl3pPr marL="1143000" indent="-228600" algn="l" defTabSz="914400" rtl="0" eaLnBrk="1" latinLnBrk="0" hangingPunct="1">
-        <a:lnSpc>
-          <a:spcPct val="90000"/>
-        </a:lnSpc>
+      <a:lvl3pPr marL="1200150" indent="-285750" algn="l" defTabSz="457200" rtl="0" eaLnBrk="1" latinLnBrk="0" hangingPunct="1">
         <a:spcBef>
-          <a:spcPts val="500"/>
+          <a:spcPct val="20000"/>
         </a:spcBef>
-        <a:buFont typeface="Arial" panose="020B0604020202020204" pitchFamily="34" charset="0"/>
+        <a:spcAft>
+          <a:spcPts val="600"/>
+        </a:spcAft>
+        <a:buClr>
+          <a:schemeClr val="tx1"/>
+        </a:buClr>
+        <a:buSzPct val="100000"/>
+        <a:buFont typeface="Arial"/>
         <a:buChar char="•"/>
-        <a:defRPr sz="2000" kern="1200">
-          <a:solidFill>
-            <a:schemeClr val="tx1"/>
-          </a:solidFill>
+        <a:defRPr sz="1600" kern="1200" cap="small">
+          <a:gradFill flip="none" rotWithShape="1">
+            <a:gsLst>
+              <a:gs pos="0">
+                <a:schemeClr val="tx1"/>
+              </a:gs>
+              <a:gs pos="100000">
+                <a:schemeClr val="tx1">
+                  <a:lumMod val="75000"/>
+                </a:schemeClr>
+              </a:gs>
+            </a:gsLst>
+            <a:lin ang="5580000" scaled="0"/>
+            <a:tileRect/>
+          </a:gradFill>
+          <a:effectLst>
+            <a:glow rad="38100">
+              <a:schemeClr val="bg1">
+                <a:lumMod val="50000"/>
+                <a:lumOff val="50000"/>
+                <a:alpha val="20000"/>
+              </a:schemeClr>
+            </a:glow>
+            <a:outerShdw blurRad="44450" dist="12700" dir="13860000" algn="tl" rotWithShape="0">
+              <a:srgbClr val="000000">
+                <a:alpha val="20000"/>
+              </a:srgbClr>
+            </a:outerShdw>
+          </a:effectLst>
           <a:latin typeface="+mn-lt"/>
           <a:ea typeface="+mn-ea"/>
           <a:cs typeface="+mn-cs"/>
         </a:defRPr>
       </a:lvl3pPr>
-      <a:lvl4pPr marL="1600200" indent="-228600" algn="l" defTabSz="914400" rtl="0" eaLnBrk="1" latinLnBrk="0" hangingPunct="1">
-        <a:lnSpc>
-          <a:spcPct val="90000"/>
-        </a:lnSpc>
+      <a:lvl4pPr marL="1543050" indent="-171450" algn="l" defTabSz="457200" rtl="0" eaLnBrk="1" latinLnBrk="0" hangingPunct="1">
         <a:spcBef>
-          <a:spcPts val="500"/>
+          <a:spcPct val="20000"/>
         </a:spcBef>
-        <a:buFont typeface="Arial" panose="020B0604020202020204" pitchFamily="34" charset="0"/>
+        <a:spcAft>
+          <a:spcPts val="600"/>
+        </a:spcAft>
+        <a:buClr>
+          <a:schemeClr val="tx1"/>
+        </a:buClr>
+        <a:buSzPct val="100000"/>
+        <a:buFont typeface="Arial"/>
         <a:buChar char="•"/>
-        <a:defRPr sz="1800" kern="1200">
-          <a:solidFill>
-            <a:schemeClr val="tx1"/>
-          </a:solidFill>
+        <a:defRPr sz="1400" kern="1200" cap="small">
+          <a:gradFill flip="none" rotWithShape="1">
+            <a:gsLst>
+              <a:gs pos="0">
+                <a:schemeClr val="tx1"/>
+              </a:gs>
+              <a:gs pos="100000">
+                <a:schemeClr val="tx1">
+                  <a:lumMod val="75000"/>
+                </a:schemeClr>
+              </a:gs>
+            </a:gsLst>
+            <a:lin ang="5580000" scaled="0"/>
+            <a:tileRect/>
+          </a:gradFill>
+          <a:effectLst>
+            <a:glow rad="38100">
+              <a:schemeClr val="bg1">
+                <a:lumMod val="50000"/>
+                <a:lumOff val="50000"/>
+                <a:alpha val="20000"/>
+              </a:schemeClr>
+            </a:glow>
+            <a:outerShdw blurRad="44450" dist="12700" dir="13860000" algn="tl" rotWithShape="0">
+              <a:srgbClr val="000000">
+                <a:alpha val="20000"/>
+              </a:srgbClr>
+            </a:outerShdw>
+          </a:effectLst>
           <a:latin typeface="+mn-lt"/>
           <a:ea typeface="+mn-ea"/>
           <a:cs typeface="+mn-cs"/>
         </a:defRPr>
       </a:lvl4pPr>
-      <a:lvl5pPr marL="2057400" indent="-228600" algn="l" defTabSz="914400" rtl="0" eaLnBrk="1" latinLnBrk="0" hangingPunct="1">
-        <a:lnSpc>
-          <a:spcPct val="90000"/>
-        </a:lnSpc>
+      <a:lvl5pPr marL="2000250" indent="-171450" algn="l" defTabSz="457200" rtl="0" eaLnBrk="1" latinLnBrk="0" hangingPunct="1">
         <a:spcBef>
-          <a:spcPts val="500"/>
+          <a:spcPct val="20000"/>
         </a:spcBef>
-        <a:buFont typeface="Arial" panose="020B0604020202020204" pitchFamily="34" charset="0"/>
+        <a:spcAft>
+          <a:spcPts val="600"/>
+        </a:spcAft>
+        <a:buClr>
+          <a:schemeClr val="tx1"/>
+        </a:buClr>
+        <a:buSzPct val="100000"/>
+        <a:buFont typeface="Arial"/>
         <a:buChar char="•"/>
-        <a:defRPr sz="1800" kern="1200">
-          <a:solidFill>
-            <a:schemeClr val="tx1"/>
-          </a:solidFill>
+        <a:defRPr sz="1400" kern="1200" cap="small">
+          <a:gradFill flip="none" rotWithShape="1">
+            <a:gsLst>
+              <a:gs pos="0">
+                <a:schemeClr val="tx1"/>
+              </a:gs>
+              <a:gs pos="100000">
+                <a:schemeClr val="tx1">
+                  <a:lumMod val="75000"/>
+                </a:schemeClr>
+              </a:gs>
+            </a:gsLst>
+            <a:lin ang="5580000" scaled="0"/>
+            <a:tileRect/>
+          </a:gradFill>
+          <a:effectLst>
+            <a:glow rad="38100">
+              <a:schemeClr val="bg1">
+                <a:lumMod val="50000"/>
+                <a:lumOff val="50000"/>
+                <a:alpha val="20000"/>
+              </a:schemeClr>
+            </a:glow>
+            <a:outerShdw blurRad="44450" dist="12700" dir="13860000" algn="tl" rotWithShape="0">
+              <a:srgbClr val="000000">
+                <a:alpha val="20000"/>
+              </a:srgbClr>
+            </a:outerShdw>
+          </a:effectLst>
           <a:latin typeface="+mn-lt"/>
           <a:ea typeface="+mn-ea"/>
           <a:cs typeface="+mn-cs"/>
         </a:defRPr>
       </a:lvl5pPr>
-      <a:lvl6pPr marL="2514600" indent="-228600" algn="l" defTabSz="914400" rtl="0" eaLnBrk="1" latinLnBrk="0" hangingPunct="1">
-        <a:lnSpc>
-          <a:spcPct val="90000"/>
-        </a:lnSpc>
+      <a:lvl6pPr marL="2514600" indent="-228600" algn="l" defTabSz="457200" rtl="0" eaLnBrk="1" latinLnBrk="0" hangingPunct="1">
         <a:spcBef>
-          <a:spcPts val="500"/>
+          <a:spcPct val="20000"/>
         </a:spcBef>
-        <a:buFont typeface="Arial" panose="020B0604020202020204" pitchFamily="34" charset="0"/>
+        <a:spcAft>
+          <a:spcPts val="600"/>
+        </a:spcAft>
+        <a:buClr>
+          <a:schemeClr val="tx1"/>
+        </a:buClr>
+        <a:buSzPct val="100000"/>
+        <a:buFont typeface="Arial"/>
         <a:buChar char="•"/>
-        <a:defRPr sz="1800" kern="1200">
-          <a:solidFill>
-            <a:schemeClr val="tx1"/>
-          </a:solidFill>
+        <a:defRPr sz="1200" kern="1200" cap="small">
+          <a:gradFill flip="none" rotWithShape="1">
+            <a:gsLst>
+              <a:gs pos="0">
+                <a:schemeClr val="tx1"/>
+              </a:gs>
+              <a:gs pos="100000">
+                <a:schemeClr val="tx1">
+                  <a:lumMod val="75000"/>
+                </a:schemeClr>
+              </a:gs>
+            </a:gsLst>
+            <a:lin ang="5580000" scaled="0"/>
+            <a:tileRect/>
+          </a:gradFill>
+          <a:effectLst>
+            <a:glow rad="38100">
+              <a:schemeClr val="bg1">
+                <a:lumMod val="50000"/>
+                <a:lumOff val="50000"/>
+                <a:alpha val="20000"/>
+              </a:schemeClr>
+            </a:glow>
+            <a:outerShdw blurRad="44450" dist="12700" dir="13860000" algn="tl" rotWithShape="0">
+              <a:srgbClr val="000000">
+                <a:alpha val="20000"/>
+              </a:srgbClr>
+            </a:outerShdw>
+          </a:effectLst>
           <a:latin typeface="+mn-lt"/>
           <a:ea typeface="+mn-ea"/>
           <a:cs typeface="+mn-cs"/>
         </a:defRPr>
       </a:lvl6pPr>
-      <a:lvl7pPr marL="2971800" indent="-228600" algn="l" defTabSz="914400" rtl="0" eaLnBrk="1" latinLnBrk="0" hangingPunct="1">
-        <a:lnSpc>
-          <a:spcPct val="90000"/>
-        </a:lnSpc>
+      <a:lvl7pPr marL="2971800" indent="-228600" algn="l" defTabSz="457200" rtl="0" eaLnBrk="1" latinLnBrk="0" hangingPunct="1">
         <a:spcBef>
-          <a:spcPts val="500"/>
+          <a:spcPct val="20000"/>
         </a:spcBef>
-        <a:buFont typeface="Arial" panose="020B0604020202020204" pitchFamily="34" charset="0"/>
+        <a:spcAft>
+          <a:spcPts val="600"/>
+        </a:spcAft>
+        <a:buClr>
+          <a:schemeClr val="tx1"/>
+        </a:buClr>
+        <a:buSzPct val="100000"/>
+        <a:buFont typeface="Arial"/>
         <a:buChar char="•"/>
-        <a:defRPr sz="1800" kern="1200">
-          <a:solidFill>
-            <a:schemeClr val="tx1"/>
-          </a:solidFill>
+        <a:defRPr sz="1200" kern="1200" cap="small">
+          <a:gradFill flip="none" rotWithShape="1">
+            <a:gsLst>
+              <a:gs pos="0">
+                <a:schemeClr val="tx1"/>
+              </a:gs>
+              <a:gs pos="100000">
+                <a:schemeClr val="tx1">
+                  <a:lumMod val="75000"/>
+                </a:schemeClr>
+              </a:gs>
+            </a:gsLst>
+            <a:lin ang="5580000" scaled="0"/>
+            <a:tileRect/>
+          </a:gradFill>
+          <a:effectLst>
+            <a:glow rad="38100">
+              <a:schemeClr val="bg1">
+                <a:lumMod val="50000"/>
+                <a:lumOff val="50000"/>
+                <a:alpha val="20000"/>
+              </a:schemeClr>
+            </a:glow>
+            <a:outerShdw blurRad="44450" dist="12700" dir="13860000" algn="tl" rotWithShape="0">
+              <a:srgbClr val="000000">
+                <a:alpha val="20000"/>
+              </a:srgbClr>
+            </a:outerShdw>
+          </a:effectLst>
           <a:latin typeface="+mn-lt"/>
           <a:ea typeface="+mn-ea"/>
           <a:cs typeface="+mn-cs"/>
         </a:defRPr>
       </a:lvl7pPr>
-      <a:lvl8pPr marL="3429000" indent="-228600" algn="l" defTabSz="914400" rtl="0" eaLnBrk="1" latinLnBrk="0" hangingPunct="1">
-        <a:lnSpc>
-          <a:spcPct val="90000"/>
-        </a:lnSpc>
+      <a:lvl8pPr marL="3429000" indent="-228600" algn="l" defTabSz="457200" rtl="0" eaLnBrk="1" latinLnBrk="0" hangingPunct="1">
         <a:spcBef>
-          <a:spcPts val="500"/>
+          <a:spcPct val="20000"/>
         </a:spcBef>
-        <a:buFont typeface="Arial" panose="020B0604020202020204" pitchFamily="34" charset="0"/>
+        <a:spcAft>
+          <a:spcPts val="600"/>
+        </a:spcAft>
+        <a:buClr>
+          <a:schemeClr val="tx1"/>
+        </a:buClr>
+        <a:buSzPct val="100000"/>
+        <a:buFont typeface="Arial"/>
         <a:buChar char="•"/>
-        <a:defRPr sz="1800" kern="1200">
-          <a:solidFill>
-            <a:schemeClr val="tx1"/>
-          </a:solidFill>
+        <a:defRPr sz="1200" kern="1200" cap="small">
+          <a:gradFill flip="none" rotWithShape="1">
+            <a:gsLst>
+              <a:gs pos="0">
+                <a:schemeClr val="tx1"/>
+              </a:gs>
+              <a:gs pos="100000">
+                <a:schemeClr val="tx1">
+                  <a:lumMod val="75000"/>
+                </a:schemeClr>
+              </a:gs>
+            </a:gsLst>
+            <a:lin ang="5580000" scaled="0"/>
+            <a:tileRect/>
+          </a:gradFill>
+          <a:effectLst>
+            <a:glow rad="38100">
+              <a:schemeClr val="bg1">
+                <a:lumMod val="50000"/>
+                <a:lumOff val="50000"/>
+                <a:alpha val="20000"/>
+              </a:schemeClr>
+            </a:glow>
+            <a:outerShdw blurRad="44450" dist="12700" dir="13860000" algn="tl" rotWithShape="0">
+              <a:srgbClr val="000000">
+                <a:alpha val="20000"/>
+              </a:srgbClr>
+            </a:outerShdw>
+          </a:effectLst>
           <a:latin typeface="+mn-lt"/>
           <a:ea typeface="+mn-ea"/>
           <a:cs typeface="+mn-cs"/>
         </a:defRPr>
       </a:lvl8pPr>
-      <a:lvl9pPr marL="3886200" indent="-228600" algn="l" defTabSz="914400" rtl="0" eaLnBrk="1" latinLnBrk="0" hangingPunct="1">
-        <a:lnSpc>
-          <a:spcPct val="90000"/>
-        </a:lnSpc>
+      <a:lvl9pPr marL="3886200" indent="-228600" algn="l" defTabSz="457200" rtl="0" eaLnBrk="1" latinLnBrk="0" hangingPunct="1">
         <a:spcBef>
-          <a:spcPts val="500"/>
+          <a:spcPct val="20000"/>
         </a:spcBef>
-        <a:buFont typeface="Arial" panose="020B0604020202020204" pitchFamily="34" charset="0"/>
+        <a:spcAft>
+          <a:spcPts val="600"/>
+        </a:spcAft>
+        <a:buClr>
+          <a:schemeClr val="tx1"/>
+        </a:buClr>
+        <a:buSzPct val="100000"/>
+        <a:buFont typeface="Arial"/>
         <a:buChar char="•"/>
-        <a:defRPr sz="1800" kern="1200">
-          <a:solidFill>
-            <a:schemeClr val="tx1"/>
-          </a:solidFill>
+        <a:defRPr sz="1200" kern="1200" cap="small">
+          <a:gradFill flip="none" rotWithShape="1">
+            <a:gsLst>
+              <a:gs pos="0">
+                <a:schemeClr val="tx1"/>
+              </a:gs>
+              <a:gs pos="100000">
+                <a:schemeClr val="tx1">
+                  <a:lumMod val="75000"/>
+                </a:schemeClr>
+              </a:gs>
+            </a:gsLst>
+            <a:lin ang="5580000" scaled="0"/>
+            <a:tileRect/>
+          </a:gradFill>
+          <a:effectLst>
+            <a:glow rad="38100">
+              <a:schemeClr val="bg1">
+                <a:lumMod val="50000"/>
+                <a:lumOff val="50000"/>
+                <a:alpha val="20000"/>
+              </a:schemeClr>
+            </a:glow>
+            <a:outerShdw blurRad="44450" dist="12700" dir="13860000" algn="tl" rotWithShape="0">
+              <a:srgbClr val="000000">
+                <a:alpha val="20000"/>
+              </a:srgbClr>
+            </a:outerShdw>
+          </a:effectLst>
           <a:latin typeface="+mn-lt"/>
           <a:ea typeface="+mn-ea"/>
           <a:cs typeface="+mn-cs"/>
@@ -2858,7 +6734,7 @@
       <a:defPPr>
         <a:defRPr lang="en-US"/>
       </a:defPPr>
-      <a:lvl1pPr marL="0" algn="l" defTabSz="914400" rtl="0" eaLnBrk="1" latinLnBrk="0" hangingPunct="1">
+      <a:lvl1pPr marL="0" algn="l" defTabSz="457200" rtl="0" eaLnBrk="1" latinLnBrk="0" hangingPunct="1">
         <a:defRPr sz="1800" kern="1200">
           <a:solidFill>
             <a:schemeClr val="tx1"/>
@@ -2868,7 +6744,7 @@
           <a:cs typeface="+mn-cs"/>
         </a:defRPr>
       </a:lvl1pPr>
-      <a:lvl2pPr marL="457200" algn="l" defTabSz="914400" rtl="0" eaLnBrk="1" latinLnBrk="0" hangingPunct="1">
+      <a:lvl2pPr marL="457200" algn="l" defTabSz="457200" rtl="0" eaLnBrk="1" latinLnBrk="0" hangingPunct="1">
         <a:defRPr sz="1800" kern="1200">
           <a:solidFill>
             <a:schemeClr val="tx1"/>
@@ -2878,7 +6754,7 @@
           <a:cs typeface="+mn-cs"/>
         </a:defRPr>
       </a:lvl2pPr>
-      <a:lvl3pPr marL="914400" algn="l" defTabSz="914400" rtl="0" eaLnBrk="1" latinLnBrk="0" hangingPunct="1">
+      <a:lvl3pPr marL="914400" algn="l" defTabSz="457200" rtl="0" eaLnBrk="1" latinLnBrk="0" hangingPunct="1">
         <a:defRPr sz="1800" kern="1200">
           <a:solidFill>
             <a:schemeClr val="tx1"/>
@@ -2888,7 +6764,7 @@
           <a:cs typeface="+mn-cs"/>
         </a:defRPr>
       </a:lvl3pPr>
-      <a:lvl4pPr marL="1371600" algn="l" defTabSz="914400" rtl="0" eaLnBrk="1" latinLnBrk="0" hangingPunct="1">
+      <a:lvl4pPr marL="1371600" algn="l" defTabSz="457200" rtl="0" eaLnBrk="1" latinLnBrk="0" hangingPunct="1">
         <a:defRPr sz="1800" kern="1200">
           <a:solidFill>
             <a:schemeClr val="tx1"/>
@@ -2898,7 +6774,7 @@
           <a:cs typeface="+mn-cs"/>
         </a:defRPr>
       </a:lvl4pPr>
-      <a:lvl5pPr marL="1828800" algn="l" defTabSz="914400" rtl="0" eaLnBrk="1" latinLnBrk="0" hangingPunct="1">
+      <a:lvl5pPr marL="1828800" algn="l" defTabSz="457200" rtl="0" eaLnBrk="1" latinLnBrk="0" hangingPunct="1">
         <a:defRPr sz="1800" kern="1200">
           <a:solidFill>
             <a:schemeClr val="tx1"/>
@@ -2908,7 +6784,7 @@
           <a:cs typeface="+mn-cs"/>
         </a:defRPr>
       </a:lvl5pPr>
-      <a:lvl6pPr marL="2286000" algn="l" defTabSz="914400" rtl="0" eaLnBrk="1" latinLnBrk="0" hangingPunct="1">
+      <a:lvl6pPr marL="2286000" algn="l" defTabSz="457200" rtl="0" eaLnBrk="1" latinLnBrk="0" hangingPunct="1">
         <a:defRPr sz="1800" kern="1200">
           <a:solidFill>
             <a:schemeClr val="tx1"/>
@@ -2918,7 +6794,7 @@
           <a:cs typeface="+mn-cs"/>
         </a:defRPr>
       </a:lvl6pPr>
-      <a:lvl7pPr marL="2743200" algn="l" defTabSz="914400" rtl="0" eaLnBrk="1" latinLnBrk="0" hangingPunct="1">
+      <a:lvl7pPr marL="2743200" algn="l" defTabSz="457200" rtl="0" eaLnBrk="1" latinLnBrk="0" hangingPunct="1">
         <a:defRPr sz="1800" kern="1200">
           <a:solidFill>
             <a:schemeClr val="tx1"/>
@@ -2928,7 +6804,7 @@
           <a:cs typeface="+mn-cs"/>
         </a:defRPr>
       </a:lvl7pPr>
-      <a:lvl8pPr marL="3200400" algn="l" defTabSz="914400" rtl="0" eaLnBrk="1" latinLnBrk="0" hangingPunct="1">
+      <a:lvl8pPr marL="3200400" algn="l" defTabSz="457200" rtl="0" eaLnBrk="1" latinLnBrk="0" hangingPunct="1">
         <a:defRPr sz="1800" kern="1200">
           <a:solidFill>
             <a:schemeClr val="tx1"/>
@@ -2938,7 +6814,7 @@
           <a:cs typeface="+mn-cs"/>
         </a:defRPr>
       </a:lvl8pPr>
-      <a:lvl9pPr marL="3657600" algn="l" defTabSz="914400" rtl="0" eaLnBrk="1" latinLnBrk="0" hangingPunct="1">
+      <a:lvl9pPr marL="3657600" algn="l" defTabSz="457200" rtl="0" eaLnBrk="1" latinLnBrk="0" hangingPunct="1">
         <a:defRPr sz="1800" kern="1200">
           <a:solidFill>
             <a:schemeClr val="tx1"/>
@@ -3024,6 +6900,13 @@
   <p:clrMapOvr>
     <a:masterClrMapping/>
   </p:clrMapOvr>
+  <p:timing>
+    <p:tnLst>
+      <p:par>
+        <p:cTn id="1" dur="indefinite" restart="never" nodeType="tmRoot"/>
+      </p:par>
+    </p:tnLst>
+  </p:timing>
 </p:sld>
 </file>
 
@@ -3078,16 +6961,100 @@
         </p:nvSpPr>
         <p:spPr/>
         <p:txBody>
-          <a:bodyPr/>
+          <a:bodyPr anchor="t">
+            <a:normAutofit/>
+          </a:bodyPr>
           <a:lstStyle/>
           <a:p>
             <a:pPr marL="0" indent="0">
               <a:buNone/>
             </a:pPr>
-            <a:endParaRPr lang="en-GB" dirty="0"/>
-          </a:p>
-        </p:txBody>
-      </p:sp>
+            <a:r>
+              <a:rPr lang="en-GB" sz="2400" dirty="0" smtClean="0"/>
+              <a:t>Smashville is a beat-em-up style fighting game, where </a:t>
+            </a:r>
+            <a:r>
+              <a:rPr lang="en-GB" sz="2400" dirty="0" smtClean="0"/>
+              <a:t>the players </a:t>
+            </a:r>
+            <a:r>
+              <a:rPr lang="en-GB" sz="2400" smtClean="0"/>
+              <a:t>objective is to </a:t>
+            </a:r>
+            <a:r>
+              <a:rPr lang="en-GB" sz="2400" dirty="0" smtClean="0"/>
+              <a:t>try and knock the other player(s) off the stage and out of the arena. </a:t>
+            </a:r>
+          </a:p>
+          <a:p>
+            <a:pPr marL="0" indent="0">
+              <a:buNone/>
+            </a:pPr>
+            <a:r>
+              <a:rPr lang="en-GB" sz="2400" dirty="0" smtClean="0"/>
+              <a:t>With a rooster of characters and stages to choose from, players will be spoilt for choice when it comes to confronting their adversary. </a:t>
+            </a:r>
+            <a:endParaRPr lang="en-GB" sz="2400" dirty="0"/>
+          </a:p>
+        </p:txBody>
+      </p:sp>
+      <p:pic>
+        <p:nvPicPr>
+          <p:cNvPr id="4" name="Picture 3"/>
+          <p:cNvPicPr>
+            <a:picLocks noChangeAspect="1"/>
+          </p:cNvPicPr>
+          <p:nvPr/>
+        </p:nvPicPr>
+        <p:blipFill rotWithShape="1">
+          <a:blip r:embed="rId3"/>
+          <a:srcRect l="2295" t="21154" r="3279"/>
+          <a:stretch/>
+        </p:blipFill>
+        <p:spPr>
+          <a:xfrm>
+            <a:off x="0" y="5991368"/>
+            <a:ext cx="12175104" cy="866631"/>
+          </a:xfrm>
+          <a:prstGeom prst="rect">
+            <a:avLst/>
+          </a:prstGeom>
+        </p:spPr>
+      </p:pic>
+      <p:pic>
+        <p:nvPicPr>
+          <p:cNvPr id="5" name="Picture 4"/>
+          <p:cNvPicPr>
+            <a:picLocks noChangeAspect="1"/>
+          </p:cNvPicPr>
+          <p:nvPr/>
+        </p:nvPicPr>
+        <p:blipFill rotWithShape="1">
+          <a:blip r:embed="rId4">
+            <a:clrChange>
+              <a:clrFrom>
+                <a:srgbClr val="000000"/>
+              </a:clrFrom>
+              <a:clrTo>
+                <a:srgbClr val="000000">
+                  <a:alpha val="0"/>
+                </a:srgbClr>
+              </a:clrTo>
+            </a:clrChange>
+          </a:blip>
+          <a:srcRect l="10078" t="8937" r="12597" b="7732"/>
+          <a:stretch/>
+        </p:blipFill>
+        <p:spPr>
+          <a:xfrm>
+            <a:off x="9784040" y="5075380"/>
+            <a:ext cx="995602" cy="973138"/>
+          </a:xfrm>
+          <a:prstGeom prst="rect">
+            <a:avLst/>
+          </a:prstGeom>
+        </p:spPr>
+      </p:pic>
     </p:spTree>
     <p:extLst>
       <p:ext uri="{BB962C8B-B14F-4D97-AF65-F5344CB8AC3E}">
@@ -3098,6 +7065,13 @@
   <p:clrMapOvr>
     <a:masterClrMapping/>
   </p:clrMapOvr>
+  <p:timing>
+    <p:tnLst>
+      <p:par>
+        <p:cTn id="1" dur="indefinite" restart="never" nodeType="tmRoot"/>
+      </p:par>
+    </p:tnLst>
+  </p:timing>
 </p:sld>
 </file>
 
@@ -3128,7 +7102,12 @@
             <p:ph type="title"/>
           </p:nvPr>
         </p:nvSpPr>
-        <p:spPr/>
+        <p:spPr>
+          <a:xfrm>
+            <a:off x="1141413" y="609600"/>
+            <a:ext cx="9905998" cy="1905000"/>
+          </a:xfrm>
+        </p:spPr>
         <p:txBody>
           <a:bodyPr/>
           <a:lstStyle/>
@@ -3150,12 +7129,112 @@
             <p:ph idx="1"/>
           </p:nvPr>
         </p:nvSpPr>
-        <p:spPr/>
-        <p:txBody>
-          <a:bodyPr/>
-          <a:lstStyle/>
-          <a:p>
-            <a:endParaRPr lang="en-GB"/>
+        <p:spPr>
+          <a:xfrm>
+            <a:off x="1141413" y="2857500"/>
+            <a:ext cx="9905998" cy="3213100"/>
+          </a:xfrm>
+        </p:spPr>
+        <p:txBody>
+          <a:bodyPr numCol="2" anchor="t"/>
+          <a:lstStyle/>
+          <a:p>
+            <a:r>
+              <a:rPr lang="en-GB" dirty="0" smtClean="0"/>
+              <a:t>Players can move left, right and Double Jump.</a:t>
+            </a:r>
+          </a:p>
+          <a:p>
+            <a:r>
+              <a:rPr lang="en-GB" dirty="0" smtClean="0"/>
+              <a:t>Players can hit other players left, right up or down.</a:t>
+            </a:r>
+          </a:p>
+          <a:p>
+            <a:r>
+              <a:rPr lang="en-GB" dirty="0" smtClean="0"/>
+              <a:t>Getting hit will increase knockback effect</a:t>
+            </a:r>
+          </a:p>
+          <a:p>
+            <a:r>
+              <a:rPr lang="en-GB" dirty="0" smtClean="0"/>
+              <a:t>Getting knocked off screen will result in a loss</a:t>
+            </a:r>
+          </a:p>
+          <a:p>
+            <a:r>
+              <a:rPr lang="en-GB" dirty="0" smtClean="0"/>
+              <a:t>Sessions must have a host player</a:t>
+            </a:r>
+          </a:p>
+          <a:p>
+            <a:r>
+              <a:rPr lang="en-GB" dirty="0" smtClean="0"/>
+              <a:t>Sessions </a:t>
+            </a:r>
+            <a:r>
+              <a:rPr lang="en-GB" dirty="0"/>
+              <a:t>can hold up to four players</a:t>
+            </a:r>
+            <a:endParaRPr lang="en-GB" dirty="0" smtClean="0"/>
+          </a:p>
+          <a:p>
+            <a:r>
+              <a:rPr lang="en-GB" dirty="0" smtClean="0"/>
+              <a:t>Sessions must have a selected stage</a:t>
+            </a:r>
+          </a:p>
+          <a:p>
+            <a:r>
+              <a:rPr lang="en-GB" dirty="0" smtClean="0"/>
+              <a:t>Players connected to sessions must select a character</a:t>
+            </a:r>
+          </a:p>
+          <a:p>
+            <a:r>
+              <a:rPr lang="en-GB" dirty="0" smtClean="0"/>
+              <a:t>Only the host can start the session</a:t>
+            </a:r>
+            <a:endParaRPr lang="en-GB" dirty="0"/>
+          </a:p>
+          <a:p>
+            <a:r>
+              <a:rPr lang="en-GB" dirty="0" smtClean="0"/>
+              <a:t>Player who creates session is the host</a:t>
+            </a:r>
+          </a:p>
+        </p:txBody>
+      </p:sp>
+      <p:sp>
+        <p:nvSpPr>
+          <p:cNvPr id="4" name="TextBox 3"/>
+          <p:cNvSpPr txBox="1"/>
+          <p:nvPr/>
+        </p:nvSpPr>
+        <p:spPr>
+          <a:xfrm>
+            <a:off x="1128713" y="2387599"/>
+            <a:ext cx="7273145" cy="646331"/>
+          </a:xfrm>
+          <a:prstGeom prst="rect">
+            <a:avLst/>
+          </a:prstGeom>
+          <a:noFill/>
+        </p:spPr>
+        <p:txBody>
+          <a:bodyPr wrap="none" rtlCol="0">
+            <a:spAutoFit/>
+          </a:bodyPr>
+          <a:lstStyle/>
+          <a:p>
+            <a:r>
+              <a:rPr lang="en-GB" dirty="0"/>
+              <a:t>The rules of the game are simple (but will not tolerate violation):</a:t>
+            </a:r>
+          </a:p>
+          <a:p>
+            <a:endParaRPr lang="en-GB" dirty="0"/>
           </a:p>
         </p:txBody>
       </p:sp>
@@ -3169,6 +7248,13 @@
   <p:clrMapOvr>
     <a:masterClrMapping/>
   </p:clrMapOvr>
+  <p:timing>
+    <p:tnLst>
+      <p:par>
+        <p:cTn id="1" dur="indefinite" restart="never" nodeType="tmRoot"/>
+      </p:par>
+    </p:tnLst>
+  </p:timing>
 </p:sld>
 </file>
 
@@ -3189,28 +7275,299 @@
           <a:chExt cx="0" cy="0"/>
         </a:xfrm>
       </p:grpSpPr>
-      <p:sp>
-        <p:nvSpPr>
-          <p:cNvPr id="3" name="Content Placeholder 2"/>
-          <p:cNvSpPr>
-            <a:spLocks noGrp="1"/>
-          </p:cNvSpPr>
-          <p:nvPr>
-            <p:ph idx="1"/>
-          </p:nvPr>
-        </p:nvSpPr>
-        <p:spPr/>
+      <p:pic>
+        <p:nvPicPr>
+          <p:cNvPr id="2" name="Picture 1"/>
+          <p:cNvPicPr>
+            <a:picLocks noChangeAspect="1"/>
+          </p:cNvPicPr>
+          <p:nvPr/>
+        </p:nvPicPr>
+        <p:blipFill>
+          <a:blip r:embed="rId3">
+            <a:extLst>
+              <a:ext uri="{28A0092B-C50C-407E-A947-70E740481C1C}">
+                <a14:useLocalDpi xmlns:a14="http://schemas.microsoft.com/office/drawing/2010/main" val="0"/>
+              </a:ext>
+            </a:extLst>
+          </a:blip>
+          <a:stretch>
+            <a:fillRect/>
+          </a:stretch>
+        </p:blipFill>
+        <p:spPr>
+          <a:xfrm>
+            <a:off x="5947669" y="1841261"/>
+            <a:ext cx="6054934" cy="4174015"/>
+          </a:xfrm>
+          <a:prstGeom prst="rect">
+            <a:avLst/>
+          </a:prstGeom>
+          <a:ln>
+            <a:solidFill>
+              <a:schemeClr val="tx1"/>
+            </a:solidFill>
+          </a:ln>
+        </p:spPr>
+      </p:pic>
+      <p:sp>
+        <p:nvSpPr>
+          <p:cNvPr id="5" name="TextBox 4"/>
+          <p:cNvSpPr txBox="1"/>
+          <p:nvPr/>
+        </p:nvSpPr>
+        <p:spPr>
+          <a:xfrm>
+            <a:off x="5919094" y="1422400"/>
+            <a:ext cx="2438488" cy="369332"/>
+          </a:xfrm>
+          <a:prstGeom prst="rect">
+            <a:avLst/>
+          </a:prstGeom>
+          <a:noFill/>
+        </p:spPr>
+        <p:txBody>
+          <a:bodyPr wrap="none" rtlCol="0">
+            <a:spAutoFit/>
+          </a:bodyPr>
+          <a:lstStyle/>
+          <a:p>
+            <a:r>
+              <a:rPr lang="en-GB" dirty="0" smtClean="0"/>
+              <a:t>Lobby State Storyboard:</a:t>
+            </a:r>
+            <a:endParaRPr lang="en-GB" dirty="0"/>
+          </a:p>
+        </p:txBody>
+      </p:sp>
+      <p:sp>
+        <p:nvSpPr>
+          <p:cNvPr id="6" name="TextBox 5"/>
+          <p:cNvSpPr txBox="1"/>
+          <p:nvPr/>
+        </p:nvSpPr>
+        <p:spPr>
+          <a:xfrm>
+            <a:off x="156469" y="1450975"/>
+            <a:ext cx="2428422" cy="369332"/>
+          </a:xfrm>
+          <a:prstGeom prst="rect">
+            <a:avLst/>
+          </a:prstGeom>
+          <a:noFill/>
+        </p:spPr>
+        <p:txBody>
+          <a:bodyPr wrap="none" rtlCol="0">
+            <a:spAutoFit/>
+          </a:bodyPr>
+          <a:lstStyle/>
+          <a:p>
+            <a:r>
+              <a:rPr lang="en-GB" dirty="0" smtClean="0"/>
+              <a:t>Game State Storyboard:</a:t>
+            </a:r>
+            <a:endParaRPr lang="en-GB" dirty="0"/>
+          </a:p>
+        </p:txBody>
+      </p:sp>
+      <p:pic>
+        <p:nvPicPr>
+          <p:cNvPr id="7" name="Picture 6"/>
+          <p:cNvPicPr>
+            <a:picLocks noChangeAspect="1"/>
+          </p:cNvPicPr>
+          <p:nvPr/>
+        </p:nvPicPr>
+        <p:blipFill>
+          <a:blip r:embed="rId4">
+            <a:extLst>
+              <a:ext uri="{28A0092B-C50C-407E-A947-70E740481C1C}">
+                <a14:useLocalDpi xmlns:a14="http://schemas.microsoft.com/office/drawing/2010/main" val="0"/>
+              </a:ext>
+            </a:extLst>
+          </a:blip>
+          <a:stretch>
+            <a:fillRect/>
+          </a:stretch>
+        </p:blipFill>
+        <p:spPr>
+          <a:xfrm>
+            <a:off x="204672" y="1839357"/>
+            <a:ext cx="5560538" cy="2780268"/>
+          </a:xfrm>
+          <a:prstGeom prst="rect">
+            <a:avLst/>
+          </a:prstGeom>
+        </p:spPr>
+      </p:pic>
+      <p:sp>
+        <p:nvSpPr>
+          <p:cNvPr id="8" name="TextBox 7"/>
+          <p:cNvSpPr txBox="1"/>
+          <p:nvPr/>
+        </p:nvSpPr>
+        <p:spPr>
+          <a:xfrm>
+            <a:off x="214197" y="4848225"/>
+            <a:ext cx="5624628" cy="1754326"/>
+          </a:xfrm>
+          <a:prstGeom prst="rect">
+            <a:avLst/>
+          </a:prstGeom>
+          <a:noFill/>
+        </p:spPr>
+        <p:txBody>
+          <a:bodyPr wrap="square" rtlCol="0">
+            <a:spAutoFit/>
+          </a:bodyPr>
+          <a:lstStyle/>
+          <a:p>
+            <a:r>
+              <a:rPr lang="en-GB" dirty="0" smtClean="0"/>
+              <a:t>The storyboard above shows the player moving </a:t>
+            </a:r>
+          </a:p>
+          <a:p>
+            <a:r>
+              <a:rPr lang="en-GB" dirty="0" smtClean="0"/>
+              <a:t>around the stage before jumping off of the screen. </a:t>
+            </a:r>
+          </a:p>
+          <a:p>
+            <a:endParaRPr lang="en-GB" dirty="0" smtClean="0"/>
+          </a:p>
+          <a:p>
+            <a:r>
+              <a:rPr lang="en-GB" dirty="0" smtClean="0"/>
+              <a:t>The other storyboard shows how the user will navigate the menus to find/host/start a game.</a:t>
+            </a:r>
+            <a:endParaRPr lang="en-GB" dirty="0"/>
+          </a:p>
+        </p:txBody>
+      </p:sp>
+      <p:sp>
+        <p:nvSpPr>
+          <p:cNvPr id="10" name="Oval 9"/>
+          <p:cNvSpPr/>
+          <p:nvPr/>
+        </p:nvSpPr>
+        <p:spPr>
+          <a:xfrm>
+            <a:off x="11077575" y="3429000"/>
+            <a:ext cx="819150" cy="342900"/>
+          </a:xfrm>
+          <a:prstGeom prst="ellipse">
+            <a:avLst/>
+          </a:prstGeom>
+          <a:noFill/>
+          <a:ln>
+            <a:solidFill>
+              <a:srgbClr val="FF0000"/>
+            </a:solidFill>
+          </a:ln>
+        </p:spPr>
+        <p:style>
+          <a:lnRef idx="2">
+            <a:schemeClr val="accent1">
+              <a:shade val="50000"/>
+            </a:schemeClr>
+          </a:lnRef>
+          <a:fillRef idx="1">
+            <a:schemeClr val="accent1"/>
+          </a:fillRef>
+          <a:effectRef idx="0">
+            <a:schemeClr val="accent1"/>
+          </a:effectRef>
+          <a:fontRef idx="minor">
+            <a:schemeClr val="lt1"/>
+          </a:fontRef>
+        </p:style>
+        <p:txBody>
+          <a:bodyPr rtlCol="0" anchor="ctr"/>
+          <a:lstStyle/>
+          <a:p>
+            <a:pPr algn="ctr"/>
+            <a:endParaRPr lang="en-GB">
+              <a:noFill/>
+            </a:endParaRPr>
+          </a:p>
+        </p:txBody>
+      </p:sp>
+      <p:sp>
+        <p:nvSpPr>
+          <p:cNvPr id="11" name="TextBox 10"/>
+          <p:cNvSpPr txBox="1"/>
+          <p:nvPr/>
+        </p:nvSpPr>
+        <p:spPr>
+          <a:xfrm>
+            <a:off x="11226501" y="3229491"/>
+            <a:ext cx="458780" cy="230832"/>
+          </a:xfrm>
+          <a:prstGeom prst="rect">
+            <a:avLst/>
+          </a:prstGeom>
+          <a:noFill/>
+        </p:spPr>
+        <p:txBody>
+          <a:bodyPr wrap="none" rtlCol="0">
+            <a:spAutoFit/>
+          </a:bodyPr>
+          <a:lstStyle/>
+          <a:p>
+            <a:r>
+              <a:rPr lang="en-GB" sz="900" dirty="0">
+                <a:solidFill>
+                  <a:srgbClr val="FF0000"/>
+                </a:solidFill>
+              </a:rPr>
+              <a:t>l</a:t>
+            </a:r>
+            <a:r>
+              <a:rPr lang="en-GB" sz="900" dirty="0" smtClean="0">
+                <a:solidFill>
+                  <a:srgbClr val="FF0000"/>
+                </a:solidFill>
+              </a:rPr>
+              <a:t>ocal</a:t>
+            </a:r>
+            <a:endParaRPr lang="en-GB" sz="1200" dirty="0">
+              <a:solidFill>
+                <a:srgbClr val="FF0000"/>
+              </a:solidFill>
+            </a:endParaRPr>
+          </a:p>
+        </p:txBody>
+      </p:sp>
+      <p:sp>
+        <p:nvSpPr>
+          <p:cNvPr id="9" name="Title 1"/>
+          <p:cNvSpPr>
+            <a:spLocks noGrp="1"/>
+          </p:cNvSpPr>
+          <p:nvPr>
+            <p:ph type="title"/>
+          </p:nvPr>
+        </p:nvSpPr>
+        <p:spPr>
+          <a:xfrm>
+            <a:off x="569913" y="-66675"/>
+            <a:ext cx="9905998" cy="1905000"/>
+          </a:xfrm>
+        </p:spPr>
         <p:txBody>
           <a:bodyPr/>
           <a:lstStyle/>
           <a:p>
-            <a:pPr marL="0" indent="0">
-              <a:buNone/>
-            </a:pPr>
             <a:r>
               <a:rPr lang="en-GB" dirty="0"/>
-              <a:t>Storyboards go here</a:t>
-            </a:r>
+              <a:t>The </a:t>
+            </a:r>
+            <a:r>
+              <a:rPr lang="en-GB" dirty="0" smtClean="0"/>
+              <a:t>Storyboards</a:t>
+            </a:r>
+            <a:endParaRPr lang="en-GB" dirty="0"/>
           </a:p>
         </p:txBody>
       </p:sp>
@@ -3224,6 +7581,13 @@
   <p:clrMapOvr>
     <a:masterClrMapping/>
   </p:clrMapOvr>
+  <p:timing>
+    <p:tnLst>
+      <p:par>
+        <p:cTn id="1" dur="indefinite" restart="never" nodeType="tmRoot"/>
+      </p:par>
+    </p:tnLst>
+  </p:timing>
 </p:sld>
 </file>
 
@@ -3278,16 +7642,136 @@
         </p:nvSpPr>
         <p:spPr/>
         <p:txBody>
-          <a:bodyPr/>
+          <a:bodyPr anchor="t"/>
           <a:lstStyle/>
           <a:p>
             <a:r>
               <a:rPr lang="en-GB" dirty="0"/>
-              <a:t>Super Smash Bros. (1999 – 2014)</a:t>
-            </a:r>
-          </a:p>
-        </p:txBody>
-      </p:sp>
+              <a:t>Super Smash Bros. (1999 – 2014</a:t>
+            </a:r>
+            <a:r>
+              <a:rPr lang="en-GB" dirty="0" smtClean="0"/>
+              <a:t>)</a:t>
+            </a:r>
+          </a:p>
+          <a:p>
+            <a:r>
+              <a:rPr lang="en-GB" dirty="0"/>
+              <a:t>Tekken (1994)</a:t>
+            </a:r>
+            <a:endParaRPr lang="en-GB" dirty="0" smtClean="0"/>
+          </a:p>
+          <a:p>
+            <a:r>
+              <a:rPr lang="en-GB" dirty="0" smtClean="0"/>
+              <a:t>Street Fighter 2 (1991)</a:t>
+            </a:r>
+          </a:p>
+          <a:p>
+            <a:endParaRPr lang="en-GB" dirty="0"/>
+          </a:p>
+        </p:txBody>
+      </p:sp>
+      <p:pic>
+        <p:nvPicPr>
+          <p:cNvPr id="4" name="Picture 3"/>
+          <p:cNvPicPr>
+            <a:picLocks noChangeAspect="1"/>
+          </p:cNvPicPr>
+          <p:nvPr/>
+        </p:nvPicPr>
+        <p:blipFill>
+          <a:blip r:embed="rId3"/>
+          <a:stretch>
+            <a:fillRect/>
+          </a:stretch>
+        </p:blipFill>
+        <p:spPr>
+          <a:xfrm>
+            <a:off x="6238875" y="1646765"/>
+            <a:ext cx="5797549" cy="5028206"/>
+          </a:xfrm>
+          <a:prstGeom prst="rect">
+            <a:avLst/>
+          </a:prstGeom>
+        </p:spPr>
+      </p:pic>
+      <p:pic>
+        <p:nvPicPr>
+          <p:cNvPr id="5" name="Picture 4"/>
+          <p:cNvPicPr>
+            <a:picLocks noChangeAspect="1"/>
+          </p:cNvPicPr>
+          <p:nvPr/>
+        </p:nvPicPr>
+        <p:blipFill>
+          <a:blip r:embed="rId4">
+            <a:clrChange>
+              <a:clrFrom>
+                <a:srgbClr val="FFFFFF"/>
+              </a:clrFrom>
+              <a:clrTo>
+                <a:srgbClr val="FFFFFF">
+                  <a:alpha val="0"/>
+                </a:srgbClr>
+              </a:clrTo>
+            </a:clrChange>
+          </a:blip>
+          <a:stretch>
+            <a:fillRect/>
+          </a:stretch>
+        </p:blipFill>
+        <p:spPr>
+          <a:xfrm>
+            <a:off x="3333750" y="4750822"/>
+            <a:ext cx="2387599" cy="1482263"/>
+          </a:xfrm>
+          <a:prstGeom prst="rect">
+            <a:avLst/>
+          </a:prstGeom>
+        </p:spPr>
+      </p:pic>
+      <p:pic>
+        <p:nvPicPr>
+          <p:cNvPr id="1026" name="Picture 2" descr="http://vignette1.wikia.nocookie.net/capcomdatabase/images/f/f1/SFIILogo.png/revision/latest?cb=20110110173220"/>
+          <p:cNvPicPr>
+            <a:picLocks noChangeAspect="1" noChangeArrowheads="1"/>
+          </p:cNvPicPr>
+          <p:nvPr/>
+        </p:nvPicPr>
+        <p:blipFill>
+          <a:blip r:embed="rId5">
+            <a:extLst>
+              <a:ext uri="{28A0092B-C50C-407E-A947-70E740481C1C}">
+                <a14:useLocalDpi xmlns:a14="http://schemas.microsoft.com/office/drawing/2010/main" val="0"/>
+              </a:ext>
+            </a:extLst>
+          </a:blip>
+          <a:srcRect/>
+          <a:stretch>
+            <a:fillRect/>
+          </a:stretch>
+        </p:blipFill>
+        <p:spPr bwMode="auto">
+          <a:xfrm>
+            <a:off x="327888" y="4816996"/>
+            <a:ext cx="2488336" cy="1416090"/>
+          </a:xfrm>
+          <a:prstGeom prst="rect">
+            <a:avLst/>
+          </a:prstGeom>
+          <a:noFill/>
+          <a:extLst>
+            <a:ext uri="{909E8E84-426E-40DD-AFC4-6F175D3DCCD1}">
+              <a14:hiddenFill xmlns:a14="http://schemas.microsoft.com/office/drawing/2010/main">
+                <a:solidFill>
+                  <a:srgbClr val="FFFFFF"/>
+                </a:solidFill>
+              </a14:hiddenFill>
+            </a:ext>
+          </a:extLst>
+        </p:spPr>
+      </p:pic>
     </p:spTree>
     <p:extLst>
       <p:ext uri="{BB962C8B-B14F-4D97-AF65-F5344CB8AC3E}">
@@ -3298,6 +7782,13 @@
   <p:clrMapOvr>
     <a:masterClrMapping/>
   </p:clrMapOvr>
+  <p:timing>
+    <p:tnLst>
+      <p:par>
+        <p:cTn id="1" dur="indefinite" restart="never" nodeType="tmRoot"/>
+      </p:par>
+    </p:tnLst>
+  </p:timing>
 </p:sld>
 </file>
 
@@ -3335,8 +7826,13 @@
           <a:p>
             <a:r>
               <a:rPr lang="en-GB" dirty="0"/>
-              <a:t>Our Focus &amp; Goal</a:t>
-            </a:r>
+              <a:t>Our </a:t>
+            </a:r>
+            <a:r>
+              <a:rPr lang="en-GB" dirty="0" smtClean="0"/>
+              <a:t>goal &amp; Focus</a:t>
+            </a:r>
+            <a:endParaRPr lang="en-GB" dirty="0"/>
           </a:p>
         </p:txBody>
       </p:sp>
@@ -3352,10 +7848,71 @@
         </p:nvSpPr>
         <p:spPr/>
         <p:txBody>
-          <a:bodyPr/>
-          <a:lstStyle/>
-          <a:p>
-            <a:endParaRPr lang="en-GB"/>
+          <a:bodyPr anchor="t"/>
+          <a:lstStyle/>
+          <a:p>
+            <a:pPr marL="0" indent="0">
+              <a:buNone/>
+            </a:pPr>
+            <a:r>
+              <a:rPr lang="en-GB" dirty="0" smtClean="0"/>
+              <a:t>… is to produce a game containing various multiplayer features, such as:</a:t>
+            </a:r>
+          </a:p>
+          <a:p>
+            <a:pPr marL="457200" indent="-457200">
+              <a:buFont typeface="+mj-lt"/>
+              <a:buAutoNum type="arabicPeriod"/>
+            </a:pPr>
+            <a:r>
+              <a:rPr lang="en-GB" dirty="0" smtClean="0"/>
+              <a:t>Chat Systems</a:t>
+            </a:r>
+          </a:p>
+          <a:p>
+            <a:pPr marL="457200" indent="-457200">
+              <a:buFont typeface="+mj-lt"/>
+              <a:buAutoNum type="arabicPeriod"/>
+            </a:pPr>
+            <a:r>
+              <a:rPr lang="en-GB" dirty="0" smtClean="0"/>
+              <a:t>Hosting and Joining Sessions</a:t>
+            </a:r>
+          </a:p>
+          <a:p>
+            <a:pPr marL="457200" indent="-457200">
+              <a:buFont typeface="+mj-lt"/>
+              <a:buAutoNum type="arabicPeriod"/>
+            </a:pPr>
+            <a:r>
+              <a:rPr lang="en-GB" dirty="0" smtClean="0"/>
+              <a:t>Spectating Sessions</a:t>
+            </a:r>
+          </a:p>
+          <a:p>
+            <a:pPr marL="457200" indent="-457200">
+              <a:buFont typeface="+mj-lt"/>
+              <a:buAutoNum type="arabicPeriod"/>
+            </a:pPr>
+            <a:r>
+              <a:rPr lang="en-GB" dirty="0" smtClean="0"/>
+              <a:t>Leader boards</a:t>
+            </a:r>
+          </a:p>
+          <a:p>
+            <a:pPr marL="0" indent="0">
+              <a:buNone/>
+            </a:pPr>
+            <a:endParaRPr lang="en-GB" dirty="0" smtClean="0"/>
+          </a:p>
+          <a:p>
+            <a:pPr marL="0" indent="0">
+              <a:buNone/>
+            </a:pPr>
+            <a:r>
+              <a:rPr lang="en-GB" dirty="0" smtClean="0"/>
+              <a:t>We hope to include more features as the game progresses</a:t>
+            </a:r>
           </a:p>
         </p:txBody>
       </p:sp>
@@ -3369,6 +7926,13 @@
   <p:clrMapOvr>
     <a:masterClrMapping/>
   </p:clrMapOvr>
+  <p:timing>
+    <p:tnLst>
+      <p:par>
+        <p:cTn id="1" dur="indefinite" restart="never" nodeType="tmRoot"/>
+      </p:par>
+    </p:tnLst>
+  </p:timing>
 </p:sld>
 </file>
 
@@ -3421,10 +7985,273 @@
   <p:clrMapOvr>
     <a:masterClrMapping/>
   </p:clrMapOvr>
+  <p:timing>
+    <p:tnLst>
+      <p:par>
+        <p:cTn id="1" dur="indefinite" restart="never" nodeType="tmRoot"/>
+      </p:par>
+    </p:tnLst>
+  </p:timing>
 </p:sld>
 </file>
 
 <file path=ppt/theme/theme1.xml><?xml version="1.0" encoding="utf-8"?>
+<a:theme xmlns:a="http://schemas.openxmlformats.org/drawingml/2006/main" name="Mesh">
+  <a:themeElements>
+    <a:clrScheme name="Mesh">
+      <a:dk1>
+        <a:sysClr val="windowText" lastClr="000000"/>
+      </a:dk1>
+      <a:lt1>
+        <a:sysClr val="window" lastClr="FFFFFF"/>
+      </a:lt1>
+      <a:dk2>
+        <a:srgbClr val="363D46"/>
+      </a:dk2>
+      <a:lt2>
+        <a:srgbClr val="EBEBEB"/>
+      </a:lt2>
+      <a:accent1>
+        <a:srgbClr val="6F6F6F"/>
+      </a:accent1>
+      <a:accent2>
+        <a:srgbClr val="BFBFA5"/>
+      </a:accent2>
+      <a:accent3>
+        <a:srgbClr val="DCD084"/>
+      </a:accent3>
+      <a:accent4>
+        <a:srgbClr val="E7BF5F"/>
+      </a:accent4>
+      <a:accent5>
+        <a:srgbClr val="E9A039"/>
+      </a:accent5>
+      <a:accent6>
+        <a:srgbClr val="CF7133"/>
+      </a:accent6>
+      <a:hlink>
+        <a:srgbClr val="F28943"/>
+      </a:hlink>
+      <a:folHlink>
+        <a:srgbClr val="F1B76C"/>
+      </a:folHlink>
+    </a:clrScheme>
+    <a:fontScheme name="Mesh">
+      <a:majorFont>
+        <a:latin typeface="Century Gothic" panose="020B0502020202020204"/>
+        <a:ea typeface=""/>
+        <a:cs typeface=""/>
+        <a:font script="Jpan" typeface="ＭＳ ゴシック"/>
+        <a:font script="Hang" typeface="맑은 고딕"/>
+        <a:font script="Hans" typeface="宋体"/>
+        <a:font script="Hant" typeface="新細明體"/>
+        <a:font script="Arab" typeface="Tahoma"/>
+        <a:font script="Hebr" typeface="Gisha"/>
+        <a:font script="Thai" typeface="DilleniaUPC"/>
+        <a:font script="Ethi" typeface="Nyala"/>
+        <a:font script="Beng" typeface="Vrinda"/>
+        <a:font script="Gujr" typeface="Shruti"/>
+        <a:font script="Khmr" typeface="DaunPenh"/>
+        <a:font script="Knda" typeface="Tunga"/>
+        <a:font script="Guru" typeface="Raavi"/>
+        <a:font script="Cans" typeface="Euphemia"/>
+        <a:font script="Cher" typeface="Plantagenet Cherokee"/>
+        <a:font script="Yiii" typeface="Microsoft Yi Baiti"/>
+        <a:font script="Tibt" typeface="Microsoft Himalaya"/>
+        <a:font script="Thaa" typeface="MV Boli"/>
+        <a:font script="Deva" typeface="Mangal"/>
+        <a:font script="Telu" typeface="Gautami"/>
+        <a:font script="Taml" typeface="Latha"/>
+        <a:font script="Syrc" typeface="Estrangelo Edessa"/>
+        <a:font script="Orya" typeface="Kalinga"/>
+        <a:font script="Mlym" typeface="Kartika"/>
+        <a:font script="Laoo" typeface="DokChampa"/>
+        <a:font script="Sinh" typeface="Iskoola Pota"/>
+        <a:font script="Mong" typeface="Mongolian Baiti"/>
+        <a:font script="Viet" typeface="Tahoma"/>
+        <a:font script="Uigh" typeface="Microsoft Uighur"/>
+        <a:font script="Geor" typeface="Sylfaen"/>
+      </a:majorFont>
+      <a:minorFont>
+        <a:latin typeface="Century Gothic" panose="020B0502020202020204"/>
+        <a:ea typeface=""/>
+        <a:cs typeface=""/>
+        <a:font script="Jpan" typeface="ＭＳ ゴシック"/>
+        <a:font script="Hang" typeface="맑은 고딕"/>
+        <a:font script="Hans" typeface="宋体"/>
+        <a:font script="Hant" typeface="新細明體"/>
+        <a:font script="Arab" typeface="Tahoma"/>
+        <a:font script="Hebr" typeface="Gisha"/>
+        <a:font script="Thai" typeface="DilleniaUPC"/>
+        <a:font script="Ethi" typeface="Nyala"/>
+        <a:font script="Beng" typeface="Vrinda"/>
+        <a:font script="Gujr" typeface="Shruti"/>
+        <a:font script="Khmr" typeface="DaunPenh"/>
+        <a:font script="Knda" typeface="Tunga"/>
+        <a:font script="Guru" typeface="Raavi"/>
+        <a:font script="Cans" typeface="Euphemia"/>
+        <a:font script="Cher" typeface="Plantagenet Cherokee"/>
+        <a:font script="Yiii" typeface="Microsoft Yi Baiti"/>
+        <a:font script="Tibt" typeface="Microsoft Himalaya"/>
+        <a:font script="Thaa" typeface="MV Boli"/>
+        <a:font script="Deva" typeface="Mangal"/>
+        <a:font script="Telu" typeface="Gautami"/>
+        <a:font script="Taml" typeface="Latha"/>
+        <a:font script="Syrc" typeface="Estrangelo Edessa"/>
+        <a:font script="Orya" typeface="Kalinga"/>
+        <a:font script="Mlym" typeface="Kartika"/>
+        <a:font script="Laoo" typeface="DokChampa"/>
+        <a:font script="Sinh" typeface="Iskoola Pota"/>
+        <a:font script="Mong" typeface="Mongolian Baiti"/>
+        <a:font script="Viet" typeface="Verdana"/>
+        <a:font script="Uigh" typeface="Microsoft Uighur"/>
+        <a:font script="Geor" typeface="Sylfaen"/>
+      </a:minorFont>
+    </a:fontScheme>
+    <a:fmtScheme name="Mesh">
+      <a:fillStyleLst>
+        <a:solidFill>
+          <a:schemeClr val="phClr"/>
+        </a:solidFill>
+        <a:gradFill rotWithShape="1">
+          <a:gsLst>
+            <a:gs pos="0">
+              <a:schemeClr val="phClr">
+                <a:tint val="60000"/>
+                <a:lumMod val="110000"/>
+              </a:schemeClr>
+            </a:gs>
+            <a:gs pos="100000">
+              <a:schemeClr val="phClr">
+                <a:tint val="82000"/>
+              </a:schemeClr>
+            </a:gs>
+          </a:gsLst>
+          <a:lin ang="5400000" scaled="0"/>
+        </a:gradFill>
+        <a:gradFill rotWithShape="1">
+          <a:gsLst>
+            <a:gs pos="0">
+              <a:schemeClr val="phClr">
+                <a:tint val="96000"/>
+                <a:lumMod val="104000"/>
+              </a:schemeClr>
+            </a:gs>
+            <a:gs pos="100000">
+              <a:schemeClr val="phClr">
+                <a:shade val="84000"/>
+                <a:lumMod val="84000"/>
+              </a:schemeClr>
+            </a:gs>
+          </a:gsLst>
+          <a:lin ang="5400000" scaled="0"/>
+        </a:gradFill>
+      </a:fillStyleLst>
+      <a:lnStyleLst>
+        <a:ln w="9525" cap="rnd" cmpd="sng" algn="ctr">
+          <a:solidFill>
+            <a:schemeClr val="phClr"/>
+          </a:solidFill>
+          <a:prstDash val="solid"/>
+        </a:ln>
+        <a:ln w="19050" cap="rnd" cmpd="sng" algn="ctr">
+          <a:solidFill>
+            <a:schemeClr val="phClr"/>
+          </a:solidFill>
+          <a:prstDash val="solid"/>
+        </a:ln>
+        <a:ln w="25400" cap="rnd" cmpd="sng" algn="ctr">
+          <a:solidFill>
+            <a:schemeClr val="phClr"/>
+          </a:solidFill>
+          <a:prstDash val="solid"/>
+        </a:ln>
+      </a:lnStyleLst>
+      <a:effectStyleLst>
+        <a:effectStyle>
+          <a:effectLst/>
+        </a:effectStyle>
+        <a:effectStyle>
+          <a:effectLst>
+            <a:innerShdw blurRad="50800" dist="25400" dir="13500000">
+              <a:srgbClr val="000000">
+                <a:alpha val="55000"/>
+              </a:srgbClr>
+            </a:innerShdw>
+          </a:effectLst>
+        </a:effectStyle>
+        <a:effectStyle>
+          <a:effectLst>
+            <a:outerShdw blurRad="50800" dist="38100" dir="5400000" rotWithShape="0">
+              <a:srgbClr val="000000">
+                <a:alpha val="60000"/>
+              </a:srgbClr>
+            </a:outerShdw>
+          </a:effectLst>
+          <a:scene3d>
+            <a:camera prst="orthographicFront">
+              <a:rot lat="0" lon="0" rev="0"/>
+            </a:camera>
+            <a:lightRig rig="threePt" dir="tl"/>
+          </a:scene3d>
+          <a:sp3d>
+            <a:bevelT w="25400" h="25400" prst="slope"/>
+          </a:sp3d>
+        </a:effectStyle>
+      </a:effectStyleLst>
+      <a:bgFillStyleLst>
+        <a:solidFill>
+          <a:schemeClr val="phClr"/>
+        </a:solidFill>
+        <a:gradFill rotWithShape="1">
+          <a:gsLst>
+            <a:gs pos="0">
+              <a:schemeClr val="phClr">
+                <a:tint val="90000"/>
+                <a:lumMod val="110000"/>
+              </a:schemeClr>
+            </a:gs>
+            <a:gs pos="100000">
+              <a:schemeClr val="phClr">
+                <a:shade val="64000"/>
+                <a:lumMod val="98000"/>
+              </a:schemeClr>
+            </a:gs>
+          </a:gsLst>
+          <a:lin ang="5400000" scaled="0"/>
+        </a:gradFill>
+        <a:blipFill rotWithShape="1">
+          <a:blip xmlns:r="http://schemas.openxmlformats.org/officeDocument/2006/relationships" r:embed="rId1">
+            <a:duotone>
+              <a:schemeClr val="phClr">
+                <a:shade val="28000"/>
+                <a:satMod val="94000"/>
+                <a:lumMod val="20000"/>
+              </a:schemeClr>
+              <a:schemeClr val="phClr">
+                <a:tint val="94000"/>
+                <a:shade val="84000"/>
+                <a:satMod val="148000"/>
+                <a:lumMod val="114000"/>
+              </a:schemeClr>
+            </a:duotone>
+          </a:blip>
+          <a:stretch/>
+        </a:blipFill>
+      </a:bgFillStyleLst>
+    </a:fmtScheme>
+  </a:themeElements>
+  <a:objectDefaults/>
+  <a:extraClrSchemeLst/>
+  <a:extLst>
+    <a:ext uri="{05A4C25C-085E-4340-85A3-A5531E510DB2}">
+      <thm15:themeFamily xmlns:thm15="http://schemas.microsoft.com/office/thememl/2012/main" name="Mesh" id="{789EC3FE-34FD-429C-9918-760025E6C145}" vid="{B8BE45C0-8141-4D58-8C71-A009BC26FBBB}"/>
+    </a:ext>
+  </a:extLst>
+</a:theme>
+</file>
+
+<file path=ppt/theme/theme2.xml><?xml version="1.0" encoding="utf-8"?>
 <a:theme xmlns:a="http://schemas.openxmlformats.org/drawingml/2006/main" name="Office Theme">
   <a:themeElements>
     <a:clrScheme name="Office">
@@ -3441,7 +8268,7 @@
         <a:srgbClr val="E7E6E6"/>
       </a:lt2>
       <a:accent1>
-        <a:srgbClr val="4472C4"/>
+        <a:srgbClr val="5B9BD5"/>
       </a:accent1>
       <a:accent2>
         <a:srgbClr val="ED7D31"/>
@@ -3453,7 +8280,7 @@
         <a:srgbClr val="FFC000"/>
       </a:accent4>
       <a:accent5>
-        <a:srgbClr val="5B9BD5"/>
+        <a:srgbClr val="4472C4"/>
       </a:accent5>
       <a:accent6>
         <a:srgbClr val="70AD47"/>
@@ -3500,23 +8327,6 @@
         <a:font script="Viet" typeface="Times New Roman"/>
         <a:font script="Uigh" typeface="Microsoft Uighur"/>
         <a:font script="Geor" typeface="Sylfaen"/>
-        <a:font script="Armn" typeface="Arial"/>
-        <a:font script="Bugi" typeface="Leelawadee UI"/>
-        <a:font script="Bopo" typeface="Microsoft JhengHei"/>
-        <a:font script="Java" typeface="Javanese Text"/>
-        <a:font script="Lisu" typeface="Segoe UI"/>
-        <a:font script="Mymr" typeface="Myanmar Text"/>
-        <a:font script="Nkoo" typeface="Ebrima"/>
-        <a:font script="Olck" typeface="Nirmala UI"/>
-        <a:font script="Osma" typeface="Ebrima"/>
-        <a:font script="Phag" typeface="Phagspa"/>
-        <a:font script="Syrn" typeface="Estrangelo Edessa"/>
-        <a:font script="Syrj" typeface="Estrangelo Edessa"/>
-        <a:font script="Syre" typeface="Estrangelo Edessa"/>
-        <a:font script="Sora" typeface="Nirmala UI"/>
-        <a:font script="Tale" typeface="Microsoft Tai Le"/>
-        <a:font script="Talu" typeface="Microsoft New Tai Lue"/>
-        <a:font script="Tfng" typeface="Ebrima"/>
       </a:majorFont>
       <a:minorFont>
         <a:latin typeface="Calibri" panose="020F0502020204030204"/>
@@ -3552,23 +8362,6 @@
         <a:font script="Viet" typeface="Arial"/>
         <a:font script="Uigh" typeface="Microsoft Uighur"/>
         <a:font script="Geor" typeface="Sylfaen"/>
-        <a:font script="Armn" typeface="Arial"/>
-        <a:font script="Bugi" typeface="Leelawadee UI"/>
-        <a:font script="Bopo" typeface="Microsoft JhengHei"/>
-        <a:font script="Java" typeface="Javanese Text"/>
-        <a:font script="Lisu" typeface="Segoe UI"/>
-        <a:font script="Mymr" typeface="Myanmar Text"/>
-        <a:font script="Nkoo" typeface="Ebrima"/>
-        <a:font script="Olck" typeface="Nirmala UI"/>
-        <a:font script="Osma" typeface="Ebrima"/>
-        <a:font script="Phag" typeface="Phagspa"/>
-        <a:font script="Syrn" typeface="Estrangelo Edessa"/>
-        <a:font script="Syrj" typeface="Estrangelo Edessa"/>
-        <a:font script="Syre" typeface="Estrangelo Edessa"/>
-        <a:font script="Sora" typeface="Nirmala UI"/>
-        <a:font script="Tale" typeface="Microsoft Tai Le"/>
-        <a:font script="Talu" typeface="Microsoft New Tai Lue"/>
-        <a:font script="Tfng" typeface="Ebrima"/>
       </a:minorFont>
     </a:fontScheme>
     <a:fmtScheme name="Office">
